--- a/Info Visulization Presentation.pptx
+++ b/Info Visulization Presentation.pptx
@@ -1,52 +1,52 @@
 
 <file path=ppt/presentation.xml><?xml version="1.0" encoding="utf-8"?>
-<p:presentation xmlns:a="http://schemas.openxmlformats.org/drawingml/2006/main" xmlns:r="http://schemas.openxmlformats.org/officeDocument/2006/relationships" xmlns:mc="http://schemas.openxmlformats.org/markup-compatibility/2006" xmlns:mv="urn:schemas-microsoft-com:mac:vml" xmlns:p="http://schemas.openxmlformats.org/presentationml/2006/main" xmlns:c="http://schemas.openxmlformats.org/drawingml/2006/chart" xmlns:dgm="http://schemas.openxmlformats.org/drawingml/2006/diagram" xmlns:o="urn:schemas-microsoft-com:office:office" xmlns:v="urn:schemas-microsoft-com:vml" xmlns:pvml="urn:schemas-microsoft-com:office:powerpoint" xmlns:com="http://schemas.openxmlformats.org/drawingml/2006/compatibility" xmlns:p14="http://schemas.microsoft.com/office/powerpoint/2010/main" xmlns:p15="http://schemas.microsoft.com/office/powerpoint/2012/main" autoCompressPictures="0" embedTrueTypeFonts="1" strictFirstAndLastChars="0" saveSubsetFonts="1" showSpecialPlsOnTitleSld="0">
+<p:presentation xmlns:a="http://schemas.openxmlformats.org/drawingml/2006/main" xmlns:r="http://schemas.openxmlformats.org/officeDocument/2006/relationships" xmlns:p="http://schemas.openxmlformats.org/presentationml/2006/main" showSpecialPlsOnTitleSld="0" strictFirstAndLastChars="0" embedTrueTypeFonts="1" saveSubsetFonts="1" autoCompressPictures="0">
   <p:sldMasterIdLst>
-    <p:sldMasterId id="2147483660" r:id="rId3"/>
+    <p:sldMasterId id="2147483660" r:id="rId1"/>
   </p:sldMasterIdLst>
   <p:notesMasterIdLst>
-    <p:notesMasterId r:id="rId4"/>
+    <p:notesMasterId r:id="rId20"/>
   </p:notesMasterIdLst>
   <p:sldIdLst>
-    <p:sldId id="256" r:id="rId5"/>
-    <p:sldId id="257" r:id="rId6"/>
-    <p:sldId id="258" r:id="rId7"/>
-    <p:sldId id="259" r:id="rId8"/>
-    <p:sldId id="260" r:id="rId9"/>
-    <p:sldId id="261" r:id="rId10"/>
-    <p:sldId id="262" r:id="rId11"/>
-    <p:sldId id="263" r:id="rId12"/>
-    <p:sldId id="264" r:id="rId13"/>
-    <p:sldId id="265" r:id="rId14"/>
-    <p:sldId id="266" r:id="rId15"/>
-    <p:sldId id="267" r:id="rId16"/>
-    <p:sldId id="268" r:id="rId17"/>
-    <p:sldId id="269" r:id="rId18"/>
-    <p:sldId id="270" r:id="rId19"/>
-    <p:sldId id="271" r:id="rId20"/>
-    <p:sldId id="272" r:id="rId21"/>
-    <p:sldId id="273" r:id="rId22"/>
+    <p:sldId id="256" r:id="rId2"/>
+    <p:sldId id="257" r:id="rId3"/>
+    <p:sldId id="258" r:id="rId4"/>
+    <p:sldId id="259" r:id="rId5"/>
+    <p:sldId id="260" r:id="rId6"/>
+    <p:sldId id="261" r:id="rId7"/>
+    <p:sldId id="262" r:id="rId8"/>
+    <p:sldId id="263" r:id="rId9"/>
+    <p:sldId id="264" r:id="rId10"/>
+    <p:sldId id="265" r:id="rId11"/>
+    <p:sldId id="266" r:id="rId12"/>
+    <p:sldId id="267" r:id="rId13"/>
+    <p:sldId id="268" r:id="rId14"/>
+    <p:sldId id="269" r:id="rId15"/>
+    <p:sldId id="270" r:id="rId16"/>
+    <p:sldId id="271" r:id="rId17"/>
+    <p:sldId id="272" r:id="rId18"/>
+    <p:sldId id="273" r:id="rId19"/>
   </p:sldIdLst>
-  <p:sldSz cy="5143500" cx="9144000"/>
+  <p:sldSz cx="9144000" cy="5143500" type="screen16x9"/>
   <p:notesSz cx="6858000" cy="9144000"/>
   <p:embeddedFontLst>
     <p:embeddedFont>
-      <p:font typeface="Montserrat"/>
-      <p:regular r:id="rId23"/>
-      <p:bold r:id="rId24"/>
-      <p:italic r:id="rId25"/>
-      <p:boldItalic r:id="rId26"/>
+      <p:font typeface="Karla" panose="020B0604020202020204" charset="0"/>
+      <p:regular r:id="rId21"/>
+      <p:bold r:id="rId22"/>
+      <p:italic r:id="rId23"/>
+      <p:boldItalic r:id="rId24"/>
     </p:embeddedFont>
     <p:embeddedFont>
-      <p:font typeface="Karla"/>
-      <p:regular r:id="rId27"/>
-      <p:bold r:id="rId28"/>
-      <p:italic r:id="rId29"/>
-      <p:boldItalic r:id="rId30"/>
+      <p:font typeface="Montserrat" panose="020B0604020202020204" charset="0"/>
+      <p:regular r:id="rId25"/>
+      <p:bold r:id="rId26"/>
+      <p:italic r:id="rId27"/>
+      <p:boldItalic r:id="rId28"/>
     </p:embeddedFont>
   </p:embeddedFontLst>
   <p:defaultTextStyle>
-    <a:defPPr lvl="0" marR="0" rtl="0" algn="l">
+    <a:defPPr marR="0" lvl="0" algn="l" rtl="0">
       <a:lnSpc>
         <a:spcPct val="100000"/>
       </a:lnSpc>
@@ -57,7 +57,7 @@
         <a:spcPts val="0"/>
       </a:spcAft>
     </a:defPPr>
-    <a:lvl1pPr lvl="0" marR="0" rtl="0" algn="l">
+    <a:lvl1pPr marR="0" lvl="0" algn="l" rtl="0">
       <a:lnSpc>
         <a:spcPct val="100000"/>
       </a:lnSpc>
@@ -71,7 +71,7 @@
         <a:srgbClr val="000000"/>
       </a:buClr>
       <a:buFont typeface="Arial"/>
-      <a:defRPr b="0" i="0" sz="1400" u="none" cap="none" strike="noStrike">
+      <a:defRPr sz="1400" b="0" i="0" u="none" strike="noStrike" cap="none">
         <a:solidFill>
           <a:srgbClr val="000000"/>
         </a:solidFill>
@@ -81,7 +81,7 @@
         <a:sym typeface="Arial"/>
       </a:defRPr>
     </a:lvl1pPr>
-    <a:lvl2pPr lvl="1" marR="0" rtl="0" algn="l">
+    <a:lvl2pPr marR="0" lvl="1" algn="l" rtl="0">
       <a:lnSpc>
         <a:spcPct val="100000"/>
       </a:lnSpc>
@@ -95,7 +95,7 @@
         <a:srgbClr val="000000"/>
       </a:buClr>
       <a:buFont typeface="Arial"/>
-      <a:defRPr b="0" i="0" sz="1400" u="none" cap="none" strike="noStrike">
+      <a:defRPr sz="1400" b="0" i="0" u="none" strike="noStrike" cap="none">
         <a:solidFill>
           <a:srgbClr val="000000"/>
         </a:solidFill>
@@ -105,7 +105,7 @@
         <a:sym typeface="Arial"/>
       </a:defRPr>
     </a:lvl2pPr>
-    <a:lvl3pPr lvl="2" marR="0" rtl="0" algn="l">
+    <a:lvl3pPr marR="0" lvl="2" algn="l" rtl="0">
       <a:lnSpc>
         <a:spcPct val="100000"/>
       </a:lnSpc>
@@ -119,7 +119,7 @@
         <a:srgbClr val="000000"/>
       </a:buClr>
       <a:buFont typeface="Arial"/>
-      <a:defRPr b="0" i="0" sz="1400" u="none" cap="none" strike="noStrike">
+      <a:defRPr sz="1400" b="0" i="0" u="none" strike="noStrike" cap="none">
         <a:solidFill>
           <a:srgbClr val="000000"/>
         </a:solidFill>
@@ -129,7 +129,7 @@
         <a:sym typeface="Arial"/>
       </a:defRPr>
     </a:lvl3pPr>
-    <a:lvl4pPr lvl="3" marR="0" rtl="0" algn="l">
+    <a:lvl4pPr marR="0" lvl="3" algn="l" rtl="0">
       <a:lnSpc>
         <a:spcPct val="100000"/>
       </a:lnSpc>
@@ -143,7 +143,7 @@
         <a:srgbClr val="000000"/>
       </a:buClr>
       <a:buFont typeface="Arial"/>
-      <a:defRPr b="0" i="0" sz="1400" u="none" cap="none" strike="noStrike">
+      <a:defRPr sz="1400" b="0" i="0" u="none" strike="noStrike" cap="none">
         <a:solidFill>
           <a:srgbClr val="000000"/>
         </a:solidFill>
@@ -153,7 +153,7 @@
         <a:sym typeface="Arial"/>
       </a:defRPr>
     </a:lvl4pPr>
-    <a:lvl5pPr lvl="4" marR="0" rtl="0" algn="l">
+    <a:lvl5pPr marR="0" lvl="4" algn="l" rtl="0">
       <a:lnSpc>
         <a:spcPct val="100000"/>
       </a:lnSpc>
@@ -167,7 +167,7 @@
         <a:srgbClr val="000000"/>
       </a:buClr>
       <a:buFont typeface="Arial"/>
-      <a:defRPr b="0" i="0" sz="1400" u="none" cap="none" strike="noStrike">
+      <a:defRPr sz="1400" b="0" i="0" u="none" strike="noStrike" cap="none">
         <a:solidFill>
           <a:srgbClr val="000000"/>
         </a:solidFill>
@@ -177,7 +177,7 @@
         <a:sym typeface="Arial"/>
       </a:defRPr>
     </a:lvl5pPr>
-    <a:lvl6pPr lvl="5" marR="0" rtl="0" algn="l">
+    <a:lvl6pPr marR="0" lvl="5" algn="l" rtl="0">
       <a:lnSpc>
         <a:spcPct val="100000"/>
       </a:lnSpc>
@@ -191,7 +191,7 @@
         <a:srgbClr val="000000"/>
       </a:buClr>
       <a:buFont typeface="Arial"/>
-      <a:defRPr b="0" i="0" sz="1400" u="none" cap="none" strike="noStrike">
+      <a:defRPr sz="1400" b="0" i="0" u="none" strike="noStrike" cap="none">
         <a:solidFill>
           <a:srgbClr val="000000"/>
         </a:solidFill>
@@ -201,7 +201,7 @@
         <a:sym typeface="Arial"/>
       </a:defRPr>
     </a:lvl6pPr>
-    <a:lvl7pPr lvl="6" marR="0" rtl="0" algn="l">
+    <a:lvl7pPr marR="0" lvl="6" algn="l" rtl="0">
       <a:lnSpc>
         <a:spcPct val="100000"/>
       </a:lnSpc>
@@ -215,7 +215,7 @@
         <a:srgbClr val="000000"/>
       </a:buClr>
       <a:buFont typeface="Arial"/>
-      <a:defRPr b="0" i="0" sz="1400" u="none" cap="none" strike="noStrike">
+      <a:defRPr sz="1400" b="0" i="0" u="none" strike="noStrike" cap="none">
         <a:solidFill>
           <a:srgbClr val="000000"/>
         </a:solidFill>
@@ -225,7 +225,7 @@
         <a:sym typeface="Arial"/>
       </a:defRPr>
     </a:lvl7pPr>
-    <a:lvl8pPr lvl="7" marR="0" rtl="0" algn="l">
+    <a:lvl8pPr marR="0" lvl="7" algn="l" rtl="0">
       <a:lnSpc>
         <a:spcPct val="100000"/>
       </a:lnSpc>
@@ -239,7 +239,7 @@
         <a:srgbClr val="000000"/>
       </a:buClr>
       <a:buFont typeface="Arial"/>
-      <a:defRPr b="0" i="0" sz="1400" u="none" cap="none" strike="noStrike">
+      <a:defRPr sz="1400" b="0" i="0" u="none" strike="noStrike" cap="none">
         <a:solidFill>
           <a:srgbClr val="000000"/>
         </a:solidFill>
@@ -249,7 +249,7 @@
         <a:sym typeface="Arial"/>
       </a:defRPr>
     </a:lvl8pPr>
-    <a:lvl9pPr lvl="8" marR="0" rtl="0" algn="l">
+    <a:lvl9pPr marR="0" lvl="8" algn="l" rtl="0">
       <a:lnSpc>
         <a:spcPct val="100000"/>
       </a:lnSpc>
@@ -263,7 +263,7 @@
         <a:srgbClr val="000000"/>
       </a:buClr>
       <a:buFont typeface="Arial"/>
-      <a:defRPr b="0" i="0" sz="1400" u="none" cap="none" strike="noStrike">
+      <a:defRPr sz="1400" b="0" i="0" u="none" strike="noStrike" cap="none">
         <a:solidFill>
           <a:srgbClr val="000000"/>
         </a:solidFill>
@@ -278,11 +278,16 @@
 </file>
 
 <file path=ppt/notesMasters/notesMaster1.xml><?xml version="1.0" encoding="utf-8"?>
-<p:notesMaster xmlns:a="http://schemas.openxmlformats.org/drawingml/2006/main" xmlns:r="http://schemas.openxmlformats.org/officeDocument/2006/relationships" xmlns:mc="http://schemas.openxmlformats.org/markup-compatibility/2006" xmlns:mv="urn:schemas-microsoft-com:mac:vml" xmlns:p="http://schemas.openxmlformats.org/presentationml/2006/main" xmlns:c="http://schemas.openxmlformats.org/drawingml/2006/chart" xmlns:dgm="http://schemas.openxmlformats.org/drawingml/2006/diagram" xmlns:o="urn:schemas-microsoft-com:office:office" xmlns:v="urn:schemas-microsoft-com:vml" xmlns:pvml="urn:schemas-microsoft-com:office:powerpoint" xmlns:com="http://schemas.openxmlformats.org/drawingml/2006/compatibility" xmlns:p14="http://schemas.microsoft.com/office/powerpoint/2010/main" xmlns:p15="http://schemas.microsoft.com/office/powerpoint/2012/main">
+<p:notesMaster xmlns:a="http://schemas.openxmlformats.org/drawingml/2006/main" xmlns:r="http://schemas.openxmlformats.org/officeDocument/2006/relationships" xmlns:p="http://schemas.openxmlformats.org/presentationml/2006/main">
   <p:cSld>
+    <p:bg>
+      <p:bgRef idx="1001">
+        <a:schemeClr val="bg1"/>
+      </p:bgRef>
+    </p:bg>
     <p:spTree>
       <p:nvGrpSpPr>
-        <p:cNvPr id="2" name="Shape 2"/>
+        <p:cNvPr id="1" name="Shape 2"/>
         <p:cNvGrpSpPr/>
         <p:nvPr/>
       </p:nvGrpSpPr>
@@ -297,9 +302,11 @@
       <p:sp>
         <p:nvSpPr>
           <p:cNvPr id="3" name="Google Shape;3;n"/>
-          <p:cNvSpPr/>
+          <p:cNvSpPr>
+            <a:spLocks noGrp="1" noRot="1" noChangeAspect="1"/>
+          </p:cNvSpPr>
           <p:nvPr>
-            <p:ph idx="2" type="sldImg"/>
+            <p:ph type="sldImg" idx="2"/>
           </p:nvPr>
         </p:nvSpPr>
         <p:spPr>
@@ -308,9 +315,13 @@
             <a:ext cx="6096300" cy="3429000"/>
           </a:xfrm>
           <a:custGeom>
-            <a:rect b="b" l="l" r="r" t="t"/>
+            <a:avLst/>
+            <a:gdLst/>
+            <a:ahLst/>
+            <a:cxnLst/>
+            <a:rect l="l" t="t" r="r" b="b"/>
             <a:pathLst>
-              <a:path extrusionOk="0" h="120000" w="120000">
+              <a:path w="120000" h="120000" extrusionOk="0">
                 <a:moveTo>
                   <a:pt x="0" y="0"/>
                 </a:moveTo>
@@ -328,23 +339,25 @@
             </a:pathLst>
           </a:custGeom>
           <a:noFill/>
-          <a:ln cap="flat" cmpd="sng" w="9525">
+          <a:ln w="9525" cap="flat" cmpd="sng">
             <a:solidFill>
               <a:srgbClr val="000000"/>
             </a:solidFill>
             <a:prstDash val="solid"/>
             <a:round/>
-            <a:headEnd len="sm" w="sm" type="none"/>
-            <a:tailEnd len="sm" w="sm" type="none"/>
+            <a:headEnd type="none" w="sm" len="sm"/>
+            <a:tailEnd type="none" w="sm" len="sm"/>
           </a:ln>
         </p:spPr>
       </p:sp>
       <p:sp>
         <p:nvSpPr>
           <p:cNvPr id="4" name="Google Shape;4;n"/>
-          <p:cNvSpPr txBox="1"/>
+          <p:cNvSpPr txBox="1">
+            <a:spLocks noGrp="1"/>
+          </p:cNvSpPr>
           <p:nvPr>
-            <p:ph idx="1" type="body"/>
+            <p:ph type="body" idx="1"/>
           </p:nvPr>
         </p:nvSpPr>
         <p:spPr>
@@ -361,11 +374,11 @@
           </a:ln>
         </p:spPr>
         <p:txBody>
-          <a:bodyPr anchorCtr="0" anchor="t" bIns="91425" lIns="91425" spcFirstLastPara="1" rIns="91425" wrap="square" tIns="91425">
+          <a:bodyPr spcFirstLastPara="1" wrap="square" lIns="91425" tIns="91425" rIns="91425" bIns="91425" anchor="t" anchorCtr="0">
             <a:noAutofit/>
           </a:bodyPr>
           <a:lstStyle>
-            <a:lvl1pPr indent="-317500" lvl="0" marL="457200">
+            <a:lvl1pPr marL="457200" lvl="0" indent="-317500">
               <a:spcBef>
                 <a:spcPts val="0"/>
               </a:spcBef>
@@ -376,7 +389,7 @@
               <a:buChar char="●"/>
               <a:defRPr sz="1100"/>
             </a:lvl1pPr>
-            <a:lvl2pPr indent="-317500" lvl="1" marL="914400">
+            <a:lvl2pPr marL="914400" lvl="1" indent="-317500">
               <a:spcBef>
                 <a:spcPts val="0"/>
               </a:spcBef>
@@ -387,7 +400,7 @@
               <a:buChar char="○"/>
               <a:defRPr sz="1100"/>
             </a:lvl2pPr>
-            <a:lvl3pPr indent="-317500" lvl="2" marL="1371600">
+            <a:lvl3pPr marL="1371600" lvl="2" indent="-317500">
               <a:spcBef>
                 <a:spcPts val="0"/>
               </a:spcBef>
@@ -398,7 +411,7 @@
               <a:buChar char="■"/>
               <a:defRPr sz="1100"/>
             </a:lvl3pPr>
-            <a:lvl4pPr indent="-317500" lvl="3" marL="1828800">
+            <a:lvl4pPr marL="1828800" lvl="3" indent="-317500">
               <a:spcBef>
                 <a:spcPts val="0"/>
               </a:spcBef>
@@ -409,7 +422,7 @@
               <a:buChar char="●"/>
               <a:defRPr sz="1100"/>
             </a:lvl4pPr>
-            <a:lvl5pPr indent="-317500" lvl="4" marL="2286000">
+            <a:lvl5pPr marL="2286000" lvl="4" indent="-317500">
               <a:spcBef>
                 <a:spcPts val="0"/>
               </a:spcBef>
@@ -420,7 +433,7 @@
               <a:buChar char="○"/>
               <a:defRPr sz="1100"/>
             </a:lvl5pPr>
-            <a:lvl6pPr indent="-317500" lvl="5" marL="2743200">
+            <a:lvl6pPr marL="2743200" lvl="5" indent="-317500">
               <a:spcBef>
                 <a:spcPts val="0"/>
               </a:spcBef>
@@ -431,7 +444,7 @@
               <a:buChar char="■"/>
               <a:defRPr sz="1100"/>
             </a:lvl6pPr>
-            <a:lvl7pPr indent="-317500" lvl="6" marL="3200400">
+            <a:lvl7pPr marL="3200400" lvl="6" indent="-317500">
               <a:spcBef>
                 <a:spcPts val="0"/>
               </a:spcBef>
@@ -442,7 +455,7 @@
               <a:buChar char="●"/>
               <a:defRPr sz="1100"/>
             </a:lvl7pPr>
-            <a:lvl8pPr indent="-317500" lvl="7" marL="3657600">
+            <a:lvl8pPr marL="3657600" lvl="7" indent="-317500">
               <a:spcBef>
                 <a:spcPts val="0"/>
               </a:spcBef>
@@ -453,7 +466,7 @@
               <a:buChar char="○"/>
               <a:defRPr sz="1100"/>
             </a:lvl8pPr>
-            <a:lvl9pPr indent="-317500" lvl="8" marL="4114800">
+            <a:lvl9pPr marL="4114800" lvl="8" indent="-317500">
               <a:spcBef>
                 <a:spcPts val="0"/>
               </a:spcBef>
@@ -465,14 +478,21 @@
               <a:defRPr sz="1100"/>
             </a:lvl9pPr>
           </a:lstStyle>
-          <a:p/>
+          <a:p>
+            <a:endParaRPr/>
+          </a:p>
         </p:txBody>
       </p:sp>
     </p:spTree>
+    <p:extLst>
+      <p:ext uri="{BB962C8B-B14F-4D97-AF65-F5344CB8AC3E}">
+        <p14:creationId xmlns:p14="http://schemas.microsoft.com/office/powerpoint/2010/main" val="1906017322"/>
+      </p:ext>
+    </p:extLst>
   </p:cSld>
-  <p:clrMap accent1="accent1" accent2="accent2" accent3="accent3" accent4="accent4" accent5="accent5" accent6="accent6" bg1="lt1" bg2="dk2" tx1="dk1" tx2="lt2" folHlink="folHlink" hlink="hlink"/>
+  <p:clrMap bg1="lt1" tx1="dk1" bg2="dk2" tx2="lt2" accent1="accent1" accent2="accent2" accent3="accent3" accent4="accent4" accent5="accent5" accent6="accent6" hlink="hlink" folHlink="folHlink"/>
   <p:notesStyle>
-    <a:defPPr lvl="0" marR="0" rtl="0" algn="l">
+    <a:defPPr marR="0" lvl="0" algn="l" rtl="0">
       <a:lnSpc>
         <a:spcPct val="100000"/>
       </a:lnSpc>
@@ -483,7 +503,7 @@
         <a:spcPts val="0"/>
       </a:spcAft>
     </a:defPPr>
-    <a:lvl1pPr lvl="0" marR="0" rtl="0" algn="l">
+    <a:lvl1pPr marR="0" lvl="0" algn="l" rtl="0">
       <a:lnSpc>
         <a:spcPct val="100000"/>
       </a:lnSpc>
@@ -497,7 +517,7 @@
         <a:srgbClr val="000000"/>
       </a:buClr>
       <a:buFont typeface="Arial"/>
-      <a:defRPr b="0" i="0" sz="1400" u="none" cap="none" strike="noStrike">
+      <a:defRPr sz="1400" b="0" i="0" u="none" strike="noStrike" cap="none">
         <a:solidFill>
           <a:srgbClr val="000000"/>
         </a:solidFill>
@@ -507,7 +527,7 @@
         <a:sym typeface="Arial"/>
       </a:defRPr>
     </a:lvl1pPr>
-    <a:lvl2pPr lvl="1" marR="0" rtl="0" algn="l">
+    <a:lvl2pPr marR="0" lvl="1" algn="l" rtl="0">
       <a:lnSpc>
         <a:spcPct val="100000"/>
       </a:lnSpc>
@@ -521,7 +541,7 @@
         <a:srgbClr val="000000"/>
       </a:buClr>
       <a:buFont typeface="Arial"/>
-      <a:defRPr b="0" i="0" sz="1400" u="none" cap="none" strike="noStrike">
+      <a:defRPr sz="1400" b="0" i="0" u="none" strike="noStrike" cap="none">
         <a:solidFill>
           <a:srgbClr val="000000"/>
         </a:solidFill>
@@ -531,7 +551,7 @@
         <a:sym typeface="Arial"/>
       </a:defRPr>
     </a:lvl2pPr>
-    <a:lvl3pPr lvl="2" marR="0" rtl="0" algn="l">
+    <a:lvl3pPr marR="0" lvl="2" algn="l" rtl="0">
       <a:lnSpc>
         <a:spcPct val="100000"/>
       </a:lnSpc>
@@ -545,7 +565,7 @@
         <a:srgbClr val="000000"/>
       </a:buClr>
       <a:buFont typeface="Arial"/>
-      <a:defRPr b="0" i="0" sz="1400" u="none" cap="none" strike="noStrike">
+      <a:defRPr sz="1400" b="0" i="0" u="none" strike="noStrike" cap="none">
         <a:solidFill>
           <a:srgbClr val="000000"/>
         </a:solidFill>
@@ -555,7 +575,7 @@
         <a:sym typeface="Arial"/>
       </a:defRPr>
     </a:lvl3pPr>
-    <a:lvl4pPr lvl="3" marR="0" rtl="0" algn="l">
+    <a:lvl4pPr marR="0" lvl="3" algn="l" rtl="0">
       <a:lnSpc>
         <a:spcPct val="100000"/>
       </a:lnSpc>
@@ -569,7 +589,7 @@
         <a:srgbClr val="000000"/>
       </a:buClr>
       <a:buFont typeface="Arial"/>
-      <a:defRPr b="0" i="0" sz="1400" u="none" cap="none" strike="noStrike">
+      <a:defRPr sz="1400" b="0" i="0" u="none" strike="noStrike" cap="none">
         <a:solidFill>
           <a:srgbClr val="000000"/>
         </a:solidFill>
@@ -579,7 +599,7 @@
         <a:sym typeface="Arial"/>
       </a:defRPr>
     </a:lvl4pPr>
-    <a:lvl5pPr lvl="4" marR="0" rtl="0" algn="l">
+    <a:lvl5pPr marR="0" lvl="4" algn="l" rtl="0">
       <a:lnSpc>
         <a:spcPct val="100000"/>
       </a:lnSpc>
@@ -593,7 +613,7 @@
         <a:srgbClr val="000000"/>
       </a:buClr>
       <a:buFont typeface="Arial"/>
-      <a:defRPr b="0" i="0" sz="1400" u="none" cap="none" strike="noStrike">
+      <a:defRPr sz="1400" b="0" i="0" u="none" strike="noStrike" cap="none">
         <a:solidFill>
           <a:srgbClr val="000000"/>
         </a:solidFill>
@@ -603,7 +623,7 @@
         <a:sym typeface="Arial"/>
       </a:defRPr>
     </a:lvl5pPr>
-    <a:lvl6pPr lvl="5" marR="0" rtl="0" algn="l">
+    <a:lvl6pPr marR="0" lvl="5" algn="l" rtl="0">
       <a:lnSpc>
         <a:spcPct val="100000"/>
       </a:lnSpc>
@@ -617,7 +637,7 @@
         <a:srgbClr val="000000"/>
       </a:buClr>
       <a:buFont typeface="Arial"/>
-      <a:defRPr b="0" i="0" sz="1400" u="none" cap="none" strike="noStrike">
+      <a:defRPr sz="1400" b="0" i="0" u="none" strike="noStrike" cap="none">
         <a:solidFill>
           <a:srgbClr val="000000"/>
         </a:solidFill>
@@ -627,7 +647,7 @@
         <a:sym typeface="Arial"/>
       </a:defRPr>
     </a:lvl6pPr>
-    <a:lvl7pPr lvl="6" marR="0" rtl="0" algn="l">
+    <a:lvl7pPr marR="0" lvl="6" algn="l" rtl="0">
       <a:lnSpc>
         <a:spcPct val="100000"/>
       </a:lnSpc>
@@ -641,7 +661,7 @@
         <a:srgbClr val="000000"/>
       </a:buClr>
       <a:buFont typeface="Arial"/>
-      <a:defRPr b="0" i="0" sz="1400" u="none" cap="none" strike="noStrike">
+      <a:defRPr sz="1400" b="0" i="0" u="none" strike="noStrike" cap="none">
         <a:solidFill>
           <a:srgbClr val="000000"/>
         </a:solidFill>
@@ -651,7 +671,7 @@
         <a:sym typeface="Arial"/>
       </a:defRPr>
     </a:lvl7pPr>
-    <a:lvl8pPr lvl="7" marR="0" rtl="0" algn="l">
+    <a:lvl8pPr marR="0" lvl="7" algn="l" rtl="0">
       <a:lnSpc>
         <a:spcPct val="100000"/>
       </a:lnSpc>
@@ -665,7 +685,7 @@
         <a:srgbClr val="000000"/>
       </a:buClr>
       <a:buFont typeface="Arial"/>
-      <a:defRPr b="0" i="0" sz="1400" u="none" cap="none" strike="noStrike">
+      <a:defRPr sz="1400" b="0" i="0" u="none" strike="noStrike" cap="none">
         <a:solidFill>
           <a:srgbClr val="000000"/>
         </a:solidFill>
@@ -675,7 +695,7 @@
         <a:sym typeface="Arial"/>
       </a:defRPr>
     </a:lvl8pPr>
-    <a:lvl9pPr lvl="8" marR="0" rtl="0" algn="l">
+    <a:lvl9pPr marR="0" lvl="8" algn="l" rtl="0">
       <a:lnSpc>
         <a:spcPct val="100000"/>
       </a:lnSpc>
@@ -689,7 +709,7 @@
         <a:srgbClr val="000000"/>
       </a:buClr>
       <a:buFont typeface="Arial"/>
-      <a:defRPr b="0" i="0" sz="1400" u="none" cap="none" strike="noStrike">
+      <a:defRPr sz="1400" b="0" i="0" u="none" strike="noStrike" cap="none">
         <a:solidFill>
           <a:srgbClr val="000000"/>
         </a:solidFill>
@@ -704,11 +724,11 @@
 </file>
 
 <file path=ppt/notesSlides/notesSlide1.xml><?xml version="1.0" encoding="utf-8"?>
-<p:notes xmlns:a="http://schemas.openxmlformats.org/drawingml/2006/main" xmlns:r="http://schemas.openxmlformats.org/officeDocument/2006/relationships" xmlns:mc="http://schemas.openxmlformats.org/markup-compatibility/2006" xmlns:mv="urn:schemas-microsoft-com:mac:vml" xmlns:p="http://schemas.openxmlformats.org/presentationml/2006/main" xmlns:c="http://schemas.openxmlformats.org/drawingml/2006/chart" xmlns:dgm="http://schemas.openxmlformats.org/drawingml/2006/diagram" xmlns:o="urn:schemas-microsoft-com:office:office" xmlns:v="urn:schemas-microsoft-com:vml" xmlns:pvml="urn:schemas-microsoft-com:office:powerpoint" xmlns:com="http://schemas.openxmlformats.org/drawingml/2006/compatibility" xmlns:p14="http://schemas.microsoft.com/office/powerpoint/2010/main" xmlns:p15="http://schemas.microsoft.com/office/powerpoint/2012/main" showMasterPhAnim="0" showMasterSp="0">
+<p:notes xmlns:a="http://schemas.openxmlformats.org/drawingml/2006/main" xmlns:r="http://schemas.openxmlformats.org/officeDocument/2006/relationships" xmlns:p="http://schemas.openxmlformats.org/presentationml/2006/main" showMasterSp="0" showMasterPhAnim="0">
   <p:cSld>
     <p:spTree>
       <p:nvGrpSpPr>
-        <p:cNvPr id="72" name="Shape 72"/>
+        <p:cNvPr id="1" name="Shape 72"/>
         <p:cNvGrpSpPr/>
         <p:nvPr/>
       </p:nvGrpSpPr>
@@ -723,20 +743,26 @@
       <p:sp>
         <p:nvSpPr>
           <p:cNvPr id="73" name="Google Shape;73;g35f391192_00:notes"/>
-          <p:cNvSpPr/>
+          <p:cNvSpPr>
+            <a:spLocks noGrp="1" noRot="1" noChangeAspect="1"/>
+          </p:cNvSpPr>
           <p:nvPr>
-            <p:ph idx="2" type="sldImg"/>
+            <p:ph type="sldImg" idx="2"/>
           </p:nvPr>
         </p:nvSpPr>
         <p:spPr>
           <a:xfrm>
-            <a:off x="381175" y="685800"/>
-            <a:ext cx="6096300" cy="3429000"/>
+            <a:off x="381000" y="685800"/>
+            <a:ext cx="6096000" cy="3429000"/>
           </a:xfrm>
           <a:custGeom>
-            <a:rect b="b" l="l" r="r" t="t"/>
+            <a:avLst/>
+            <a:gdLst/>
+            <a:ahLst/>
+            <a:cxnLst/>
+            <a:rect l="l" t="t" r="r" b="b"/>
             <a:pathLst>
-              <a:path extrusionOk="0" h="120000" w="120000">
+              <a:path w="120000" h="120000" extrusionOk="0">
                 <a:moveTo>
                   <a:pt x="0" y="0"/>
                 </a:moveTo>
@@ -758,9 +784,11 @@
       <p:sp>
         <p:nvSpPr>
           <p:cNvPr id="74" name="Google Shape;74;g35f391192_00:notes"/>
-          <p:cNvSpPr txBox="1"/>
+          <p:cNvSpPr txBox="1">
+            <a:spLocks noGrp="1"/>
+          </p:cNvSpPr>
           <p:nvPr>
-            <p:ph idx="1" type="body"/>
+            <p:ph type="body" idx="1"/>
           </p:nvPr>
         </p:nvSpPr>
         <p:spPr>
@@ -773,28 +801,30 @@
           </a:prstGeom>
         </p:spPr>
         <p:txBody>
-          <a:bodyPr anchorCtr="0" anchor="t" bIns="91425" lIns="91425" spcFirstLastPara="1" rIns="91425" wrap="square" tIns="91425">
+          <a:bodyPr spcFirstLastPara="1" wrap="square" lIns="91425" tIns="91425" rIns="91425" bIns="91425" anchor="t" anchorCtr="0">
             <a:noAutofit/>
           </a:bodyPr>
           <a:lstStyle/>
           <a:p>
-            <a:pPr indent="0" lvl="0" marL="0" rtl="0" algn="l">
-              <a:spcBef>
-                <a:spcPts val="0"/>
-              </a:spcBef>
-              <a:spcAft>
-                <a:spcPts val="0"/>
-              </a:spcAft>
-              <a:buNone/>
-            </a:pPr>
-            <a:r>
-              <a:t/>
-            </a:r>
+            <a:pPr marL="0" lvl="0" indent="0" algn="l" rtl="0">
+              <a:spcBef>
+                <a:spcPts val="0"/>
+              </a:spcBef>
+              <a:spcAft>
+                <a:spcPts val="0"/>
+              </a:spcAft>
+              <a:buNone/>
+            </a:pPr>
             <a:endParaRPr/>
           </a:p>
         </p:txBody>
       </p:sp>
     </p:spTree>
+    <p:extLst>
+      <p:ext uri="{BB962C8B-B14F-4D97-AF65-F5344CB8AC3E}">
+        <p14:creationId xmlns:p14="http://schemas.microsoft.com/office/powerpoint/2010/main" val="1470298671"/>
+      </p:ext>
+    </p:extLst>
   </p:cSld>
   <p:clrMapOvr>
     <a:masterClrMapping/>
@@ -803,11 +833,11 @@
 </file>
 
 <file path=ppt/notesSlides/notesSlide10.xml><?xml version="1.0" encoding="utf-8"?>
-<p:notes xmlns:a="http://schemas.openxmlformats.org/drawingml/2006/main" xmlns:r="http://schemas.openxmlformats.org/officeDocument/2006/relationships" xmlns:mc="http://schemas.openxmlformats.org/markup-compatibility/2006" xmlns:mv="urn:schemas-microsoft-com:mac:vml" xmlns:p="http://schemas.openxmlformats.org/presentationml/2006/main" xmlns:c="http://schemas.openxmlformats.org/drawingml/2006/chart" xmlns:dgm="http://schemas.openxmlformats.org/drawingml/2006/diagram" xmlns:o="urn:schemas-microsoft-com:office:office" xmlns:v="urn:schemas-microsoft-com:vml" xmlns:pvml="urn:schemas-microsoft-com:office:powerpoint" xmlns:com="http://schemas.openxmlformats.org/drawingml/2006/compatibility" xmlns:p14="http://schemas.microsoft.com/office/powerpoint/2010/main" xmlns:p15="http://schemas.microsoft.com/office/powerpoint/2012/main" showMasterPhAnim="0" showMasterSp="0">
+<p:notes xmlns:a="http://schemas.openxmlformats.org/drawingml/2006/main" xmlns:r="http://schemas.openxmlformats.org/officeDocument/2006/relationships" xmlns:p="http://schemas.openxmlformats.org/presentationml/2006/main" showMasterSp="0" showMasterPhAnim="0">
   <p:cSld>
     <p:spTree>
       <p:nvGrpSpPr>
-        <p:cNvPr id="133" name="Shape 133"/>
+        <p:cNvPr id="1" name="Shape 133"/>
         <p:cNvGrpSpPr/>
         <p:nvPr/>
       </p:nvGrpSpPr>
@@ -822,20 +852,26 @@
       <p:sp>
         <p:nvSpPr>
           <p:cNvPr id="134" name="Google Shape;134;g6eae8ca9bc_2_20:notes"/>
-          <p:cNvSpPr/>
+          <p:cNvSpPr>
+            <a:spLocks noGrp="1" noRot="1" noChangeAspect="1"/>
+          </p:cNvSpPr>
           <p:nvPr>
-            <p:ph idx="2" type="sldImg"/>
+            <p:ph type="sldImg" idx="2"/>
           </p:nvPr>
         </p:nvSpPr>
         <p:spPr>
           <a:xfrm>
-            <a:off x="381175" y="685800"/>
-            <a:ext cx="6096300" cy="3429000"/>
+            <a:off x="381000" y="685800"/>
+            <a:ext cx="6096000" cy="3429000"/>
           </a:xfrm>
           <a:custGeom>
-            <a:rect b="b" l="l" r="r" t="t"/>
+            <a:avLst/>
+            <a:gdLst/>
+            <a:ahLst/>
+            <a:cxnLst/>
+            <a:rect l="l" t="t" r="r" b="b"/>
             <a:pathLst>
-              <a:path extrusionOk="0" h="120000" w="120000">
+              <a:path w="120000" h="120000" extrusionOk="0">
                 <a:moveTo>
                   <a:pt x="0" y="0"/>
                 </a:moveTo>
@@ -857,9 +893,11 @@
       <p:sp>
         <p:nvSpPr>
           <p:cNvPr id="135" name="Google Shape;135;g6eae8ca9bc_2_20:notes"/>
-          <p:cNvSpPr txBox="1"/>
+          <p:cNvSpPr txBox="1">
+            <a:spLocks noGrp="1"/>
+          </p:cNvSpPr>
           <p:nvPr>
-            <p:ph idx="1" type="body"/>
+            <p:ph type="body" idx="1"/>
           </p:nvPr>
         </p:nvSpPr>
         <p:spPr>
@@ -872,28 +910,30 @@
           </a:prstGeom>
         </p:spPr>
         <p:txBody>
-          <a:bodyPr anchorCtr="0" anchor="t" bIns="91425" lIns="91425" spcFirstLastPara="1" rIns="91425" wrap="square" tIns="91425">
+          <a:bodyPr spcFirstLastPara="1" wrap="square" lIns="91425" tIns="91425" rIns="91425" bIns="91425" anchor="t" anchorCtr="0">
             <a:noAutofit/>
           </a:bodyPr>
           <a:lstStyle/>
           <a:p>
-            <a:pPr indent="0" lvl="0" marL="0" rtl="0" algn="l">
-              <a:spcBef>
-                <a:spcPts val="0"/>
-              </a:spcBef>
-              <a:spcAft>
-                <a:spcPts val="0"/>
-              </a:spcAft>
-              <a:buNone/>
-            </a:pPr>
-            <a:r>
-              <a:t/>
-            </a:r>
+            <a:pPr marL="0" lvl="0" indent="0" algn="l" rtl="0">
+              <a:spcBef>
+                <a:spcPts val="0"/>
+              </a:spcBef>
+              <a:spcAft>
+                <a:spcPts val="0"/>
+              </a:spcAft>
+              <a:buNone/>
+            </a:pPr>
             <a:endParaRPr/>
           </a:p>
         </p:txBody>
       </p:sp>
     </p:spTree>
+    <p:extLst>
+      <p:ext uri="{BB962C8B-B14F-4D97-AF65-F5344CB8AC3E}">
+        <p14:creationId xmlns:p14="http://schemas.microsoft.com/office/powerpoint/2010/main" val="1238208561"/>
+      </p:ext>
+    </p:extLst>
   </p:cSld>
   <p:clrMapOvr>
     <a:masterClrMapping/>
@@ -902,11 +942,11 @@
 </file>
 
 <file path=ppt/notesSlides/notesSlide11.xml><?xml version="1.0" encoding="utf-8"?>
-<p:notes xmlns:a="http://schemas.openxmlformats.org/drawingml/2006/main" xmlns:r="http://schemas.openxmlformats.org/officeDocument/2006/relationships" xmlns:mc="http://schemas.openxmlformats.org/markup-compatibility/2006" xmlns:mv="urn:schemas-microsoft-com:mac:vml" xmlns:p="http://schemas.openxmlformats.org/presentationml/2006/main" xmlns:c="http://schemas.openxmlformats.org/drawingml/2006/chart" xmlns:dgm="http://schemas.openxmlformats.org/drawingml/2006/diagram" xmlns:o="urn:schemas-microsoft-com:office:office" xmlns:v="urn:schemas-microsoft-com:vml" xmlns:pvml="urn:schemas-microsoft-com:office:powerpoint" xmlns:com="http://schemas.openxmlformats.org/drawingml/2006/compatibility" xmlns:p14="http://schemas.microsoft.com/office/powerpoint/2010/main" xmlns:p15="http://schemas.microsoft.com/office/powerpoint/2012/main" showMasterPhAnim="0" showMasterSp="0">
+<p:notes xmlns:a="http://schemas.openxmlformats.org/drawingml/2006/main" xmlns:r="http://schemas.openxmlformats.org/officeDocument/2006/relationships" xmlns:p="http://schemas.openxmlformats.org/presentationml/2006/main" showMasterSp="0" showMasterPhAnim="0">
   <p:cSld>
     <p:spTree>
       <p:nvGrpSpPr>
-        <p:cNvPr id="140" name="Shape 140"/>
+        <p:cNvPr id="1" name="Shape 140"/>
         <p:cNvGrpSpPr/>
         <p:nvPr/>
       </p:nvGrpSpPr>
@@ -921,20 +961,26 @@
       <p:sp>
         <p:nvSpPr>
           <p:cNvPr id="141" name="Google Shape;141;g6eb63a4ff4_16_7:notes"/>
-          <p:cNvSpPr/>
+          <p:cNvSpPr>
+            <a:spLocks noGrp="1" noRot="1" noChangeAspect="1"/>
+          </p:cNvSpPr>
           <p:nvPr>
-            <p:ph idx="2" type="sldImg"/>
+            <p:ph type="sldImg" idx="2"/>
           </p:nvPr>
         </p:nvSpPr>
         <p:spPr>
           <a:xfrm>
-            <a:off x="381175" y="685800"/>
-            <a:ext cx="6096300" cy="3429000"/>
+            <a:off x="381000" y="685800"/>
+            <a:ext cx="6096000" cy="3429000"/>
           </a:xfrm>
           <a:custGeom>
-            <a:rect b="b" l="l" r="r" t="t"/>
+            <a:avLst/>
+            <a:gdLst/>
+            <a:ahLst/>
+            <a:cxnLst/>
+            <a:rect l="l" t="t" r="r" b="b"/>
             <a:pathLst>
-              <a:path extrusionOk="0" h="120000" w="120000">
+              <a:path w="120000" h="120000" extrusionOk="0">
                 <a:moveTo>
                   <a:pt x="0" y="0"/>
                 </a:moveTo>
@@ -956,9 +1002,11 @@
       <p:sp>
         <p:nvSpPr>
           <p:cNvPr id="142" name="Google Shape;142;g6eb63a4ff4_16_7:notes"/>
-          <p:cNvSpPr txBox="1"/>
+          <p:cNvSpPr txBox="1">
+            <a:spLocks noGrp="1"/>
+          </p:cNvSpPr>
           <p:nvPr>
-            <p:ph idx="1" type="body"/>
+            <p:ph type="body" idx="1"/>
           </p:nvPr>
         </p:nvSpPr>
         <p:spPr>
@@ -971,28 +1019,30 @@
           </a:prstGeom>
         </p:spPr>
         <p:txBody>
-          <a:bodyPr anchorCtr="0" anchor="t" bIns="91425" lIns="91425" spcFirstLastPara="1" rIns="91425" wrap="square" tIns="91425">
+          <a:bodyPr spcFirstLastPara="1" wrap="square" lIns="91425" tIns="91425" rIns="91425" bIns="91425" anchor="t" anchorCtr="0">
             <a:noAutofit/>
           </a:bodyPr>
           <a:lstStyle/>
           <a:p>
-            <a:pPr indent="0" lvl="0" marL="0" rtl="0" algn="l">
-              <a:spcBef>
-                <a:spcPts val="0"/>
-              </a:spcBef>
-              <a:spcAft>
-                <a:spcPts val="0"/>
-              </a:spcAft>
-              <a:buNone/>
-            </a:pPr>
-            <a:r>
-              <a:t/>
-            </a:r>
+            <a:pPr marL="0" lvl="0" indent="0" algn="l" rtl="0">
+              <a:spcBef>
+                <a:spcPts val="0"/>
+              </a:spcBef>
+              <a:spcAft>
+                <a:spcPts val="0"/>
+              </a:spcAft>
+              <a:buNone/>
+            </a:pPr>
             <a:endParaRPr/>
           </a:p>
         </p:txBody>
       </p:sp>
     </p:spTree>
+    <p:extLst>
+      <p:ext uri="{BB962C8B-B14F-4D97-AF65-F5344CB8AC3E}">
+        <p14:creationId xmlns:p14="http://schemas.microsoft.com/office/powerpoint/2010/main" val="2443246471"/>
+      </p:ext>
+    </p:extLst>
   </p:cSld>
   <p:clrMapOvr>
     <a:masterClrMapping/>
@@ -1001,11 +1051,11 @@
 </file>
 
 <file path=ppt/notesSlides/notesSlide12.xml><?xml version="1.0" encoding="utf-8"?>
-<p:notes xmlns:a="http://schemas.openxmlformats.org/drawingml/2006/main" xmlns:r="http://schemas.openxmlformats.org/officeDocument/2006/relationships" xmlns:mc="http://schemas.openxmlformats.org/markup-compatibility/2006" xmlns:mv="urn:schemas-microsoft-com:mac:vml" xmlns:p="http://schemas.openxmlformats.org/presentationml/2006/main" xmlns:c="http://schemas.openxmlformats.org/drawingml/2006/chart" xmlns:dgm="http://schemas.openxmlformats.org/drawingml/2006/diagram" xmlns:o="urn:schemas-microsoft-com:office:office" xmlns:v="urn:schemas-microsoft-com:vml" xmlns:pvml="urn:schemas-microsoft-com:office:powerpoint" xmlns:com="http://schemas.openxmlformats.org/drawingml/2006/compatibility" xmlns:p14="http://schemas.microsoft.com/office/powerpoint/2010/main" xmlns:p15="http://schemas.microsoft.com/office/powerpoint/2012/main" showMasterPhAnim="0" showMasterSp="0">
+<p:notes xmlns:a="http://schemas.openxmlformats.org/drawingml/2006/main" xmlns:r="http://schemas.openxmlformats.org/officeDocument/2006/relationships" xmlns:p="http://schemas.openxmlformats.org/presentationml/2006/main" showMasterSp="0" showMasterPhAnim="0">
   <p:cSld>
     <p:spTree>
       <p:nvGrpSpPr>
-        <p:cNvPr id="146" name="Shape 146"/>
+        <p:cNvPr id="1" name="Shape 146"/>
         <p:cNvGrpSpPr/>
         <p:nvPr/>
       </p:nvGrpSpPr>
@@ -1020,20 +1070,26 @@
       <p:sp>
         <p:nvSpPr>
           <p:cNvPr id="147" name="Google Shape;147;g6eae8ca9bc_2_14:notes"/>
-          <p:cNvSpPr/>
+          <p:cNvSpPr>
+            <a:spLocks noGrp="1" noRot="1" noChangeAspect="1"/>
+          </p:cNvSpPr>
           <p:nvPr>
-            <p:ph idx="2" type="sldImg"/>
+            <p:ph type="sldImg" idx="2"/>
           </p:nvPr>
         </p:nvSpPr>
         <p:spPr>
           <a:xfrm>
-            <a:off x="381175" y="685800"/>
-            <a:ext cx="6096300" cy="3429000"/>
+            <a:off x="381000" y="685800"/>
+            <a:ext cx="6096000" cy="3429000"/>
           </a:xfrm>
           <a:custGeom>
-            <a:rect b="b" l="l" r="r" t="t"/>
+            <a:avLst/>
+            <a:gdLst/>
+            <a:ahLst/>
+            <a:cxnLst/>
+            <a:rect l="l" t="t" r="r" b="b"/>
             <a:pathLst>
-              <a:path extrusionOk="0" h="120000" w="120000">
+              <a:path w="120000" h="120000" extrusionOk="0">
                 <a:moveTo>
                   <a:pt x="0" y="0"/>
                 </a:moveTo>
@@ -1055,9 +1111,11 @@
       <p:sp>
         <p:nvSpPr>
           <p:cNvPr id="148" name="Google Shape;148;g6eae8ca9bc_2_14:notes"/>
-          <p:cNvSpPr txBox="1"/>
+          <p:cNvSpPr txBox="1">
+            <a:spLocks noGrp="1"/>
+          </p:cNvSpPr>
           <p:nvPr>
-            <p:ph idx="1" type="body"/>
+            <p:ph type="body" idx="1"/>
           </p:nvPr>
         </p:nvSpPr>
         <p:spPr>
@@ -1070,28 +1128,30 @@
           </a:prstGeom>
         </p:spPr>
         <p:txBody>
-          <a:bodyPr anchorCtr="0" anchor="t" bIns="91425" lIns="91425" spcFirstLastPara="1" rIns="91425" wrap="square" tIns="91425">
+          <a:bodyPr spcFirstLastPara="1" wrap="square" lIns="91425" tIns="91425" rIns="91425" bIns="91425" anchor="t" anchorCtr="0">
             <a:noAutofit/>
           </a:bodyPr>
           <a:lstStyle/>
           <a:p>
-            <a:pPr indent="0" lvl="0" marL="0" rtl="0" algn="l">
-              <a:spcBef>
-                <a:spcPts val="0"/>
-              </a:spcBef>
-              <a:spcAft>
-                <a:spcPts val="0"/>
-              </a:spcAft>
-              <a:buNone/>
-            </a:pPr>
-            <a:r>
-              <a:t/>
-            </a:r>
+            <a:pPr marL="0" lvl="0" indent="0" algn="l" rtl="0">
+              <a:spcBef>
+                <a:spcPts val="0"/>
+              </a:spcBef>
+              <a:spcAft>
+                <a:spcPts val="0"/>
+              </a:spcAft>
+              <a:buNone/>
+            </a:pPr>
             <a:endParaRPr/>
           </a:p>
         </p:txBody>
       </p:sp>
     </p:spTree>
+    <p:extLst>
+      <p:ext uri="{BB962C8B-B14F-4D97-AF65-F5344CB8AC3E}">
+        <p14:creationId xmlns:p14="http://schemas.microsoft.com/office/powerpoint/2010/main" val="1774813057"/>
+      </p:ext>
+    </p:extLst>
   </p:cSld>
   <p:clrMapOvr>
     <a:masterClrMapping/>
@@ -1100,11 +1160,11 @@
 </file>
 
 <file path=ppt/notesSlides/notesSlide13.xml><?xml version="1.0" encoding="utf-8"?>
-<p:notes xmlns:a="http://schemas.openxmlformats.org/drawingml/2006/main" xmlns:r="http://schemas.openxmlformats.org/officeDocument/2006/relationships" xmlns:mc="http://schemas.openxmlformats.org/markup-compatibility/2006" xmlns:mv="urn:schemas-microsoft-com:mac:vml" xmlns:p="http://schemas.openxmlformats.org/presentationml/2006/main" xmlns:c="http://schemas.openxmlformats.org/drawingml/2006/chart" xmlns:dgm="http://schemas.openxmlformats.org/drawingml/2006/diagram" xmlns:o="urn:schemas-microsoft-com:office:office" xmlns:v="urn:schemas-microsoft-com:vml" xmlns:pvml="urn:schemas-microsoft-com:office:powerpoint" xmlns:com="http://schemas.openxmlformats.org/drawingml/2006/compatibility" xmlns:p14="http://schemas.microsoft.com/office/powerpoint/2010/main" xmlns:p15="http://schemas.microsoft.com/office/powerpoint/2012/main" showMasterPhAnim="0" showMasterSp="0">
+<p:notes xmlns:a="http://schemas.openxmlformats.org/drawingml/2006/main" xmlns:r="http://schemas.openxmlformats.org/officeDocument/2006/relationships" xmlns:p="http://schemas.openxmlformats.org/presentationml/2006/main" showMasterSp="0" showMasterPhAnim="0">
   <p:cSld>
     <p:spTree>
       <p:nvGrpSpPr>
-        <p:cNvPr id="154" name="Shape 154"/>
+        <p:cNvPr id="1" name="Shape 154"/>
         <p:cNvGrpSpPr/>
         <p:nvPr/>
       </p:nvGrpSpPr>
@@ -1119,20 +1179,26 @@
       <p:sp>
         <p:nvSpPr>
           <p:cNvPr id="155" name="Google Shape;155;g6eb63a4ff4_8_0:notes"/>
-          <p:cNvSpPr/>
+          <p:cNvSpPr>
+            <a:spLocks noGrp="1" noRot="1" noChangeAspect="1"/>
+          </p:cNvSpPr>
           <p:nvPr>
-            <p:ph idx="2" type="sldImg"/>
+            <p:ph type="sldImg" idx="2"/>
           </p:nvPr>
         </p:nvSpPr>
         <p:spPr>
           <a:xfrm>
-            <a:off x="381175" y="685800"/>
-            <a:ext cx="6096300" cy="3429000"/>
+            <a:off x="381000" y="685800"/>
+            <a:ext cx="6096000" cy="3429000"/>
           </a:xfrm>
           <a:custGeom>
-            <a:rect b="b" l="l" r="r" t="t"/>
+            <a:avLst/>
+            <a:gdLst/>
+            <a:ahLst/>
+            <a:cxnLst/>
+            <a:rect l="l" t="t" r="r" b="b"/>
             <a:pathLst>
-              <a:path extrusionOk="0" h="120000" w="120000">
+              <a:path w="120000" h="120000" extrusionOk="0">
                 <a:moveTo>
                   <a:pt x="0" y="0"/>
                 </a:moveTo>
@@ -1154,9 +1220,11 @@
       <p:sp>
         <p:nvSpPr>
           <p:cNvPr id="156" name="Google Shape;156;g6eb63a4ff4_8_0:notes"/>
-          <p:cNvSpPr txBox="1"/>
+          <p:cNvSpPr txBox="1">
+            <a:spLocks noGrp="1"/>
+          </p:cNvSpPr>
           <p:nvPr>
-            <p:ph idx="1" type="body"/>
+            <p:ph type="body" idx="1"/>
           </p:nvPr>
         </p:nvSpPr>
         <p:spPr>
@@ -1169,28 +1237,30 @@
           </a:prstGeom>
         </p:spPr>
         <p:txBody>
-          <a:bodyPr anchorCtr="0" anchor="t" bIns="91425" lIns="91425" spcFirstLastPara="1" rIns="91425" wrap="square" tIns="91425">
+          <a:bodyPr spcFirstLastPara="1" wrap="square" lIns="91425" tIns="91425" rIns="91425" bIns="91425" anchor="t" anchorCtr="0">
             <a:noAutofit/>
           </a:bodyPr>
           <a:lstStyle/>
           <a:p>
-            <a:pPr indent="0" lvl="0" marL="0" rtl="0" algn="l">
-              <a:spcBef>
-                <a:spcPts val="0"/>
-              </a:spcBef>
-              <a:spcAft>
-                <a:spcPts val="0"/>
-              </a:spcAft>
-              <a:buNone/>
-            </a:pPr>
-            <a:r>
-              <a:t/>
-            </a:r>
+            <a:pPr marL="0" lvl="0" indent="0" algn="l" rtl="0">
+              <a:spcBef>
+                <a:spcPts val="0"/>
+              </a:spcBef>
+              <a:spcAft>
+                <a:spcPts val="0"/>
+              </a:spcAft>
+              <a:buNone/>
+            </a:pPr>
             <a:endParaRPr/>
           </a:p>
         </p:txBody>
       </p:sp>
     </p:spTree>
+    <p:extLst>
+      <p:ext uri="{BB962C8B-B14F-4D97-AF65-F5344CB8AC3E}">
+        <p14:creationId xmlns:p14="http://schemas.microsoft.com/office/powerpoint/2010/main" val="2716491561"/>
+      </p:ext>
+    </p:extLst>
   </p:cSld>
   <p:clrMapOvr>
     <a:masterClrMapping/>
@@ -1199,11 +1269,11 @@
 </file>
 
 <file path=ppt/notesSlides/notesSlide14.xml><?xml version="1.0" encoding="utf-8"?>
-<p:notes xmlns:a="http://schemas.openxmlformats.org/drawingml/2006/main" xmlns:r="http://schemas.openxmlformats.org/officeDocument/2006/relationships" xmlns:mc="http://schemas.openxmlformats.org/markup-compatibility/2006" xmlns:mv="urn:schemas-microsoft-com:mac:vml" xmlns:p="http://schemas.openxmlformats.org/presentationml/2006/main" xmlns:c="http://schemas.openxmlformats.org/drawingml/2006/chart" xmlns:dgm="http://schemas.openxmlformats.org/drawingml/2006/diagram" xmlns:o="urn:schemas-microsoft-com:office:office" xmlns:v="urn:schemas-microsoft-com:vml" xmlns:pvml="urn:schemas-microsoft-com:office:powerpoint" xmlns:com="http://schemas.openxmlformats.org/drawingml/2006/compatibility" xmlns:p14="http://schemas.microsoft.com/office/powerpoint/2010/main" xmlns:p15="http://schemas.microsoft.com/office/powerpoint/2012/main" showMasterPhAnim="0" showMasterSp="0">
+<p:notes xmlns:a="http://schemas.openxmlformats.org/drawingml/2006/main" xmlns:r="http://schemas.openxmlformats.org/officeDocument/2006/relationships" xmlns:p="http://schemas.openxmlformats.org/presentationml/2006/main" showMasterSp="0" showMasterPhAnim="0">
   <p:cSld>
     <p:spTree>
       <p:nvGrpSpPr>
-        <p:cNvPr id="162" name="Shape 162"/>
+        <p:cNvPr id="1" name="Shape 162"/>
         <p:cNvGrpSpPr/>
         <p:nvPr/>
       </p:nvGrpSpPr>
@@ -1218,20 +1288,26 @@
       <p:sp>
         <p:nvSpPr>
           <p:cNvPr id="163" name="Google Shape;163;g6eae8ca9bc_1_59:notes"/>
-          <p:cNvSpPr/>
+          <p:cNvSpPr>
+            <a:spLocks noGrp="1" noRot="1" noChangeAspect="1"/>
+          </p:cNvSpPr>
           <p:nvPr>
-            <p:ph idx="2" type="sldImg"/>
+            <p:ph type="sldImg" idx="2"/>
           </p:nvPr>
         </p:nvSpPr>
         <p:spPr>
           <a:xfrm>
-            <a:off x="381175" y="685800"/>
-            <a:ext cx="6096300" cy="3429000"/>
+            <a:off x="381000" y="685800"/>
+            <a:ext cx="6096000" cy="3429000"/>
           </a:xfrm>
           <a:custGeom>
-            <a:rect b="b" l="l" r="r" t="t"/>
+            <a:avLst/>
+            <a:gdLst/>
+            <a:ahLst/>
+            <a:cxnLst/>
+            <a:rect l="l" t="t" r="r" b="b"/>
             <a:pathLst>
-              <a:path extrusionOk="0" h="120000" w="120000">
+              <a:path w="120000" h="120000" extrusionOk="0">
                 <a:moveTo>
                   <a:pt x="0" y="0"/>
                 </a:moveTo>
@@ -1253,9 +1329,11 @@
       <p:sp>
         <p:nvSpPr>
           <p:cNvPr id="164" name="Google Shape;164;g6eae8ca9bc_1_59:notes"/>
-          <p:cNvSpPr txBox="1"/>
+          <p:cNvSpPr txBox="1">
+            <a:spLocks noGrp="1"/>
+          </p:cNvSpPr>
           <p:nvPr>
-            <p:ph idx="1" type="body"/>
+            <p:ph type="body" idx="1"/>
           </p:nvPr>
         </p:nvSpPr>
         <p:spPr>
@@ -1268,28 +1346,30 @@
           </a:prstGeom>
         </p:spPr>
         <p:txBody>
-          <a:bodyPr anchorCtr="0" anchor="t" bIns="91425" lIns="91425" spcFirstLastPara="1" rIns="91425" wrap="square" tIns="91425">
+          <a:bodyPr spcFirstLastPara="1" wrap="square" lIns="91425" tIns="91425" rIns="91425" bIns="91425" anchor="t" anchorCtr="0">
             <a:noAutofit/>
           </a:bodyPr>
           <a:lstStyle/>
           <a:p>
-            <a:pPr indent="0" lvl="0" marL="0" rtl="0" algn="l">
-              <a:spcBef>
-                <a:spcPts val="0"/>
-              </a:spcBef>
-              <a:spcAft>
-                <a:spcPts val="0"/>
-              </a:spcAft>
-              <a:buNone/>
-            </a:pPr>
-            <a:r>
-              <a:t/>
-            </a:r>
+            <a:pPr marL="0" lvl="0" indent="0" algn="l" rtl="0">
+              <a:spcBef>
+                <a:spcPts val="0"/>
+              </a:spcBef>
+              <a:spcAft>
+                <a:spcPts val="0"/>
+              </a:spcAft>
+              <a:buNone/>
+            </a:pPr>
             <a:endParaRPr/>
           </a:p>
         </p:txBody>
       </p:sp>
     </p:spTree>
+    <p:extLst>
+      <p:ext uri="{BB962C8B-B14F-4D97-AF65-F5344CB8AC3E}">
+        <p14:creationId xmlns:p14="http://schemas.microsoft.com/office/powerpoint/2010/main" val="2637910512"/>
+      </p:ext>
+    </p:extLst>
   </p:cSld>
   <p:clrMapOvr>
     <a:masterClrMapping/>
@@ -1298,11 +1378,11 @@
 </file>
 
 <file path=ppt/notesSlides/notesSlide15.xml><?xml version="1.0" encoding="utf-8"?>
-<p:notes xmlns:a="http://schemas.openxmlformats.org/drawingml/2006/main" xmlns:r="http://schemas.openxmlformats.org/officeDocument/2006/relationships" xmlns:mc="http://schemas.openxmlformats.org/markup-compatibility/2006" xmlns:mv="urn:schemas-microsoft-com:mac:vml" xmlns:p="http://schemas.openxmlformats.org/presentationml/2006/main" xmlns:c="http://schemas.openxmlformats.org/drawingml/2006/chart" xmlns:dgm="http://schemas.openxmlformats.org/drawingml/2006/diagram" xmlns:o="urn:schemas-microsoft-com:office:office" xmlns:v="urn:schemas-microsoft-com:vml" xmlns:pvml="urn:schemas-microsoft-com:office:powerpoint" xmlns:com="http://schemas.openxmlformats.org/drawingml/2006/compatibility" xmlns:p14="http://schemas.microsoft.com/office/powerpoint/2010/main" xmlns:p15="http://schemas.microsoft.com/office/powerpoint/2012/main" showMasterPhAnim="0" showMasterSp="0">
+<p:notes xmlns:a="http://schemas.openxmlformats.org/drawingml/2006/main" xmlns:r="http://schemas.openxmlformats.org/officeDocument/2006/relationships" xmlns:p="http://schemas.openxmlformats.org/presentationml/2006/main" showMasterSp="0" showMasterPhAnim="0">
   <p:cSld>
     <p:spTree>
       <p:nvGrpSpPr>
-        <p:cNvPr id="169" name="Shape 169"/>
+        <p:cNvPr id="1" name="Shape 169"/>
         <p:cNvGrpSpPr/>
         <p:nvPr/>
       </p:nvGrpSpPr>
@@ -1317,20 +1397,26 @@
       <p:sp>
         <p:nvSpPr>
           <p:cNvPr id="170" name="Google Shape;170;g6eae8ca9bc_1_81:notes"/>
-          <p:cNvSpPr/>
+          <p:cNvSpPr>
+            <a:spLocks noGrp="1" noRot="1" noChangeAspect="1"/>
+          </p:cNvSpPr>
           <p:nvPr>
-            <p:ph idx="2" type="sldImg"/>
+            <p:ph type="sldImg" idx="2"/>
           </p:nvPr>
         </p:nvSpPr>
         <p:spPr>
           <a:xfrm>
-            <a:off x="381175" y="685800"/>
-            <a:ext cx="6096300" cy="3429000"/>
+            <a:off x="381000" y="685800"/>
+            <a:ext cx="6096000" cy="3429000"/>
           </a:xfrm>
           <a:custGeom>
-            <a:rect b="b" l="l" r="r" t="t"/>
+            <a:avLst/>
+            <a:gdLst/>
+            <a:ahLst/>
+            <a:cxnLst/>
+            <a:rect l="l" t="t" r="r" b="b"/>
             <a:pathLst>
-              <a:path extrusionOk="0" h="120000" w="120000">
+              <a:path w="120000" h="120000" extrusionOk="0">
                 <a:moveTo>
                   <a:pt x="0" y="0"/>
                 </a:moveTo>
@@ -1352,9 +1438,11 @@
       <p:sp>
         <p:nvSpPr>
           <p:cNvPr id="171" name="Google Shape;171;g6eae8ca9bc_1_81:notes"/>
-          <p:cNvSpPr txBox="1"/>
+          <p:cNvSpPr txBox="1">
+            <a:spLocks noGrp="1"/>
+          </p:cNvSpPr>
           <p:nvPr>
-            <p:ph idx="1" type="body"/>
+            <p:ph type="body" idx="1"/>
           </p:nvPr>
         </p:nvSpPr>
         <p:spPr>
@@ -1367,28 +1455,30 @@
           </a:prstGeom>
         </p:spPr>
         <p:txBody>
-          <a:bodyPr anchorCtr="0" anchor="t" bIns="91425" lIns="91425" spcFirstLastPara="1" rIns="91425" wrap="square" tIns="91425">
+          <a:bodyPr spcFirstLastPara="1" wrap="square" lIns="91425" tIns="91425" rIns="91425" bIns="91425" anchor="t" anchorCtr="0">
             <a:noAutofit/>
           </a:bodyPr>
           <a:lstStyle/>
           <a:p>
-            <a:pPr indent="0" lvl="0" marL="0" rtl="0" algn="l">
-              <a:spcBef>
-                <a:spcPts val="0"/>
-              </a:spcBef>
-              <a:spcAft>
-                <a:spcPts val="0"/>
-              </a:spcAft>
-              <a:buNone/>
-            </a:pPr>
-            <a:r>
-              <a:t/>
-            </a:r>
+            <a:pPr marL="0" lvl="0" indent="0" algn="l" rtl="0">
+              <a:spcBef>
+                <a:spcPts val="0"/>
+              </a:spcBef>
+              <a:spcAft>
+                <a:spcPts val="0"/>
+              </a:spcAft>
+              <a:buNone/>
+            </a:pPr>
             <a:endParaRPr/>
           </a:p>
         </p:txBody>
       </p:sp>
     </p:spTree>
+    <p:extLst>
+      <p:ext uri="{BB962C8B-B14F-4D97-AF65-F5344CB8AC3E}">
+        <p14:creationId xmlns:p14="http://schemas.microsoft.com/office/powerpoint/2010/main" val="4011185765"/>
+      </p:ext>
+    </p:extLst>
   </p:cSld>
   <p:clrMapOvr>
     <a:masterClrMapping/>
@@ -1397,11 +1487,11 @@
 </file>
 
 <file path=ppt/notesSlides/notesSlide16.xml><?xml version="1.0" encoding="utf-8"?>
-<p:notes xmlns:a="http://schemas.openxmlformats.org/drawingml/2006/main" xmlns:r="http://schemas.openxmlformats.org/officeDocument/2006/relationships" xmlns:mc="http://schemas.openxmlformats.org/markup-compatibility/2006" xmlns:mv="urn:schemas-microsoft-com:mac:vml" xmlns:p="http://schemas.openxmlformats.org/presentationml/2006/main" xmlns:c="http://schemas.openxmlformats.org/drawingml/2006/chart" xmlns:dgm="http://schemas.openxmlformats.org/drawingml/2006/diagram" xmlns:o="urn:schemas-microsoft-com:office:office" xmlns:v="urn:schemas-microsoft-com:vml" xmlns:pvml="urn:schemas-microsoft-com:office:powerpoint" xmlns:com="http://schemas.openxmlformats.org/drawingml/2006/compatibility" xmlns:p14="http://schemas.microsoft.com/office/powerpoint/2010/main" xmlns:p15="http://schemas.microsoft.com/office/powerpoint/2012/main" showMasterPhAnim="0" showMasterSp="0">
+<p:notes xmlns:a="http://schemas.openxmlformats.org/drawingml/2006/main" xmlns:r="http://schemas.openxmlformats.org/officeDocument/2006/relationships" xmlns:p="http://schemas.openxmlformats.org/presentationml/2006/main" showMasterSp="0" showMasterPhAnim="0">
   <p:cSld>
     <p:spTree>
       <p:nvGrpSpPr>
-        <p:cNvPr id="175" name="Shape 175"/>
+        <p:cNvPr id="1" name="Shape 175"/>
         <p:cNvGrpSpPr/>
         <p:nvPr/>
       </p:nvGrpSpPr>
@@ -1416,20 +1506,26 @@
       <p:sp>
         <p:nvSpPr>
           <p:cNvPr id="176" name="Google Shape;176;g6eae8ca9bc_1_109:notes"/>
-          <p:cNvSpPr/>
+          <p:cNvSpPr>
+            <a:spLocks noGrp="1" noRot="1" noChangeAspect="1"/>
+          </p:cNvSpPr>
           <p:nvPr>
-            <p:ph idx="2" type="sldImg"/>
+            <p:ph type="sldImg" idx="2"/>
           </p:nvPr>
         </p:nvSpPr>
         <p:spPr>
           <a:xfrm>
-            <a:off x="381175" y="685800"/>
-            <a:ext cx="6096300" cy="3429000"/>
+            <a:off x="381000" y="685800"/>
+            <a:ext cx="6096000" cy="3429000"/>
           </a:xfrm>
           <a:custGeom>
-            <a:rect b="b" l="l" r="r" t="t"/>
+            <a:avLst/>
+            <a:gdLst/>
+            <a:ahLst/>
+            <a:cxnLst/>
+            <a:rect l="l" t="t" r="r" b="b"/>
             <a:pathLst>
-              <a:path extrusionOk="0" h="120000" w="120000">
+              <a:path w="120000" h="120000" extrusionOk="0">
                 <a:moveTo>
                   <a:pt x="0" y="0"/>
                 </a:moveTo>
@@ -1451,9 +1547,11 @@
       <p:sp>
         <p:nvSpPr>
           <p:cNvPr id="177" name="Google Shape;177;g6eae8ca9bc_1_109:notes"/>
-          <p:cNvSpPr txBox="1"/>
+          <p:cNvSpPr txBox="1">
+            <a:spLocks noGrp="1"/>
+          </p:cNvSpPr>
           <p:nvPr>
-            <p:ph idx="1" type="body"/>
+            <p:ph type="body" idx="1"/>
           </p:nvPr>
         </p:nvSpPr>
         <p:spPr>
@@ -1466,28 +1564,30 @@
           </a:prstGeom>
         </p:spPr>
         <p:txBody>
-          <a:bodyPr anchorCtr="0" anchor="t" bIns="91425" lIns="91425" spcFirstLastPara="1" rIns="91425" wrap="square" tIns="91425">
+          <a:bodyPr spcFirstLastPara="1" wrap="square" lIns="91425" tIns="91425" rIns="91425" bIns="91425" anchor="t" anchorCtr="0">
             <a:noAutofit/>
           </a:bodyPr>
           <a:lstStyle/>
           <a:p>
-            <a:pPr indent="0" lvl="0" marL="0" rtl="0" algn="l">
-              <a:spcBef>
-                <a:spcPts val="0"/>
-              </a:spcBef>
-              <a:spcAft>
-                <a:spcPts val="0"/>
-              </a:spcAft>
-              <a:buNone/>
-            </a:pPr>
-            <a:r>
-              <a:t/>
-            </a:r>
+            <a:pPr marL="0" lvl="0" indent="0" algn="l" rtl="0">
+              <a:spcBef>
+                <a:spcPts val="0"/>
+              </a:spcBef>
+              <a:spcAft>
+                <a:spcPts val="0"/>
+              </a:spcAft>
+              <a:buNone/>
+            </a:pPr>
             <a:endParaRPr/>
           </a:p>
         </p:txBody>
       </p:sp>
     </p:spTree>
+    <p:extLst>
+      <p:ext uri="{BB962C8B-B14F-4D97-AF65-F5344CB8AC3E}">
+        <p14:creationId xmlns:p14="http://schemas.microsoft.com/office/powerpoint/2010/main" val="109818452"/>
+      </p:ext>
+    </p:extLst>
   </p:cSld>
   <p:clrMapOvr>
     <a:masterClrMapping/>
@@ -1496,11 +1596,11 @@
 </file>
 
 <file path=ppt/notesSlides/notesSlide17.xml><?xml version="1.0" encoding="utf-8"?>
-<p:notes xmlns:a="http://schemas.openxmlformats.org/drawingml/2006/main" xmlns:r="http://schemas.openxmlformats.org/officeDocument/2006/relationships" xmlns:mc="http://schemas.openxmlformats.org/markup-compatibility/2006" xmlns:mv="urn:schemas-microsoft-com:mac:vml" xmlns:p="http://schemas.openxmlformats.org/presentationml/2006/main" xmlns:c="http://schemas.openxmlformats.org/drawingml/2006/chart" xmlns:dgm="http://schemas.openxmlformats.org/drawingml/2006/diagram" xmlns:o="urn:schemas-microsoft-com:office:office" xmlns:v="urn:schemas-microsoft-com:vml" xmlns:pvml="urn:schemas-microsoft-com:office:powerpoint" xmlns:com="http://schemas.openxmlformats.org/drawingml/2006/compatibility" xmlns:p14="http://schemas.microsoft.com/office/powerpoint/2010/main" xmlns:p15="http://schemas.microsoft.com/office/powerpoint/2012/main" showMasterPhAnim="0" showMasterSp="0">
+<p:notes xmlns:a="http://schemas.openxmlformats.org/drawingml/2006/main" xmlns:r="http://schemas.openxmlformats.org/officeDocument/2006/relationships" xmlns:p="http://schemas.openxmlformats.org/presentationml/2006/main" showMasterSp="0" showMasterPhAnim="0">
   <p:cSld>
     <p:spTree>
       <p:nvGrpSpPr>
-        <p:cNvPr id="182" name="Shape 182"/>
+        <p:cNvPr id="1" name="Shape 182"/>
         <p:cNvGrpSpPr/>
         <p:nvPr/>
       </p:nvGrpSpPr>
@@ -1515,20 +1615,26 @@
       <p:sp>
         <p:nvSpPr>
           <p:cNvPr id="183" name="Google Shape;183;g6eae8ca9bc_5_0:notes"/>
-          <p:cNvSpPr/>
+          <p:cNvSpPr>
+            <a:spLocks noGrp="1" noRot="1" noChangeAspect="1"/>
+          </p:cNvSpPr>
           <p:nvPr>
-            <p:ph idx="2" type="sldImg"/>
+            <p:ph type="sldImg" idx="2"/>
           </p:nvPr>
         </p:nvSpPr>
         <p:spPr>
           <a:xfrm>
-            <a:off x="381175" y="685800"/>
-            <a:ext cx="6096300" cy="3429000"/>
+            <a:off x="381000" y="685800"/>
+            <a:ext cx="6096000" cy="3429000"/>
           </a:xfrm>
           <a:custGeom>
-            <a:rect b="b" l="l" r="r" t="t"/>
+            <a:avLst/>
+            <a:gdLst/>
+            <a:ahLst/>
+            <a:cxnLst/>
+            <a:rect l="l" t="t" r="r" b="b"/>
             <a:pathLst>
-              <a:path extrusionOk="0" h="120000" w="120000">
+              <a:path w="120000" h="120000" extrusionOk="0">
                 <a:moveTo>
                   <a:pt x="0" y="0"/>
                 </a:moveTo>
@@ -1550,9 +1656,11 @@
       <p:sp>
         <p:nvSpPr>
           <p:cNvPr id="184" name="Google Shape;184;g6eae8ca9bc_5_0:notes"/>
-          <p:cNvSpPr txBox="1"/>
+          <p:cNvSpPr txBox="1">
+            <a:spLocks noGrp="1"/>
+          </p:cNvSpPr>
           <p:nvPr>
-            <p:ph idx="1" type="body"/>
+            <p:ph type="body" idx="1"/>
           </p:nvPr>
         </p:nvSpPr>
         <p:spPr>
@@ -1565,28 +1673,30 @@
           </a:prstGeom>
         </p:spPr>
         <p:txBody>
-          <a:bodyPr anchorCtr="0" anchor="t" bIns="91425" lIns="91425" spcFirstLastPara="1" rIns="91425" wrap="square" tIns="91425">
+          <a:bodyPr spcFirstLastPara="1" wrap="square" lIns="91425" tIns="91425" rIns="91425" bIns="91425" anchor="t" anchorCtr="0">
             <a:noAutofit/>
           </a:bodyPr>
           <a:lstStyle/>
           <a:p>
-            <a:pPr indent="0" lvl="0" marL="0" rtl="0" algn="l">
-              <a:spcBef>
-                <a:spcPts val="0"/>
-              </a:spcBef>
-              <a:spcAft>
-                <a:spcPts val="0"/>
-              </a:spcAft>
-              <a:buNone/>
-            </a:pPr>
-            <a:r>
-              <a:t/>
-            </a:r>
+            <a:pPr marL="0" lvl="0" indent="0" algn="l" rtl="0">
+              <a:spcBef>
+                <a:spcPts val="0"/>
+              </a:spcBef>
+              <a:spcAft>
+                <a:spcPts val="0"/>
+              </a:spcAft>
+              <a:buNone/>
+            </a:pPr>
             <a:endParaRPr/>
           </a:p>
         </p:txBody>
       </p:sp>
     </p:spTree>
+    <p:extLst>
+      <p:ext uri="{BB962C8B-B14F-4D97-AF65-F5344CB8AC3E}">
+        <p14:creationId xmlns:p14="http://schemas.microsoft.com/office/powerpoint/2010/main" val="635295005"/>
+      </p:ext>
+    </p:extLst>
   </p:cSld>
   <p:clrMapOvr>
     <a:masterClrMapping/>
@@ -1595,11 +1705,11 @@
 </file>
 
 <file path=ppt/notesSlides/notesSlide18.xml><?xml version="1.0" encoding="utf-8"?>
-<p:notes xmlns:a="http://schemas.openxmlformats.org/drawingml/2006/main" xmlns:r="http://schemas.openxmlformats.org/officeDocument/2006/relationships" xmlns:mc="http://schemas.openxmlformats.org/markup-compatibility/2006" xmlns:mv="urn:schemas-microsoft-com:mac:vml" xmlns:p="http://schemas.openxmlformats.org/presentationml/2006/main" xmlns:c="http://schemas.openxmlformats.org/drawingml/2006/chart" xmlns:dgm="http://schemas.openxmlformats.org/drawingml/2006/diagram" xmlns:o="urn:schemas-microsoft-com:office:office" xmlns:v="urn:schemas-microsoft-com:vml" xmlns:pvml="urn:schemas-microsoft-com:office:powerpoint" xmlns:com="http://schemas.openxmlformats.org/drawingml/2006/compatibility" xmlns:p14="http://schemas.microsoft.com/office/powerpoint/2010/main" xmlns:p15="http://schemas.microsoft.com/office/powerpoint/2012/main" showMasterPhAnim="0" showMasterSp="0">
+<p:notes xmlns:a="http://schemas.openxmlformats.org/drawingml/2006/main" xmlns:r="http://schemas.openxmlformats.org/officeDocument/2006/relationships" xmlns:p="http://schemas.openxmlformats.org/presentationml/2006/main" showMasterSp="0" showMasterPhAnim="0">
   <p:cSld>
     <p:spTree>
       <p:nvGrpSpPr>
-        <p:cNvPr id="189" name="Shape 189"/>
+        <p:cNvPr id="1" name="Shape 189"/>
         <p:cNvGrpSpPr/>
         <p:nvPr/>
       </p:nvGrpSpPr>
@@ -1614,20 +1724,26 @@
       <p:sp>
         <p:nvSpPr>
           <p:cNvPr id="190" name="Google Shape;190;g6eae8ca9bc_1_103:notes"/>
-          <p:cNvSpPr/>
+          <p:cNvSpPr>
+            <a:spLocks noGrp="1" noRot="1" noChangeAspect="1"/>
+          </p:cNvSpPr>
           <p:nvPr>
-            <p:ph idx="2" type="sldImg"/>
+            <p:ph type="sldImg" idx="2"/>
           </p:nvPr>
         </p:nvSpPr>
         <p:spPr>
           <a:xfrm>
-            <a:off x="381175" y="685800"/>
-            <a:ext cx="6096300" cy="3429000"/>
+            <a:off x="381000" y="685800"/>
+            <a:ext cx="6096000" cy="3429000"/>
           </a:xfrm>
           <a:custGeom>
-            <a:rect b="b" l="l" r="r" t="t"/>
+            <a:avLst/>
+            <a:gdLst/>
+            <a:ahLst/>
+            <a:cxnLst/>
+            <a:rect l="l" t="t" r="r" b="b"/>
             <a:pathLst>
-              <a:path extrusionOk="0" h="120000" w="120000">
+              <a:path w="120000" h="120000" extrusionOk="0">
                 <a:moveTo>
                   <a:pt x="0" y="0"/>
                 </a:moveTo>
@@ -1649,9 +1765,11 @@
       <p:sp>
         <p:nvSpPr>
           <p:cNvPr id="191" name="Google Shape;191;g6eae8ca9bc_1_103:notes"/>
-          <p:cNvSpPr txBox="1"/>
+          <p:cNvSpPr txBox="1">
+            <a:spLocks noGrp="1"/>
+          </p:cNvSpPr>
           <p:nvPr>
-            <p:ph idx="1" type="body"/>
+            <p:ph type="body" idx="1"/>
           </p:nvPr>
         </p:nvSpPr>
         <p:spPr>
@@ -1664,28 +1782,30 @@
           </a:prstGeom>
         </p:spPr>
         <p:txBody>
-          <a:bodyPr anchorCtr="0" anchor="t" bIns="91425" lIns="91425" spcFirstLastPara="1" rIns="91425" wrap="square" tIns="91425">
+          <a:bodyPr spcFirstLastPara="1" wrap="square" lIns="91425" tIns="91425" rIns="91425" bIns="91425" anchor="t" anchorCtr="0">
             <a:noAutofit/>
           </a:bodyPr>
           <a:lstStyle/>
           <a:p>
-            <a:pPr indent="0" lvl="0" marL="0" rtl="0" algn="l">
-              <a:spcBef>
-                <a:spcPts val="0"/>
-              </a:spcBef>
-              <a:spcAft>
-                <a:spcPts val="0"/>
-              </a:spcAft>
-              <a:buNone/>
-            </a:pPr>
-            <a:r>
-              <a:t/>
-            </a:r>
+            <a:pPr marL="0" lvl="0" indent="0" algn="l" rtl="0">
+              <a:spcBef>
+                <a:spcPts val="0"/>
+              </a:spcBef>
+              <a:spcAft>
+                <a:spcPts val="0"/>
+              </a:spcAft>
+              <a:buNone/>
+            </a:pPr>
             <a:endParaRPr/>
           </a:p>
         </p:txBody>
       </p:sp>
     </p:spTree>
+    <p:extLst>
+      <p:ext uri="{BB962C8B-B14F-4D97-AF65-F5344CB8AC3E}">
+        <p14:creationId xmlns:p14="http://schemas.microsoft.com/office/powerpoint/2010/main" val="3543816039"/>
+      </p:ext>
+    </p:extLst>
   </p:cSld>
   <p:clrMapOvr>
     <a:masterClrMapping/>
@@ -1694,11 +1814,11 @@
 </file>
 
 <file path=ppt/notesSlides/notesSlide2.xml><?xml version="1.0" encoding="utf-8"?>
-<p:notes xmlns:a="http://schemas.openxmlformats.org/drawingml/2006/main" xmlns:r="http://schemas.openxmlformats.org/officeDocument/2006/relationships" xmlns:mc="http://schemas.openxmlformats.org/markup-compatibility/2006" xmlns:mv="urn:schemas-microsoft-com:mac:vml" xmlns:p="http://schemas.openxmlformats.org/presentationml/2006/main" xmlns:c="http://schemas.openxmlformats.org/drawingml/2006/chart" xmlns:dgm="http://schemas.openxmlformats.org/drawingml/2006/diagram" xmlns:o="urn:schemas-microsoft-com:office:office" xmlns:v="urn:schemas-microsoft-com:vml" xmlns:pvml="urn:schemas-microsoft-com:office:powerpoint" xmlns:com="http://schemas.openxmlformats.org/drawingml/2006/compatibility" xmlns:p14="http://schemas.microsoft.com/office/powerpoint/2010/main" xmlns:p15="http://schemas.microsoft.com/office/powerpoint/2012/main" showMasterPhAnim="0" showMasterSp="0">
+<p:notes xmlns:a="http://schemas.openxmlformats.org/drawingml/2006/main" xmlns:r="http://schemas.openxmlformats.org/officeDocument/2006/relationships" xmlns:p="http://schemas.openxmlformats.org/presentationml/2006/main" showMasterSp="0" showMasterPhAnim="0">
   <p:cSld>
     <p:spTree>
       <p:nvGrpSpPr>
-        <p:cNvPr id="78" name="Shape 78"/>
+        <p:cNvPr id="1" name="Shape 78"/>
         <p:cNvGrpSpPr/>
         <p:nvPr/>
       </p:nvGrpSpPr>
@@ -1713,20 +1833,26 @@
       <p:sp>
         <p:nvSpPr>
           <p:cNvPr id="79" name="Google Shape;79;g35f391192_04:notes"/>
-          <p:cNvSpPr/>
+          <p:cNvSpPr>
+            <a:spLocks noGrp="1" noRot="1" noChangeAspect="1"/>
+          </p:cNvSpPr>
           <p:nvPr>
-            <p:ph idx="2" type="sldImg"/>
+            <p:ph type="sldImg" idx="2"/>
           </p:nvPr>
         </p:nvSpPr>
         <p:spPr>
           <a:xfrm>
-            <a:off x="381175" y="685800"/>
-            <a:ext cx="6096300" cy="3429000"/>
+            <a:off x="381000" y="685800"/>
+            <a:ext cx="6096000" cy="3429000"/>
           </a:xfrm>
           <a:custGeom>
-            <a:rect b="b" l="l" r="r" t="t"/>
+            <a:avLst/>
+            <a:gdLst/>
+            <a:ahLst/>
+            <a:cxnLst/>
+            <a:rect l="l" t="t" r="r" b="b"/>
             <a:pathLst>
-              <a:path extrusionOk="0" h="120000" w="120000">
+              <a:path w="120000" h="120000" extrusionOk="0">
                 <a:moveTo>
                   <a:pt x="0" y="0"/>
                 </a:moveTo>
@@ -1748,9 +1874,11 @@
       <p:sp>
         <p:nvSpPr>
           <p:cNvPr id="80" name="Google Shape;80;g35f391192_04:notes"/>
-          <p:cNvSpPr txBox="1"/>
+          <p:cNvSpPr txBox="1">
+            <a:spLocks noGrp="1"/>
+          </p:cNvSpPr>
           <p:nvPr>
-            <p:ph idx="1" type="body"/>
+            <p:ph type="body" idx="1"/>
           </p:nvPr>
         </p:nvSpPr>
         <p:spPr>
@@ -1763,28 +1891,30 @@
           </a:prstGeom>
         </p:spPr>
         <p:txBody>
-          <a:bodyPr anchorCtr="0" anchor="t" bIns="91425" lIns="91425" spcFirstLastPara="1" rIns="91425" wrap="square" tIns="91425">
+          <a:bodyPr spcFirstLastPara="1" wrap="square" lIns="91425" tIns="91425" rIns="91425" bIns="91425" anchor="t" anchorCtr="0">
             <a:noAutofit/>
           </a:bodyPr>
           <a:lstStyle/>
           <a:p>
-            <a:pPr indent="0" lvl="0" marL="0" rtl="0" algn="l">
-              <a:spcBef>
-                <a:spcPts val="0"/>
-              </a:spcBef>
-              <a:spcAft>
-                <a:spcPts val="0"/>
-              </a:spcAft>
-              <a:buNone/>
-            </a:pPr>
-            <a:r>
-              <a:t/>
-            </a:r>
+            <a:pPr marL="0" lvl="0" indent="0" algn="l" rtl="0">
+              <a:spcBef>
+                <a:spcPts val="0"/>
+              </a:spcBef>
+              <a:spcAft>
+                <a:spcPts val="0"/>
+              </a:spcAft>
+              <a:buNone/>
+            </a:pPr>
             <a:endParaRPr/>
           </a:p>
         </p:txBody>
       </p:sp>
     </p:spTree>
+    <p:extLst>
+      <p:ext uri="{BB962C8B-B14F-4D97-AF65-F5344CB8AC3E}">
+        <p14:creationId xmlns:p14="http://schemas.microsoft.com/office/powerpoint/2010/main" val="2052138158"/>
+      </p:ext>
+    </p:extLst>
   </p:cSld>
   <p:clrMapOvr>
     <a:masterClrMapping/>
@@ -1793,11 +1923,11 @@
 </file>
 
 <file path=ppt/notesSlides/notesSlide3.xml><?xml version="1.0" encoding="utf-8"?>
-<p:notes xmlns:a="http://schemas.openxmlformats.org/drawingml/2006/main" xmlns:r="http://schemas.openxmlformats.org/officeDocument/2006/relationships" xmlns:mc="http://schemas.openxmlformats.org/markup-compatibility/2006" xmlns:mv="urn:schemas-microsoft-com:mac:vml" xmlns:p="http://schemas.openxmlformats.org/presentationml/2006/main" xmlns:c="http://schemas.openxmlformats.org/drawingml/2006/chart" xmlns:dgm="http://schemas.openxmlformats.org/drawingml/2006/diagram" xmlns:o="urn:schemas-microsoft-com:office:office" xmlns:v="urn:schemas-microsoft-com:vml" xmlns:pvml="urn:schemas-microsoft-com:office:powerpoint" xmlns:com="http://schemas.openxmlformats.org/drawingml/2006/compatibility" xmlns:p14="http://schemas.microsoft.com/office/powerpoint/2010/main" xmlns:p15="http://schemas.microsoft.com/office/powerpoint/2012/main" showMasterPhAnim="0" showMasterSp="0">
+<p:notes xmlns:a="http://schemas.openxmlformats.org/drawingml/2006/main" xmlns:r="http://schemas.openxmlformats.org/officeDocument/2006/relationships" xmlns:p="http://schemas.openxmlformats.org/presentationml/2006/main" showMasterSp="0" showMasterPhAnim="0">
   <p:cSld>
     <p:spTree>
       <p:nvGrpSpPr>
-        <p:cNvPr id="85" name="Shape 85"/>
+        <p:cNvPr id="1" name="Shape 85"/>
         <p:cNvGrpSpPr/>
         <p:nvPr/>
       </p:nvGrpSpPr>
@@ -1812,20 +1942,26 @@
       <p:sp>
         <p:nvSpPr>
           <p:cNvPr id="86" name="Google Shape;86;p:notes"/>
-          <p:cNvSpPr/>
+          <p:cNvSpPr>
+            <a:spLocks noGrp="1" noRot="1" noChangeAspect="1"/>
+          </p:cNvSpPr>
           <p:nvPr>
-            <p:ph idx="2" type="sldImg"/>
+            <p:ph type="sldImg" idx="2"/>
           </p:nvPr>
         </p:nvSpPr>
         <p:spPr>
           <a:xfrm>
-            <a:off x="381175" y="685800"/>
-            <a:ext cx="6096300" cy="3429000"/>
+            <a:off x="381000" y="685800"/>
+            <a:ext cx="6096000" cy="3429000"/>
           </a:xfrm>
           <a:custGeom>
-            <a:rect b="b" l="l" r="r" t="t"/>
+            <a:avLst/>
+            <a:gdLst/>
+            <a:ahLst/>
+            <a:cxnLst/>
+            <a:rect l="l" t="t" r="r" b="b"/>
             <a:pathLst>
-              <a:path extrusionOk="0" h="120000" w="120000">
+              <a:path w="120000" h="120000" extrusionOk="0">
                 <a:moveTo>
                   <a:pt x="0" y="0"/>
                 </a:moveTo>
@@ -1847,9 +1983,11 @@
       <p:sp>
         <p:nvSpPr>
           <p:cNvPr id="87" name="Google Shape;87;p:notes"/>
-          <p:cNvSpPr txBox="1"/>
+          <p:cNvSpPr txBox="1">
+            <a:spLocks noGrp="1"/>
+          </p:cNvSpPr>
           <p:nvPr>
-            <p:ph idx="1" type="body"/>
+            <p:ph type="body" idx="1"/>
           </p:nvPr>
         </p:nvSpPr>
         <p:spPr>
@@ -1862,28 +2000,30 @@
           </a:prstGeom>
         </p:spPr>
         <p:txBody>
-          <a:bodyPr anchorCtr="0" anchor="t" bIns="91425" lIns="91425" spcFirstLastPara="1" rIns="91425" wrap="square" tIns="91425">
+          <a:bodyPr spcFirstLastPara="1" wrap="square" lIns="91425" tIns="91425" rIns="91425" bIns="91425" anchor="t" anchorCtr="0">
             <a:noAutofit/>
           </a:bodyPr>
           <a:lstStyle/>
           <a:p>
-            <a:pPr indent="0" lvl="0" marL="0" rtl="0" algn="l">
-              <a:spcBef>
-                <a:spcPts val="0"/>
-              </a:spcBef>
-              <a:spcAft>
-                <a:spcPts val="0"/>
-              </a:spcAft>
-              <a:buNone/>
-            </a:pPr>
-            <a:r>
-              <a:t/>
-            </a:r>
+            <a:pPr marL="0" lvl="0" indent="0" algn="l" rtl="0">
+              <a:spcBef>
+                <a:spcPts val="0"/>
+              </a:spcBef>
+              <a:spcAft>
+                <a:spcPts val="0"/>
+              </a:spcAft>
+              <a:buNone/>
+            </a:pPr>
             <a:endParaRPr/>
           </a:p>
         </p:txBody>
       </p:sp>
     </p:spTree>
+    <p:extLst>
+      <p:ext uri="{BB962C8B-B14F-4D97-AF65-F5344CB8AC3E}">
+        <p14:creationId xmlns:p14="http://schemas.microsoft.com/office/powerpoint/2010/main" val="3912522261"/>
+      </p:ext>
+    </p:extLst>
   </p:cSld>
   <p:clrMapOvr>
     <a:masterClrMapping/>
@@ -1892,11 +2032,11 @@
 </file>
 
 <file path=ppt/notesSlides/notesSlide4.xml><?xml version="1.0" encoding="utf-8"?>
-<p:notes xmlns:a="http://schemas.openxmlformats.org/drawingml/2006/main" xmlns:r="http://schemas.openxmlformats.org/officeDocument/2006/relationships" xmlns:mc="http://schemas.openxmlformats.org/markup-compatibility/2006" xmlns:mv="urn:schemas-microsoft-com:mac:vml" xmlns:p="http://schemas.openxmlformats.org/presentationml/2006/main" xmlns:c="http://schemas.openxmlformats.org/drawingml/2006/chart" xmlns:dgm="http://schemas.openxmlformats.org/drawingml/2006/diagram" xmlns:o="urn:schemas-microsoft-com:office:office" xmlns:v="urn:schemas-microsoft-com:vml" xmlns:pvml="urn:schemas-microsoft-com:office:powerpoint" xmlns:com="http://schemas.openxmlformats.org/drawingml/2006/compatibility" xmlns:p14="http://schemas.microsoft.com/office/powerpoint/2010/main" xmlns:p15="http://schemas.microsoft.com/office/powerpoint/2012/main" showMasterPhAnim="0" showMasterSp="0">
+<p:notes xmlns:a="http://schemas.openxmlformats.org/drawingml/2006/main" xmlns:r="http://schemas.openxmlformats.org/officeDocument/2006/relationships" xmlns:p="http://schemas.openxmlformats.org/presentationml/2006/main" showMasterSp="0" showMasterPhAnim="0">
   <p:cSld>
     <p:spTree>
       <p:nvGrpSpPr>
-        <p:cNvPr id="92" name="Shape 92"/>
+        <p:cNvPr id="1" name="Shape 92"/>
         <p:cNvGrpSpPr/>
         <p:nvPr/>
       </p:nvGrpSpPr>
@@ -1911,20 +2051,26 @@
       <p:sp>
         <p:nvSpPr>
           <p:cNvPr id="93" name="Google Shape;93;g6eae8ca9bc_1_22:notes"/>
-          <p:cNvSpPr/>
+          <p:cNvSpPr>
+            <a:spLocks noGrp="1" noRot="1" noChangeAspect="1"/>
+          </p:cNvSpPr>
           <p:nvPr>
-            <p:ph idx="2" type="sldImg"/>
+            <p:ph type="sldImg" idx="2"/>
           </p:nvPr>
         </p:nvSpPr>
         <p:spPr>
           <a:xfrm>
-            <a:off x="381175" y="685800"/>
-            <a:ext cx="6096300" cy="3429000"/>
+            <a:off x="381000" y="685800"/>
+            <a:ext cx="6096000" cy="3429000"/>
           </a:xfrm>
           <a:custGeom>
-            <a:rect b="b" l="l" r="r" t="t"/>
+            <a:avLst/>
+            <a:gdLst/>
+            <a:ahLst/>
+            <a:cxnLst/>
+            <a:rect l="l" t="t" r="r" b="b"/>
             <a:pathLst>
-              <a:path extrusionOk="0" h="120000" w="120000">
+              <a:path w="120000" h="120000" extrusionOk="0">
                 <a:moveTo>
                   <a:pt x="0" y="0"/>
                 </a:moveTo>
@@ -1946,9 +2092,11 @@
       <p:sp>
         <p:nvSpPr>
           <p:cNvPr id="94" name="Google Shape;94;g6eae8ca9bc_1_22:notes"/>
-          <p:cNvSpPr txBox="1"/>
+          <p:cNvSpPr txBox="1">
+            <a:spLocks noGrp="1"/>
+          </p:cNvSpPr>
           <p:nvPr>
-            <p:ph idx="1" type="body"/>
+            <p:ph type="body" idx="1"/>
           </p:nvPr>
         </p:nvSpPr>
         <p:spPr>
@@ -1961,28 +2109,30 @@
           </a:prstGeom>
         </p:spPr>
         <p:txBody>
-          <a:bodyPr anchorCtr="0" anchor="t" bIns="91425" lIns="91425" spcFirstLastPara="1" rIns="91425" wrap="square" tIns="91425">
+          <a:bodyPr spcFirstLastPara="1" wrap="square" lIns="91425" tIns="91425" rIns="91425" bIns="91425" anchor="t" anchorCtr="0">
             <a:noAutofit/>
           </a:bodyPr>
           <a:lstStyle/>
           <a:p>
-            <a:pPr indent="0" lvl="0" marL="0" rtl="0" algn="l">
-              <a:spcBef>
-                <a:spcPts val="0"/>
-              </a:spcBef>
-              <a:spcAft>
-                <a:spcPts val="0"/>
-              </a:spcAft>
-              <a:buNone/>
-            </a:pPr>
-            <a:r>
-              <a:t/>
-            </a:r>
+            <a:pPr marL="0" lvl="0" indent="0" algn="l" rtl="0">
+              <a:spcBef>
+                <a:spcPts val="0"/>
+              </a:spcBef>
+              <a:spcAft>
+                <a:spcPts val="0"/>
+              </a:spcAft>
+              <a:buNone/>
+            </a:pPr>
             <a:endParaRPr/>
           </a:p>
         </p:txBody>
       </p:sp>
     </p:spTree>
+    <p:extLst>
+      <p:ext uri="{BB962C8B-B14F-4D97-AF65-F5344CB8AC3E}">
+        <p14:creationId xmlns:p14="http://schemas.microsoft.com/office/powerpoint/2010/main" val="617756753"/>
+      </p:ext>
+    </p:extLst>
   </p:cSld>
   <p:clrMapOvr>
     <a:masterClrMapping/>
@@ -1991,11 +2141,11 @@
 </file>
 
 <file path=ppt/notesSlides/notesSlide5.xml><?xml version="1.0" encoding="utf-8"?>
-<p:notes xmlns:a="http://schemas.openxmlformats.org/drawingml/2006/main" xmlns:r="http://schemas.openxmlformats.org/officeDocument/2006/relationships" xmlns:mc="http://schemas.openxmlformats.org/markup-compatibility/2006" xmlns:mv="urn:schemas-microsoft-com:mac:vml" xmlns:p="http://schemas.openxmlformats.org/presentationml/2006/main" xmlns:c="http://schemas.openxmlformats.org/drawingml/2006/chart" xmlns:dgm="http://schemas.openxmlformats.org/drawingml/2006/diagram" xmlns:o="urn:schemas-microsoft-com:office:office" xmlns:v="urn:schemas-microsoft-com:vml" xmlns:pvml="urn:schemas-microsoft-com:office:powerpoint" xmlns:com="http://schemas.openxmlformats.org/drawingml/2006/compatibility" xmlns:p14="http://schemas.microsoft.com/office/powerpoint/2010/main" xmlns:p15="http://schemas.microsoft.com/office/powerpoint/2012/main" showMasterPhAnim="0" showMasterSp="0">
+<p:notes xmlns:a="http://schemas.openxmlformats.org/drawingml/2006/main" xmlns:r="http://schemas.openxmlformats.org/officeDocument/2006/relationships" xmlns:p="http://schemas.openxmlformats.org/presentationml/2006/main" showMasterSp="0" showMasterPhAnim="0">
   <p:cSld>
     <p:spTree>
       <p:nvGrpSpPr>
-        <p:cNvPr id="99" name="Shape 99"/>
+        <p:cNvPr id="1" name="Shape 99"/>
         <p:cNvGrpSpPr/>
         <p:nvPr/>
       </p:nvGrpSpPr>
@@ -2010,20 +2160,26 @@
       <p:sp>
         <p:nvSpPr>
           <p:cNvPr id="100" name="Google Shape;100;g6eb63a4ff4_16_0:notes"/>
-          <p:cNvSpPr/>
+          <p:cNvSpPr>
+            <a:spLocks noGrp="1" noRot="1" noChangeAspect="1"/>
+          </p:cNvSpPr>
           <p:nvPr>
-            <p:ph idx="2" type="sldImg"/>
+            <p:ph type="sldImg" idx="2"/>
           </p:nvPr>
         </p:nvSpPr>
         <p:spPr>
           <a:xfrm>
-            <a:off x="381175" y="685800"/>
-            <a:ext cx="6096300" cy="3429000"/>
+            <a:off x="381000" y="685800"/>
+            <a:ext cx="6096000" cy="3429000"/>
           </a:xfrm>
           <a:custGeom>
-            <a:rect b="b" l="l" r="r" t="t"/>
+            <a:avLst/>
+            <a:gdLst/>
+            <a:ahLst/>
+            <a:cxnLst/>
+            <a:rect l="l" t="t" r="r" b="b"/>
             <a:pathLst>
-              <a:path extrusionOk="0" h="120000" w="120000">
+              <a:path w="120000" h="120000" extrusionOk="0">
                 <a:moveTo>
                   <a:pt x="0" y="0"/>
                 </a:moveTo>
@@ -2045,9 +2201,11 @@
       <p:sp>
         <p:nvSpPr>
           <p:cNvPr id="101" name="Google Shape;101;g6eb63a4ff4_16_0:notes"/>
-          <p:cNvSpPr txBox="1"/>
+          <p:cNvSpPr txBox="1">
+            <a:spLocks noGrp="1"/>
+          </p:cNvSpPr>
           <p:nvPr>
-            <p:ph idx="1" type="body"/>
+            <p:ph type="body" idx="1"/>
           </p:nvPr>
         </p:nvSpPr>
         <p:spPr>
@@ -2060,28 +2218,30 @@
           </a:prstGeom>
         </p:spPr>
         <p:txBody>
-          <a:bodyPr anchorCtr="0" anchor="t" bIns="91425" lIns="91425" spcFirstLastPara="1" rIns="91425" wrap="square" tIns="91425">
+          <a:bodyPr spcFirstLastPara="1" wrap="square" lIns="91425" tIns="91425" rIns="91425" bIns="91425" anchor="t" anchorCtr="0">
             <a:noAutofit/>
           </a:bodyPr>
           <a:lstStyle/>
           <a:p>
-            <a:pPr indent="0" lvl="0" marL="0" rtl="0" algn="l">
-              <a:spcBef>
-                <a:spcPts val="0"/>
-              </a:spcBef>
-              <a:spcAft>
-                <a:spcPts val="0"/>
-              </a:spcAft>
-              <a:buNone/>
-            </a:pPr>
-            <a:r>
-              <a:t/>
-            </a:r>
+            <a:pPr marL="0" lvl="0" indent="0" algn="l" rtl="0">
+              <a:spcBef>
+                <a:spcPts val="0"/>
+              </a:spcBef>
+              <a:spcAft>
+                <a:spcPts val="0"/>
+              </a:spcAft>
+              <a:buNone/>
+            </a:pPr>
             <a:endParaRPr/>
           </a:p>
         </p:txBody>
       </p:sp>
     </p:spTree>
+    <p:extLst>
+      <p:ext uri="{BB962C8B-B14F-4D97-AF65-F5344CB8AC3E}">
+        <p14:creationId xmlns:p14="http://schemas.microsoft.com/office/powerpoint/2010/main" val="3616882590"/>
+      </p:ext>
+    </p:extLst>
   </p:cSld>
   <p:clrMapOvr>
     <a:masterClrMapping/>
@@ -2090,11 +2250,11 @@
 </file>
 
 <file path=ppt/notesSlides/notesSlide6.xml><?xml version="1.0" encoding="utf-8"?>
-<p:notes xmlns:a="http://schemas.openxmlformats.org/drawingml/2006/main" xmlns:r="http://schemas.openxmlformats.org/officeDocument/2006/relationships" xmlns:mc="http://schemas.openxmlformats.org/markup-compatibility/2006" xmlns:mv="urn:schemas-microsoft-com:mac:vml" xmlns:p="http://schemas.openxmlformats.org/presentationml/2006/main" xmlns:c="http://schemas.openxmlformats.org/drawingml/2006/chart" xmlns:dgm="http://schemas.openxmlformats.org/drawingml/2006/diagram" xmlns:o="urn:schemas-microsoft-com:office:office" xmlns:v="urn:schemas-microsoft-com:vml" xmlns:pvml="urn:schemas-microsoft-com:office:powerpoint" xmlns:com="http://schemas.openxmlformats.org/drawingml/2006/compatibility" xmlns:p14="http://schemas.microsoft.com/office/powerpoint/2010/main" xmlns:p15="http://schemas.microsoft.com/office/powerpoint/2012/main" showMasterPhAnim="0" showMasterSp="0">
+<p:notes xmlns:a="http://schemas.openxmlformats.org/drawingml/2006/main" xmlns:r="http://schemas.openxmlformats.org/officeDocument/2006/relationships" xmlns:p="http://schemas.openxmlformats.org/presentationml/2006/main" showMasterSp="0" showMasterPhAnim="0">
   <p:cSld>
     <p:spTree>
       <p:nvGrpSpPr>
-        <p:cNvPr id="105" name="Shape 105"/>
+        <p:cNvPr id="1" name="Shape 105"/>
         <p:cNvGrpSpPr/>
         <p:nvPr/>
       </p:nvGrpSpPr>
@@ -2109,20 +2269,26 @@
       <p:sp>
         <p:nvSpPr>
           <p:cNvPr id="106" name="Google Shape;106;g6eae8ca9bc_1_43:notes"/>
-          <p:cNvSpPr/>
+          <p:cNvSpPr>
+            <a:spLocks noGrp="1" noRot="1" noChangeAspect="1"/>
+          </p:cNvSpPr>
           <p:nvPr>
-            <p:ph idx="2" type="sldImg"/>
+            <p:ph type="sldImg" idx="2"/>
           </p:nvPr>
         </p:nvSpPr>
         <p:spPr>
           <a:xfrm>
-            <a:off x="381175" y="685800"/>
-            <a:ext cx="6096300" cy="3429000"/>
+            <a:off x="381000" y="685800"/>
+            <a:ext cx="6096000" cy="3429000"/>
           </a:xfrm>
           <a:custGeom>
-            <a:rect b="b" l="l" r="r" t="t"/>
+            <a:avLst/>
+            <a:gdLst/>
+            <a:ahLst/>
+            <a:cxnLst/>
+            <a:rect l="l" t="t" r="r" b="b"/>
             <a:pathLst>
-              <a:path extrusionOk="0" h="120000" w="120000">
+              <a:path w="120000" h="120000" extrusionOk="0">
                 <a:moveTo>
                   <a:pt x="0" y="0"/>
                 </a:moveTo>
@@ -2144,9 +2310,11 @@
       <p:sp>
         <p:nvSpPr>
           <p:cNvPr id="107" name="Google Shape;107;g6eae8ca9bc_1_43:notes"/>
-          <p:cNvSpPr txBox="1"/>
+          <p:cNvSpPr txBox="1">
+            <a:spLocks noGrp="1"/>
+          </p:cNvSpPr>
           <p:nvPr>
-            <p:ph idx="1" type="body"/>
+            <p:ph type="body" idx="1"/>
           </p:nvPr>
         </p:nvSpPr>
         <p:spPr>
@@ -2159,28 +2327,30 @@
           </a:prstGeom>
         </p:spPr>
         <p:txBody>
-          <a:bodyPr anchorCtr="0" anchor="t" bIns="91425" lIns="91425" spcFirstLastPara="1" rIns="91425" wrap="square" tIns="91425">
+          <a:bodyPr spcFirstLastPara="1" wrap="square" lIns="91425" tIns="91425" rIns="91425" bIns="91425" anchor="t" anchorCtr="0">
             <a:noAutofit/>
           </a:bodyPr>
           <a:lstStyle/>
           <a:p>
-            <a:pPr indent="0" lvl="0" marL="0" rtl="0" algn="l">
-              <a:spcBef>
-                <a:spcPts val="0"/>
-              </a:spcBef>
-              <a:spcAft>
-                <a:spcPts val="0"/>
-              </a:spcAft>
-              <a:buNone/>
-            </a:pPr>
-            <a:r>
-              <a:t/>
-            </a:r>
+            <a:pPr marL="0" lvl="0" indent="0" algn="l" rtl="0">
+              <a:spcBef>
+                <a:spcPts val="0"/>
+              </a:spcBef>
+              <a:spcAft>
+                <a:spcPts val="0"/>
+              </a:spcAft>
+              <a:buNone/>
+            </a:pPr>
             <a:endParaRPr/>
           </a:p>
         </p:txBody>
       </p:sp>
     </p:spTree>
+    <p:extLst>
+      <p:ext uri="{BB962C8B-B14F-4D97-AF65-F5344CB8AC3E}">
+        <p14:creationId xmlns:p14="http://schemas.microsoft.com/office/powerpoint/2010/main" val="2809360192"/>
+      </p:ext>
+    </p:extLst>
   </p:cSld>
   <p:clrMapOvr>
     <a:masterClrMapping/>
@@ -2189,11 +2359,11 @@
 </file>
 
 <file path=ppt/notesSlides/notesSlide7.xml><?xml version="1.0" encoding="utf-8"?>
-<p:notes xmlns:a="http://schemas.openxmlformats.org/drawingml/2006/main" xmlns:r="http://schemas.openxmlformats.org/officeDocument/2006/relationships" xmlns:mc="http://schemas.openxmlformats.org/markup-compatibility/2006" xmlns:mv="urn:schemas-microsoft-com:mac:vml" xmlns:p="http://schemas.openxmlformats.org/presentationml/2006/main" xmlns:c="http://schemas.openxmlformats.org/drawingml/2006/chart" xmlns:dgm="http://schemas.openxmlformats.org/drawingml/2006/diagram" xmlns:o="urn:schemas-microsoft-com:office:office" xmlns:v="urn:schemas-microsoft-com:vml" xmlns:pvml="urn:schemas-microsoft-com:office:powerpoint" xmlns:com="http://schemas.openxmlformats.org/drawingml/2006/compatibility" xmlns:p14="http://schemas.microsoft.com/office/powerpoint/2010/main" xmlns:p15="http://schemas.microsoft.com/office/powerpoint/2012/main" showMasterPhAnim="0" showMasterSp="0">
+<p:notes xmlns:a="http://schemas.openxmlformats.org/drawingml/2006/main" xmlns:r="http://schemas.openxmlformats.org/officeDocument/2006/relationships" xmlns:p="http://schemas.openxmlformats.org/presentationml/2006/main" showMasterSp="0" showMasterPhAnim="0">
   <p:cSld>
     <p:spTree>
       <p:nvGrpSpPr>
-        <p:cNvPr id="112" name="Shape 112"/>
+        <p:cNvPr id="1" name="Shape 112"/>
         <p:cNvGrpSpPr/>
         <p:nvPr/>
       </p:nvGrpSpPr>
@@ -2208,20 +2378,26 @@
       <p:sp>
         <p:nvSpPr>
           <p:cNvPr id="113" name="Google Shape;113;g6eae8ca9bc_1_51:notes"/>
-          <p:cNvSpPr/>
+          <p:cNvSpPr>
+            <a:spLocks noGrp="1" noRot="1" noChangeAspect="1"/>
+          </p:cNvSpPr>
           <p:nvPr>
-            <p:ph idx="2" type="sldImg"/>
+            <p:ph type="sldImg" idx="2"/>
           </p:nvPr>
         </p:nvSpPr>
         <p:spPr>
           <a:xfrm>
-            <a:off x="381175" y="685800"/>
-            <a:ext cx="6096300" cy="3429000"/>
+            <a:off x="381000" y="685800"/>
+            <a:ext cx="6096000" cy="3429000"/>
           </a:xfrm>
           <a:custGeom>
-            <a:rect b="b" l="l" r="r" t="t"/>
+            <a:avLst/>
+            <a:gdLst/>
+            <a:ahLst/>
+            <a:cxnLst/>
+            <a:rect l="l" t="t" r="r" b="b"/>
             <a:pathLst>
-              <a:path extrusionOk="0" h="120000" w="120000">
+              <a:path w="120000" h="120000" extrusionOk="0">
                 <a:moveTo>
                   <a:pt x="0" y="0"/>
                 </a:moveTo>
@@ -2243,9 +2419,11 @@
       <p:sp>
         <p:nvSpPr>
           <p:cNvPr id="114" name="Google Shape;114;g6eae8ca9bc_1_51:notes"/>
-          <p:cNvSpPr txBox="1"/>
+          <p:cNvSpPr txBox="1">
+            <a:spLocks noGrp="1"/>
+          </p:cNvSpPr>
           <p:nvPr>
-            <p:ph idx="1" type="body"/>
+            <p:ph type="body" idx="1"/>
           </p:nvPr>
         </p:nvSpPr>
         <p:spPr>
@@ -2258,28 +2436,30 @@
           </a:prstGeom>
         </p:spPr>
         <p:txBody>
-          <a:bodyPr anchorCtr="0" anchor="t" bIns="91425" lIns="91425" spcFirstLastPara="1" rIns="91425" wrap="square" tIns="91425">
+          <a:bodyPr spcFirstLastPara="1" wrap="square" lIns="91425" tIns="91425" rIns="91425" bIns="91425" anchor="t" anchorCtr="0">
             <a:noAutofit/>
           </a:bodyPr>
           <a:lstStyle/>
           <a:p>
-            <a:pPr indent="0" lvl="0" marL="0" rtl="0" algn="l">
-              <a:spcBef>
-                <a:spcPts val="0"/>
-              </a:spcBef>
-              <a:spcAft>
-                <a:spcPts val="0"/>
-              </a:spcAft>
-              <a:buNone/>
-            </a:pPr>
-            <a:r>
-              <a:t/>
-            </a:r>
+            <a:pPr marL="0" lvl="0" indent="0" algn="l" rtl="0">
+              <a:spcBef>
+                <a:spcPts val="0"/>
+              </a:spcBef>
+              <a:spcAft>
+                <a:spcPts val="0"/>
+              </a:spcAft>
+              <a:buNone/>
+            </a:pPr>
             <a:endParaRPr/>
           </a:p>
         </p:txBody>
       </p:sp>
     </p:spTree>
+    <p:extLst>
+      <p:ext uri="{BB962C8B-B14F-4D97-AF65-F5344CB8AC3E}">
+        <p14:creationId xmlns:p14="http://schemas.microsoft.com/office/powerpoint/2010/main" val="101520689"/>
+      </p:ext>
+    </p:extLst>
   </p:cSld>
   <p:clrMapOvr>
     <a:masterClrMapping/>
@@ -2288,11 +2468,11 @@
 </file>
 
 <file path=ppt/notesSlides/notesSlide8.xml><?xml version="1.0" encoding="utf-8"?>
-<p:notes xmlns:a="http://schemas.openxmlformats.org/drawingml/2006/main" xmlns:r="http://schemas.openxmlformats.org/officeDocument/2006/relationships" xmlns:mc="http://schemas.openxmlformats.org/markup-compatibility/2006" xmlns:mv="urn:schemas-microsoft-com:mac:vml" xmlns:p="http://schemas.openxmlformats.org/presentationml/2006/main" xmlns:c="http://schemas.openxmlformats.org/drawingml/2006/chart" xmlns:dgm="http://schemas.openxmlformats.org/drawingml/2006/diagram" xmlns:o="urn:schemas-microsoft-com:office:office" xmlns:v="urn:schemas-microsoft-com:vml" xmlns:pvml="urn:schemas-microsoft-com:office:powerpoint" xmlns:com="http://schemas.openxmlformats.org/drawingml/2006/compatibility" xmlns:p14="http://schemas.microsoft.com/office/powerpoint/2010/main" xmlns:p15="http://schemas.microsoft.com/office/powerpoint/2012/main" showMasterPhAnim="0" showMasterSp="0">
+<p:notes xmlns:a="http://schemas.openxmlformats.org/drawingml/2006/main" xmlns:r="http://schemas.openxmlformats.org/officeDocument/2006/relationships" xmlns:p="http://schemas.openxmlformats.org/presentationml/2006/main" showMasterSp="0" showMasterPhAnim="0">
   <p:cSld>
     <p:spTree>
       <p:nvGrpSpPr>
-        <p:cNvPr id="118" name="Shape 118"/>
+        <p:cNvPr id="1" name="Shape 118"/>
         <p:cNvGrpSpPr/>
         <p:nvPr/>
       </p:nvGrpSpPr>
@@ -2307,20 +2487,26 @@
       <p:sp>
         <p:nvSpPr>
           <p:cNvPr id="119" name="Google Shape;119;g6eae8ca9bc_2_0:notes"/>
-          <p:cNvSpPr/>
+          <p:cNvSpPr>
+            <a:spLocks noGrp="1" noRot="1" noChangeAspect="1"/>
+          </p:cNvSpPr>
           <p:nvPr>
-            <p:ph idx="2" type="sldImg"/>
+            <p:ph type="sldImg" idx="2"/>
           </p:nvPr>
         </p:nvSpPr>
         <p:spPr>
           <a:xfrm>
-            <a:off x="381175" y="685800"/>
-            <a:ext cx="6096300" cy="3429000"/>
+            <a:off x="381000" y="685800"/>
+            <a:ext cx="6096000" cy="3429000"/>
           </a:xfrm>
           <a:custGeom>
-            <a:rect b="b" l="l" r="r" t="t"/>
+            <a:avLst/>
+            <a:gdLst/>
+            <a:ahLst/>
+            <a:cxnLst/>
+            <a:rect l="l" t="t" r="r" b="b"/>
             <a:pathLst>
-              <a:path extrusionOk="0" h="120000" w="120000">
+              <a:path w="120000" h="120000" extrusionOk="0">
                 <a:moveTo>
                   <a:pt x="0" y="0"/>
                 </a:moveTo>
@@ -2342,9 +2528,11 @@
       <p:sp>
         <p:nvSpPr>
           <p:cNvPr id="120" name="Google Shape;120;g6eae8ca9bc_2_0:notes"/>
-          <p:cNvSpPr txBox="1"/>
+          <p:cNvSpPr txBox="1">
+            <a:spLocks noGrp="1"/>
+          </p:cNvSpPr>
           <p:nvPr>
-            <p:ph idx="1" type="body"/>
+            <p:ph type="body" idx="1"/>
           </p:nvPr>
         </p:nvSpPr>
         <p:spPr>
@@ -2357,28 +2545,30 @@
           </a:prstGeom>
         </p:spPr>
         <p:txBody>
-          <a:bodyPr anchorCtr="0" anchor="t" bIns="91425" lIns="91425" spcFirstLastPara="1" rIns="91425" wrap="square" tIns="91425">
+          <a:bodyPr spcFirstLastPara="1" wrap="square" lIns="91425" tIns="91425" rIns="91425" bIns="91425" anchor="t" anchorCtr="0">
             <a:noAutofit/>
           </a:bodyPr>
           <a:lstStyle/>
           <a:p>
-            <a:pPr indent="0" lvl="0" marL="0" rtl="0" algn="l">
-              <a:spcBef>
-                <a:spcPts val="0"/>
-              </a:spcBef>
-              <a:spcAft>
-                <a:spcPts val="0"/>
-              </a:spcAft>
-              <a:buNone/>
-            </a:pPr>
-            <a:r>
-              <a:t/>
-            </a:r>
+            <a:pPr marL="0" lvl="0" indent="0" algn="l" rtl="0">
+              <a:spcBef>
+                <a:spcPts val="0"/>
+              </a:spcBef>
+              <a:spcAft>
+                <a:spcPts val="0"/>
+              </a:spcAft>
+              <a:buNone/>
+            </a:pPr>
             <a:endParaRPr/>
           </a:p>
         </p:txBody>
       </p:sp>
     </p:spTree>
+    <p:extLst>
+      <p:ext uri="{BB962C8B-B14F-4D97-AF65-F5344CB8AC3E}">
+        <p14:creationId xmlns:p14="http://schemas.microsoft.com/office/powerpoint/2010/main" val="2850347644"/>
+      </p:ext>
+    </p:extLst>
   </p:cSld>
   <p:clrMapOvr>
     <a:masterClrMapping/>
@@ -2387,11 +2577,11 @@
 </file>
 
 <file path=ppt/notesSlides/notesSlide9.xml><?xml version="1.0" encoding="utf-8"?>
-<p:notes xmlns:a="http://schemas.openxmlformats.org/drawingml/2006/main" xmlns:r="http://schemas.openxmlformats.org/officeDocument/2006/relationships" xmlns:mc="http://schemas.openxmlformats.org/markup-compatibility/2006" xmlns:mv="urn:schemas-microsoft-com:mac:vml" xmlns:p="http://schemas.openxmlformats.org/presentationml/2006/main" xmlns:c="http://schemas.openxmlformats.org/drawingml/2006/chart" xmlns:dgm="http://schemas.openxmlformats.org/drawingml/2006/diagram" xmlns:o="urn:schemas-microsoft-com:office:office" xmlns:v="urn:schemas-microsoft-com:vml" xmlns:pvml="urn:schemas-microsoft-com:office:powerpoint" xmlns:com="http://schemas.openxmlformats.org/drawingml/2006/compatibility" xmlns:p14="http://schemas.microsoft.com/office/powerpoint/2010/main" xmlns:p15="http://schemas.microsoft.com/office/powerpoint/2012/main" showMasterPhAnim="0" showMasterSp="0">
+<p:notes xmlns:a="http://schemas.openxmlformats.org/drawingml/2006/main" xmlns:r="http://schemas.openxmlformats.org/officeDocument/2006/relationships" xmlns:p="http://schemas.openxmlformats.org/presentationml/2006/main" showMasterSp="0" showMasterPhAnim="0">
   <p:cSld>
     <p:spTree>
       <p:nvGrpSpPr>
-        <p:cNvPr id="125" name="Shape 125"/>
+        <p:cNvPr id="1" name="Shape 125"/>
         <p:cNvGrpSpPr/>
         <p:nvPr/>
       </p:nvGrpSpPr>
@@ -2406,20 +2596,26 @@
       <p:sp>
         <p:nvSpPr>
           <p:cNvPr id="126" name="Google Shape;126;g6eae8ca9bc_2_6:notes"/>
-          <p:cNvSpPr/>
+          <p:cNvSpPr>
+            <a:spLocks noGrp="1" noRot="1" noChangeAspect="1"/>
+          </p:cNvSpPr>
           <p:nvPr>
-            <p:ph idx="2" type="sldImg"/>
+            <p:ph type="sldImg" idx="2"/>
           </p:nvPr>
         </p:nvSpPr>
         <p:spPr>
           <a:xfrm>
-            <a:off x="381175" y="685800"/>
-            <a:ext cx="6096300" cy="3429000"/>
+            <a:off x="381000" y="685800"/>
+            <a:ext cx="6096000" cy="3429000"/>
           </a:xfrm>
           <a:custGeom>
-            <a:rect b="b" l="l" r="r" t="t"/>
+            <a:avLst/>
+            <a:gdLst/>
+            <a:ahLst/>
+            <a:cxnLst/>
+            <a:rect l="l" t="t" r="r" b="b"/>
             <a:pathLst>
-              <a:path extrusionOk="0" h="120000" w="120000">
+              <a:path w="120000" h="120000" extrusionOk="0">
                 <a:moveTo>
                   <a:pt x="0" y="0"/>
                 </a:moveTo>
@@ -2441,9 +2637,11 @@
       <p:sp>
         <p:nvSpPr>
           <p:cNvPr id="127" name="Google Shape;127;g6eae8ca9bc_2_6:notes"/>
-          <p:cNvSpPr txBox="1"/>
+          <p:cNvSpPr txBox="1">
+            <a:spLocks noGrp="1"/>
+          </p:cNvSpPr>
           <p:nvPr>
-            <p:ph idx="1" type="body"/>
+            <p:ph type="body" idx="1"/>
           </p:nvPr>
         </p:nvSpPr>
         <p:spPr>
@@ -2456,28 +2654,30 @@
           </a:prstGeom>
         </p:spPr>
         <p:txBody>
-          <a:bodyPr anchorCtr="0" anchor="t" bIns="91425" lIns="91425" spcFirstLastPara="1" rIns="91425" wrap="square" tIns="91425">
+          <a:bodyPr spcFirstLastPara="1" wrap="square" lIns="91425" tIns="91425" rIns="91425" bIns="91425" anchor="t" anchorCtr="0">
             <a:noAutofit/>
           </a:bodyPr>
           <a:lstStyle/>
           <a:p>
-            <a:pPr indent="0" lvl="0" marL="0" rtl="0" algn="l">
-              <a:spcBef>
-                <a:spcPts val="0"/>
-              </a:spcBef>
-              <a:spcAft>
-                <a:spcPts val="0"/>
-              </a:spcAft>
-              <a:buNone/>
-            </a:pPr>
-            <a:r>
-              <a:t/>
-            </a:r>
+            <a:pPr marL="0" lvl="0" indent="0" algn="l" rtl="0">
+              <a:spcBef>
+                <a:spcPts val="0"/>
+              </a:spcBef>
+              <a:spcAft>
+                <a:spcPts val="0"/>
+              </a:spcAft>
+              <a:buNone/>
+            </a:pPr>
             <a:endParaRPr/>
           </a:p>
         </p:txBody>
       </p:sp>
     </p:spTree>
+    <p:extLst>
+      <p:ext uri="{BB962C8B-B14F-4D97-AF65-F5344CB8AC3E}">
+        <p14:creationId xmlns:p14="http://schemas.microsoft.com/office/powerpoint/2010/main" val="1579540186"/>
+      </p:ext>
+    </p:extLst>
   </p:cSld>
   <p:clrMapOvr>
     <a:masterClrMapping/>
@@ -2486,11 +2686,11 @@
 </file>
 
 <file path=ppt/slideLayouts/slideLayout1.xml><?xml version="1.0" encoding="utf-8"?>
-<p:sldLayout xmlns:a="http://schemas.openxmlformats.org/drawingml/2006/main" xmlns:r="http://schemas.openxmlformats.org/officeDocument/2006/relationships" xmlns:mc="http://schemas.openxmlformats.org/markup-compatibility/2006" xmlns:mv="urn:schemas-microsoft-com:mac:vml" xmlns:p="http://schemas.openxmlformats.org/presentationml/2006/main" xmlns:c="http://schemas.openxmlformats.org/drawingml/2006/chart" xmlns:dgm="http://schemas.openxmlformats.org/drawingml/2006/diagram" xmlns:o="urn:schemas-microsoft-com:office:office" xmlns:v="urn:schemas-microsoft-com:vml" xmlns:pvml="urn:schemas-microsoft-com:office:powerpoint" xmlns:com="http://schemas.openxmlformats.org/drawingml/2006/compatibility" xmlns:p14="http://schemas.microsoft.com/office/powerpoint/2010/main" xmlns:p15="http://schemas.microsoft.com/office/powerpoint/2012/main" matchingName="Title" type="title">
+<p:sldLayout xmlns:a="http://schemas.openxmlformats.org/drawingml/2006/main" xmlns:r="http://schemas.openxmlformats.org/officeDocument/2006/relationships" xmlns:p="http://schemas.openxmlformats.org/presentationml/2006/main" matchingName="Title" type="title">
   <p:cSld name="TITLE">
     <p:spTree>
       <p:nvGrpSpPr>
-        <p:cNvPr id="9" name="Shape 9"/>
+        <p:cNvPr id="1" name="Shape 9"/>
         <p:cNvGrpSpPr/>
         <p:nvPr/>
       </p:nvGrpSpPr>
@@ -2514,9 +2714,13 @@
             <a:ext cx="5276875" cy="5167075"/>
           </a:xfrm>
           <a:custGeom>
-            <a:rect b="b" l="l" r="r" t="t"/>
+            <a:avLst/>
+            <a:gdLst/>
+            <a:ahLst/>
+            <a:cxnLst/>
+            <a:rect l="l" t="t" r="r" b="b"/>
             <a:pathLst>
-              <a:path extrusionOk="0" h="206683" w="211075">
+              <a:path w="211075" h="206683" extrusionOk="0">
                 <a:moveTo>
                   <a:pt x="387" y="0"/>
                 </a:moveTo>
@@ -2555,9 +2759,13 @@
             <a:ext cx="5276875" cy="5167075"/>
           </a:xfrm>
           <a:custGeom>
-            <a:rect b="b" l="l" r="r" t="t"/>
+            <a:avLst/>
+            <a:gdLst/>
+            <a:ahLst/>
+            <a:cxnLst/>
+            <a:rect l="l" t="t" r="r" b="b"/>
             <a:pathLst>
-              <a:path extrusionOk="0" h="206683" w="211075">
+              <a:path w="211075" h="206683" extrusionOk="0">
                 <a:moveTo>
                   <a:pt x="387" y="0"/>
                 </a:moveTo>
@@ -2585,7 +2793,9 @@
       <p:sp>
         <p:nvSpPr>
           <p:cNvPr id="12" name="Google Shape;12;p2"/>
-          <p:cNvSpPr txBox="1"/>
+          <p:cNvSpPr txBox="1">
+            <a:spLocks noGrp="1"/>
+          </p:cNvSpPr>
           <p:nvPr>
             <p:ph type="ctrTitle"/>
           </p:nvPr>
@@ -2600,7 +2810,7 @@
           </a:prstGeom>
         </p:spPr>
         <p:txBody>
-          <a:bodyPr anchorCtr="0" anchor="b" bIns="91425" lIns="91425" spcFirstLastPara="1" rIns="91425" wrap="square" tIns="91425">
+          <a:bodyPr spcFirstLastPara="1" wrap="square" lIns="91425" tIns="91425" rIns="91425" bIns="91425" anchor="b" anchorCtr="0">
             <a:noAutofit/>
           </a:bodyPr>
           <a:lstStyle>
@@ -2704,7 +2914,9 @@
               <a:defRPr sz="3600"/>
             </a:lvl9pPr>
           </a:lstStyle>
-          <a:p/>
+          <a:p>
+            <a:endParaRPr/>
+          </a:p>
         </p:txBody>
       </p:sp>
     </p:spTree>
@@ -2716,11 +2928,11 @@
 </file>
 
 <file path=ppt/slideLayouts/slideLayout10.xml><?xml version="1.0" encoding="utf-8"?>
-<p:sldLayout xmlns:a="http://schemas.openxmlformats.org/drawingml/2006/main" xmlns:r="http://schemas.openxmlformats.org/officeDocument/2006/relationships" xmlns:mc="http://schemas.openxmlformats.org/markup-compatibility/2006" xmlns:mv="urn:schemas-microsoft-com:mac:vml" xmlns:p="http://schemas.openxmlformats.org/presentationml/2006/main" xmlns:c="http://schemas.openxmlformats.org/drawingml/2006/chart" xmlns:dgm="http://schemas.openxmlformats.org/drawingml/2006/diagram" xmlns:o="urn:schemas-microsoft-com:office:office" xmlns:v="urn:schemas-microsoft-com:vml" xmlns:pvml="urn:schemas-microsoft-com:office:powerpoint" xmlns:com="http://schemas.openxmlformats.org/drawingml/2006/compatibility" xmlns:p14="http://schemas.microsoft.com/office/powerpoint/2010/main" xmlns:p15="http://schemas.microsoft.com/office/powerpoint/2012/main" matchingName="Caption">
+<p:sldLayout xmlns:a="http://schemas.openxmlformats.org/drawingml/2006/main" xmlns:r="http://schemas.openxmlformats.org/officeDocument/2006/relationships" xmlns:p="http://schemas.openxmlformats.org/presentationml/2006/main" matchingName="Caption">
   <p:cSld name="CAPTION_ONLY">
     <p:spTree>
       <p:nvGrpSpPr>
-        <p:cNvPr id="61" name="Shape 61"/>
+        <p:cNvPr id="1" name="Shape 61"/>
         <p:cNvGrpSpPr/>
         <p:nvPr/>
       </p:nvGrpSpPr>
@@ -2744,9 +2956,13 @@
             <a:ext cx="8229315" cy="5164387"/>
           </a:xfrm>
           <a:custGeom>
-            <a:rect b="b" l="l" r="r" t="t"/>
+            <a:avLst/>
+            <a:gdLst/>
+            <a:ahLst/>
+            <a:cxnLst/>
+            <a:rect l="l" t="t" r="r" b="b"/>
             <a:pathLst>
-              <a:path extrusionOk="0" h="206122" w="328450">
+              <a:path w="328450" h="206122" extrusionOk="0">
                 <a:moveTo>
                   <a:pt x="0" y="0"/>
                 </a:moveTo>
@@ -2785,9 +3001,13 @@
             <a:ext cx="8229315" cy="5164387"/>
           </a:xfrm>
           <a:custGeom>
-            <a:rect b="b" l="l" r="r" t="t"/>
+            <a:avLst/>
+            <a:gdLst/>
+            <a:ahLst/>
+            <a:cxnLst/>
+            <a:rect l="l" t="t" r="r" b="b"/>
             <a:pathLst>
-              <a:path extrusionOk="0" h="206122" w="328450">
+              <a:path w="328450" h="206122" extrusionOk="0">
                 <a:moveTo>
                   <a:pt x="0" y="0"/>
                 </a:moveTo>
@@ -2815,9 +3035,11 @@
       <p:sp>
         <p:nvSpPr>
           <p:cNvPr id="64" name="Google Shape;64;p11"/>
-          <p:cNvSpPr txBox="1"/>
+          <p:cNvSpPr txBox="1">
+            <a:spLocks noGrp="1"/>
+          </p:cNvSpPr>
           <p:nvPr>
-            <p:ph idx="1" type="body"/>
+            <p:ph type="body" idx="1"/>
           </p:nvPr>
         </p:nvSpPr>
         <p:spPr>
@@ -2830,11 +3052,11 @@
           </a:prstGeom>
         </p:spPr>
         <p:txBody>
-          <a:bodyPr anchorCtr="0" anchor="b" bIns="91425" lIns="91425" spcFirstLastPara="1" rIns="91425" wrap="square" tIns="91425">
+          <a:bodyPr spcFirstLastPara="1" wrap="square" lIns="91425" tIns="91425" rIns="91425" bIns="91425" anchor="b" anchorCtr="0">
             <a:noAutofit/>
           </a:bodyPr>
           <a:lstStyle>
-            <a:lvl1pPr indent="-228600" lvl="0" marL="457200">
+            <a:lvl1pPr marL="457200" lvl="0" indent="-228600">
               <a:spcBef>
                 <a:spcPts val="360"/>
               </a:spcBef>
@@ -2846,15 +3068,19 @@
               <a:defRPr/>
             </a:lvl1pPr>
           </a:lstStyle>
-          <a:p/>
+          <a:p>
+            <a:endParaRPr/>
+          </a:p>
         </p:txBody>
       </p:sp>
       <p:sp>
         <p:nvSpPr>
           <p:cNvPr id="65" name="Google Shape;65;p11"/>
-          <p:cNvSpPr txBox="1"/>
+          <p:cNvSpPr txBox="1">
+            <a:spLocks noGrp="1"/>
+          </p:cNvSpPr>
           <p:nvPr>
-            <p:ph idx="12" type="sldNum"/>
+            <p:ph type="sldNum" idx="12"/>
           </p:nvPr>
         </p:nvSpPr>
         <p:spPr>
@@ -2867,7 +3093,7 @@
           </a:prstGeom>
         </p:spPr>
         <p:txBody>
-          <a:bodyPr anchorCtr="0" anchor="t" bIns="91425" lIns="91425" spcFirstLastPara="1" rIns="91425" wrap="square" tIns="91425">
+          <a:bodyPr spcFirstLastPara="1" wrap="square" lIns="91425" tIns="91425" rIns="91425" bIns="91425" anchor="t" anchorCtr="0">
             <a:noAutofit/>
           </a:bodyPr>
           <a:lstStyle>
@@ -2909,7 +3135,7 @@
             </a:lvl9pPr>
           </a:lstStyle>
           <a:p>
-            <a:pPr indent="0" lvl="0" marL="0" rtl="0" algn="r">
+            <a:pPr marL="0" lvl="0" indent="0" algn="r" rtl="0">
               <a:spcBef>
                 <a:spcPts val="0"/>
               </a:spcBef>
@@ -2920,7 +3146,7 @@
             </a:pPr>
             <a:fld id="{00000000-1234-1234-1234-123412341234}" type="slidenum">
               <a:rPr lang="en"/>
-              <a:t>‹#›</a:t>
+              <a:t>‹N°›</a:t>
             </a:fld>
             <a:endParaRPr/>
           </a:p>
@@ -2935,11 +3161,11 @@
 </file>
 
 <file path=ppt/slideLayouts/slideLayout11.xml><?xml version="1.0" encoding="utf-8"?>
-<p:sldLayout xmlns:a="http://schemas.openxmlformats.org/drawingml/2006/main" xmlns:r="http://schemas.openxmlformats.org/officeDocument/2006/relationships" xmlns:mc="http://schemas.openxmlformats.org/markup-compatibility/2006" xmlns:mv="urn:schemas-microsoft-com:mac:vml" xmlns:p="http://schemas.openxmlformats.org/presentationml/2006/main" xmlns:c="http://schemas.openxmlformats.org/drawingml/2006/chart" xmlns:dgm="http://schemas.openxmlformats.org/drawingml/2006/diagram" xmlns:o="urn:schemas-microsoft-com:office:office" xmlns:v="urn:schemas-microsoft-com:vml" xmlns:pvml="urn:schemas-microsoft-com:office:powerpoint" xmlns:com="http://schemas.openxmlformats.org/drawingml/2006/compatibility" xmlns:p14="http://schemas.microsoft.com/office/powerpoint/2010/main" xmlns:p15="http://schemas.microsoft.com/office/powerpoint/2012/main" matchingName="Blank" type="blank">
+<p:sldLayout xmlns:a="http://schemas.openxmlformats.org/drawingml/2006/main" xmlns:r="http://schemas.openxmlformats.org/officeDocument/2006/relationships" xmlns:p="http://schemas.openxmlformats.org/presentationml/2006/main" matchingName="Blank" type="blank">
   <p:cSld name="BLANK">
     <p:spTree>
       <p:nvGrpSpPr>
-        <p:cNvPr id="66" name="Shape 66"/>
+        <p:cNvPr id="1" name="Shape 66"/>
         <p:cNvGrpSpPr/>
         <p:nvPr/>
       </p:nvGrpSpPr>
@@ -2963,9 +3189,13 @@
             <a:ext cx="8229315" cy="5164387"/>
           </a:xfrm>
           <a:custGeom>
-            <a:rect b="b" l="l" r="r" t="t"/>
+            <a:avLst/>
+            <a:gdLst/>
+            <a:ahLst/>
+            <a:cxnLst/>
+            <a:rect l="l" t="t" r="r" b="b"/>
             <a:pathLst>
-              <a:path extrusionOk="0" h="206122" w="328450">
+              <a:path w="328450" h="206122" extrusionOk="0">
                 <a:moveTo>
                   <a:pt x="0" y="0"/>
                 </a:moveTo>
@@ -3004,9 +3234,13 @@
             <a:ext cx="8229315" cy="5164387"/>
           </a:xfrm>
           <a:custGeom>
-            <a:rect b="b" l="l" r="r" t="t"/>
+            <a:avLst/>
+            <a:gdLst/>
+            <a:ahLst/>
+            <a:cxnLst/>
+            <a:rect l="l" t="t" r="r" b="b"/>
             <a:pathLst>
-              <a:path extrusionOk="0" h="206122" w="328450">
+              <a:path w="328450" h="206122" extrusionOk="0">
                 <a:moveTo>
                   <a:pt x="0" y="0"/>
                 </a:moveTo>
@@ -3034,9 +3268,11 @@
       <p:sp>
         <p:nvSpPr>
           <p:cNvPr id="69" name="Google Shape;69;p12"/>
-          <p:cNvSpPr txBox="1"/>
+          <p:cNvSpPr txBox="1">
+            <a:spLocks noGrp="1"/>
+          </p:cNvSpPr>
           <p:nvPr>
-            <p:ph idx="12" type="sldNum"/>
+            <p:ph type="sldNum" idx="12"/>
           </p:nvPr>
         </p:nvSpPr>
         <p:spPr>
@@ -3049,7 +3285,7 @@
           </a:prstGeom>
         </p:spPr>
         <p:txBody>
-          <a:bodyPr anchorCtr="0" anchor="t" bIns="91425" lIns="91425" spcFirstLastPara="1" rIns="91425" wrap="square" tIns="91425">
+          <a:bodyPr spcFirstLastPara="1" wrap="square" lIns="91425" tIns="91425" rIns="91425" bIns="91425" anchor="t" anchorCtr="0">
             <a:noAutofit/>
           </a:bodyPr>
           <a:lstStyle>
@@ -3091,7 +3327,7 @@
             </a:lvl9pPr>
           </a:lstStyle>
           <a:p>
-            <a:pPr indent="0" lvl="0" marL="0" rtl="0" algn="r">
+            <a:pPr marL="0" lvl="0" indent="0" algn="r" rtl="0">
               <a:spcBef>
                 <a:spcPts val="0"/>
               </a:spcBef>
@@ -3102,7 +3338,7 @@
             </a:pPr>
             <a:fld id="{00000000-1234-1234-1234-123412341234}" type="slidenum">
               <a:rPr lang="en"/>
-              <a:t>‹#›</a:t>
+              <a:t>‹N°›</a:t>
             </a:fld>
             <a:endParaRPr/>
           </a:p>
@@ -3117,11 +3353,11 @@
 </file>
 
 <file path=ppt/slideLayouts/slideLayout12.xml><?xml version="1.0" encoding="utf-8"?>
-<p:sldLayout xmlns:a="http://schemas.openxmlformats.org/drawingml/2006/main" xmlns:r="http://schemas.openxmlformats.org/officeDocument/2006/relationships" xmlns:mc="http://schemas.openxmlformats.org/markup-compatibility/2006" xmlns:mv="urn:schemas-microsoft-com:mac:vml" xmlns:p="http://schemas.openxmlformats.org/presentationml/2006/main" xmlns:c="http://schemas.openxmlformats.org/drawingml/2006/chart" xmlns:dgm="http://schemas.openxmlformats.org/drawingml/2006/diagram" xmlns:o="urn:schemas-microsoft-com:office:office" xmlns:v="urn:schemas-microsoft-com:vml" xmlns:pvml="urn:schemas-microsoft-com:office:powerpoint" xmlns:com="http://schemas.openxmlformats.org/drawingml/2006/compatibility" xmlns:p14="http://schemas.microsoft.com/office/powerpoint/2010/main" xmlns:p15="http://schemas.microsoft.com/office/powerpoint/2012/main" matchingName="Empty">
+<p:sldLayout xmlns:a="http://schemas.openxmlformats.org/drawingml/2006/main" xmlns:r="http://schemas.openxmlformats.org/officeDocument/2006/relationships" xmlns:p="http://schemas.openxmlformats.org/presentationml/2006/main" matchingName="Empty">
   <p:cSld name="BLANK_1">
     <p:spTree>
       <p:nvGrpSpPr>
-        <p:cNvPr id="70" name="Shape 70"/>
+        <p:cNvPr id="1" name="Shape 70"/>
         <p:cNvGrpSpPr/>
         <p:nvPr/>
       </p:nvGrpSpPr>
@@ -3136,9 +3372,11 @@
       <p:sp>
         <p:nvSpPr>
           <p:cNvPr id="71" name="Google Shape;71;p13"/>
-          <p:cNvSpPr txBox="1"/>
+          <p:cNvSpPr txBox="1">
+            <a:spLocks noGrp="1"/>
+          </p:cNvSpPr>
           <p:nvPr>
-            <p:ph idx="12" type="sldNum"/>
+            <p:ph type="sldNum" idx="12"/>
           </p:nvPr>
         </p:nvSpPr>
         <p:spPr>
@@ -3151,7 +3389,7 @@
           </a:prstGeom>
         </p:spPr>
         <p:txBody>
-          <a:bodyPr anchorCtr="0" anchor="t" bIns="91425" lIns="91425" spcFirstLastPara="1" rIns="91425" wrap="square" tIns="91425">
+          <a:bodyPr spcFirstLastPara="1" wrap="square" lIns="91425" tIns="91425" rIns="91425" bIns="91425" anchor="t" anchorCtr="0">
             <a:noAutofit/>
           </a:bodyPr>
           <a:lstStyle>
@@ -3193,7 +3431,7 @@
             </a:lvl9pPr>
           </a:lstStyle>
           <a:p>
-            <a:pPr indent="0" lvl="0" marL="0" rtl="0" algn="r">
+            <a:pPr marL="0" lvl="0" indent="0" algn="r" rtl="0">
               <a:spcBef>
                 <a:spcPts val="0"/>
               </a:spcBef>
@@ -3204,7 +3442,7 @@
             </a:pPr>
             <a:fld id="{00000000-1234-1234-1234-123412341234}" type="slidenum">
               <a:rPr lang="en"/>
-              <a:t>‹#›</a:t>
+              <a:t>‹N°›</a:t>
             </a:fld>
             <a:endParaRPr/>
           </a:p>
@@ -3219,11 +3457,11 @@
 </file>
 
 <file path=ppt/slideLayouts/slideLayout2.xml><?xml version="1.0" encoding="utf-8"?>
-<p:sldLayout xmlns:a="http://schemas.openxmlformats.org/drawingml/2006/main" xmlns:r="http://schemas.openxmlformats.org/officeDocument/2006/relationships" xmlns:mc="http://schemas.openxmlformats.org/markup-compatibility/2006" xmlns:mv="urn:schemas-microsoft-com:mac:vml" xmlns:p="http://schemas.openxmlformats.org/presentationml/2006/main" xmlns:c="http://schemas.openxmlformats.org/drawingml/2006/chart" xmlns:dgm="http://schemas.openxmlformats.org/drawingml/2006/diagram" xmlns:o="urn:schemas-microsoft-com:office:office" xmlns:v="urn:schemas-microsoft-com:vml" xmlns:pvml="urn:schemas-microsoft-com:office:powerpoint" xmlns:com="http://schemas.openxmlformats.org/drawingml/2006/compatibility" xmlns:p14="http://schemas.microsoft.com/office/powerpoint/2010/main" xmlns:p15="http://schemas.microsoft.com/office/powerpoint/2012/main" matchingName="Subtitle">
+<p:sldLayout xmlns:a="http://schemas.openxmlformats.org/drawingml/2006/main" xmlns:r="http://schemas.openxmlformats.org/officeDocument/2006/relationships" xmlns:p="http://schemas.openxmlformats.org/presentationml/2006/main" matchingName="Subtitle">
   <p:cSld name="TITLE_1">
     <p:spTree>
       <p:nvGrpSpPr>
-        <p:cNvPr id="13" name="Shape 13"/>
+        <p:cNvPr id="1" name="Shape 13"/>
         <p:cNvGrpSpPr/>
         <p:nvPr/>
       </p:nvGrpSpPr>
@@ -3247,9 +3485,13 @@
             <a:ext cx="5276875" cy="5167075"/>
           </a:xfrm>
           <a:custGeom>
-            <a:rect b="b" l="l" r="r" t="t"/>
+            <a:avLst/>
+            <a:gdLst/>
+            <a:ahLst/>
+            <a:cxnLst/>
+            <a:rect l="l" t="t" r="r" b="b"/>
             <a:pathLst>
-              <a:path extrusionOk="0" h="206683" w="211075">
+              <a:path w="211075" h="206683" extrusionOk="0">
                 <a:moveTo>
                   <a:pt x="387" y="0"/>
                 </a:moveTo>
@@ -3288,9 +3530,13 @@
             <a:ext cx="5276875" cy="5167075"/>
           </a:xfrm>
           <a:custGeom>
-            <a:rect b="b" l="l" r="r" t="t"/>
+            <a:avLst/>
+            <a:gdLst/>
+            <a:ahLst/>
+            <a:cxnLst/>
+            <a:rect l="l" t="t" r="r" b="b"/>
             <a:pathLst>
-              <a:path extrusionOk="0" h="206683" w="211075">
+              <a:path w="211075" h="206683" extrusionOk="0">
                 <a:moveTo>
                   <a:pt x="387" y="0"/>
                 </a:moveTo>
@@ -3318,7 +3564,9 @@
       <p:sp>
         <p:nvSpPr>
           <p:cNvPr id="16" name="Google Shape;16;p3"/>
-          <p:cNvSpPr txBox="1"/>
+          <p:cNvSpPr txBox="1">
+            <a:spLocks noGrp="1"/>
+          </p:cNvSpPr>
           <p:nvPr>
             <p:ph type="ctrTitle"/>
           </p:nvPr>
@@ -3333,7 +3581,7 @@
           </a:prstGeom>
         </p:spPr>
         <p:txBody>
-          <a:bodyPr anchorCtr="0" anchor="b" bIns="91425" lIns="91425" spcFirstLastPara="1" rIns="91425" wrap="square" tIns="91425">
+          <a:bodyPr spcFirstLastPara="1" wrap="square" lIns="91425" tIns="91425" rIns="91425" bIns="91425" anchor="b" anchorCtr="0">
             <a:noAutofit/>
           </a:bodyPr>
           <a:lstStyle>
@@ -3437,15 +3685,19 @@
               <a:defRPr sz="3000"/>
             </a:lvl9pPr>
           </a:lstStyle>
-          <a:p/>
+          <a:p>
+            <a:endParaRPr/>
+          </a:p>
         </p:txBody>
       </p:sp>
       <p:sp>
         <p:nvSpPr>
           <p:cNvPr id="17" name="Google Shape;17;p3"/>
-          <p:cNvSpPr txBox="1"/>
+          <p:cNvSpPr txBox="1">
+            <a:spLocks noGrp="1"/>
+          </p:cNvSpPr>
           <p:nvPr>
-            <p:ph idx="1" type="subTitle"/>
+            <p:ph type="subTitle" idx="1"/>
           </p:nvPr>
         </p:nvSpPr>
         <p:spPr>
@@ -3458,11 +3710,11 @@
           </a:prstGeom>
         </p:spPr>
         <p:txBody>
-          <a:bodyPr anchorCtr="0" anchor="b" bIns="91425" lIns="91425" spcFirstLastPara="1" rIns="91425" wrap="square" tIns="91425">
+          <a:bodyPr spcFirstLastPara="1" wrap="square" lIns="91425" tIns="91425" rIns="91425" bIns="91425" anchor="b" anchorCtr="0">
             <a:noAutofit/>
           </a:bodyPr>
           <a:lstStyle>
-            <a:lvl1pPr lvl="0" rtl="0" algn="r">
+            <a:lvl1pPr lvl="0" algn="r" rtl="0">
               <a:spcBef>
                 <a:spcPts val="0"/>
               </a:spcBef>
@@ -3480,7 +3732,7 @@
                 </a:solidFill>
               </a:defRPr>
             </a:lvl1pPr>
-            <a:lvl2pPr lvl="1" rtl="0" algn="r">
+            <a:lvl2pPr lvl="1" algn="r" rtl="0">
               <a:spcBef>
                 <a:spcPts val="0"/>
               </a:spcBef>
@@ -3498,7 +3750,7 @@
                 </a:solidFill>
               </a:defRPr>
             </a:lvl2pPr>
-            <a:lvl3pPr lvl="2" rtl="0" algn="r">
+            <a:lvl3pPr lvl="2" algn="r" rtl="0">
               <a:spcBef>
                 <a:spcPts val="0"/>
               </a:spcBef>
@@ -3516,7 +3768,7 @@
                 </a:solidFill>
               </a:defRPr>
             </a:lvl3pPr>
-            <a:lvl4pPr lvl="3" rtl="0" algn="r">
+            <a:lvl4pPr lvl="3" algn="r" rtl="0">
               <a:spcBef>
                 <a:spcPts val="0"/>
               </a:spcBef>
@@ -3534,7 +3786,7 @@
                 </a:solidFill>
               </a:defRPr>
             </a:lvl4pPr>
-            <a:lvl5pPr lvl="4" rtl="0" algn="r">
+            <a:lvl5pPr lvl="4" algn="r" rtl="0">
               <a:spcBef>
                 <a:spcPts val="0"/>
               </a:spcBef>
@@ -3552,7 +3804,7 @@
                 </a:solidFill>
               </a:defRPr>
             </a:lvl5pPr>
-            <a:lvl6pPr lvl="5" rtl="0" algn="r">
+            <a:lvl6pPr lvl="5" algn="r" rtl="0">
               <a:spcBef>
                 <a:spcPts val="0"/>
               </a:spcBef>
@@ -3570,7 +3822,7 @@
                 </a:solidFill>
               </a:defRPr>
             </a:lvl6pPr>
-            <a:lvl7pPr lvl="6" rtl="0" algn="r">
+            <a:lvl7pPr lvl="6" algn="r" rtl="0">
               <a:spcBef>
                 <a:spcPts val="0"/>
               </a:spcBef>
@@ -3588,7 +3840,7 @@
                 </a:solidFill>
               </a:defRPr>
             </a:lvl7pPr>
-            <a:lvl8pPr lvl="7" rtl="0" algn="r">
+            <a:lvl8pPr lvl="7" algn="r" rtl="0">
               <a:spcBef>
                 <a:spcPts val="0"/>
               </a:spcBef>
@@ -3606,7 +3858,7 @@
                 </a:solidFill>
               </a:defRPr>
             </a:lvl8pPr>
-            <a:lvl9pPr lvl="8" rtl="0" algn="r">
+            <a:lvl9pPr lvl="8" algn="r" rtl="0">
               <a:spcBef>
                 <a:spcPts val="0"/>
               </a:spcBef>
@@ -3625,7 +3877,9 @@
               </a:defRPr>
             </a:lvl9pPr>
           </a:lstStyle>
-          <a:p/>
+          <a:p>
+            <a:endParaRPr/>
+          </a:p>
         </p:txBody>
       </p:sp>
     </p:spTree>
@@ -3637,11 +3891,11 @@
 </file>
 
 <file path=ppt/slideLayouts/slideLayout3.xml><?xml version="1.0" encoding="utf-8"?>
-<p:sldLayout xmlns:a="http://schemas.openxmlformats.org/drawingml/2006/main" xmlns:r="http://schemas.openxmlformats.org/officeDocument/2006/relationships" xmlns:mc="http://schemas.openxmlformats.org/markup-compatibility/2006" xmlns:mv="urn:schemas-microsoft-com:mac:vml" xmlns:p="http://schemas.openxmlformats.org/presentationml/2006/main" xmlns:c="http://schemas.openxmlformats.org/drawingml/2006/chart" xmlns:dgm="http://schemas.openxmlformats.org/drawingml/2006/diagram" xmlns:o="urn:schemas-microsoft-com:office:office" xmlns:v="urn:schemas-microsoft-com:vml" xmlns:pvml="urn:schemas-microsoft-com:office:powerpoint" xmlns:com="http://schemas.openxmlformats.org/drawingml/2006/compatibility" xmlns:p14="http://schemas.microsoft.com/office/powerpoint/2010/main" xmlns:p15="http://schemas.microsoft.com/office/powerpoint/2012/main" matchingName="Title + 1 column + image">
+<p:sldLayout xmlns:a="http://schemas.openxmlformats.org/drawingml/2006/main" xmlns:r="http://schemas.openxmlformats.org/officeDocument/2006/relationships" xmlns:p="http://schemas.openxmlformats.org/presentationml/2006/main" matchingName="Title + 1 column + image">
   <p:cSld name="TITLE_1_2">
     <p:spTree>
       <p:nvGrpSpPr>
-        <p:cNvPr id="18" name="Shape 18"/>
+        <p:cNvPr id="1" name="Shape 18"/>
         <p:cNvGrpSpPr/>
         <p:nvPr/>
       </p:nvGrpSpPr>
@@ -3665,9 +3919,13 @@
             <a:ext cx="5276875" cy="5167075"/>
           </a:xfrm>
           <a:custGeom>
-            <a:rect b="b" l="l" r="r" t="t"/>
+            <a:avLst/>
+            <a:gdLst/>
+            <a:ahLst/>
+            <a:cxnLst/>
+            <a:rect l="l" t="t" r="r" b="b"/>
             <a:pathLst>
-              <a:path extrusionOk="0" h="206683" w="211075">
+              <a:path w="211075" h="206683" extrusionOk="0">
                 <a:moveTo>
                   <a:pt x="387" y="0"/>
                 </a:moveTo>
@@ -3706,9 +3964,13 @@
             <a:ext cx="5276875" cy="5167075"/>
           </a:xfrm>
           <a:custGeom>
-            <a:rect b="b" l="l" r="r" t="t"/>
+            <a:avLst/>
+            <a:gdLst/>
+            <a:ahLst/>
+            <a:cxnLst/>
+            <a:rect l="l" t="t" r="r" b="b"/>
             <a:pathLst>
-              <a:path extrusionOk="0" h="206683" w="211075">
+              <a:path w="211075" h="206683" extrusionOk="0">
                 <a:moveTo>
                   <a:pt x="387" y="0"/>
                 </a:moveTo>
@@ -3736,7 +3998,9 @@
       <p:sp>
         <p:nvSpPr>
           <p:cNvPr id="21" name="Google Shape;21;p4"/>
-          <p:cNvSpPr txBox="1"/>
+          <p:cNvSpPr txBox="1">
+            <a:spLocks noGrp="1"/>
+          </p:cNvSpPr>
           <p:nvPr>
             <p:ph type="title"/>
           </p:nvPr>
@@ -3751,7 +4015,7 @@
           </a:prstGeom>
         </p:spPr>
         <p:txBody>
-          <a:bodyPr anchorCtr="0" anchor="b" bIns="91425" lIns="91425" spcFirstLastPara="1" rIns="91425" wrap="square" tIns="91425">
+          <a:bodyPr spcFirstLastPara="1" wrap="square" lIns="91425" tIns="91425" rIns="91425" bIns="91425" anchor="b" anchorCtr="0">
             <a:noAutofit/>
           </a:bodyPr>
           <a:lstStyle>
@@ -3855,15 +4119,19 @@
               <a:defRPr/>
             </a:lvl9pPr>
           </a:lstStyle>
-          <a:p/>
+          <a:p>
+            <a:endParaRPr/>
+          </a:p>
         </p:txBody>
       </p:sp>
       <p:sp>
         <p:nvSpPr>
           <p:cNvPr id="22" name="Google Shape;22;p4"/>
-          <p:cNvSpPr txBox="1"/>
+          <p:cNvSpPr txBox="1">
+            <a:spLocks noGrp="1"/>
+          </p:cNvSpPr>
           <p:nvPr>
-            <p:ph idx="1" type="body"/>
+            <p:ph type="body" idx="1"/>
           </p:nvPr>
         </p:nvSpPr>
         <p:spPr>
@@ -3876,11 +4144,11 @@
           </a:prstGeom>
         </p:spPr>
         <p:txBody>
-          <a:bodyPr anchorCtr="0" anchor="t" bIns="91425" lIns="91425" spcFirstLastPara="1" rIns="91425" wrap="square" tIns="91425">
+          <a:bodyPr spcFirstLastPara="1" wrap="square" lIns="91425" tIns="91425" rIns="91425" bIns="91425" anchor="t" anchorCtr="0">
             <a:noAutofit/>
           </a:bodyPr>
           <a:lstStyle>
-            <a:lvl1pPr indent="-355600" lvl="0" marL="457200" rtl="0">
+            <a:lvl1pPr marL="457200" lvl="0" indent="-355600" rtl="0">
               <a:spcBef>
                 <a:spcPts val="600"/>
               </a:spcBef>
@@ -3891,7 +4159,7 @@
               <a:buChar char="▸"/>
               <a:defRPr/>
             </a:lvl1pPr>
-            <a:lvl2pPr indent="-355600" lvl="1" marL="914400" rtl="0">
+            <a:lvl2pPr marL="914400" lvl="1" indent="-355600" rtl="0">
               <a:spcBef>
                 <a:spcPts val="0"/>
               </a:spcBef>
@@ -3902,7 +4170,7 @@
               <a:buChar char="▹"/>
               <a:defRPr/>
             </a:lvl2pPr>
-            <a:lvl3pPr indent="-355600" lvl="2" marL="1371600" rtl="0">
+            <a:lvl3pPr marL="1371600" lvl="2" indent="-355600" rtl="0">
               <a:spcBef>
                 <a:spcPts val="0"/>
               </a:spcBef>
@@ -3913,7 +4181,7 @@
               <a:buChar char="▹"/>
               <a:defRPr/>
             </a:lvl3pPr>
-            <a:lvl4pPr indent="-355600" lvl="3" marL="1828800" rtl="0">
+            <a:lvl4pPr marL="1828800" lvl="3" indent="-355600" rtl="0">
               <a:spcBef>
                 <a:spcPts val="0"/>
               </a:spcBef>
@@ -3924,7 +4192,7 @@
               <a:buChar char="●"/>
               <a:defRPr/>
             </a:lvl4pPr>
-            <a:lvl5pPr indent="-355600" lvl="4" marL="2286000" rtl="0">
+            <a:lvl5pPr marL="2286000" lvl="4" indent="-355600" rtl="0">
               <a:spcBef>
                 <a:spcPts val="0"/>
               </a:spcBef>
@@ -3935,7 +4203,7 @@
               <a:buChar char="○"/>
               <a:defRPr/>
             </a:lvl5pPr>
-            <a:lvl6pPr indent="-355600" lvl="5" marL="2743200" rtl="0">
+            <a:lvl6pPr marL="2743200" lvl="5" indent="-355600" rtl="0">
               <a:spcBef>
                 <a:spcPts val="0"/>
               </a:spcBef>
@@ -3946,7 +4214,7 @@
               <a:buChar char="■"/>
               <a:defRPr/>
             </a:lvl6pPr>
-            <a:lvl7pPr indent="-355600" lvl="6" marL="3200400" rtl="0">
+            <a:lvl7pPr marL="3200400" lvl="6" indent="-355600" rtl="0">
               <a:spcBef>
                 <a:spcPts val="0"/>
               </a:spcBef>
@@ -3957,7 +4225,7 @@
               <a:buChar char="●"/>
               <a:defRPr/>
             </a:lvl7pPr>
-            <a:lvl8pPr indent="-355600" lvl="7" marL="3657600" rtl="0">
+            <a:lvl8pPr marL="3657600" lvl="7" indent="-355600" rtl="0">
               <a:spcBef>
                 <a:spcPts val="0"/>
               </a:spcBef>
@@ -3968,7 +4236,7 @@
               <a:buChar char="○"/>
               <a:defRPr/>
             </a:lvl8pPr>
-            <a:lvl9pPr indent="-355600" lvl="8" marL="4114800" rtl="0">
+            <a:lvl9pPr marL="4114800" lvl="8" indent="-355600" rtl="0">
               <a:spcBef>
                 <a:spcPts val="0"/>
               </a:spcBef>
@@ -3980,15 +4248,19 @@
               <a:defRPr/>
             </a:lvl9pPr>
           </a:lstStyle>
-          <a:p/>
+          <a:p>
+            <a:endParaRPr/>
+          </a:p>
         </p:txBody>
       </p:sp>
       <p:sp>
         <p:nvSpPr>
           <p:cNvPr id="23" name="Google Shape;23;p4"/>
-          <p:cNvSpPr txBox="1"/>
+          <p:cNvSpPr txBox="1">
+            <a:spLocks noGrp="1"/>
+          </p:cNvSpPr>
           <p:nvPr>
-            <p:ph idx="12" type="sldNum"/>
+            <p:ph type="sldNum" idx="12"/>
           </p:nvPr>
         </p:nvSpPr>
         <p:spPr>
@@ -4001,7 +4273,7 @@
           </a:prstGeom>
         </p:spPr>
         <p:txBody>
-          <a:bodyPr anchorCtr="0" anchor="t" bIns="91425" lIns="91425" spcFirstLastPara="1" rIns="91425" wrap="square" tIns="91425">
+          <a:bodyPr spcFirstLastPara="1" wrap="square" lIns="91425" tIns="91425" rIns="91425" bIns="91425" anchor="t" anchorCtr="0">
             <a:noAutofit/>
           </a:bodyPr>
           <a:lstStyle>
@@ -4043,7 +4315,7 @@
             </a:lvl9pPr>
           </a:lstStyle>
           <a:p>
-            <a:pPr indent="0" lvl="0" marL="0" rtl="0" algn="r">
+            <a:pPr marL="0" lvl="0" indent="0" algn="r" rtl="0">
               <a:spcBef>
                 <a:spcPts val="0"/>
               </a:spcBef>
@@ -4054,7 +4326,7 @@
             </a:pPr>
             <a:fld id="{00000000-1234-1234-1234-123412341234}" type="slidenum">
               <a:rPr lang="en"/>
-              <a:t>‹#›</a:t>
+              <a:t>‹N°›</a:t>
             </a:fld>
             <a:endParaRPr/>
           </a:p>
@@ -4069,11 +4341,11 @@
 </file>
 
 <file path=ppt/slideLayouts/slideLayout4.xml><?xml version="1.0" encoding="utf-8"?>
-<p:sldLayout xmlns:a="http://schemas.openxmlformats.org/drawingml/2006/main" xmlns:r="http://schemas.openxmlformats.org/officeDocument/2006/relationships" xmlns:mc="http://schemas.openxmlformats.org/markup-compatibility/2006" xmlns:mv="urn:schemas-microsoft-com:mac:vml" xmlns:p="http://schemas.openxmlformats.org/presentationml/2006/main" xmlns:c="http://schemas.openxmlformats.org/drawingml/2006/chart" xmlns:dgm="http://schemas.openxmlformats.org/drawingml/2006/diagram" xmlns:o="urn:schemas-microsoft-com:office:office" xmlns:v="urn:schemas-microsoft-com:vml" xmlns:pvml="urn:schemas-microsoft-com:office:powerpoint" xmlns:com="http://schemas.openxmlformats.org/drawingml/2006/compatibility" xmlns:p14="http://schemas.microsoft.com/office/powerpoint/2010/main" xmlns:p15="http://schemas.microsoft.com/office/powerpoint/2012/main" matchingName="Title + big image">
+<p:sldLayout xmlns:a="http://schemas.openxmlformats.org/drawingml/2006/main" xmlns:r="http://schemas.openxmlformats.org/officeDocument/2006/relationships" xmlns:p="http://schemas.openxmlformats.org/presentationml/2006/main" matchingName="Title + big image">
   <p:cSld name="TITLE_1_2_1">
     <p:spTree>
       <p:nvGrpSpPr>
-        <p:cNvPr id="24" name="Shape 24"/>
+        <p:cNvPr id="1" name="Shape 24"/>
         <p:cNvGrpSpPr/>
         <p:nvPr/>
       </p:nvGrpSpPr>
@@ -4097,9 +4369,13 @@
             <a:ext cx="3076750" cy="5167075"/>
           </a:xfrm>
           <a:custGeom>
-            <a:rect b="b" l="l" r="r" t="t"/>
+            <a:avLst/>
+            <a:gdLst/>
+            <a:ahLst/>
+            <a:cxnLst/>
+            <a:rect l="l" t="t" r="r" b="b"/>
             <a:pathLst>
-              <a:path extrusionOk="0" h="206683" w="123070">
+              <a:path w="123070" h="206683" extrusionOk="0">
                 <a:moveTo>
                   <a:pt x="0" y="0"/>
                 </a:moveTo>
@@ -4138,9 +4414,13 @@
             <a:ext cx="3076750" cy="5167075"/>
           </a:xfrm>
           <a:custGeom>
-            <a:rect b="b" l="l" r="r" t="t"/>
+            <a:avLst/>
+            <a:gdLst/>
+            <a:ahLst/>
+            <a:cxnLst/>
+            <a:rect l="l" t="t" r="r" b="b"/>
             <a:pathLst>
-              <a:path extrusionOk="0" h="206683" w="123070">
+              <a:path w="123070" h="206683" extrusionOk="0">
                 <a:moveTo>
                   <a:pt x="0" y="0"/>
                 </a:moveTo>
@@ -4168,7 +4448,9 @@
       <p:sp>
         <p:nvSpPr>
           <p:cNvPr id="27" name="Google Shape;27;p5"/>
-          <p:cNvSpPr txBox="1"/>
+          <p:cNvSpPr txBox="1">
+            <a:spLocks noGrp="1"/>
+          </p:cNvSpPr>
           <p:nvPr>
             <p:ph type="title"/>
           </p:nvPr>
@@ -4183,7 +4465,7 @@
           </a:prstGeom>
         </p:spPr>
         <p:txBody>
-          <a:bodyPr anchorCtr="0" anchor="b" bIns="91425" lIns="91425" spcFirstLastPara="1" rIns="91425" wrap="square" tIns="91425">
+          <a:bodyPr spcFirstLastPara="1" wrap="square" lIns="91425" tIns="91425" rIns="91425" bIns="91425" anchor="b" anchorCtr="0">
             <a:noAutofit/>
           </a:bodyPr>
           <a:lstStyle>
@@ -4287,15 +4569,19 @@
               <a:defRPr/>
             </a:lvl9pPr>
           </a:lstStyle>
-          <a:p/>
+          <a:p>
+            <a:endParaRPr/>
+          </a:p>
         </p:txBody>
       </p:sp>
       <p:sp>
         <p:nvSpPr>
           <p:cNvPr id="28" name="Google Shape;28;p5"/>
-          <p:cNvSpPr txBox="1"/>
+          <p:cNvSpPr txBox="1">
+            <a:spLocks noGrp="1"/>
+          </p:cNvSpPr>
           <p:nvPr>
-            <p:ph idx="12" type="sldNum"/>
+            <p:ph type="sldNum" idx="12"/>
           </p:nvPr>
         </p:nvSpPr>
         <p:spPr>
@@ -4308,7 +4594,7 @@
           </a:prstGeom>
         </p:spPr>
         <p:txBody>
-          <a:bodyPr anchorCtr="0" anchor="t" bIns="91425" lIns="91425" spcFirstLastPara="1" rIns="91425" wrap="square" tIns="91425">
+          <a:bodyPr spcFirstLastPara="1" wrap="square" lIns="91425" tIns="91425" rIns="91425" bIns="91425" anchor="t" anchorCtr="0">
             <a:noAutofit/>
           </a:bodyPr>
           <a:lstStyle>
@@ -4350,7 +4636,7 @@
             </a:lvl9pPr>
           </a:lstStyle>
           <a:p>
-            <a:pPr indent="0" lvl="0" marL="0" rtl="0" algn="r">
+            <a:pPr marL="0" lvl="0" indent="0" algn="r" rtl="0">
               <a:spcBef>
                 <a:spcPts val="0"/>
               </a:spcBef>
@@ -4361,7 +4647,7 @@
             </a:pPr>
             <a:fld id="{00000000-1234-1234-1234-123412341234}" type="slidenum">
               <a:rPr lang="en"/>
-              <a:t>‹#›</a:t>
+              <a:t>‹N°›</a:t>
             </a:fld>
             <a:endParaRPr/>
           </a:p>
@@ -4376,11 +4662,11 @@
 </file>
 
 <file path=ppt/slideLayouts/slideLayout5.xml><?xml version="1.0" encoding="utf-8"?>
-<p:sldLayout xmlns:a="http://schemas.openxmlformats.org/drawingml/2006/main" xmlns:r="http://schemas.openxmlformats.org/officeDocument/2006/relationships" xmlns:mc="http://schemas.openxmlformats.org/markup-compatibility/2006" xmlns:mv="urn:schemas-microsoft-com:mac:vml" xmlns:p="http://schemas.openxmlformats.org/presentationml/2006/main" xmlns:c="http://schemas.openxmlformats.org/drawingml/2006/chart" xmlns:dgm="http://schemas.openxmlformats.org/drawingml/2006/diagram" xmlns:o="urn:schemas-microsoft-com:office:office" xmlns:v="urn:schemas-microsoft-com:vml" xmlns:pvml="urn:schemas-microsoft-com:office:powerpoint" xmlns:com="http://schemas.openxmlformats.org/drawingml/2006/compatibility" xmlns:p14="http://schemas.microsoft.com/office/powerpoint/2010/main" xmlns:p15="http://schemas.microsoft.com/office/powerpoint/2012/main" matchingName="Quote">
+<p:sldLayout xmlns:a="http://schemas.openxmlformats.org/drawingml/2006/main" xmlns:r="http://schemas.openxmlformats.org/officeDocument/2006/relationships" xmlns:p="http://schemas.openxmlformats.org/presentationml/2006/main" matchingName="Quote">
   <p:cSld name="TITLE_1_1">
     <p:spTree>
       <p:nvGrpSpPr>
-        <p:cNvPr id="29" name="Shape 29"/>
+        <p:cNvPr id="1" name="Shape 29"/>
         <p:cNvGrpSpPr/>
         <p:nvPr/>
       </p:nvGrpSpPr>
@@ -4404,9 +4690,13 @@
             <a:ext cx="8229315" cy="5164387"/>
           </a:xfrm>
           <a:custGeom>
-            <a:rect b="b" l="l" r="r" t="t"/>
+            <a:avLst/>
+            <a:gdLst/>
+            <a:ahLst/>
+            <a:cxnLst/>
+            <a:rect l="l" t="t" r="r" b="b"/>
             <a:pathLst>
-              <a:path extrusionOk="0" h="206122" w="328450">
+              <a:path w="328450" h="206122" extrusionOk="0">
                 <a:moveTo>
                   <a:pt x="0" y="0"/>
                 </a:moveTo>
@@ -4445,9 +4735,13 @@
             <a:ext cx="8229315" cy="5164387"/>
           </a:xfrm>
           <a:custGeom>
-            <a:rect b="b" l="l" r="r" t="t"/>
+            <a:avLst/>
+            <a:gdLst/>
+            <a:ahLst/>
+            <a:cxnLst/>
+            <a:rect l="l" t="t" r="r" b="b"/>
             <a:pathLst>
-              <a:path extrusionOk="0" h="206122" w="328450">
+              <a:path w="328450" h="206122" extrusionOk="0">
                 <a:moveTo>
                   <a:pt x="0" y="0"/>
                 </a:moveTo>
@@ -4492,12 +4786,12 @@
           </a:ln>
         </p:spPr>
         <p:txBody>
-          <a:bodyPr anchorCtr="0" anchor="t" bIns="91425" lIns="91425" spcFirstLastPara="1" rIns="91425" wrap="square" tIns="91425">
+          <a:bodyPr spcFirstLastPara="1" wrap="square" lIns="91425" tIns="91425" rIns="91425" bIns="91425" anchor="t" anchorCtr="0">
             <a:noAutofit/>
           </a:bodyPr>
           <a:lstStyle/>
           <a:p>
-            <a:pPr indent="0" lvl="0" marL="0" rtl="0" algn="l">
+            <a:pPr marL="0" lvl="0" indent="0" algn="l" rtl="0">
               <a:spcBef>
                 <a:spcPts val="0"/>
               </a:spcBef>
@@ -4533,9 +4827,11 @@
       <p:sp>
         <p:nvSpPr>
           <p:cNvPr id="33" name="Google Shape;33;p6"/>
-          <p:cNvSpPr txBox="1"/>
+          <p:cNvSpPr txBox="1">
+            <a:spLocks noGrp="1"/>
+          </p:cNvSpPr>
           <p:nvPr>
-            <p:ph idx="1" type="body"/>
+            <p:ph type="body" idx="1"/>
           </p:nvPr>
         </p:nvSpPr>
         <p:spPr>
@@ -4548,11 +4844,11 @@
           </a:prstGeom>
         </p:spPr>
         <p:txBody>
-          <a:bodyPr anchorCtr="0" anchor="t" bIns="91425" lIns="91425" spcFirstLastPara="1" rIns="91425" wrap="square" tIns="91425">
+          <a:bodyPr spcFirstLastPara="1" wrap="square" lIns="91425" tIns="91425" rIns="91425" bIns="91425" anchor="t" anchorCtr="0">
             <a:noAutofit/>
           </a:bodyPr>
           <a:lstStyle>
-            <a:lvl1pPr indent="-381000" lvl="0" marL="457200" rtl="0">
+            <a:lvl1pPr marL="457200" lvl="0" indent="-381000" rtl="0">
               <a:spcBef>
                 <a:spcPts val="600"/>
               </a:spcBef>
@@ -4569,7 +4865,7 @@
                 <a:sym typeface="Montserrat"/>
               </a:defRPr>
             </a:lvl1pPr>
-            <a:lvl2pPr indent="-381000" lvl="1" marL="914400" rtl="0">
+            <a:lvl2pPr marL="914400" lvl="1" indent="-381000" rtl="0">
               <a:spcBef>
                 <a:spcPts val="0"/>
               </a:spcBef>
@@ -4586,7 +4882,7 @@
                 <a:sym typeface="Montserrat"/>
               </a:defRPr>
             </a:lvl2pPr>
-            <a:lvl3pPr indent="-381000" lvl="2" marL="1371600" rtl="0">
+            <a:lvl3pPr marL="1371600" lvl="2" indent="-381000" rtl="0">
               <a:spcBef>
                 <a:spcPts val="0"/>
               </a:spcBef>
@@ -4603,7 +4899,7 @@
                 <a:sym typeface="Montserrat"/>
               </a:defRPr>
             </a:lvl3pPr>
-            <a:lvl4pPr indent="-381000" lvl="3" marL="1828800" rtl="0">
+            <a:lvl4pPr marL="1828800" lvl="3" indent="-381000" rtl="0">
               <a:spcBef>
                 <a:spcPts val="0"/>
               </a:spcBef>
@@ -4620,7 +4916,7 @@
                 <a:sym typeface="Montserrat"/>
               </a:defRPr>
             </a:lvl4pPr>
-            <a:lvl5pPr indent="-381000" lvl="4" marL="2286000" rtl="0">
+            <a:lvl5pPr marL="2286000" lvl="4" indent="-381000" rtl="0">
               <a:spcBef>
                 <a:spcPts val="0"/>
               </a:spcBef>
@@ -4637,7 +4933,7 @@
                 <a:sym typeface="Montserrat"/>
               </a:defRPr>
             </a:lvl5pPr>
-            <a:lvl6pPr indent="-381000" lvl="5" marL="2743200" rtl="0">
+            <a:lvl6pPr marL="2743200" lvl="5" indent="-381000" rtl="0">
               <a:spcBef>
                 <a:spcPts val="0"/>
               </a:spcBef>
@@ -4654,7 +4950,7 @@
                 <a:sym typeface="Montserrat"/>
               </a:defRPr>
             </a:lvl6pPr>
-            <a:lvl7pPr indent="-381000" lvl="6" marL="3200400" rtl="0">
+            <a:lvl7pPr marL="3200400" lvl="6" indent="-381000" rtl="0">
               <a:spcBef>
                 <a:spcPts val="0"/>
               </a:spcBef>
@@ -4671,7 +4967,7 @@
                 <a:sym typeface="Montserrat"/>
               </a:defRPr>
             </a:lvl7pPr>
-            <a:lvl8pPr indent="-381000" lvl="7" marL="3657600" rtl="0">
+            <a:lvl8pPr marL="3657600" lvl="7" indent="-381000" rtl="0">
               <a:spcBef>
                 <a:spcPts val="0"/>
               </a:spcBef>
@@ -4688,7 +4984,7 @@
                 <a:sym typeface="Montserrat"/>
               </a:defRPr>
             </a:lvl8pPr>
-            <a:lvl9pPr indent="-381000" lvl="8" marL="4114800" rtl="0">
+            <a:lvl9pPr marL="4114800" lvl="8" indent="-381000" rtl="0">
               <a:spcBef>
                 <a:spcPts val="0"/>
               </a:spcBef>
@@ -4706,15 +5002,19 @@
               </a:defRPr>
             </a:lvl9pPr>
           </a:lstStyle>
-          <a:p/>
+          <a:p>
+            <a:endParaRPr/>
+          </a:p>
         </p:txBody>
       </p:sp>
       <p:sp>
         <p:nvSpPr>
           <p:cNvPr id="34" name="Google Shape;34;p6"/>
-          <p:cNvSpPr txBox="1"/>
+          <p:cNvSpPr txBox="1">
+            <a:spLocks noGrp="1"/>
+          </p:cNvSpPr>
           <p:nvPr>
-            <p:ph idx="12" type="sldNum"/>
+            <p:ph type="sldNum" idx="12"/>
           </p:nvPr>
         </p:nvSpPr>
         <p:spPr>
@@ -4727,7 +5027,7 @@
           </a:prstGeom>
         </p:spPr>
         <p:txBody>
-          <a:bodyPr anchorCtr="0" anchor="t" bIns="91425" lIns="91425" spcFirstLastPara="1" rIns="91425" wrap="square" tIns="91425">
+          <a:bodyPr spcFirstLastPara="1" wrap="square" lIns="91425" tIns="91425" rIns="91425" bIns="91425" anchor="t" anchorCtr="0">
             <a:noAutofit/>
           </a:bodyPr>
           <a:lstStyle>
@@ -4814,7 +5114,7 @@
             </a:lvl9pPr>
           </a:lstStyle>
           <a:p>
-            <a:pPr indent="0" lvl="0" marL="0" rtl="0" algn="r">
+            <a:pPr marL="0" lvl="0" indent="0" algn="r" rtl="0">
               <a:spcBef>
                 <a:spcPts val="0"/>
               </a:spcBef>
@@ -4825,7 +5125,7 @@
             </a:pPr>
             <a:fld id="{00000000-1234-1234-1234-123412341234}" type="slidenum">
               <a:rPr lang="en"/>
-              <a:t>‹#›</a:t>
+              <a:t>‹N°›</a:t>
             </a:fld>
             <a:endParaRPr/>
           </a:p>
@@ -4840,11 +5140,11 @@
 </file>
 
 <file path=ppt/slideLayouts/slideLayout6.xml><?xml version="1.0" encoding="utf-8"?>
-<p:sldLayout xmlns:a="http://schemas.openxmlformats.org/drawingml/2006/main" xmlns:r="http://schemas.openxmlformats.org/officeDocument/2006/relationships" xmlns:mc="http://schemas.openxmlformats.org/markup-compatibility/2006" xmlns:mv="urn:schemas-microsoft-com:mac:vml" xmlns:p="http://schemas.openxmlformats.org/presentationml/2006/main" xmlns:c="http://schemas.openxmlformats.org/drawingml/2006/chart" xmlns:dgm="http://schemas.openxmlformats.org/drawingml/2006/diagram" xmlns:o="urn:schemas-microsoft-com:office:office" xmlns:v="urn:schemas-microsoft-com:vml" xmlns:pvml="urn:schemas-microsoft-com:office:powerpoint" xmlns:com="http://schemas.openxmlformats.org/drawingml/2006/compatibility" xmlns:p14="http://schemas.microsoft.com/office/powerpoint/2010/main" xmlns:p15="http://schemas.microsoft.com/office/powerpoint/2012/main" matchingName="Title + 1 column" type="tx">
+<p:sldLayout xmlns:a="http://schemas.openxmlformats.org/drawingml/2006/main" xmlns:r="http://schemas.openxmlformats.org/officeDocument/2006/relationships" xmlns:p="http://schemas.openxmlformats.org/presentationml/2006/main" matchingName="Title + 1 column" type="tx">
   <p:cSld name="TITLE_AND_BODY">
     <p:spTree>
       <p:nvGrpSpPr>
-        <p:cNvPr id="35" name="Shape 35"/>
+        <p:cNvPr id="1" name="Shape 35"/>
         <p:cNvGrpSpPr/>
         <p:nvPr/>
       </p:nvGrpSpPr>
@@ -4868,9 +5168,13 @@
             <a:ext cx="8229315" cy="5164387"/>
           </a:xfrm>
           <a:custGeom>
-            <a:rect b="b" l="l" r="r" t="t"/>
+            <a:avLst/>
+            <a:gdLst/>
+            <a:ahLst/>
+            <a:cxnLst/>
+            <a:rect l="l" t="t" r="r" b="b"/>
             <a:pathLst>
-              <a:path extrusionOk="0" h="206122" w="328450">
+              <a:path w="328450" h="206122" extrusionOk="0">
                 <a:moveTo>
                   <a:pt x="0" y="0"/>
                 </a:moveTo>
@@ -4909,9 +5213,13 @@
             <a:ext cx="8229315" cy="5164387"/>
           </a:xfrm>
           <a:custGeom>
-            <a:rect b="b" l="l" r="r" t="t"/>
+            <a:avLst/>
+            <a:gdLst/>
+            <a:ahLst/>
+            <a:cxnLst/>
+            <a:rect l="l" t="t" r="r" b="b"/>
             <a:pathLst>
-              <a:path extrusionOk="0" h="206122" w="328450">
+              <a:path w="328450" h="206122" extrusionOk="0">
                 <a:moveTo>
                   <a:pt x="0" y="0"/>
                 </a:moveTo>
@@ -4939,7 +5247,9 @@
       <p:sp>
         <p:nvSpPr>
           <p:cNvPr id="38" name="Google Shape;38;p7"/>
-          <p:cNvSpPr txBox="1"/>
+          <p:cNvSpPr txBox="1">
+            <a:spLocks noGrp="1"/>
+          </p:cNvSpPr>
           <p:nvPr>
             <p:ph type="title"/>
           </p:nvPr>
@@ -4954,7 +5264,7 @@
           </a:prstGeom>
         </p:spPr>
         <p:txBody>
-          <a:bodyPr anchorCtr="0" anchor="b" bIns="91425" lIns="91425" spcFirstLastPara="1" rIns="91425" wrap="square" tIns="91425">
+          <a:bodyPr spcFirstLastPara="1" wrap="square" lIns="91425" tIns="91425" rIns="91425" bIns="91425" anchor="b" anchorCtr="0">
             <a:noAutofit/>
           </a:bodyPr>
           <a:lstStyle>
@@ -5058,15 +5368,19 @@
               <a:defRPr/>
             </a:lvl9pPr>
           </a:lstStyle>
-          <a:p/>
+          <a:p>
+            <a:endParaRPr/>
+          </a:p>
         </p:txBody>
       </p:sp>
       <p:sp>
         <p:nvSpPr>
           <p:cNvPr id="39" name="Google Shape;39;p7"/>
-          <p:cNvSpPr txBox="1"/>
+          <p:cNvSpPr txBox="1">
+            <a:spLocks noGrp="1"/>
+          </p:cNvSpPr>
           <p:nvPr>
-            <p:ph idx="1" type="body"/>
+            <p:ph type="body" idx="1"/>
           </p:nvPr>
         </p:nvSpPr>
         <p:spPr>
@@ -5079,11 +5393,11 @@
           </a:prstGeom>
         </p:spPr>
         <p:txBody>
-          <a:bodyPr anchorCtr="0" anchor="t" bIns="91425" lIns="91425" spcFirstLastPara="1" rIns="91425" wrap="square" tIns="91425">
+          <a:bodyPr spcFirstLastPara="1" wrap="square" lIns="91425" tIns="91425" rIns="91425" bIns="91425" anchor="t" anchorCtr="0">
             <a:noAutofit/>
           </a:bodyPr>
           <a:lstStyle>
-            <a:lvl1pPr indent="-355600" lvl="0" marL="457200">
+            <a:lvl1pPr marL="457200" lvl="0" indent="-355600">
               <a:spcBef>
                 <a:spcPts val="600"/>
               </a:spcBef>
@@ -5094,7 +5408,7 @@
               <a:buChar char="▸"/>
               <a:defRPr/>
             </a:lvl1pPr>
-            <a:lvl2pPr indent="-355600" lvl="1" marL="914400">
+            <a:lvl2pPr marL="914400" lvl="1" indent="-355600">
               <a:spcBef>
                 <a:spcPts val="0"/>
               </a:spcBef>
@@ -5105,7 +5419,7 @@
               <a:buChar char="▹"/>
               <a:defRPr/>
             </a:lvl2pPr>
-            <a:lvl3pPr indent="-355600" lvl="2" marL="1371600">
+            <a:lvl3pPr marL="1371600" lvl="2" indent="-355600">
               <a:spcBef>
                 <a:spcPts val="0"/>
               </a:spcBef>
@@ -5116,7 +5430,7 @@
               <a:buChar char="▹"/>
               <a:defRPr/>
             </a:lvl3pPr>
-            <a:lvl4pPr indent="-355600" lvl="3" marL="1828800">
+            <a:lvl4pPr marL="1828800" lvl="3" indent="-355600">
               <a:spcBef>
                 <a:spcPts val="0"/>
               </a:spcBef>
@@ -5127,7 +5441,7 @@
               <a:buChar char="●"/>
               <a:defRPr/>
             </a:lvl4pPr>
-            <a:lvl5pPr indent="-355600" lvl="4" marL="2286000">
+            <a:lvl5pPr marL="2286000" lvl="4" indent="-355600">
               <a:spcBef>
                 <a:spcPts val="0"/>
               </a:spcBef>
@@ -5138,7 +5452,7 @@
               <a:buChar char="○"/>
               <a:defRPr/>
             </a:lvl5pPr>
-            <a:lvl6pPr indent="-355600" lvl="5" marL="2743200">
+            <a:lvl6pPr marL="2743200" lvl="5" indent="-355600">
               <a:spcBef>
                 <a:spcPts val="0"/>
               </a:spcBef>
@@ -5149,7 +5463,7 @@
               <a:buChar char="■"/>
               <a:defRPr/>
             </a:lvl6pPr>
-            <a:lvl7pPr indent="-355600" lvl="6" marL="3200400">
+            <a:lvl7pPr marL="3200400" lvl="6" indent="-355600">
               <a:spcBef>
                 <a:spcPts val="0"/>
               </a:spcBef>
@@ -5160,7 +5474,7 @@
               <a:buChar char="●"/>
               <a:defRPr/>
             </a:lvl7pPr>
-            <a:lvl8pPr indent="-355600" lvl="7" marL="3657600">
+            <a:lvl8pPr marL="3657600" lvl="7" indent="-355600">
               <a:spcBef>
                 <a:spcPts val="0"/>
               </a:spcBef>
@@ -5171,7 +5485,7 @@
               <a:buChar char="○"/>
               <a:defRPr/>
             </a:lvl8pPr>
-            <a:lvl9pPr indent="-355600" lvl="8" marL="4114800">
+            <a:lvl9pPr marL="4114800" lvl="8" indent="-355600">
               <a:spcBef>
                 <a:spcPts val="0"/>
               </a:spcBef>
@@ -5183,15 +5497,19 @@
               <a:defRPr/>
             </a:lvl9pPr>
           </a:lstStyle>
-          <a:p/>
+          <a:p>
+            <a:endParaRPr/>
+          </a:p>
         </p:txBody>
       </p:sp>
       <p:sp>
         <p:nvSpPr>
           <p:cNvPr id="40" name="Google Shape;40;p7"/>
-          <p:cNvSpPr txBox="1"/>
+          <p:cNvSpPr txBox="1">
+            <a:spLocks noGrp="1"/>
+          </p:cNvSpPr>
           <p:nvPr>
-            <p:ph idx="12" type="sldNum"/>
+            <p:ph type="sldNum" idx="12"/>
           </p:nvPr>
         </p:nvSpPr>
         <p:spPr>
@@ -5204,7 +5522,7 @@
           </a:prstGeom>
         </p:spPr>
         <p:txBody>
-          <a:bodyPr anchorCtr="0" anchor="t" bIns="91425" lIns="91425" spcFirstLastPara="1" rIns="91425" wrap="square" tIns="91425">
+          <a:bodyPr spcFirstLastPara="1" wrap="square" lIns="91425" tIns="91425" rIns="91425" bIns="91425" anchor="t" anchorCtr="0">
             <a:noAutofit/>
           </a:bodyPr>
           <a:lstStyle>
@@ -5246,7 +5564,7 @@
             </a:lvl9pPr>
           </a:lstStyle>
           <a:p>
-            <a:pPr indent="0" lvl="0" marL="0" rtl="0" algn="r">
+            <a:pPr marL="0" lvl="0" indent="0" algn="r" rtl="0">
               <a:spcBef>
                 <a:spcPts val="0"/>
               </a:spcBef>
@@ -5257,7 +5575,7 @@
             </a:pPr>
             <a:fld id="{00000000-1234-1234-1234-123412341234}" type="slidenum">
               <a:rPr lang="en"/>
-              <a:t>‹#›</a:t>
+              <a:t>‹N°›</a:t>
             </a:fld>
             <a:endParaRPr/>
           </a:p>
@@ -5272,11 +5590,11 @@
 </file>
 
 <file path=ppt/slideLayouts/slideLayout7.xml><?xml version="1.0" encoding="utf-8"?>
-<p:sldLayout xmlns:a="http://schemas.openxmlformats.org/drawingml/2006/main" xmlns:r="http://schemas.openxmlformats.org/officeDocument/2006/relationships" xmlns:mc="http://schemas.openxmlformats.org/markup-compatibility/2006" xmlns:mv="urn:schemas-microsoft-com:mac:vml" xmlns:p="http://schemas.openxmlformats.org/presentationml/2006/main" xmlns:c="http://schemas.openxmlformats.org/drawingml/2006/chart" xmlns:dgm="http://schemas.openxmlformats.org/drawingml/2006/diagram" xmlns:o="urn:schemas-microsoft-com:office:office" xmlns:v="urn:schemas-microsoft-com:vml" xmlns:pvml="urn:schemas-microsoft-com:office:powerpoint" xmlns:com="http://schemas.openxmlformats.org/drawingml/2006/compatibility" xmlns:p14="http://schemas.microsoft.com/office/powerpoint/2010/main" xmlns:p15="http://schemas.microsoft.com/office/powerpoint/2012/main" matchingName="Title + 2 columns" type="twoColTx">
+<p:sldLayout xmlns:a="http://schemas.openxmlformats.org/drawingml/2006/main" xmlns:r="http://schemas.openxmlformats.org/officeDocument/2006/relationships" xmlns:p="http://schemas.openxmlformats.org/presentationml/2006/main" matchingName="Title + 2 columns" type="twoColTx">
   <p:cSld name="TITLE_AND_TWO_COLUMNS">
     <p:spTree>
       <p:nvGrpSpPr>
-        <p:cNvPr id="41" name="Shape 41"/>
+        <p:cNvPr id="1" name="Shape 41"/>
         <p:cNvGrpSpPr/>
         <p:nvPr/>
       </p:nvGrpSpPr>
@@ -5300,9 +5618,13 @@
             <a:ext cx="8229315" cy="5164387"/>
           </a:xfrm>
           <a:custGeom>
-            <a:rect b="b" l="l" r="r" t="t"/>
+            <a:avLst/>
+            <a:gdLst/>
+            <a:ahLst/>
+            <a:cxnLst/>
+            <a:rect l="l" t="t" r="r" b="b"/>
             <a:pathLst>
-              <a:path extrusionOk="0" h="206122" w="328450">
+              <a:path w="328450" h="206122" extrusionOk="0">
                 <a:moveTo>
                   <a:pt x="0" y="0"/>
                 </a:moveTo>
@@ -5341,9 +5663,13 @@
             <a:ext cx="8229315" cy="5164387"/>
           </a:xfrm>
           <a:custGeom>
-            <a:rect b="b" l="l" r="r" t="t"/>
+            <a:avLst/>
+            <a:gdLst/>
+            <a:ahLst/>
+            <a:cxnLst/>
+            <a:rect l="l" t="t" r="r" b="b"/>
             <a:pathLst>
-              <a:path extrusionOk="0" h="206122" w="328450">
+              <a:path w="328450" h="206122" extrusionOk="0">
                 <a:moveTo>
                   <a:pt x="0" y="0"/>
                 </a:moveTo>
@@ -5371,7 +5697,9 @@
       <p:sp>
         <p:nvSpPr>
           <p:cNvPr id="44" name="Google Shape;44;p8"/>
-          <p:cNvSpPr txBox="1"/>
+          <p:cNvSpPr txBox="1">
+            <a:spLocks noGrp="1"/>
+          </p:cNvSpPr>
           <p:nvPr>
             <p:ph type="title"/>
           </p:nvPr>
@@ -5386,7 +5714,7 @@
           </a:prstGeom>
         </p:spPr>
         <p:txBody>
-          <a:bodyPr anchorCtr="0" anchor="b" bIns="91425" lIns="91425" spcFirstLastPara="1" rIns="91425" wrap="square" tIns="91425">
+          <a:bodyPr spcFirstLastPara="1" wrap="square" lIns="91425" tIns="91425" rIns="91425" bIns="91425" anchor="b" anchorCtr="0">
             <a:noAutofit/>
           </a:bodyPr>
           <a:lstStyle>
@@ -5490,15 +5818,19 @@
               <a:defRPr/>
             </a:lvl9pPr>
           </a:lstStyle>
-          <a:p/>
+          <a:p>
+            <a:endParaRPr/>
+          </a:p>
         </p:txBody>
       </p:sp>
       <p:sp>
         <p:nvSpPr>
           <p:cNvPr id="45" name="Google Shape;45;p8"/>
-          <p:cNvSpPr txBox="1"/>
+          <p:cNvSpPr txBox="1">
+            <a:spLocks noGrp="1"/>
+          </p:cNvSpPr>
           <p:nvPr>
-            <p:ph idx="1" type="body"/>
+            <p:ph type="body" idx="1"/>
           </p:nvPr>
         </p:nvSpPr>
         <p:spPr>
@@ -5511,11 +5843,11 @@
           </a:prstGeom>
         </p:spPr>
         <p:txBody>
-          <a:bodyPr anchorCtr="0" anchor="t" bIns="91425" lIns="91425" spcFirstLastPara="1" rIns="91425" wrap="square" tIns="91425">
+          <a:bodyPr spcFirstLastPara="1" wrap="square" lIns="91425" tIns="91425" rIns="91425" bIns="91425" anchor="t" anchorCtr="0">
             <a:noAutofit/>
           </a:bodyPr>
           <a:lstStyle>
-            <a:lvl1pPr indent="-355600" lvl="0" marL="457200">
+            <a:lvl1pPr marL="457200" lvl="0" indent="-355600">
               <a:spcBef>
                 <a:spcPts val="600"/>
               </a:spcBef>
@@ -5526,7 +5858,7 @@
               <a:buChar char="▸"/>
               <a:defRPr/>
             </a:lvl1pPr>
-            <a:lvl2pPr indent="-355600" lvl="1" marL="914400">
+            <a:lvl2pPr marL="914400" lvl="1" indent="-355600">
               <a:spcBef>
                 <a:spcPts val="0"/>
               </a:spcBef>
@@ -5537,7 +5869,7 @@
               <a:buChar char="▹"/>
               <a:defRPr/>
             </a:lvl2pPr>
-            <a:lvl3pPr indent="-355600" lvl="2" marL="1371600">
+            <a:lvl3pPr marL="1371600" lvl="2" indent="-355600">
               <a:spcBef>
                 <a:spcPts val="0"/>
               </a:spcBef>
@@ -5548,7 +5880,7 @@
               <a:buChar char="▹"/>
               <a:defRPr/>
             </a:lvl3pPr>
-            <a:lvl4pPr indent="-355600" lvl="3" marL="1828800">
+            <a:lvl4pPr marL="1828800" lvl="3" indent="-355600">
               <a:spcBef>
                 <a:spcPts val="0"/>
               </a:spcBef>
@@ -5559,7 +5891,7 @@
               <a:buChar char="●"/>
               <a:defRPr/>
             </a:lvl4pPr>
-            <a:lvl5pPr indent="-355600" lvl="4" marL="2286000">
+            <a:lvl5pPr marL="2286000" lvl="4" indent="-355600">
               <a:spcBef>
                 <a:spcPts val="0"/>
               </a:spcBef>
@@ -5570,7 +5902,7 @@
               <a:buChar char="○"/>
               <a:defRPr/>
             </a:lvl5pPr>
-            <a:lvl6pPr indent="-355600" lvl="5" marL="2743200">
+            <a:lvl6pPr marL="2743200" lvl="5" indent="-355600">
               <a:spcBef>
                 <a:spcPts val="0"/>
               </a:spcBef>
@@ -5581,7 +5913,7 @@
               <a:buChar char="■"/>
               <a:defRPr/>
             </a:lvl6pPr>
-            <a:lvl7pPr indent="-355600" lvl="6" marL="3200400">
+            <a:lvl7pPr marL="3200400" lvl="6" indent="-355600">
               <a:spcBef>
                 <a:spcPts val="0"/>
               </a:spcBef>
@@ -5592,7 +5924,7 @@
               <a:buChar char="●"/>
               <a:defRPr/>
             </a:lvl7pPr>
-            <a:lvl8pPr indent="-355600" lvl="7" marL="3657600">
+            <a:lvl8pPr marL="3657600" lvl="7" indent="-355600">
               <a:spcBef>
                 <a:spcPts val="0"/>
               </a:spcBef>
@@ -5603,7 +5935,7 @@
               <a:buChar char="○"/>
               <a:defRPr/>
             </a:lvl8pPr>
-            <a:lvl9pPr indent="-355600" lvl="8" marL="4114800">
+            <a:lvl9pPr marL="4114800" lvl="8" indent="-355600">
               <a:spcBef>
                 <a:spcPts val="0"/>
               </a:spcBef>
@@ -5615,15 +5947,19 @@
               <a:defRPr/>
             </a:lvl9pPr>
           </a:lstStyle>
-          <a:p/>
+          <a:p>
+            <a:endParaRPr/>
+          </a:p>
         </p:txBody>
       </p:sp>
       <p:sp>
         <p:nvSpPr>
           <p:cNvPr id="46" name="Google Shape;46;p8"/>
-          <p:cNvSpPr txBox="1"/>
+          <p:cNvSpPr txBox="1">
+            <a:spLocks noGrp="1"/>
+          </p:cNvSpPr>
           <p:nvPr>
-            <p:ph idx="2" type="body"/>
+            <p:ph type="body" idx="2"/>
           </p:nvPr>
         </p:nvSpPr>
         <p:spPr>
@@ -5636,11 +5972,11 @@
           </a:prstGeom>
         </p:spPr>
         <p:txBody>
-          <a:bodyPr anchorCtr="0" anchor="t" bIns="91425" lIns="91425" spcFirstLastPara="1" rIns="91425" wrap="square" tIns="91425">
+          <a:bodyPr spcFirstLastPara="1" wrap="square" lIns="91425" tIns="91425" rIns="91425" bIns="91425" anchor="t" anchorCtr="0">
             <a:noAutofit/>
           </a:bodyPr>
           <a:lstStyle>
-            <a:lvl1pPr indent="-355600" lvl="0" marL="457200">
+            <a:lvl1pPr marL="457200" lvl="0" indent="-355600">
               <a:spcBef>
                 <a:spcPts val="600"/>
               </a:spcBef>
@@ -5651,7 +5987,7 @@
               <a:buChar char="▸"/>
               <a:defRPr/>
             </a:lvl1pPr>
-            <a:lvl2pPr indent="-355600" lvl="1" marL="914400">
+            <a:lvl2pPr marL="914400" lvl="1" indent="-355600">
               <a:spcBef>
                 <a:spcPts val="0"/>
               </a:spcBef>
@@ -5662,7 +5998,7 @@
               <a:buChar char="▹"/>
               <a:defRPr/>
             </a:lvl2pPr>
-            <a:lvl3pPr indent="-355600" lvl="2" marL="1371600">
+            <a:lvl3pPr marL="1371600" lvl="2" indent="-355600">
               <a:spcBef>
                 <a:spcPts val="0"/>
               </a:spcBef>
@@ -5673,7 +6009,7 @@
               <a:buChar char="▹"/>
               <a:defRPr/>
             </a:lvl3pPr>
-            <a:lvl4pPr indent="-355600" lvl="3" marL="1828800">
+            <a:lvl4pPr marL="1828800" lvl="3" indent="-355600">
               <a:spcBef>
                 <a:spcPts val="0"/>
               </a:spcBef>
@@ -5684,7 +6020,7 @@
               <a:buChar char="●"/>
               <a:defRPr/>
             </a:lvl4pPr>
-            <a:lvl5pPr indent="-355600" lvl="4" marL="2286000">
+            <a:lvl5pPr marL="2286000" lvl="4" indent="-355600">
               <a:spcBef>
                 <a:spcPts val="0"/>
               </a:spcBef>
@@ -5695,7 +6031,7 @@
               <a:buChar char="○"/>
               <a:defRPr/>
             </a:lvl5pPr>
-            <a:lvl6pPr indent="-355600" lvl="5" marL="2743200">
+            <a:lvl6pPr marL="2743200" lvl="5" indent="-355600">
               <a:spcBef>
                 <a:spcPts val="0"/>
               </a:spcBef>
@@ -5706,7 +6042,7 @@
               <a:buChar char="■"/>
               <a:defRPr/>
             </a:lvl6pPr>
-            <a:lvl7pPr indent="-355600" lvl="6" marL="3200400">
+            <a:lvl7pPr marL="3200400" lvl="6" indent="-355600">
               <a:spcBef>
                 <a:spcPts val="0"/>
               </a:spcBef>
@@ -5717,7 +6053,7 @@
               <a:buChar char="●"/>
               <a:defRPr/>
             </a:lvl7pPr>
-            <a:lvl8pPr indent="-355600" lvl="7" marL="3657600">
+            <a:lvl8pPr marL="3657600" lvl="7" indent="-355600">
               <a:spcBef>
                 <a:spcPts val="0"/>
               </a:spcBef>
@@ -5728,7 +6064,7 @@
               <a:buChar char="○"/>
               <a:defRPr/>
             </a:lvl8pPr>
-            <a:lvl9pPr indent="-355600" lvl="8" marL="4114800">
+            <a:lvl9pPr marL="4114800" lvl="8" indent="-355600">
               <a:spcBef>
                 <a:spcPts val="0"/>
               </a:spcBef>
@@ -5740,15 +6076,19 @@
               <a:defRPr/>
             </a:lvl9pPr>
           </a:lstStyle>
-          <a:p/>
+          <a:p>
+            <a:endParaRPr/>
+          </a:p>
         </p:txBody>
       </p:sp>
       <p:sp>
         <p:nvSpPr>
           <p:cNvPr id="47" name="Google Shape;47;p8"/>
-          <p:cNvSpPr txBox="1"/>
+          <p:cNvSpPr txBox="1">
+            <a:spLocks noGrp="1"/>
+          </p:cNvSpPr>
           <p:nvPr>
-            <p:ph idx="12" type="sldNum"/>
+            <p:ph type="sldNum" idx="12"/>
           </p:nvPr>
         </p:nvSpPr>
         <p:spPr>
@@ -5761,7 +6101,7 @@
           </a:prstGeom>
         </p:spPr>
         <p:txBody>
-          <a:bodyPr anchorCtr="0" anchor="t" bIns="91425" lIns="91425" spcFirstLastPara="1" rIns="91425" wrap="square" tIns="91425">
+          <a:bodyPr spcFirstLastPara="1" wrap="square" lIns="91425" tIns="91425" rIns="91425" bIns="91425" anchor="t" anchorCtr="0">
             <a:noAutofit/>
           </a:bodyPr>
           <a:lstStyle>
@@ -5803,7 +6143,7 @@
             </a:lvl9pPr>
           </a:lstStyle>
           <a:p>
-            <a:pPr indent="0" lvl="0" marL="0" rtl="0" algn="r">
+            <a:pPr marL="0" lvl="0" indent="0" algn="r" rtl="0">
               <a:spcBef>
                 <a:spcPts val="0"/>
               </a:spcBef>
@@ -5814,7 +6154,7 @@
             </a:pPr>
             <a:fld id="{00000000-1234-1234-1234-123412341234}" type="slidenum">
               <a:rPr lang="en"/>
-              <a:t>‹#›</a:t>
+              <a:t>‹N°›</a:t>
             </a:fld>
             <a:endParaRPr/>
           </a:p>
@@ -5829,11 +6169,11 @@
 </file>
 
 <file path=ppt/slideLayouts/slideLayout8.xml><?xml version="1.0" encoding="utf-8"?>
-<p:sldLayout xmlns:a="http://schemas.openxmlformats.org/drawingml/2006/main" xmlns:r="http://schemas.openxmlformats.org/officeDocument/2006/relationships" xmlns:mc="http://schemas.openxmlformats.org/markup-compatibility/2006" xmlns:mv="urn:schemas-microsoft-com:mac:vml" xmlns:p="http://schemas.openxmlformats.org/presentationml/2006/main" xmlns:c="http://schemas.openxmlformats.org/drawingml/2006/chart" xmlns:dgm="http://schemas.openxmlformats.org/drawingml/2006/diagram" xmlns:o="urn:schemas-microsoft-com:office:office" xmlns:v="urn:schemas-microsoft-com:vml" xmlns:pvml="urn:schemas-microsoft-com:office:powerpoint" xmlns:com="http://schemas.openxmlformats.org/drawingml/2006/compatibility" xmlns:p14="http://schemas.microsoft.com/office/powerpoint/2010/main" xmlns:p15="http://schemas.microsoft.com/office/powerpoint/2012/main" matchingName="Title + 3 columns">
+<p:sldLayout xmlns:a="http://schemas.openxmlformats.org/drawingml/2006/main" xmlns:r="http://schemas.openxmlformats.org/officeDocument/2006/relationships" xmlns:p="http://schemas.openxmlformats.org/presentationml/2006/main" matchingName="Title + 3 columns">
   <p:cSld name="TITLE_AND_TWO_COLUMNS_1">
     <p:spTree>
       <p:nvGrpSpPr>
-        <p:cNvPr id="48" name="Shape 48"/>
+        <p:cNvPr id="1" name="Shape 48"/>
         <p:cNvGrpSpPr/>
         <p:nvPr/>
       </p:nvGrpSpPr>
@@ -5857,9 +6197,13 @@
             <a:ext cx="8229315" cy="5164387"/>
           </a:xfrm>
           <a:custGeom>
-            <a:rect b="b" l="l" r="r" t="t"/>
+            <a:avLst/>
+            <a:gdLst/>
+            <a:ahLst/>
+            <a:cxnLst/>
+            <a:rect l="l" t="t" r="r" b="b"/>
             <a:pathLst>
-              <a:path extrusionOk="0" h="206122" w="328450">
+              <a:path w="328450" h="206122" extrusionOk="0">
                 <a:moveTo>
                   <a:pt x="0" y="0"/>
                 </a:moveTo>
@@ -5898,9 +6242,13 @@
             <a:ext cx="8229315" cy="5164387"/>
           </a:xfrm>
           <a:custGeom>
-            <a:rect b="b" l="l" r="r" t="t"/>
+            <a:avLst/>
+            <a:gdLst/>
+            <a:ahLst/>
+            <a:cxnLst/>
+            <a:rect l="l" t="t" r="r" b="b"/>
             <a:pathLst>
-              <a:path extrusionOk="0" h="206122" w="328450">
+              <a:path w="328450" h="206122" extrusionOk="0">
                 <a:moveTo>
                   <a:pt x="0" y="0"/>
                 </a:moveTo>
@@ -5928,7 +6276,9 @@
       <p:sp>
         <p:nvSpPr>
           <p:cNvPr id="51" name="Google Shape;51;p9"/>
-          <p:cNvSpPr txBox="1"/>
+          <p:cNvSpPr txBox="1">
+            <a:spLocks noGrp="1"/>
+          </p:cNvSpPr>
           <p:nvPr>
             <p:ph type="title"/>
           </p:nvPr>
@@ -5943,7 +6293,7 @@
           </a:prstGeom>
         </p:spPr>
         <p:txBody>
-          <a:bodyPr anchorCtr="0" anchor="b" bIns="91425" lIns="91425" spcFirstLastPara="1" rIns="91425" wrap="square" tIns="91425">
+          <a:bodyPr spcFirstLastPara="1" wrap="square" lIns="91425" tIns="91425" rIns="91425" bIns="91425" anchor="b" anchorCtr="0">
             <a:noAutofit/>
           </a:bodyPr>
           <a:lstStyle>
@@ -6047,15 +6397,19 @@
               <a:defRPr/>
             </a:lvl9pPr>
           </a:lstStyle>
-          <a:p/>
+          <a:p>
+            <a:endParaRPr/>
+          </a:p>
         </p:txBody>
       </p:sp>
       <p:sp>
         <p:nvSpPr>
           <p:cNvPr id="52" name="Google Shape;52;p9"/>
-          <p:cNvSpPr txBox="1"/>
+          <p:cNvSpPr txBox="1">
+            <a:spLocks noGrp="1"/>
+          </p:cNvSpPr>
           <p:nvPr>
-            <p:ph idx="1" type="body"/>
+            <p:ph type="body" idx="1"/>
           </p:nvPr>
         </p:nvSpPr>
         <p:spPr>
@@ -6068,11 +6422,11 @@
           </a:prstGeom>
         </p:spPr>
         <p:txBody>
-          <a:bodyPr anchorCtr="0" anchor="t" bIns="91425" lIns="91425" spcFirstLastPara="1" rIns="91425" wrap="square" tIns="91425">
+          <a:bodyPr spcFirstLastPara="1" wrap="square" lIns="91425" tIns="91425" rIns="91425" bIns="91425" anchor="t" anchorCtr="0">
             <a:noAutofit/>
           </a:bodyPr>
           <a:lstStyle>
-            <a:lvl1pPr indent="-330200" lvl="0" marL="457200" rtl="0">
+            <a:lvl1pPr marL="457200" lvl="0" indent="-330200" rtl="0">
               <a:spcBef>
                 <a:spcPts val="600"/>
               </a:spcBef>
@@ -6083,7 +6437,7 @@
               <a:buChar char="▸"/>
               <a:defRPr sz="1600"/>
             </a:lvl1pPr>
-            <a:lvl2pPr indent="-330200" lvl="1" marL="914400" rtl="0">
+            <a:lvl2pPr marL="914400" lvl="1" indent="-330200" rtl="0">
               <a:spcBef>
                 <a:spcPts val="0"/>
               </a:spcBef>
@@ -6094,7 +6448,7 @@
               <a:buChar char="▹"/>
               <a:defRPr sz="1600"/>
             </a:lvl2pPr>
-            <a:lvl3pPr indent="-330200" lvl="2" marL="1371600" rtl="0">
+            <a:lvl3pPr marL="1371600" lvl="2" indent="-330200" rtl="0">
               <a:spcBef>
                 <a:spcPts val="0"/>
               </a:spcBef>
@@ -6105,7 +6459,7 @@
               <a:buChar char="▹"/>
               <a:defRPr sz="1600"/>
             </a:lvl3pPr>
-            <a:lvl4pPr indent="-330200" lvl="3" marL="1828800" rtl="0">
+            <a:lvl4pPr marL="1828800" lvl="3" indent="-330200" rtl="0">
               <a:spcBef>
                 <a:spcPts val="0"/>
               </a:spcBef>
@@ -6116,7 +6470,7 @@
               <a:buChar char="●"/>
               <a:defRPr sz="1600"/>
             </a:lvl4pPr>
-            <a:lvl5pPr indent="-330200" lvl="4" marL="2286000" rtl="0">
+            <a:lvl5pPr marL="2286000" lvl="4" indent="-330200" rtl="0">
               <a:spcBef>
                 <a:spcPts val="0"/>
               </a:spcBef>
@@ -6127,7 +6481,7 @@
               <a:buChar char="○"/>
               <a:defRPr sz="1600"/>
             </a:lvl5pPr>
-            <a:lvl6pPr indent="-330200" lvl="5" marL="2743200" rtl="0">
+            <a:lvl6pPr marL="2743200" lvl="5" indent="-330200" rtl="0">
               <a:spcBef>
                 <a:spcPts val="0"/>
               </a:spcBef>
@@ -6138,7 +6492,7 @@
               <a:buChar char="■"/>
               <a:defRPr sz="1600"/>
             </a:lvl6pPr>
-            <a:lvl7pPr indent="-330200" lvl="6" marL="3200400" rtl="0">
+            <a:lvl7pPr marL="3200400" lvl="6" indent="-330200" rtl="0">
               <a:spcBef>
                 <a:spcPts val="0"/>
               </a:spcBef>
@@ -6149,7 +6503,7 @@
               <a:buChar char="●"/>
               <a:defRPr sz="1600"/>
             </a:lvl7pPr>
-            <a:lvl8pPr indent="-330200" lvl="7" marL="3657600" rtl="0">
+            <a:lvl8pPr marL="3657600" lvl="7" indent="-330200" rtl="0">
               <a:spcBef>
                 <a:spcPts val="0"/>
               </a:spcBef>
@@ -6160,7 +6514,7 @@
               <a:buChar char="○"/>
               <a:defRPr sz="1600"/>
             </a:lvl8pPr>
-            <a:lvl9pPr indent="-330200" lvl="8" marL="4114800" rtl="0">
+            <a:lvl9pPr marL="4114800" lvl="8" indent="-330200" rtl="0">
               <a:spcBef>
                 <a:spcPts val="0"/>
               </a:spcBef>
@@ -6172,15 +6526,19 @@
               <a:defRPr sz="1600"/>
             </a:lvl9pPr>
           </a:lstStyle>
-          <a:p/>
+          <a:p>
+            <a:endParaRPr/>
+          </a:p>
         </p:txBody>
       </p:sp>
       <p:sp>
         <p:nvSpPr>
           <p:cNvPr id="53" name="Google Shape;53;p9"/>
-          <p:cNvSpPr txBox="1"/>
+          <p:cNvSpPr txBox="1">
+            <a:spLocks noGrp="1"/>
+          </p:cNvSpPr>
           <p:nvPr>
-            <p:ph idx="2" type="body"/>
+            <p:ph type="body" idx="2"/>
           </p:nvPr>
         </p:nvSpPr>
         <p:spPr>
@@ -6193,11 +6551,11 @@
           </a:prstGeom>
         </p:spPr>
         <p:txBody>
-          <a:bodyPr anchorCtr="0" anchor="t" bIns="91425" lIns="91425" spcFirstLastPara="1" rIns="91425" wrap="square" tIns="91425">
+          <a:bodyPr spcFirstLastPara="1" wrap="square" lIns="91425" tIns="91425" rIns="91425" bIns="91425" anchor="t" anchorCtr="0">
             <a:noAutofit/>
           </a:bodyPr>
           <a:lstStyle>
-            <a:lvl1pPr indent="-330200" lvl="0" marL="457200" rtl="0">
+            <a:lvl1pPr marL="457200" lvl="0" indent="-330200" rtl="0">
               <a:spcBef>
                 <a:spcPts val="600"/>
               </a:spcBef>
@@ -6208,7 +6566,7 @@
               <a:buChar char="▸"/>
               <a:defRPr sz="1600"/>
             </a:lvl1pPr>
-            <a:lvl2pPr indent="-330200" lvl="1" marL="914400" rtl="0">
+            <a:lvl2pPr marL="914400" lvl="1" indent="-330200" rtl="0">
               <a:spcBef>
                 <a:spcPts val="0"/>
               </a:spcBef>
@@ -6219,7 +6577,7 @@
               <a:buChar char="▹"/>
               <a:defRPr sz="1600"/>
             </a:lvl2pPr>
-            <a:lvl3pPr indent="-330200" lvl="2" marL="1371600" rtl="0">
+            <a:lvl3pPr marL="1371600" lvl="2" indent="-330200" rtl="0">
               <a:spcBef>
                 <a:spcPts val="0"/>
               </a:spcBef>
@@ -6230,7 +6588,7 @@
               <a:buChar char="▹"/>
               <a:defRPr sz="1600"/>
             </a:lvl3pPr>
-            <a:lvl4pPr indent="-330200" lvl="3" marL="1828800" rtl="0">
+            <a:lvl4pPr marL="1828800" lvl="3" indent="-330200" rtl="0">
               <a:spcBef>
                 <a:spcPts val="0"/>
               </a:spcBef>
@@ -6241,7 +6599,7 @@
               <a:buChar char="●"/>
               <a:defRPr sz="1600"/>
             </a:lvl4pPr>
-            <a:lvl5pPr indent="-330200" lvl="4" marL="2286000" rtl="0">
+            <a:lvl5pPr marL="2286000" lvl="4" indent="-330200" rtl="0">
               <a:spcBef>
                 <a:spcPts val="0"/>
               </a:spcBef>
@@ -6252,7 +6610,7 @@
               <a:buChar char="○"/>
               <a:defRPr sz="1600"/>
             </a:lvl5pPr>
-            <a:lvl6pPr indent="-330200" lvl="5" marL="2743200" rtl="0">
+            <a:lvl6pPr marL="2743200" lvl="5" indent="-330200" rtl="0">
               <a:spcBef>
                 <a:spcPts val="0"/>
               </a:spcBef>
@@ -6263,7 +6621,7 @@
               <a:buChar char="■"/>
               <a:defRPr sz="1600"/>
             </a:lvl6pPr>
-            <a:lvl7pPr indent="-330200" lvl="6" marL="3200400" rtl="0">
+            <a:lvl7pPr marL="3200400" lvl="6" indent="-330200" rtl="0">
               <a:spcBef>
                 <a:spcPts val="0"/>
               </a:spcBef>
@@ -6274,7 +6632,7 @@
               <a:buChar char="●"/>
               <a:defRPr sz="1600"/>
             </a:lvl7pPr>
-            <a:lvl8pPr indent="-330200" lvl="7" marL="3657600" rtl="0">
+            <a:lvl8pPr marL="3657600" lvl="7" indent="-330200" rtl="0">
               <a:spcBef>
                 <a:spcPts val="0"/>
               </a:spcBef>
@@ -6285,7 +6643,7 @@
               <a:buChar char="○"/>
               <a:defRPr sz="1600"/>
             </a:lvl8pPr>
-            <a:lvl9pPr indent="-330200" lvl="8" marL="4114800" rtl="0">
+            <a:lvl9pPr marL="4114800" lvl="8" indent="-330200" rtl="0">
               <a:spcBef>
                 <a:spcPts val="0"/>
               </a:spcBef>
@@ -6297,15 +6655,19 @@
               <a:defRPr sz="1600"/>
             </a:lvl9pPr>
           </a:lstStyle>
-          <a:p/>
+          <a:p>
+            <a:endParaRPr/>
+          </a:p>
         </p:txBody>
       </p:sp>
       <p:sp>
         <p:nvSpPr>
           <p:cNvPr id="54" name="Google Shape;54;p9"/>
-          <p:cNvSpPr txBox="1"/>
+          <p:cNvSpPr txBox="1">
+            <a:spLocks noGrp="1"/>
+          </p:cNvSpPr>
           <p:nvPr>
-            <p:ph idx="3" type="body"/>
+            <p:ph type="body" idx="3"/>
           </p:nvPr>
         </p:nvSpPr>
         <p:spPr>
@@ -6318,11 +6680,11 @@
           </a:prstGeom>
         </p:spPr>
         <p:txBody>
-          <a:bodyPr anchorCtr="0" anchor="t" bIns="91425" lIns="91425" spcFirstLastPara="1" rIns="91425" wrap="square" tIns="91425">
+          <a:bodyPr spcFirstLastPara="1" wrap="square" lIns="91425" tIns="91425" rIns="91425" bIns="91425" anchor="t" anchorCtr="0">
             <a:noAutofit/>
           </a:bodyPr>
           <a:lstStyle>
-            <a:lvl1pPr indent="-330200" lvl="0" marL="457200" rtl="0">
+            <a:lvl1pPr marL="457200" lvl="0" indent="-330200" rtl="0">
               <a:spcBef>
                 <a:spcPts val="600"/>
               </a:spcBef>
@@ -6333,7 +6695,7 @@
               <a:buChar char="▸"/>
               <a:defRPr sz="1600"/>
             </a:lvl1pPr>
-            <a:lvl2pPr indent="-330200" lvl="1" marL="914400" rtl="0">
+            <a:lvl2pPr marL="914400" lvl="1" indent="-330200" rtl="0">
               <a:spcBef>
                 <a:spcPts val="0"/>
               </a:spcBef>
@@ -6344,7 +6706,7 @@
               <a:buChar char="▹"/>
               <a:defRPr sz="1600"/>
             </a:lvl2pPr>
-            <a:lvl3pPr indent="-330200" lvl="2" marL="1371600" rtl="0">
+            <a:lvl3pPr marL="1371600" lvl="2" indent="-330200" rtl="0">
               <a:spcBef>
                 <a:spcPts val="0"/>
               </a:spcBef>
@@ -6355,7 +6717,7 @@
               <a:buChar char="▹"/>
               <a:defRPr sz="1600"/>
             </a:lvl3pPr>
-            <a:lvl4pPr indent="-330200" lvl="3" marL="1828800" rtl="0">
+            <a:lvl4pPr marL="1828800" lvl="3" indent="-330200" rtl="0">
               <a:spcBef>
                 <a:spcPts val="0"/>
               </a:spcBef>
@@ -6366,7 +6728,7 @@
               <a:buChar char="●"/>
               <a:defRPr sz="1600"/>
             </a:lvl4pPr>
-            <a:lvl5pPr indent="-330200" lvl="4" marL="2286000" rtl="0">
+            <a:lvl5pPr marL="2286000" lvl="4" indent="-330200" rtl="0">
               <a:spcBef>
                 <a:spcPts val="0"/>
               </a:spcBef>
@@ -6377,7 +6739,7 @@
               <a:buChar char="○"/>
               <a:defRPr sz="1600"/>
             </a:lvl5pPr>
-            <a:lvl6pPr indent="-330200" lvl="5" marL="2743200" rtl="0">
+            <a:lvl6pPr marL="2743200" lvl="5" indent="-330200" rtl="0">
               <a:spcBef>
                 <a:spcPts val="0"/>
               </a:spcBef>
@@ -6388,7 +6750,7 @@
               <a:buChar char="■"/>
               <a:defRPr sz="1600"/>
             </a:lvl6pPr>
-            <a:lvl7pPr indent="-330200" lvl="6" marL="3200400" rtl="0">
+            <a:lvl7pPr marL="3200400" lvl="6" indent="-330200" rtl="0">
               <a:spcBef>
                 <a:spcPts val="0"/>
               </a:spcBef>
@@ -6399,7 +6761,7 @@
               <a:buChar char="●"/>
               <a:defRPr sz="1600"/>
             </a:lvl7pPr>
-            <a:lvl8pPr indent="-330200" lvl="7" marL="3657600" rtl="0">
+            <a:lvl8pPr marL="3657600" lvl="7" indent="-330200" rtl="0">
               <a:spcBef>
                 <a:spcPts val="0"/>
               </a:spcBef>
@@ -6410,7 +6772,7 @@
               <a:buChar char="○"/>
               <a:defRPr sz="1600"/>
             </a:lvl8pPr>
-            <a:lvl9pPr indent="-330200" lvl="8" marL="4114800" rtl="0">
+            <a:lvl9pPr marL="4114800" lvl="8" indent="-330200" rtl="0">
               <a:spcBef>
                 <a:spcPts val="0"/>
               </a:spcBef>
@@ -6422,15 +6784,19 @@
               <a:defRPr sz="1600"/>
             </a:lvl9pPr>
           </a:lstStyle>
-          <a:p/>
+          <a:p>
+            <a:endParaRPr/>
+          </a:p>
         </p:txBody>
       </p:sp>
       <p:sp>
         <p:nvSpPr>
           <p:cNvPr id="55" name="Google Shape;55;p9"/>
-          <p:cNvSpPr txBox="1"/>
+          <p:cNvSpPr txBox="1">
+            <a:spLocks noGrp="1"/>
+          </p:cNvSpPr>
           <p:nvPr>
-            <p:ph idx="12" type="sldNum"/>
+            <p:ph type="sldNum" idx="12"/>
           </p:nvPr>
         </p:nvSpPr>
         <p:spPr>
@@ -6443,7 +6809,7 @@
           </a:prstGeom>
         </p:spPr>
         <p:txBody>
-          <a:bodyPr anchorCtr="0" anchor="t" bIns="91425" lIns="91425" spcFirstLastPara="1" rIns="91425" wrap="square" tIns="91425">
+          <a:bodyPr spcFirstLastPara="1" wrap="square" lIns="91425" tIns="91425" rIns="91425" bIns="91425" anchor="t" anchorCtr="0">
             <a:noAutofit/>
           </a:bodyPr>
           <a:lstStyle>
@@ -6485,7 +6851,7 @@
             </a:lvl9pPr>
           </a:lstStyle>
           <a:p>
-            <a:pPr indent="0" lvl="0" marL="0" rtl="0" algn="r">
+            <a:pPr marL="0" lvl="0" indent="0" algn="r" rtl="0">
               <a:spcBef>
                 <a:spcPts val="0"/>
               </a:spcBef>
@@ -6496,7 +6862,7 @@
             </a:pPr>
             <a:fld id="{00000000-1234-1234-1234-123412341234}" type="slidenum">
               <a:rPr lang="en"/>
-              <a:t>‹#›</a:t>
+              <a:t>‹N°›</a:t>
             </a:fld>
             <a:endParaRPr/>
           </a:p>
@@ -6511,11 +6877,11 @@
 </file>
 
 <file path=ppt/slideLayouts/slideLayout9.xml><?xml version="1.0" encoding="utf-8"?>
-<p:sldLayout xmlns:a="http://schemas.openxmlformats.org/drawingml/2006/main" xmlns:r="http://schemas.openxmlformats.org/officeDocument/2006/relationships" xmlns:mc="http://schemas.openxmlformats.org/markup-compatibility/2006" xmlns:mv="urn:schemas-microsoft-com:mac:vml" xmlns:p="http://schemas.openxmlformats.org/presentationml/2006/main" xmlns:c="http://schemas.openxmlformats.org/drawingml/2006/chart" xmlns:dgm="http://schemas.openxmlformats.org/drawingml/2006/diagram" xmlns:o="urn:schemas-microsoft-com:office:office" xmlns:v="urn:schemas-microsoft-com:vml" xmlns:pvml="urn:schemas-microsoft-com:office:powerpoint" xmlns:com="http://schemas.openxmlformats.org/drawingml/2006/compatibility" xmlns:p14="http://schemas.microsoft.com/office/powerpoint/2010/main" xmlns:p15="http://schemas.microsoft.com/office/powerpoint/2012/main" matchingName="Title only" type="titleOnly">
+<p:sldLayout xmlns:a="http://schemas.openxmlformats.org/drawingml/2006/main" xmlns:r="http://schemas.openxmlformats.org/officeDocument/2006/relationships" xmlns:p="http://schemas.openxmlformats.org/presentationml/2006/main" matchingName="Title only" type="titleOnly">
   <p:cSld name="TITLE_ONLY">
     <p:spTree>
       <p:nvGrpSpPr>
-        <p:cNvPr id="56" name="Shape 56"/>
+        <p:cNvPr id="1" name="Shape 56"/>
         <p:cNvGrpSpPr/>
         <p:nvPr/>
       </p:nvGrpSpPr>
@@ -6539,9 +6905,13 @@
             <a:ext cx="8229315" cy="5164387"/>
           </a:xfrm>
           <a:custGeom>
-            <a:rect b="b" l="l" r="r" t="t"/>
+            <a:avLst/>
+            <a:gdLst/>
+            <a:ahLst/>
+            <a:cxnLst/>
+            <a:rect l="l" t="t" r="r" b="b"/>
             <a:pathLst>
-              <a:path extrusionOk="0" h="206122" w="328450">
+              <a:path w="328450" h="206122" extrusionOk="0">
                 <a:moveTo>
                   <a:pt x="0" y="0"/>
                 </a:moveTo>
@@ -6580,9 +6950,13 @@
             <a:ext cx="8229315" cy="5164387"/>
           </a:xfrm>
           <a:custGeom>
-            <a:rect b="b" l="l" r="r" t="t"/>
+            <a:avLst/>
+            <a:gdLst/>
+            <a:ahLst/>
+            <a:cxnLst/>
+            <a:rect l="l" t="t" r="r" b="b"/>
             <a:pathLst>
-              <a:path extrusionOk="0" h="206122" w="328450">
+              <a:path w="328450" h="206122" extrusionOk="0">
                 <a:moveTo>
                   <a:pt x="0" y="0"/>
                 </a:moveTo>
@@ -6610,7 +6984,9 @@
       <p:sp>
         <p:nvSpPr>
           <p:cNvPr id="59" name="Google Shape;59;p10"/>
-          <p:cNvSpPr txBox="1"/>
+          <p:cNvSpPr txBox="1">
+            <a:spLocks noGrp="1"/>
+          </p:cNvSpPr>
           <p:nvPr>
             <p:ph type="title"/>
           </p:nvPr>
@@ -6625,7 +7001,7 @@
           </a:prstGeom>
         </p:spPr>
         <p:txBody>
-          <a:bodyPr anchorCtr="0" anchor="b" bIns="91425" lIns="91425" spcFirstLastPara="1" rIns="91425" wrap="square" tIns="91425">
+          <a:bodyPr spcFirstLastPara="1" wrap="square" lIns="91425" tIns="91425" rIns="91425" bIns="91425" anchor="b" anchorCtr="0">
             <a:noAutofit/>
           </a:bodyPr>
           <a:lstStyle>
@@ -6729,15 +7105,19 @@
               <a:defRPr/>
             </a:lvl9pPr>
           </a:lstStyle>
-          <a:p/>
+          <a:p>
+            <a:endParaRPr/>
+          </a:p>
         </p:txBody>
       </p:sp>
       <p:sp>
         <p:nvSpPr>
           <p:cNvPr id="60" name="Google Shape;60;p10"/>
-          <p:cNvSpPr txBox="1"/>
+          <p:cNvSpPr txBox="1">
+            <a:spLocks noGrp="1"/>
+          </p:cNvSpPr>
           <p:nvPr>
-            <p:ph idx="12" type="sldNum"/>
+            <p:ph type="sldNum" idx="12"/>
           </p:nvPr>
         </p:nvSpPr>
         <p:spPr>
@@ -6750,7 +7130,7 @@
           </a:prstGeom>
         </p:spPr>
         <p:txBody>
-          <a:bodyPr anchorCtr="0" anchor="t" bIns="91425" lIns="91425" spcFirstLastPara="1" rIns="91425" wrap="square" tIns="91425">
+          <a:bodyPr spcFirstLastPara="1" wrap="square" lIns="91425" tIns="91425" rIns="91425" bIns="91425" anchor="t" anchorCtr="0">
             <a:noAutofit/>
           </a:bodyPr>
           <a:lstStyle>
@@ -6792,7 +7172,7 @@
             </a:lvl9pPr>
           </a:lstStyle>
           <a:p>
-            <a:pPr indent="0" lvl="0" marL="0" rtl="0" algn="r">
+            <a:pPr marL="0" lvl="0" indent="0" algn="r" rtl="0">
               <a:spcBef>
                 <a:spcPts val="0"/>
               </a:spcBef>
@@ -6803,7 +7183,7 @@
             </a:pPr>
             <a:fld id="{00000000-1234-1234-1234-123412341234}" type="slidenum">
               <a:rPr lang="en"/>
-              <a:t>‹#›</a:t>
+              <a:t>‹N°›</a:t>
             </a:fld>
             <a:endParaRPr/>
           </a:p>
@@ -6818,18 +7198,19 @@
 </file>
 
 <file path=ppt/slideMasters/slideMaster1.xml><?xml version="1.0" encoding="utf-8"?>
-<p:sldMaster xmlns:a="http://schemas.openxmlformats.org/drawingml/2006/main" xmlns:r="http://schemas.openxmlformats.org/officeDocument/2006/relationships" xmlns:mc="http://schemas.openxmlformats.org/markup-compatibility/2006" xmlns:mv="urn:schemas-microsoft-com:mac:vml" xmlns:p="http://schemas.openxmlformats.org/presentationml/2006/main" xmlns:c="http://schemas.openxmlformats.org/drawingml/2006/chart" xmlns:dgm="http://schemas.openxmlformats.org/drawingml/2006/diagram" xmlns:o="urn:schemas-microsoft-com:office:office" xmlns:v="urn:schemas-microsoft-com:vml" xmlns:pvml="urn:schemas-microsoft-com:office:powerpoint" xmlns:com="http://schemas.openxmlformats.org/drawingml/2006/compatibility" xmlns:p14="http://schemas.microsoft.com/office/powerpoint/2010/main" xmlns:p15="http://schemas.microsoft.com/office/powerpoint/2012/main">
+<p:sldMaster xmlns:a="http://schemas.openxmlformats.org/drawingml/2006/main" xmlns:r="http://schemas.openxmlformats.org/officeDocument/2006/relationships" xmlns:p="http://schemas.openxmlformats.org/presentationml/2006/main">
   <p:cSld name="simple-light">
     <p:bg>
       <p:bgPr>
         <a:solidFill>
           <a:schemeClr val="accent1"/>
         </a:solidFill>
+        <a:effectLst/>
       </p:bgPr>
     </p:bg>
     <p:spTree>
       <p:nvGrpSpPr>
-        <p:cNvPr id="5" name="Shape 5"/>
+        <p:cNvPr id="1" name="Shape 5"/>
         <p:cNvGrpSpPr/>
         <p:nvPr/>
       </p:nvGrpSpPr>
@@ -6844,7 +7225,9 @@
       <p:sp>
         <p:nvSpPr>
           <p:cNvPr id="6" name="Google Shape;6;p1"/>
-          <p:cNvSpPr txBox="1"/>
+          <p:cNvSpPr txBox="1">
+            <a:spLocks noGrp="1"/>
+          </p:cNvSpPr>
           <p:nvPr>
             <p:ph type="title"/>
           </p:nvPr>
@@ -6863,7 +7246,7 @@
           </a:ln>
         </p:spPr>
         <p:txBody>
-          <a:bodyPr anchorCtr="0" anchor="b" bIns="91425" lIns="91425" spcFirstLastPara="1" rIns="91425" wrap="square" tIns="91425">
+          <a:bodyPr spcFirstLastPara="1" wrap="square" lIns="91425" tIns="91425" rIns="91425" bIns="91425" anchor="b" anchorCtr="0">
             <a:noAutofit/>
           </a:bodyPr>
           <a:lstStyle>
@@ -6880,7 +7263,7 @@
               <a:buSzPts val="2400"/>
               <a:buFont typeface="Montserrat"/>
               <a:buNone/>
-              <a:defRPr b="1" sz="2400">
+              <a:defRPr sz="2400" b="1">
                 <a:solidFill>
                   <a:schemeClr val="dk2"/>
                 </a:solidFill>
@@ -6903,7 +7286,7 @@
               <a:buSzPts val="2400"/>
               <a:buFont typeface="Montserrat"/>
               <a:buNone/>
-              <a:defRPr b="1" sz="2400">
+              <a:defRPr sz="2400" b="1">
                 <a:solidFill>
                   <a:schemeClr val="dk2"/>
                 </a:solidFill>
@@ -6926,7 +7309,7 @@
               <a:buSzPts val="2400"/>
               <a:buFont typeface="Montserrat"/>
               <a:buNone/>
-              <a:defRPr b="1" sz="2400">
+              <a:defRPr sz="2400" b="1">
                 <a:solidFill>
                   <a:schemeClr val="dk2"/>
                 </a:solidFill>
@@ -6949,7 +7332,7 @@
               <a:buSzPts val="2400"/>
               <a:buFont typeface="Montserrat"/>
               <a:buNone/>
-              <a:defRPr b="1" sz="2400">
+              <a:defRPr sz="2400" b="1">
                 <a:solidFill>
                   <a:schemeClr val="dk2"/>
                 </a:solidFill>
@@ -6972,7 +7355,7 @@
               <a:buSzPts val="2400"/>
               <a:buFont typeface="Montserrat"/>
               <a:buNone/>
-              <a:defRPr b="1" sz="2400">
+              <a:defRPr sz="2400" b="1">
                 <a:solidFill>
                   <a:schemeClr val="dk2"/>
                 </a:solidFill>
@@ -6995,7 +7378,7 @@
               <a:buSzPts val="2400"/>
               <a:buFont typeface="Montserrat"/>
               <a:buNone/>
-              <a:defRPr b="1" sz="2400">
+              <a:defRPr sz="2400" b="1">
                 <a:solidFill>
                   <a:schemeClr val="dk2"/>
                 </a:solidFill>
@@ -7018,7 +7401,7 @@
               <a:buSzPts val="2400"/>
               <a:buFont typeface="Montserrat"/>
               <a:buNone/>
-              <a:defRPr b="1" sz="2400">
+              <a:defRPr sz="2400" b="1">
                 <a:solidFill>
                   <a:schemeClr val="dk2"/>
                 </a:solidFill>
@@ -7041,7 +7424,7 @@
               <a:buSzPts val="2400"/>
               <a:buFont typeface="Montserrat"/>
               <a:buNone/>
-              <a:defRPr b="1" sz="2400">
+              <a:defRPr sz="2400" b="1">
                 <a:solidFill>
                   <a:schemeClr val="dk2"/>
                 </a:solidFill>
@@ -7064,7 +7447,7 @@
               <a:buSzPts val="2400"/>
               <a:buFont typeface="Montserrat"/>
               <a:buNone/>
-              <a:defRPr b="1" sz="2400">
+              <a:defRPr sz="2400" b="1">
                 <a:solidFill>
                   <a:schemeClr val="dk2"/>
                 </a:solidFill>
@@ -7075,15 +7458,19 @@
               </a:defRPr>
             </a:lvl9pPr>
           </a:lstStyle>
-          <a:p/>
+          <a:p>
+            <a:endParaRPr/>
+          </a:p>
         </p:txBody>
       </p:sp>
       <p:sp>
         <p:nvSpPr>
           <p:cNvPr id="7" name="Google Shape;7;p1"/>
-          <p:cNvSpPr txBox="1"/>
+          <p:cNvSpPr txBox="1">
+            <a:spLocks noGrp="1"/>
+          </p:cNvSpPr>
           <p:nvPr>
-            <p:ph idx="1" type="body"/>
+            <p:ph type="body" idx="1"/>
           </p:nvPr>
         </p:nvSpPr>
         <p:spPr>
@@ -7100,11 +7487,11 @@
           </a:ln>
         </p:spPr>
         <p:txBody>
-          <a:bodyPr anchorCtr="0" anchor="t" bIns="91425" lIns="91425" spcFirstLastPara="1" rIns="91425" wrap="square" tIns="91425">
+          <a:bodyPr spcFirstLastPara="1" wrap="square" lIns="91425" tIns="91425" rIns="91425" bIns="91425" anchor="t" anchorCtr="0">
             <a:noAutofit/>
           </a:bodyPr>
           <a:lstStyle>
-            <a:lvl1pPr indent="-355600" lvl="0" marL="457200">
+            <a:lvl1pPr marL="457200" lvl="0" indent="-355600">
               <a:spcBef>
                 <a:spcPts val="600"/>
               </a:spcBef>
@@ -7127,7 +7514,7 @@
                 <a:sym typeface="Karla"/>
               </a:defRPr>
             </a:lvl1pPr>
-            <a:lvl2pPr indent="-355600" lvl="1" marL="914400">
+            <a:lvl2pPr marL="914400" lvl="1" indent="-355600">
               <a:spcBef>
                 <a:spcPts val="0"/>
               </a:spcBef>
@@ -7150,7 +7537,7 @@
                 <a:sym typeface="Karla"/>
               </a:defRPr>
             </a:lvl2pPr>
-            <a:lvl3pPr indent="-355600" lvl="2" marL="1371600">
+            <a:lvl3pPr marL="1371600" lvl="2" indent="-355600">
               <a:spcBef>
                 <a:spcPts val="0"/>
               </a:spcBef>
@@ -7173,7 +7560,7 @@
                 <a:sym typeface="Karla"/>
               </a:defRPr>
             </a:lvl3pPr>
-            <a:lvl4pPr indent="-355600" lvl="3" marL="1828800">
+            <a:lvl4pPr marL="1828800" lvl="3" indent="-355600">
               <a:spcBef>
                 <a:spcPts val="0"/>
               </a:spcBef>
@@ -7196,7 +7583,7 @@
                 <a:sym typeface="Karla"/>
               </a:defRPr>
             </a:lvl4pPr>
-            <a:lvl5pPr indent="-355600" lvl="4" marL="2286000">
+            <a:lvl5pPr marL="2286000" lvl="4" indent="-355600">
               <a:spcBef>
                 <a:spcPts val="0"/>
               </a:spcBef>
@@ -7219,7 +7606,7 @@
                 <a:sym typeface="Karla"/>
               </a:defRPr>
             </a:lvl5pPr>
-            <a:lvl6pPr indent="-355600" lvl="5" marL="2743200">
+            <a:lvl6pPr marL="2743200" lvl="5" indent="-355600">
               <a:spcBef>
                 <a:spcPts val="0"/>
               </a:spcBef>
@@ -7242,7 +7629,7 @@
                 <a:sym typeface="Karla"/>
               </a:defRPr>
             </a:lvl6pPr>
-            <a:lvl7pPr indent="-355600" lvl="6" marL="3200400">
+            <a:lvl7pPr marL="3200400" lvl="6" indent="-355600">
               <a:spcBef>
                 <a:spcPts val="0"/>
               </a:spcBef>
@@ -7265,7 +7652,7 @@
                 <a:sym typeface="Karla"/>
               </a:defRPr>
             </a:lvl7pPr>
-            <a:lvl8pPr indent="-355600" lvl="7" marL="3657600">
+            <a:lvl8pPr marL="3657600" lvl="7" indent="-355600">
               <a:spcBef>
                 <a:spcPts val="0"/>
               </a:spcBef>
@@ -7288,7 +7675,7 @@
                 <a:sym typeface="Karla"/>
               </a:defRPr>
             </a:lvl8pPr>
-            <a:lvl9pPr indent="-355600" lvl="8" marL="4114800">
+            <a:lvl9pPr marL="4114800" lvl="8" indent="-355600">
               <a:spcBef>
                 <a:spcPts val="0"/>
               </a:spcBef>
@@ -7312,15 +7699,19 @@
               </a:defRPr>
             </a:lvl9pPr>
           </a:lstStyle>
-          <a:p/>
+          <a:p>
+            <a:endParaRPr/>
+          </a:p>
         </p:txBody>
       </p:sp>
       <p:sp>
         <p:nvSpPr>
           <p:cNvPr id="8" name="Google Shape;8;p1"/>
-          <p:cNvSpPr txBox="1"/>
+          <p:cNvSpPr txBox="1">
+            <a:spLocks noGrp="1"/>
+          </p:cNvSpPr>
           <p:nvPr>
-            <p:ph idx="12" type="sldNum"/>
+            <p:ph type="sldNum" idx="12"/>
           </p:nvPr>
         </p:nvSpPr>
         <p:spPr>
@@ -7337,13 +7728,13 @@
           </a:ln>
         </p:spPr>
         <p:txBody>
-          <a:bodyPr anchorCtr="0" anchor="t" bIns="91425" lIns="91425" spcFirstLastPara="1" rIns="91425" wrap="square" tIns="91425">
+          <a:bodyPr spcFirstLastPara="1" wrap="square" lIns="91425" tIns="91425" rIns="91425" bIns="91425" anchor="t" anchorCtr="0">
             <a:noAutofit/>
           </a:bodyPr>
           <a:lstStyle>
             <a:lvl1pPr lvl="0" algn="r">
               <a:buNone/>
-              <a:defRPr b="1" sz="1300">
+              <a:defRPr sz="1300" b="1">
                 <a:solidFill>
                   <a:schemeClr val="lt1"/>
                 </a:solidFill>
@@ -7355,7 +7746,7 @@
             </a:lvl1pPr>
             <a:lvl2pPr lvl="1" algn="r">
               <a:buNone/>
-              <a:defRPr b="1" sz="1300">
+              <a:defRPr sz="1300" b="1">
                 <a:solidFill>
                   <a:schemeClr val="lt1"/>
                 </a:solidFill>
@@ -7367,7 +7758,7 @@
             </a:lvl2pPr>
             <a:lvl3pPr lvl="2" algn="r">
               <a:buNone/>
-              <a:defRPr b="1" sz="1300">
+              <a:defRPr sz="1300" b="1">
                 <a:solidFill>
                   <a:schemeClr val="lt1"/>
                 </a:solidFill>
@@ -7379,7 +7770,7 @@
             </a:lvl3pPr>
             <a:lvl4pPr lvl="3" algn="r">
               <a:buNone/>
-              <a:defRPr b="1" sz="1300">
+              <a:defRPr sz="1300" b="1">
                 <a:solidFill>
                   <a:schemeClr val="lt1"/>
                 </a:solidFill>
@@ -7391,7 +7782,7 @@
             </a:lvl4pPr>
             <a:lvl5pPr lvl="4" algn="r">
               <a:buNone/>
-              <a:defRPr b="1" sz="1300">
+              <a:defRPr sz="1300" b="1">
                 <a:solidFill>
                   <a:schemeClr val="lt1"/>
                 </a:solidFill>
@@ -7403,7 +7794,7 @@
             </a:lvl5pPr>
             <a:lvl6pPr lvl="5" algn="r">
               <a:buNone/>
-              <a:defRPr b="1" sz="1300">
+              <a:defRPr sz="1300" b="1">
                 <a:solidFill>
                   <a:schemeClr val="lt1"/>
                 </a:solidFill>
@@ -7415,7 +7806,7 @@
             </a:lvl6pPr>
             <a:lvl7pPr lvl="6" algn="r">
               <a:buNone/>
-              <a:defRPr b="1" sz="1300">
+              <a:defRPr sz="1300" b="1">
                 <a:solidFill>
                   <a:schemeClr val="lt1"/>
                 </a:solidFill>
@@ -7427,7 +7818,7 @@
             </a:lvl7pPr>
             <a:lvl8pPr lvl="7" algn="r">
               <a:buNone/>
-              <a:defRPr b="1" sz="1300">
+              <a:defRPr sz="1300" b="1">
                 <a:solidFill>
                   <a:schemeClr val="lt1"/>
                 </a:solidFill>
@@ -7439,7 +7830,7 @@
             </a:lvl8pPr>
             <a:lvl9pPr lvl="8" algn="r">
               <a:buNone/>
-              <a:defRPr b="1" sz="1300">
+              <a:defRPr sz="1300" b="1">
                 <a:solidFill>
                   <a:schemeClr val="lt1"/>
                 </a:solidFill>
@@ -7451,7 +7842,7 @@
             </a:lvl9pPr>
           </a:lstStyle>
           <a:p>
-            <a:pPr indent="0" lvl="0" marL="0" rtl="0" algn="r">
+            <a:pPr marL="0" lvl="0" indent="0" algn="r" rtl="0">
               <a:spcBef>
                 <a:spcPts val="0"/>
               </a:spcBef>
@@ -7462,7 +7853,7 @@
             </a:pPr>
             <a:fld id="{00000000-1234-1234-1234-123412341234}" type="slidenum">
               <a:rPr lang="en"/>
-              <a:t>‹#›</a:t>
+              <a:t>‹N°›</a:t>
             </a:fld>
             <a:endParaRPr/>
           </a:p>
@@ -7470,7 +7861,7 @@
       </p:sp>
     </p:spTree>
   </p:cSld>
-  <p:clrMap accent1="accent1" accent2="accent2" accent3="accent3" accent4="accent4" accent5="accent5" accent6="accent6" bg1="lt1" bg2="dk2" tx1="dk1" tx2="lt2" folHlink="folHlink" hlink="hlink"/>
+  <p:clrMap bg1="lt1" tx1="dk1" bg2="dk2" tx2="lt2" accent1="accent1" accent2="accent2" accent3="accent3" accent4="accent4" accent5="accent5" accent6="accent6" hlink="hlink" folHlink="folHlink"/>
   <p:sldLayoutIdLst>
     <p:sldLayoutId id="2147483648" r:id="rId1"/>
     <p:sldLayoutId id="2147483649" r:id="rId2"/>
@@ -7488,10 +7879,10 @@
   <p:transition>
     <p:fade thruBlk="1"/>
   </p:transition>
-  <p:hf dt="0" ftr="0" hdr="0"/>
+  <p:hf hdr="0" ftr="0" dt="0"/>
   <p:txStyles>
     <p:titleStyle>
-      <a:defPPr lvl="0" marR="0" rtl="0" algn="l">
+      <a:defPPr marR="0" lvl="0" algn="l" rtl="0">
         <a:lnSpc>
           <a:spcPct val="100000"/>
         </a:lnSpc>
@@ -7502,7 +7893,7 @@
           <a:spcPts val="0"/>
         </a:spcAft>
       </a:defPPr>
-      <a:lvl1pPr lvl="0" marR="0" rtl="0" algn="l">
+      <a:lvl1pPr marR="0" lvl="0" algn="l" rtl="0">
         <a:lnSpc>
           <a:spcPct val="100000"/>
         </a:lnSpc>
@@ -7516,7 +7907,7 @@
           <a:srgbClr val="000000"/>
         </a:buClr>
         <a:buFont typeface="Arial"/>
-        <a:defRPr b="0" i="0" sz="1400" u="none" cap="none" strike="noStrike">
+        <a:defRPr sz="1400" b="0" i="0" u="none" strike="noStrike" cap="none">
           <a:solidFill>
             <a:srgbClr val="000000"/>
           </a:solidFill>
@@ -7526,7 +7917,7 @@
           <a:sym typeface="Arial"/>
         </a:defRPr>
       </a:lvl1pPr>
-      <a:lvl2pPr lvl="1" marR="0" rtl="0" algn="l">
+      <a:lvl2pPr marR="0" lvl="1" algn="l" rtl="0">
         <a:lnSpc>
           <a:spcPct val="100000"/>
         </a:lnSpc>
@@ -7540,7 +7931,7 @@
           <a:srgbClr val="000000"/>
         </a:buClr>
         <a:buFont typeface="Arial"/>
-        <a:defRPr b="0" i="0" sz="1400" u="none" cap="none" strike="noStrike">
+        <a:defRPr sz="1400" b="0" i="0" u="none" strike="noStrike" cap="none">
           <a:solidFill>
             <a:srgbClr val="000000"/>
           </a:solidFill>
@@ -7550,7 +7941,7 @@
           <a:sym typeface="Arial"/>
         </a:defRPr>
       </a:lvl2pPr>
-      <a:lvl3pPr lvl="2" marR="0" rtl="0" algn="l">
+      <a:lvl3pPr marR="0" lvl="2" algn="l" rtl="0">
         <a:lnSpc>
           <a:spcPct val="100000"/>
         </a:lnSpc>
@@ -7564,7 +7955,7 @@
           <a:srgbClr val="000000"/>
         </a:buClr>
         <a:buFont typeface="Arial"/>
-        <a:defRPr b="0" i="0" sz="1400" u="none" cap="none" strike="noStrike">
+        <a:defRPr sz="1400" b="0" i="0" u="none" strike="noStrike" cap="none">
           <a:solidFill>
             <a:srgbClr val="000000"/>
           </a:solidFill>
@@ -7574,7 +7965,7 @@
           <a:sym typeface="Arial"/>
         </a:defRPr>
       </a:lvl3pPr>
-      <a:lvl4pPr lvl="3" marR="0" rtl="0" algn="l">
+      <a:lvl4pPr marR="0" lvl="3" algn="l" rtl="0">
         <a:lnSpc>
           <a:spcPct val="100000"/>
         </a:lnSpc>
@@ -7588,7 +7979,7 @@
           <a:srgbClr val="000000"/>
         </a:buClr>
         <a:buFont typeface="Arial"/>
-        <a:defRPr b="0" i="0" sz="1400" u="none" cap="none" strike="noStrike">
+        <a:defRPr sz="1400" b="0" i="0" u="none" strike="noStrike" cap="none">
           <a:solidFill>
             <a:srgbClr val="000000"/>
           </a:solidFill>
@@ -7598,7 +7989,7 @@
           <a:sym typeface="Arial"/>
         </a:defRPr>
       </a:lvl4pPr>
-      <a:lvl5pPr lvl="4" marR="0" rtl="0" algn="l">
+      <a:lvl5pPr marR="0" lvl="4" algn="l" rtl="0">
         <a:lnSpc>
           <a:spcPct val="100000"/>
         </a:lnSpc>
@@ -7612,7 +8003,7 @@
           <a:srgbClr val="000000"/>
         </a:buClr>
         <a:buFont typeface="Arial"/>
-        <a:defRPr b="0" i="0" sz="1400" u="none" cap="none" strike="noStrike">
+        <a:defRPr sz="1400" b="0" i="0" u="none" strike="noStrike" cap="none">
           <a:solidFill>
             <a:srgbClr val="000000"/>
           </a:solidFill>
@@ -7622,7 +8013,7 @@
           <a:sym typeface="Arial"/>
         </a:defRPr>
       </a:lvl5pPr>
-      <a:lvl6pPr lvl="5" marR="0" rtl="0" algn="l">
+      <a:lvl6pPr marR="0" lvl="5" algn="l" rtl="0">
         <a:lnSpc>
           <a:spcPct val="100000"/>
         </a:lnSpc>
@@ -7636,7 +8027,7 @@
           <a:srgbClr val="000000"/>
         </a:buClr>
         <a:buFont typeface="Arial"/>
-        <a:defRPr b="0" i="0" sz="1400" u="none" cap="none" strike="noStrike">
+        <a:defRPr sz="1400" b="0" i="0" u="none" strike="noStrike" cap="none">
           <a:solidFill>
             <a:srgbClr val="000000"/>
           </a:solidFill>
@@ -7646,7 +8037,7 @@
           <a:sym typeface="Arial"/>
         </a:defRPr>
       </a:lvl6pPr>
-      <a:lvl7pPr lvl="6" marR="0" rtl="0" algn="l">
+      <a:lvl7pPr marR="0" lvl="6" algn="l" rtl="0">
         <a:lnSpc>
           <a:spcPct val="100000"/>
         </a:lnSpc>
@@ -7660,7 +8051,7 @@
           <a:srgbClr val="000000"/>
         </a:buClr>
         <a:buFont typeface="Arial"/>
-        <a:defRPr b="0" i="0" sz="1400" u="none" cap="none" strike="noStrike">
+        <a:defRPr sz="1400" b="0" i="0" u="none" strike="noStrike" cap="none">
           <a:solidFill>
             <a:srgbClr val="000000"/>
           </a:solidFill>
@@ -7670,7 +8061,7 @@
           <a:sym typeface="Arial"/>
         </a:defRPr>
       </a:lvl7pPr>
-      <a:lvl8pPr lvl="7" marR="0" rtl="0" algn="l">
+      <a:lvl8pPr marR="0" lvl="7" algn="l" rtl="0">
         <a:lnSpc>
           <a:spcPct val="100000"/>
         </a:lnSpc>
@@ -7684,7 +8075,7 @@
           <a:srgbClr val="000000"/>
         </a:buClr>
         <a:buFont typeface="Arial"/>
-        <a:defRPr b="0" i="0" sz="1400" u="none" cap="none" strike="noStrike">
+        <a:defRPr sz="1400" b="0" i="0" u="none" strike="noStrike" cap="none">
           <a:solidFill>
             <a:srgbClr val="000000"/>
           </a:solidFill>
@@ -7694,7 +8085,7 @@
           <a:sym typeface="Arial"/>
         </a:defRPr>
       </a:lvl8pPr>
-      <a:lvl9pPr lvl="8" marR="0" rtl="0" algn="l">
+      <a:lvl9pPr marR="0" lvl="8" algn="l" rtl="0">
         <a:lnSpc>
           <a:spcPct val="100000"/>
         </a:lnSpc>
@@ -7708,7 +8099,7 @@
           <a:srgbClr val="000000"/>
         </a:buClr>
         <a:buFont typeface="Arial"/>
-        <a:defRPr b="0" i="0" sz="1400" u="none" cap="none" strike="noStrike">
+        <a:defRPr sz="1400" b="0" i="0" u="none" strike="noStrike" cap="none">
           <a:solidFill>
             <a:srgbClr val="000000"/>
           </a:solidFill>
@@ -7720,7 +8111,7 @@
       </a:lvl9pPr>
     </p:titleStyle>
     <p:bodyStyle>
-      <a:defPPr lvl="0" marR="0" rtl="0" algn="l">
+      <a:defPPr marR="0" lvl="0" algn="l" rtl="0">
         <a:lnSpc>
           <a:spcPct val="100000"/>
         </a:lnSpc>
@@ -7731,7 +8122,7 @@
           <a:spcPts val="0"/>
         </a:spcAft>
       </a:defPPr>
-      <a:lvl1pPr lvl="0" marR="0" rtl="0" algn="l">
+      <a:lvl1pPr marR="0" lvl="0" algn="l" rtl="0">
         <a:lnSpc>
           <a:spcPct val="100000"/>
         </a:lnSpc>
@@ -7745,7 +8136,7 @@
           <a:srgbClr val="000000"/>
         </a:buClr>
         <a:buFont typeface="Arial"/>
-        <a:defRPr b="0" i="0" sz="1400" u="none" cap="none" strike="noStrike">
+        <a:defRPr sz="1400" b="0" i="0" u="none" strike="noStrike" cap="none">
           <a:solidFill>
             <a:srgbClr val="000000"/>
           </a:solidFill>
@@ -7755,7 +8146,7 @@
           <a:sym typeface="Arial"/>
         </a:defRPr>
       </a:lvl1pPr>
-      <a:lvl2pPr lvl="1" marR="0" rtl="0" algn="l">
+      <a:lvl2pPr marR="0" lvl="1" algn="l" rtl="0">
         <a:lnSpc>
           <a:spcPct val="100000"/>
         </a:lnSpc>
@@ -7769,7 +8160,7 @@
           <a:srgbClr val="000000"/>
         </a:buClr>
         <a:buFont typeface="Arial"/>
-        <a:defRPr b="0" i="0" sz="1400" u="none" cap="none" strike="noStrike">
+        <a:defRPr sz="1400" b="0" i="0" u="none" strike="noStrike" cap="none">
           <a:solidFill>
             <a:srgbClr val="000000"/>
           </a:solidFill>
@@ -7779,7 +8170,7 @@
           <a:sym typeface="Arial"/>
         </a:defRPr>
       </a:lvl2pPr>
-      <a:lvl3pPr lvl="2" marR="0" rtl="0" algn="l">
+      <a:lvl3pPr marR="0" lvl="2" algn="l" rtl="0">
         <a:lnSpc>
           <a:spcPct val="100000"/>
         </a:lnSpc>
@@ -7793,7 +8184,7 @@
           <a:srgbClr val="000000"/>
         </a:buClr>
         <a:buFont typeface="Arial"/>
-        <a:defRPr b="0" i="0" sz="1400" u="none" cap="none" strike="noStrike">
+        <a:defRPr sz="1400" b="0" i="0" u="none" strike="noStrike" cap="none">
           <a:solidFill>
             <a:srgbClr val="000000"/>
           </a:solidFill>
@@ -7803,7 +8194,7 @@
           <a:sym typeface="Arial"/>
         </a:defRPr>
       </a:lvl3pPr>
-      <a:lvl4pPr lvl="3" marR="0" rtl="0" algn="l">
+      <a:lvl4pPr marR="0" lvl="3" algn="l" rtl="0">
         <a:lnSpc>
           <a:spcPct val="100000"/>
         </a:lnSpc>
@@ -7817,7 +8208,7 @@
           <a:srgbClr val="000000"/>
         </a:buClr>
         <a:buFont typeface="Arial"/>
-        <a:defRPr b="0" i="0" sz="1400" u="none" cap="none" strike="noStrike">
+        <a:defRPr sz="1400" b="0" i="0" u="none" strike="noStrike" cap="none">
           <a:solidFill>
             <a:srgbClr val="000000"/>
           </a:solidFill>
@@ -7827,7 +8218,7 @@
           <a:sym typeface="Arial"/>
         </a:defRPr>
       </a:lvl4pPr>
-      <a:lvl5pPr lvl="4" marR="0" rtl="0" algn="l">
+      <a:lvl5pPr marR="0" lvl="4" algn="l" rtl="0">
         <a:lnSpc>
           <a:spcPct val="100000"/>
         </a:lnSpc>
@@ -7841,7 +8232,7 @@
           <a:srgbClr val="000000"/>
         </a:buClr>
         <a:buFont typeface="Arial"/>
-        <a:defRPr b="0" i="0" sz="1400" u="none" cap="none" strike="noStrike">
+        <a:defRPr sz="1400" b="0" i="0" u="none" strike="noStrike" cap="none">
           <a:solidFill>
             <a:srgbClr val="000000"/>
           </a:solidFill>
@@ -7851,7 +8242,7 @@
           <a:sym typeface="Arial"/>
         </a:defRPr>
       </a:lvl5pPr>
-      <a:lvl6pPr lvl="5" marR="0" rtl="0" algn="l">
+      <a:lvl6pPr marR="0" lvl="5" algn="l" rtl="0">
         <a:lnSpc>
           <a:spcPct val="100000"/>
         </a:lnSpc>
@@ -7865,7 +8256,7 @@
           <a:srgbClr val="000000"/>
         </a:buClr>
         <a:buFont typeface="Arial"/>
-        <a:defRPr b="0" i="0" sz="1400" u="none" cap="none" strike="noStrike">
+        <a:defRPr sz="1400" b="0" i="0" u="none" strike="noStrike" cap="none">
           <a:solidFill>
             <a:srgbClr val="000000"/>
           </a:solidFill>
@@ -7875,7 +8266,7 @@
           <a:sym typeface="Arial"/>
         </a:defRPr>
       </a:lvl6pPr>
-      <a:lvl7pPr lvl="6" marR="0" rtl="0" algn="l">
+      <a:lvl7pPr marR="0" lvl="6" algn="l" rtl="0">
         <a:lnSpc>
           <a:spcPct val="100000"/>
         </a:lnSpc>
@@ -7889,7 +8280,7 @@
           <a:srgbClr val="000000"/>
         </a:buClr>
         <a:buFont typeface="Arial"/>
-        <a:defRPr b="0" i="0" sz="1400" u="none" cap="none" strike="noStrike">
+        <a:defRPr sz="1400" b="0" i="0" u="none" strike="noStrike" cap="none">
           <a:solidFill>
             <a:srgbClr val="000000"/>
           </a:solidFill>
@@ -7899,7 +8290,7 @@
           <a:sym typeface="Arial"/>
         </a:defRPr>
       </a:lvl7pPr>
-      <a:lvl8pPr lvl="7" marR="0" rtl="0" algn="l">
+      <a:lvl8pPr marR="0" lvl="7" algn="l" rtl="0">
         <a:lnSpc>
           <a:spcPct val="100000"/>
         </a:lnSpc>
@@ -7913,7 +8304,7 @@
           <a:srgbClr val="000000"/>
         </a:buClr>
         <a:buFont typeface="Arial"/>
-        <a:defRPr b="0" i="0" sz="1400" u="none" cap="none" strike="noStrike">
+        <a:defRPr sz="1400" b="0" i="0" u="none" strike="noStrike" cap="none">
           <a:solidFill>
             <a:srgbClr val="000000"/>
           </a:solidFill>
@@ -7923,7 +8314,7 @@
           <a:sym typeface="Arial"/>
         </a:defRPr>
       </a:lvl8pPr>
-      <a:lvl9pPr lvl="8" marR="0" rtl="0" algn="l">
+      <a:lvl9pPr marR="0" lvl="8" algn="l" rtl="0">
         <a:lnSpc>
           <a:spcPct val="100000"/>
         </a:lnSpc>
@@ -7937,7 +8328,7 @@
           <a:srgbClr val="000000"/>
         </a:buClr>
         <a:buFont typeface="Arial"/>
-        <a:defRPr b="0" i="0" sz="1400" u="none" cap="none" strike="noStrike">
+        <a:defRPr sz="1400" b="0" i="0" u="none" strike="noStrike" cap="none">
           <a:solidFill>
             <a:srgbClr val="000000"/>
           </a:solidFill>
@@ -7949,7 +8340,7 @@
       </a:lvl9pPr>
     </p:bodyStyle>
     <p:otherStyle>
-      <a:defPPr lvl="0" marR="0" rtl="0" algn="l">
+      <a:defPPr marR="0" lvl="0" algn="l" rtl="0">
         <a:lnSpc>
           <a:spcPct val="100000"/>
         </a:lnSpc>
@@ -7960,7 +8351,7 @@
           <a:spcPts val="0"/>
         </a:spcAft>
       </a:defPPr>
-      <a:lvl1pPr lvl="0" marR="0" rtl="0" algn="l">
+      <a:lvl1pPr marR="0" lvl="0" algn="l" rtl="0">
         <a:lnSpc>
           <a:spcPct val="100000"/>
         </a:lnSpc>
@@ -7974,7 +8365,7 @@
           <a:srgbClr val="000000"/>
         </a:buClr>
         <a:buFont typeface="Arial"/>
-        <a:defRPr b="0" i="0" sz="1400" u="none" cap="none" strike="noStrike">
+        <a:defRPr sz="1400" b="0" i="0" u="none" strike="noStrike" cap="none">
           <a:solidFill>
             <a:srgbClr val="000000"/>
           </a:solidFill>
@@ -7984,7 +8375,7 @@
           <a:sym typeface="Arial"/>
         </a:defRPr>
       </a:lvl1pPr>
-      <a:lvl2pPr lvl="1" marR="0" rtl="0" algn="l">
+      <a:lvl2pPr marR="0" lvl="1" algn="l" rtl="0">
         <a:lnSpc>
           <a:spcPct val="100000"/>
         </a:lnSpc>
@@ -7998,7 +8389,7 @@
           <a:srgbClr val="000000"/>
         </a:buClr>
         <a:buFont typeface="Arial"/>
-        <a:defRPr b="0" i="0" sz="1400" u="none" cap="none" strike="noStrike">
+        <a:defRPr sz="1400" b="0" i="0" u="none" strike="noStrike" cap="none">
           <a:solidFill>
             <a:srgbClr val="000000"/>
           </a:solidFill>
@@ -8008,7 +8399,7 @@
           <a:sym typeface="Arial"/>
         </a:defRPr>
       </a:lvl2pPr>
-      <a:lvl3pPr lvl="2" marR="0" rtl="0" algn="l">
+      <a:lvl3pPr marR="0" lvl="2" algn="l" rtl="0">
         <a:lnSpc>
           <a:spcPct val="100000"/>
         </a:lnSpc>
@@ -8022,7 +8413,7 @@
           <a:srgbClr val="000000"/>
         </a:buClr>
         <a:buFont typeface="Arial"/>
-        <a:defRPr b="0" i="0" sz="1400" u="none" cap="none" strike="noStrike">
+        <a:defRPr sz="1400" b="0" i="0" u="none" strike="noStrike" cap="none">
           <a:solidFill>
             <a:srgbClr val="000000"/>
           </a:solidFill>
@@ -8032,7 +8423,7 @@
           <a:sym typeface="Arial"/>
         </a:defRPr>
       </a:lvl3pPr>
-      <a:lvl4pPr lvl="3" marR="0" rtl="0" algn="l">
+      <a:lvl4pPr marR="0" lvl="3" algn="l" rtl="0">
         <a:lnSpc>
           <a:spcPct val="100000"/>
         </a:lnSpc>
@@ -8046,7 +8437,7 @@
           <a:srgbClr val="000000"/>
         </a:buClr>
         <a:buFont typeface="Arial"/>
-        <a:defRPr b="0" i="0" sz="1400" u="none" cap="none" strike="noStrike">
+        <a:defRPr sz="1400" b="0" i="0" u="none" strike="noStrike" cap="none">
           <a:solidFill>
             <a:srgbClr val="000000"/>
           </a:solidFill>
@@ -8056,7 +8447,7 @@
           <a:sym typeface="Arial"/>
         </a:defRPr>
       </a:lvl4pPr>
-      <a:lvl5pPr lvl="4" marR="0" rtl="0" algn="l">
+      <a:lvl5pPr marR="0" lvl="4" algn="l" rtl="0">
         <a:lnSpc>
           <a:spcPct val="100000"/>
         </a:lnSpc>
@@ -8070,7 +8461,7 @@
           <a:srgbClr val="000000"/>
         </a:buClr>
         <a:buFont typeface="Arial"/>
-        <a:defRPr b="0" i="0" sz="1400" u="none" cap="none" strike="noStrike">
+        <a:defRPr sz="1400" b="0" i="0" u="none" strike="noStrike" cap="none">
           <a:solidFill>
             <a:srgbClr val="000000"/>
           </a:solidFill>
@@ -8080,7 +8471,7 @@
           <a:sym typeface="Arial"/>
         </a:defRPr>
       </a:lvl5pPr>
-      <a:lvl6pPr lvl="5" marR="0" rtl="0" algn="l">
+      <a:lvl6pPr marR="0" lvl="5" algn="l" rtl="0">
         <a:lnSpc>
           <a:spcPct val="100000"/>
         </a:lnSpc>
@@ -8094,7 +8485,7 @@
           <a:srgbClr val="000000"/>
         </a:buClr>
         <a:buFont typeface="Arial"/>
-        <a:defRPr b="0" i="0" sz="1400" u="none" cap="none" strike="noStrike">
+        <a:defRPr sz="1400" b="0" i="0" u="none" strike="noStrike" cap="none">
           <a:solidFill>
             <a:srgbClr val="000000"/>
           </a:solidFill>
@@ -8104,7 +8495,7 @@
           <a:sym typeface="Arial"/>
         </a:defRPr>
       </a:lvl6pPr>
-      <a:lvl7pPr lvl="6" marR="0" rtl="0" algn="l">
+      <a:lvl7pPr marR="0" lvl="6" algn="l" rtl="0">
         <a:lnSpc>
           <a:spcPct val="100000"/>
         </a:lnSpc>
@@ -8118,7 +8509,7 @@
           <a:srgbClr val="000000"/>
         </a:buClr>
         <a:buFont typeface="Arial"/>
-        <a:defRPr b="0" i="0" sz="1400" u="none" cap="none" strike="noStrike">
+        <a:defRPr sz="1400" b="0" i="0" u="none" strike="noStrike" cap="none">
           <a:solidFill>
             <a:srgbClr val="000000"/>
           </a:solidFill>
@@ -8128,7 +8519,7 @@
           <a:sym typeface="Arial"/>
         </a:defRPr>
       </a:lvl7pPr>
-      <a:lvl8pPr lvl="7" marR="0" rtl="0" algn="l">
+      <a:lvl8pPr marR="0" lvl="7" algn="l" rtl="0">
         <a:lnSpc>
           <a:spcPct val="100000"/>
         </a:lnSpc>
@@ -8142,7 +8533,7 @@
           <a:srgbClr val="000000"/>
         </a:buClr>
         <a:buFont typeface="Arial"/>
-        <a:defRPr b="0" i="0" sz="1400" u="none" cap="none" strike="noStrike">
+        <a:defRPr sz="1400" b="0" i="0" u="none" strike="noStrike" cap="none">
           <a:solidFill>
             <a:srgbClr val="000000"/>
           </a:solidFill>
@@ -8152,7 +8543,7 @@
           <a:sym typeface="Arial"/>
         </a:defRPr>
       </a:lvl8pPr>
-      <a:lvl9pPr lvl="8" marR="0" rtl="0" algn="l">
+      <a:lvl9pPr marR="0" lvl="8" algn="l" rtl="0">
         <a:lnSpc>
           <a:spcPct val="100000"/>
         </a:lnSpc>
@@ -8166,7 +8557,7 @@
           <a:srgbClr val="000000"/>
         </a:buClr>
         <a:buFont typeface="Arial"/>
-        <a:defRPr b="0" i="0" sz="1400" u="none" cap="none" strike="noStrike">
+        <a:defRPr sz="1400" b="0" i="0" u="none" strike="noStrike" cap="none">
           <a:solidFill>
             <a:srgbClr val="000000"/>
           </a:solidFill>
@@ -8182,18 +8573,19 @@
 </file>
 
 <file path=ppt/slides/slide1.xml><?xml version="1.0" encoding="utf-8"?>
-<p:sld xmlns:a="http://schemas.openxmlformats.org/drawingml/2006/main" xmlns:r="http://schemas.openxmlformats.org/officeDocument/2006/relationships" xmlns:mc="http://schemas.openxmlformats.org/markup-compatibility/2006" xmlns:mv="urn:schemas-microsoft-com:mac:vml" xmlns:p="http://schemas.openxmlformats.org/presentationml/2006/main" xmlns:c="http://schemas.openxmlformats.org/drawingml/2006/chart" xmlns:dgm="http://schemas.openxmlformats.org/drawingml/2006/diagram" xmlns:o="urn:schemas-microsoft-com:office:office" xmlns:v="urn:schemas-microsoft-com:vml" xmlns:pvml="urn:schemas-microsoft-com:office:powerpoint" xmlns:com="http://schemas.openxmlformats.org/drawingml/2006/compatibility" xmlns:p14="http://schemas.microsoft.com/office/powerpoint/2010/main" xmlns:p15="http://schemas.microsoft.com/office/powerpoint/2012/main">
+<p:sld xmlns:a="http://schemas.openxmlformats.org/drawingml/2006/main" xmlns:r="http://schemas.openxmlformats.org/officeDocument/2006/relationships" xmlns:p="http://schemas.openxmlformats.org/presentationml/2006/main">
   <p:cSld>
     <p:bg>
       <p:bgPr>
         <a:solidFill>
           <a:srgbClr val="00BCD4"/>
         </a:solidFill>
+        <a:effectLst/>
       </p:bgPr>
     </p:bg>
     <p:spTree>
       <p:nvGrpSpPr>
-        <p:cNvPr id="75" name="Shape 75"/>
+        <p:cNvPr id="1" name="Shape 75"/>
         <p:cNvGrpSpPr/>
         <p:nvPr/>
       </p:nvGrpSpPr>
@@ -8208,7 +8600,9 @@
       <p:sp>
         <p:nvSpPr>
           <p:cNvPr id="76" name="Google Shape;76;p14"/>
-          <p:cNvSpPr txBox="1"/>
+          <p:cNvSpPr txBox="1">
+            <a:spLocks noGrp="1"/>
+          </p:cNvSpPr>
           <p:nvPr>
             <p:ph type="ctrTitle"/>
           </p:nvPr>
@@ -8223,12 +8617,12 @@
           </a:prstGeom>
         </p:spPr>
         <p:txBody>
-          <a:bodyPr anchorCtr="0" anchor="b" bIns="91425" lIns="91425" spcFirstLastPara="1" rIns="91425" wrap="square" tIns="91425">
+          <a:bodyPr spcFirstLastPara="1" wrap="square" lIns="91425" tIns="91425" rIns="91425" bIns="91425" anchor="b" anchorCtr="0">
             <a:noAutofit/>
           </a:bodyPr>
           <a:lstStyle/>
           <a:p>
-            <a:pPr indent="0" lvl="0" marL="0" rtl="0" algn="l">
+            <a:pPr marL="0" lvl="0" indent="0" algn="l" rtl="0">
               <a:spcBef>
                 <a:spcPts val="0"/>
               </a:spcBef>
@@ -8239,20 +8633,12 @@
             </a:pPr>
             <a:r>
               <a:rPr lang="en"/>
-              <a:t>Information V</a:t>
-            </a:r>
-            <a:r>
-              <a:rPr lang="en"/>
-              <a:t>isualization</a:t>
-            </a:r>
-            <a:r>
-              <a:rPr lang="en"/>
-              <a:t> Project </a:t>
+              <a:t>Information Visualization Project </a:t>
             </a:r>
             <a:endParaRPr/>
           </a:p>
           <a:p>
-            <a:pPr indent="0" lvl="0" marL="0" rtl="0" algn="l">
+            <a:pPr marL="0" lvl="0" indent="0" algn="l" rtl="0">
               <a:spcBef>
                 <a:spcPts val="0"/>
               </a:spcBef>
@@ -8267,15 +8653,7 @@
                   <a:srgbClr val="00BCD4"/>
                 </a:solidFill>
               </a:rPr>
-              <a:t>World </a:t>
-            </a:r>
-            <a:r>
-              <a:rPr lang="en" sz="2400">
-                <a:solidFill>
-                  <a:srgbClr val="00BCD4"/>
-                </a:solidFill>
-              </a:rPr>
-              <a:t>Inequality Dataset</a:t>
+              <a:t>World Inequality Dataset</a:t>
             </a:r>
             <a:endParaRPr sz="2400"/>
           </a:p>
@@ -8301,12 +8679,12 @@
           </a:ln>
         </p:spPr>
         <p:txBody>
-          <a:bodyPr anchorCtr="0" anchor="t" bIns="91425" lIns="91425" spcFirstLastPara="1" rIns="91425" wrap="square" tIns="91425">
+          <a:bodyPr spcFirstLastPara="1" wrap="square" lIns="91425" tIns="91425" rIns="91425" bIns="91425" anchor="t" anchorCtr="0">
             <a:noAutofit/>
           </a:bodyPr>
           <a:lstStyle/>
           <a:p>
-            <a:pPr indent="0" lvl="0" marL="0" rtl="0" algn="l">
+            <a:pPr marL="0" lvl="0" indent="0" algn="l" rtl="0">
               <a:spcBef>
                 <a:spcPts val="600"/>
               </a:spcBef>
@@ -8316,7 +8694,7 @@
               <a:buNone/>
             </a:pPr>
             <a:r>
-              <a:rPr b="1" lang="en">
+              <a:rPr lang="en" b="1" dirty="0">
                 <a:solidFill>
                   <a:srgbClr val="666666"/>
                 </a:solidFill>
@@ -8327,7 +8705,7 @@
               </a:rPr>
               <a:t>Presented by</a:t>
             </a:r>
-            <a:endParaRPr>
+            <a:endParaRPr dirty="0">
               <a:solidFill>
                 <a:srgbClr val="666666"/>
               </a:solidFill>
@@ -8338,7 +8716,7 @@
             </a:endParaRPr>
           </a:p>
           <a:p>
-            <a:pPr indent="-304800" lvl="0" marL="457200" rtl="0" algn="l">
+            <a:pPr marL="457200" lvl="0" indent="-304800" algn="l" rtl="0">
               <a:spcBef>
                 <a:spcPts val="600"/>
               </a:spcBef>
@@ -8353,7 +8731,7 @@
               <a:buChar char="➔"/>
             </a:pPr>
             <a:r>
-              <a:rPr lang="en" sz="1200">
+              <a:rPr lang="en" sz="1200" dirty="0">
                 <a:solidFill>
                   <a:schemeClr val="dk1"/>
                 </a:solidFill>
@@ -8364,7 +8742,7 @@
               </a:rPr>
               <a:t>Malak BRITEL</a:t>
             </a:r>
-            <a:endParaRPr sz="1200">
+            <a:endParaRPr sz="1200" dirty="0">
               <a:solidFill>
                 <a:schemeClr val="dk1"/>
               </a:solidFill>
@@ -8375,7 +8753,44 @@
             </a:endParaRPr>
           </a:p>
           <a:p>
-            <a:pPr indent="-304800" lvl="0" marL="457200" rtl="0" algn="l">
+            <a:pPr marL="457200" lvl="0" indent="-304800" algn="l" rtl="0">
+              <a:spcBef>
+                <a:spcPts val="0"/>
+              </a:spcBef>
+              <a:spcAft>
+                <a:spcPts val="0"/>
+              </a:spcAft>
+              <a:buClr>
+                <a:srgbClr val="666666"/>
+              </a:buClr>
+              <a:buSzPts val="1200"/>
+              <a:buFont typeface="Karla"/>
+              <a:buChar char="➔"/>
+            </a:pPr>
+            <a:r>
+              <a:rPr lang="en" sz="1200" dirty="0">
+                <a:solidFill>
+                  <a:srgbClr val="666666"/>
+                </a:solidFill>
+                <a:latin typeface="Karla"/>
+                <a:ea typeface="Karla"/>
+                <a:cs typeface="Karla"/>
+                <a:sym typeface="Karla"/>
+              </a:rPr>
+              <a:t>Omar LARAQUI</a:t>
+            </a:r>
+            <a:endParaRPr sz="1200" dirty="0">
+              <a:solidFill>
+                <a:srgbClr val="666666"/>
+              </a:solidFill>
+              <a:latin typeface="Karla"/>
+              <a:ea typeface="Karla"/>
+              <a:cs typeface="Karla"/>
+              <a:sym typeface="Karla"/>
+            </a:endParaRPr>
+          </a:p>
+          <a:p>
+            <a:pPr marL="457200" lvl="0" indent="-304800" algn="l" rtl="0">
               <a:spcBef>
                 <a:spcPts val="0"/>
               </a:spcBef>
@@ -8399,9 +8814,21 @@
                 <a:cs typeface="Karla"/>
                 <a:sym typeface="Karla"/>
               </a:rPr>
-              <a:t>Omar LARAQUI</a:t>
+              <a:t>Yassir </a:t>
             </a:r>
-            <a:endParaRPr sz="1200">
+            <a:r>
+              <a:rPr lang="en" sz="1200" smtClean="0">
+                <a:solidFill>
+                  <a:srgbClr val="666666"/>
+                </a:solidFill>
+                <a:latin typeface="Karla"/>
+                <a:ea typeface="Karla"/>
+                <a:cs typeface="Karla"/>
+                <a:sym typeface="Karla"/>
+              </a:rPr>
+              <a:t>IDHBI</a:t>
+            </a:r>
+            <a:endParaRPr sz="1200" dirty="0">
               <a:solidFill>
                 <a:srgbClr val="666666"/>
               </a:solidFill>
@@ -8412,7 +8839,7 @@
             </a:endParaRPr>
           </a:p>
           <a:p>
-            <a:pPr indent="-304800" lvl="0" marL="457200" rtl="0" algn="l">
+            <a:pPr marL="457200" lvl="0" indent="-304800" algn="l" rtl="0">
               <a:spcBef>
                 <a:spcPts val="0"/>
               </a:spcBef>
@@ -8427,44 +8854,7 @@
               <a:buChar char="➔"/>
             </a:pPr>
             <a:r>
-              <a:rPr lang="en" sz="1200">
-                <a:solidFill>
-                  <a:srgbClr val="666666"/>
-                </a:solidFill>
-                <a:latin typeface="Karla"/>
-                <a:ea typeface="Karla"/>
-                <a:cs typeface="Karla"/>
-                <a:sym typeface="Karla"/>
-              </a:rPr>
-              <a:t>Yassir IDHIBI</a:t>
-            </a:r>
-            <a:endParaRPr sz="1200">
-              <a:solidFill>
-                <a:srgbClr val="666666"/>
-              </a:solidFill>
-              <a:latin typeface="Karla"/>
-              <a:ea typeface="Karla"/>
-              <a:cs typeface="Karla"/>
-              <a:sym typeface="Karla"/>
-            </a:endParaRPr>
-          </a:p>
-          <a:p>
-            <a:pPr indent="-304800" lvl="0" marL="457200" rtl="0" algn="l">
-              <a:spcBef>
-                <a:spcPts val="0"/>
-              </a:spcBef>
-              <a:spcAft>
-                <a:spcPts val="0"/>
-              </a:spcAft>
-              <a:buClr>
-                <a:srgbClr val="666666"/>
-              </a:buClr>
-              <a:buSzPts val="1200"/>
-              <a:buFont typeface="Karla"/>
-              <a:buChar char="➔"/>
-            </a:pPr>
-            <a:r>
-              <a:rPr lang="en" sz="1200">
+              <a:rPr lang="en" sz="1200" dirty="0">
                 <a:solidFill>
                   <a:srgbClr val="666666"/>
                 </a:solidFill>
@@ -8475,7 +8865,7 @@
               </a:rPr>
               <a:t>Gabriel  BENEVIDES</a:t>
             </a:r>
-            <a:endParaRPr sz="1200">
+            <a:endParaRPr sz="1200" dirty="0">
               <a:solidFill>
                 <a:srgbClr val="666666"/>
               </a:solidFill>
@@ -8486,7 +8876,7 @@
             </a:endParaRPr>
           </a:p>
           <a:p>
-            <a:pPr indent="-304800" lvl="0" marL="457200" rtl="0" algn="l">
+            <a:pPr marL="457200" lvl="0" indent="-304800" algn="l" rtl="0">
               <a:spcBef>
                 <a:spcPts val="0"/>
               </a:spcBef>
@@ -8501,7 +8891,7 @@
               <a:buChar char="➔"/>
             </a:pPr>
             <a:r>
-              <a:rPr lang="en" sz="1200">
+              <a:rPr lang="en" sz="1200" dirty="0">
                 <a:solidFill>
                   <a:srgbClr val="666666"/>
                 </a:solidFill>
@@ -8512,7 +8902,7 @@
               </a:rPr>
               <a:t>Tianyi CHEN</a:t>
             </a:r>
-            <a:endParaRPr sz="1200">
+            <a:endParaRPr sz="1200" dirty="0">
               <a:solidFill>
                 <a:srgbClr val="666666"/>
               </a:solidFill>
@@ -8523,7 +8913,7 @@
             </a:endParaRPr>
           </a:p>
           <a:p>
-            <a:pPr indent="0" lvl="0" marL="0" rtl="0" algn="l">
+            <a:pPr marL="0" lvl="0" indent="0" algn="l" rtl="0">
               <a:spcBef>
                 <a:spcPts val="600"/>
               </a:spcBef>
@@ -8537,10 +8927,7 @@
               <a:buFont typeface="Arial"/>
               <a:buNone/>
             </a:pPr>
-            <a:r>
-              <a:t/>
-            </a:r>
-            <a:endParaRPr sz="1100">
+            <a:endParaRPr sz="1100" dirty="0">
               <a:solidFill>
                 <a:srgbClr val="666666"/>
               </a:solidFill>
@@ -8551,7 +8938,7 @@
             </a:endParaRPr>
           </a:p>
           <a:p>
-            <a:pPr indent="0" lvl="0" marL="0" rtl="0" algn="l">
+            <a:pPr marL="0" lvl="0" indent="0" algn="l" rtl="0">
               <a:spcBef>
                 <a:spcPts val="600"/>
               </a:spcBef>
@@ -8565,10 +8952,7 @@
               <a:buFont typeface="Arial"/>
               <a:buNone/>
             </a:pPr>
-            <a:r>
-              <a:t/>
-            </a:r>
-            <a:endParaRPr sz="1100">
+            <a:endParaRPr sz="1100" dirty="0">
               <a:solidFill>
                 <a:srgbClr val="666666"/>
               </a:solidFill>
@@ -8579,7 +8963,7 @@
             </a:endParaRPr>
           </a:p>
           <a:p>
-            <a:pPr indent="0" lvl="0" marL="0" rtl="0" algn="l">
+            <a:pPr marL="0" lvl="0" indent="0" algn="l" rtl="0">
               <a:spcBef>
                 <a:spcPts val="600"/>
               </a:spcBef>
@@ -8593,10 +8977,7 @@
               <a:buFont typeface="Arial"/>
               <a:buNone/>
             </a:pPr>
-            <a:r>
-              <a:t/>
-            </a:r>
-            <a:endParaRPr sz="1100">
+            <a:endParaRPr sz="1100" dirty="0">
               <a:solidFill>
                 <a:srgbClr val="666666"/>
               </a:solidFill>
@@ -8607,7 +8988,7 @@
             </a:endParaRPr>
           </a:p>
           <a:p>
-            <a:pPr indent="0" lvl="0" marL="0" rtl="0" algn="l">
+            <a:pPr marL="0" lvl="0" indent="0" algn="l" rtl="0">
               <a:spcBef>
                 <a:spcPts val="600"/>
               </a:spcBef>
@@ -8616,10 +8997,7 @@
               </a:spcAft>
               <a:buNone/>
             </a:pPr>
-            <a:r>
-              <a:t/>
-            </a:r>
-            <a:endParaRPr sz="1100">
+            <a:endParaRPr sz="1100" dirty="0">
               <a:solidFill>
                 <a:srgbClr val="666666"/>
               </a:solidFill>
@@ -8640,11 +9018,11 @@
 </file>
 
 <file path=ppt/slides/slide10.xml><?xml version="1.0" encoding="utf-8"?>
-<p:sld xmlns:a="http://schemas.openxmlformats.org/drawingml/2006/main" xmlns:r="http://schemas.openxmlformats.org/officeDocument/2006/relationships" xmlns:mc="http://schemas.openxmlformats.org/markup-compatibility/2006" xmlns:mv="urn:schemas-microsoft-com:mac:vml" xmlns:p="http://schemas.openxmlformats.org/presentationml/2006/main" xmlns:c="http://schemas.openxmlformats.org/drawingml/2006/chart" xmlns:dgm="http://schemas.openxmlformats.org/drawingml/2006/diagram" xmlns:o="urn:schemas-microsoft-com:office:office" xmlns:v="urn:schemas-microsoft-com:vml" xmlns:pvml="urn:schemas-microsoft-com:office:powerpoint" xmlns:com="http://schemas.openxmlformats.org/drawingml/2006/compatibility" xmlns:p14="http://schemas.microsoft.com/office/powerpoint/2010/main" xmlns:p15="http://schemas.microsoft.com/office/powerpoint/2012/main">
+<p:sld xmlns:a="http://schemas.openxmlformats.org/drawingml/2006/main" xmlns:r="http://schemas.openxmlformats.org/officeDocument/2006/relationships" xmlns:p="http://schemas.openxmlformats.org/presentationml/2006/main">
   <p:cSld>
     <p:spTree>
       <p:nvGrpSpPr>
-        <p:cNvPr id="136" name="Shape 136"/>
+        <p:cNvPr id="1" name="Shape 136"/>
         <p:cNvGrpSpPr/>
         <p:nvPr/>
       </p:nvGrpSpPr>
@@ -8659,7 +9037,9 @@
       <p:sp>
         <p:nvSpPr>
           <p:cNvPr id="137" name="Google Shape;137;p23"/>
-          <p:cNvSpPr txBox="1"/>
+          <p:cNvSpPr txBox="1">
+            <a:spLocks noGrp="1"/>
+          </p:cNvSpPr>
           <p:nvPr>
             <p:ph type="title"/>
           </p:nvPr>
@@ -8674,12 +9054,12 @@
           </a:prstGeom>
         </p:spPr>
         <p:txBody>
-          <a:bodyPr anchorCtr="0" anchor="b" bIns="91425" lIns="91425" spcFirstLastPara="1" rIns="91425" wrap="square" tIns="91425">
+          <a:bodyPr spcFirstLastPara="1" wrap="square" lIns="91425" tIns="91425" rIns="91425" bIns="91425" anchor="b" anchorCtr="0">
             <a:noAutofit/>
           </a:bodyPr>
           <a:lstStyle/>
           <a:p>
-            <a:pPr indent="0" lvl="0" marL="0" rtl="0" algn="l">
+            <a:pPr marL="0" lvl="0" indent="0" algn="l" rtl="0">
               <a:spcBef>
                 <a:spcPts val="0"/>
               </a:spcBef>
@@ -8699,9 +9079,11 @@
       <p:sp>
         <p:nvSpPr>
           <p:cNvPr id="138" name="Google Shape;138;p23"/>
-          <p:cNvSpPr txBox="1"/>
+          <p:cNvSpPr txBox="1">
+            <a:spLocks noGrp="1"/>
+          </p:cNvSpPr>
           <p:nvPr>
-            <p:ph idx="1" type="body"/>
+            <p:ph type="body" idx="1"/>
           </p:nvPr>
         </p:nvSpPr>
         <p:spPr>
@@ -8714,12 +9096,12 @@
           </a:prstGeom>
         </p:spPr>
         <p:txBody>
-          <a:bodyPr anchorCtr="0" anchor="t" bIns="91425" lIns="91425" spcFirstLastPara="1" rIns="91425" wrap="square" tIns="91425">
+          <a:bodyPr spcFirstLastPara="1" wrap="square" lIns="91425" tIns="91425" rIns="91425" bIns="91425" anchor="t" anchorCtr="0">
             <a:noAutofit/>
           </a:bodyPr>
           <a:lstStyle/>
           <a:p>
-            <a:pPr indent="-342900" lvl="0" marL="457200" rtl="0" algn="l">
+            <a:pPr marL="457200" lvl="0" indent="-342900" algn="l" rtl="0">
               <a:spcBef>
                 <a:spcPts val="600"/>
               </a:spcBef>
@@ -8731,16 +9113,12 @@
             </a:pPr>
             <a:r>
               <a:rPr lang="en" sz="1800"/>
-              <a:t>O</a:t>
-            </a:r>
-            <a:r>
-              <a:rPr lang="en" sz="1800"/>
-              <a:t>ption to select/unselect one of the BRIC countries or to compare different combinations at the same time.</a:t>
+              <a:t>Option to select/unselect one of the BRIC countries or to compare different combinations at the same time.</a:t>
             </a:r>
             <a:endParaRPr sz="1800"/>
           </a:p>
           <a:p>
-            <a:pPr indent="-342900" lvl="0" marL="457200" rtl="0" algn="l">
+            <a:pPr marL="457200" lvl="0" indent="-342900" algn="l" rtl="0">
               <a:spcBef>
                 <a:spcPts val="0"/>
               </a:spcBef>
@@ -8755,7 +9133,7 @@
               <a:t>GDP growth (dashed line) and Gini evolution (solid line) for the period </a:t>
             </a:r>
             <a:r>
-              <a:rPr b="1" lang="en" sz="1800"/>
+              <a:rPr lang="en" sz="1800" b="1"/>
               <a:t>2000-2015</a:t>
             </a:r>
             <a:r>
@@ -8765,7 +9143,7 @@
             <a:endParaRPr sz="1800"/>
           </a:p>
           <a:p>
-            <a:pPr indent="-342900" lvl="0" marL="457200" rtl="0" algn="l">
+            <a:pPr marL="457200" lvl="0" indent="-342900" algn="l" rtl="0">
               <a:spcBef>
                 <a:spcPts val="0"/>
               </a:spcBef>
@@ -8782,7 +9160,7 @@
             <a:endParaRPr sz="1800"/>
           </a:p>
           <a:p>
-            <a:pPr indent="-342900" lvl="0" marL="457200" rtl="0" algn="l">
+            <a:pPr marL="457200" lvl="0" indent="-342900" algn="l" rtl="0">
               <a:spcBef>
                 <a:spcPts val="0"/>
               </a:spcBef>
@@ -8803,9 +9181,11 @@
       <p:sp>
         <p:nvSpPr>
           <p:cNvPr id="139" name="Google Shape;139;p23"/>
-          <p:cNvSpPr txBox="1"/>
+          <p:cNvSpPr txBox="1">
+            <a:spLocks noGrp="1"/>
+          </p:cNvSpPr>
           <p:nvPr>
-            <p:ph idx="12" type="sldNum"/>
+            <p:ph type="sldNum" idx="12"/>
           </p:nvPr>
         </p:nvSpPr>
         <p:spPr>
@@ -8818,12 +9198,12 @@
           </a:prstGeom>
         </p:spPr>
         <p:txBody>
-          <a:bodyPr anchorCtr="0" anchor="t" bIns="91425" lIns="91425" spcFirstLastPara="1" rIns="91425" wrap="square" tIns="91425">
+          <a:bodyPr spcFirstLastPara="1" wrap="square" lIns="91425" tIns="91425" rIns="91425" bIns="91425" anchor="t" anchorCtr="0">
             <a:noAutofit/>
           </a:bodyPr>
           <a:lstStyle/>
           <a:p>
-            <a:pPr indent="0" lvl="0" marL="0" rtl="0" algn="r">
+            <a:pPr marL="0" lvl="0" indent="0" algn="r" rtl="0">
               <a:spcBef>
                 <a:spcPts val="0"/>
               </a:spcBef>
@@ -8834,7 +9214,7 @@
             </a:pPr>
             <a:fld id="{00000000-1234-1234-1234-123412341234}" type="slidenum">
               <a:rPr lang="en"/>
-              <a:t>‹#›</a:t>
+              <a:t>10</a:t>
             </a:fld>
             <a:endParaRPr/>
           </a:p>
@@ -8849,11 +9229,11 @@
 </file>
 
 <file path=ppt/slides/slide11.xml><?xml version="1.0" encoding="utf-8"?>
-<p:sld xmlns:a="http://schemas.openxmlformats.org/drawingml/2006/main" xmlns:r="http://schemas.openxmlformats.org/officeDocument/2006/relationships" xmlns:mc="http://schemas.openxmlformats.org/markup-compatibility/2006" xmlns:mv="urn:schemas-microsoft-com:mac:vml" xmlns:p="http://schemas.openxmlformats.org/presentationml/2006/main" xmlns:c="http://schemas.openxmlformats.org/drawingml/2006/chart" xmlns:dgm="http://schemas.openxmlformats.org/drawingml/2006/diagram" xmlns:o="urn:schemas-microsoft-com:office:office" xmlns:v="urn:schemas-microsoft-com:vml" xmlns:pvml="urn:schemas-microsoft-com:office:powerpoint" xmlns:com="http://schemas.openxmlformats.org/drawingml/2006/compatibility" xmlns:p14="http://schemas.microsoft.com/office/powerpoint/2010/main" xmlns:p15="http://schemas.microsoft.com/office/powerpoint/2012/main">
+<p:sld xmlns:a="http://schemas.openxmlformats.org/drawingml/2006/main" xmlns:r="http://schemas.openxmlformats.org/officeDocument/2006/relationships" xmlns:p="http://schemas.openxmlformats.org/presentationml/2006/main">
   <p:cSld>
     <p:spTree>
       <p:nvGrpSpPr>
-        <p:cNvPr id="143" name="Shape 143"/>
+        <p:cNvPr id="1" name="Shape 143"/>
         <p:cNvGrpSpPr/>
         <p:nvPr/>
       </p:nvGrpSpPr>
@@ -8868,9 +9248,11 @@
       <p:sp>
         <p:nvSpPr>
           <p:cNvPr id="144" name="Google Shape;144;p24"/>
-          <p:cNvSpPr txBox="1"/>
+          <p:cNvSpPr txBox="1">
+            <a:spLocks noGrp="1"/>
+          </p:cNvSpPr>
           <p:nvPr>
-            <p:ph idx="12" type="sldNum"/>
+            <p:ph type="sldNum" idx="12"/>
           </p:nvPr>
         </p:nvSpPr>
         <p:spPr>
@@ -8883,12 +9265,12 @@
           </a:prstGeom>
         </p:spPr>
         <p:txBody>
-          <a:bodyPr anchorCtr="0" anchor="t" bIns="91425" lIns="91425" spcFirstLastPara="1" rIns="91425" wrap="square" tIns="91425">
+          <a:bodyPr spcFirstLastPara="1" wrap="square" lIns="91425" tIns="91425" rIns="91425" bIns="91425" anchor="t" anchorCtr="0">
             <a:noAutofit/>
           </a:bodyPr>
           <a:lstStyle/>
           <a:p>
-            <a:pPr indent="0" lvl="0" marL="0" rtl="0" algn="r">
+            <a:pPr marL="0" lvl="0" indent="0" algn="r" rtl="0">
               <a:spcBef>
                 <a:spcPts val="0"/>
               </a:spcBef>
@@ -8899,7 +9281,7 @@
             </a:pPr>
             <a:fld id="{00000000-1234-1234-1234-123412341234}" type="slidenum">
               <a:rPr lang="en"/>
-              <a:t>‹#›</a:t>
+              <a:t>11</a:t>
             </a:fld>
             <a:endParaRPr/>
           </a:p>
@@ -8942,11 +9324,11 @@
 </file>
 
 <file path=ppt/slides/slide12.xml><?xml version="1.0" encoding="utf-8"?>
-<p:sld xmlns:a="http://schemas.openxmlformats.org/drawingml/2006/main" xmlns:r="http://schemas.openxmlformats.org/officeDocument/2006/relationships" xmlns:mc="http://schemas.openxmlformats.org/markup-compatibility/2006" xmlns:mv="urn:schemas-microsoft-com:mac:vml" xmlns:p="http://schemas.openxmlformats.org/presentationml/2006/main" xmlns:c="http://schemas.openxmlformats.org/drawingml/2006/chart" xmlns:dgm="http://schemas.openxmlformats.org/drawingml/2006/diagram" xmlns:o="urn:schemas-microsoft-com:office:office" xmlns:v="urn:schemas-microsoft-com:vml" xmlns:pvml="urn:schemas-microsoft-com:office:powerpoint" xmlns:com="http://schemas.openxmlformats.org/drawingml/2006/compatibility" xmlns:p14="http://schemas.microsoft.com/office/powerpoint/2010/main" xmlns:p15="http://schemas.microsoft.com/office/powerpoint/2012/main">
+<p:sld xmlns:a="http://schemas.openxmlformats.org/drawingml/2006/main" xmlns:r="http://schemas.openxmlformats.org/officeDocument/2006/relationships" xmlns:p="http://schemas.openxmlformats.org/presentationml/2006/main">
   <p:cSld>
     <p:spTree>
       <p:nvGrpSpPr>
-        <p:cNvPr id="149" name="Shape 149"/>
+        <p:cNvPr id="1" name="Shape 149"/>
         <p:cNvGrpSpPr/>
         <p:nvPr/>
       </p:nvGrpSpPr>
@@ -8961,7 +9343,9 @@
       <p:sp>
         <p:nvSpPr>
           <p:cNvPr id="150" name="Google Shape;150;p25"/>
-          <p:cNvSpPr txBox="1"/>
+          <p:cNvSpPr txBox="1">
+            <a:spLocks noGrp="1"/>
+          </p:cNvSpPr>
           <p:nvPr>
             <p:ph type="title"/>
           </p:nvPr>
@@ -8976,12 +9360,12 @@
           </a:prstGeom>
         </p:spPr>
         <p:txBody>
-          <a:bodyPr anchorCtr="0" anchor="b" bIns="91425" lIns="91425" spcFirstLastPara="1" rIns="91425" wrap="square" tIns="91425">
+          <a:bodyPr spcFirstLastPara="1" wrap="square" lIns="91425" tIns="91425" rIns="91425" bIns="91425" anchor="b" anchorCtr="0">
             <a:noAutofit/>
           </a:bodyPr>
           <a:lstStyle/>
           <a:p>
-            <a:pPr indent="0" lvl="0" marL="0" rtl="0" algn="l">
+            <a:pPr marL="0" lvl="0" indent="0" algn="l" rtl="0">
               <a:spcBef>
                 <a:spcPts val="0"/>
               </a:spcBef>
@@ -9001,9 +9385,11 @@
       <p:sp>
         <p:nvSpPr>
           <p:cNvPr id="151" name="Google Shape;151;p25"/>
-          <p:cNvSpPr txBox="1"/>
+          <p:cNvSpPr txBox="1">
+            <a:spLocks noGrp="1"/>
+          </p:cNvSpPr>
           <p:nvPr>
-            <p:ph idx="1" type="body"/>
+            <p:ph type="body" idx="1"/>
           </p:nvPr>
         </p:nvSpPr>
         <p:spPr>
@@ -9016,12 +9402,12 @@
           </a:prstGeom>
         </p:spPr>
         <p:txBody>
-          <a:bodyPr anchorCtr="0" anchor="t" bIns="91425" lIns="91425" spcFirstLastPara="1" rIns="91425" wrap="square" tIns="91425">
+          <a:bodyPr spcFirstLastPara="1" wrap="square" lIns="91425" tIns="91425" rIns="91425" bIns="91425" anchor="t" anchorCtr="0">
             <a:noAutofit/>
           </a:bodyPr>
           <a:lstStyle/>
           <a:p>
-            <a:pPr indent="-342900" lvl="0" marL="457200" rtl="0" algn="l">
+            <a:pPr marL="457200" lvl="0" indent="-342900" algn="l" rtl="0">
               <a:spcBef>
                 <a:spcPts val="600"/>
               </a:spcBef>
@@ -9033,24 +9419,12 @@
             </a:pPr>
             <a:r>
               <a:rPr lang="en" sz="1800"/>
-              <a:t>Initial objective to </a:t>
-            </a:r>
-            <a:r>
-              <a:rPr lang="en" sz="1800"/>
-              <a:t>Visualize in the same context annual GDP growth (originally not-available) and GINI index change. (</a:t>
-            </a:r>
-            <a:r>
-              <a:rPr lang="en" sz="1800"/>
-              <a:t>originally</a:t>
-            </a:r>
-            <a:r>
-              <a:rPr lang="en" sz="1800"/>
-              <a:t> available). </a:t>
+              <a:t>Initial objective to Visualize in the same context annual GDP growth (originally not-available) and GINI index change. (originally available). </a:t>
             </a:r>
             <a:endParaRPr sz="1800"/>
           </a:p>
           <a:p>
-            <a:pPr indent="-342900" lvl="0" marL="457200" rtl="0" algn="l">
+            <a:pPr marL="457200" lvl="0" indent="-342900" algn="l" rtl="0">
               <a:spcBef>
                 <a:spcPts val="0"/>
               </a:spcBef>
@@ -9067,7 +9441,7 @@
             <a:endParaRPr sz="1800"/>
           </a:p>
           <a:p>
-            <a:pPr indent="-342900" lvl="0" marL="457200" rtl="0" algn="l">
+            <a:pPr marL="457200" lvl="0" indent="-342900" algn="l" rtl="0">
               <a:spcBef>
                 <a:spcPts val="0"/>
               </a:spcBef>
@@ -9093,7 +9467,7 @@
             <a:endParaRPr sz="1800"/>
           </a:p>
           <a:p>
-            <a:pPr indent="-342900" lvl="0" marL="457200" rtl="0" algn="l">
+            <a:pPr marL="457200" lvl="0" indent="-342900" algn="l" rtl="0">
               <a:spcBef>
                 <a:spcPts val="0"/>
               </a:spcBef>
@@ -9114,9 +9488,11 @@
       <p:sp>
         <p:nvSpPr>
           <p:cNvPr id="152" name="Google Shape;152;p25"/>
-          <p:cNvSpPr txBox="1"/>
+          <p:cNvSpPr txBox="1">
+            <a:spLocks noGrp="1"/>
+          </p:cNvSpPr>
           <p:nvPr>
-            <p:ph idx="12" type="sldNum"/>
+            <p:ph type="sldNum" idx="12"/>
           </p:nvPr>
         </p:nvSpPr>
         <p:spPr>
@@ -9129,12 +9505,12 @@
           </a:prstGeom>
         </p:spPr>
         <p:txBody>
-          <a:bodyPr anchorCtr="0" anchor="t" bIns="91425" lIns="91425" spcFirstLastPara="1" rIns="91425" wrap="square" tIns="91425">
+          <a:bodyPr spcFirstLastPara="1" wrap="square" lIns="91425" tIns="91425" rIns="91425" bIns="91425" anchor="t" anchorCtr="0">
             <a:noAutofit/>
           </a:bodyPr>
           <a:lstStyle/>
           <a:p>
-            <a:pPr indent="0" lvl="0" marL="0" rtl="0" algn="r">
+            <a:pPr marL="0" lvl="0" indent="0" algn="r" rtl="0">
               <a:spcBef>
                 <a:spcPts val="0"/>
               </a:spcBef>
@@ -9145,7 +9521,7 @@
             </a:pPr>
             <a:fld id="{00000000-1234-1234-1234-123412341234}" type="slidenum">
               <a:rPr lang="en"/>
-              <a:t>‹#›</a:t>
+              <a:t>12</a:t>
             </a:fld>
             <a:endParaRPr/>
           </a:p>
@@ -9188,11 +9564,11 @@
 </file>
 
 <file path=ppt/slides/slide13.xml><?xml version="1.0" encoding="utf-8"?>
-<p:sld xmlns:a="http://schemas.openxmlformats.org/drawingml/2006/main" xmlns:r="http://schemas.openxmlformats.org/officeDocument/2006/relationships" xmlns:mc="http://schemas.openxmlformats.org/markup-compatibility/2006" xmlns:mv="urn:schemas-microsoft-com:mac:vml" xmlns:p="http://schemas.openxmlformats.org/presentationml/2006/main" xmlns:c="http://schemas.openxmlformats.org/drawingml/2006/chart" xmlns:dgm="http://schemas.openxmlformats.org/drawingml/2006/diagram" xmlns:o="urn:schemas-microsoft-com:office:office" xmlns:v="urn:schemas-microsoft-com:vml" xmlns:pvml="urn:schemas-microsoft-com:office:powerpoint" xmlns:com="http://schemas.openxmlformats.org/drawingml/2006/compatibility" xmlns:p14="http://schemas.microsoft.com/office/powerpoint/2010/main" xmlns:p15="http://schemas.microsoft.com/office/powerpoint/2012/main">
+<p:sld xmlns:a="http://schemas.openxmlformats.org/drawingml/2006/main" xmlns:r="http://schemas.openxmlformats.org/officeDocument/2006/relationships" xmlns:p="http://schemas.openxmlformats.org/presentationml/2006/main">
   <p:cSld>
     <p:spTree>
       <p:nvGrpSpPr>
-        <p:cNvPr id="157" name="Shape 157"/>
+        <p:cNvPr id="1" name="Shape 157"/>
         <p:cNvGrpSpPr/>
         <p:nvPr/>
       </p:nvGrpSpPr>
@@ -9207,7 +9583,9 @@
       <p:sp>
         <p:nvSpPr>
           <p:cNvPr id="158" name="Google Shape;158;p26"/>
-          <p:cNvSpPr txBox="1"/>
+          <p:cNvSpPr txBox="1">
+            <a:spLocks noGrp="1"/>
+          </p:cNvSpPr>
           <p:nvPr>
             <p:ph type="title"/>
           </p:nvPr>
@@ -9222,12 +9600,12 @@
           </a:prstGeom>
         </p:spPr>
         <p:txBody>
-          <a:bodyPr anchorCtr="0" anchor="b" bIns="91425" lIns="91425" spcFirstLastPara="1" rIns="91425" wrap="square" tIns="91425">
+          <a:bodyPr spcFirstLastPara="1" wrap="square" lIns="91425" tIns="91425" rIns="91425" bIns="91425" anchor="b" anchorCtr="0">
             <a:noAutofit/>
           </a:bodyPr>
           <a:lstStyle/>
           <a:p>
-            <a:pPr indent="0" lvl="0" marL="0" rtl="0" algn="l">
+            <a:pPr marL="0" lvl="0" indent="0" algn="l" rtl="0">
               <a:spcBef>
                 <a:spcPts val="0"/>
               </a:spcBef>
@@ -9247,9 +9625,11 @@
       <p:sp>
         <p:nvSpPr>
           <p:cNvPr id="159" name="Google Shape;159;p26"/>
-          <p:cNvSpPr txBox="1"/>
+          <p:cNvSpPr txBox="1">
+            <a:spLocks noGrp="1"/>
+          </p:cNvSpPr>
           <p:nvPr>
-            <p:ph idx="1" type="body"/>
+            <p:ph type="body" idx="1"/>
           </p:nvPr>
         </p:nvSpPr>
         <p:spPr>
@@ -9262,12 +9642,12 @@
           </a:prstGeom>
         </p:spPr>
         <p:txBody>
-          <a:bodyPr anchorCtr="0" anchor="t" bIns="91425" lIns="91425" spcFirstLastPara="1" rIns="91425" wrap="square" tIns="91425">
+          <a:bodyPr spcFirstLastPara="1" wrap="square" lIns="91425" tIns="91425" rIns="91425" bIns="91425" anchor="t" anchorCtr="0">
             <a:noAutofit/>
           </a:bodyPr>
           <a:lstStyle/>
           <a:p>
-            <a:pPr indent="0" lvl="0" marL="0" rtl="0" algn="l">
+            <a:pPr marL="0" lvl="0" indent="0" algn="l" rtl="0">
               <a:spcBef>
                 <a:spcPts val="600"/>
               </a:spcBef>
@@ -9276,9 +9656,6 @@
               </a:spcAft>
               <a:buNone/>
             </a:pPr>
-            <a:r>
-              <a:t/>
-            </a:r>
             <a:endParaRPr/>
           </a:p>
         </p:txBody>
@@ -9286,9 +9663,11 @@
       <p:sp>
         <p:nvSpPr>
           <p:cNvPr id="160" name="Google Shape;160;p26"/>
-          <p:cNvSpPr txBox="1"/>
+          <p:cNvSpPr txBox="1">
+            <a:spLocks noGrp="1"/>
+          </p:cNvSpPr>
           <p:nvPr>
-            <p:ph idx="12" type="sldNum"/>
+            <p:ph type="sldNum" idx="12"/>
           </p:nvPr>
         </p:nvSpPr>
         <p:spPr>
@@ -9301,12 +9680,12 @@
           </a:prstGeom>
         </p:spPr>
         <p:txBody>
-          <a:bodyPr anchorCtr="0" anchor="t" bIns="91425" lIns="91425" spcFirstLastPara="1" rIns="91425" wrap="square" tIns="91425">
+          <a:bodyPr spcFirstLastPara="1" wrap="square" lIns="91425" tIns="91425" rIns="91425" bIns="91425" anchor="t" anchorCtr="0">
             <a:noAutofit/>
           </a:bodyPr>
           <a:lstStyle/>
           <a:p>
-            <a:pPr indent="0" lvl="0" marL="0" rtl="0" algn="r">
+            <a:pPr marL="0" lvl="0" indent="0" algn="r" rtl="0">
               <a:spcBef>
                 <a:spcPts val="0"/>
               </a:spcBef>
@@ -9317,7 +9696,7 @@
             </a:pPr>
             <a:fld id="{00000000-1234-1234-1234-123412341234}" type="slidenum">
               <a:rPr lang="en"/>
-              <a:t>‹#›</a:t>
+              <a:t>13</a:t>
             </a:fld>
             <a:endParaRPr/>
           </a:p>
@@ -9360,18 +9739,19 @@
 </file>
 
 <file path=ppt/slides/slide14.xml><?xml version="1.0" encoding="utf-8"?>
-<p:sld xmlns:a="http://schemas.openxmlformats.org/drawingml/2006/main" xmlns:r="http://schemas.openxmlformats.org/officeDocument/2006/relationships" xmlns:mc="http://schemas.openxmlformats.org/markup-compatibility/2006" xmlns:mv="urn:schemas-microsoft-com:mac:vml" xmlns:p="http://schemas.openxmlformats.org/presentationml/2006/main" xmlns:c="http://schemas.openxmlformats.org/drawingml/2006/chart" xmlns:dgm="http://schemas.openxmlformats.org/drawingml/2006/diagram" xmlns:o="urn:schemas-microsoft-com:office:office" xmlns:v="urn:schemas-microsoft-com:vml" xmlns:pvml="urn:schemas-microsoft-com:office:powerpoint" xmlns:com="http://schemas.openxmlformats.org/drawingml/2006/compatibility" xmlns:p14="http://schemas.microsoft.com/office/powerpoint/2010/main" xmlns:p15="http://schemas.microsoft.com/office/powerpoint/2012/main">
+<p:sld xmlns:a="http://schemas.openxmlformats.org/drawingml/2006/main" xmlns:r="http://schemas.openxmlformats.org/officeDocument/2006/relationships" xmlns:p="http://schemas.openxmlformats.org/presentationml/2006/main">
   <p:cSld>
     <p:bg>
       <p:bgPr>
         <a:solidFill>
           <a:srgbClr val="673AB7"/>
         </a:solidFill>
+        <a:effectLst/>
       </p:bgPr>
     </p:bg>
     <p:spTree>
       <p:nvGrpSpPr>
-        <p:cNvPr id="165" name="Shape 165"/>
+        <p:cNvPr id="1" name="Shape 165"/>
         <p:cNvGrpSpPr/>
         <p:nvPr/>
       </p:nvGrpSpPr>
@@ -9386,7 +9766,9 @@
       <p:sp>
         <p:nvSpPr>
           <p:cNvPr id="166" name="Google Shape;166;p27"/>
-          <p:cNvSpPr txBox="1"/>
+          <p:cNvSpPr txBox="1">
+            <a:spLocks noGrp="1"/>
+          </p:cNvSpPr>
           <p:nvPr>
             <p:ph type="title"/>
           </p:nvPr>
@@ -9401,24 +9783,21 @@
           </a:prstGeom>
         </p:spPr>
         <p:txBody>
-          <a:bodyPr anchorCtr="0" anchor="b" bIns="91425" lIns="91425" spcFirstLastPara="1" rIns="91425" wrap="square" tIns="91425">
+          <a:bodyPr spcFirstLastPara="1" wrap="square" lIns="91425" tIns="91425" rIns="91425" bIns="91425" anchor="b" anchorCtr="0">
             <a:noAutofit/>
           </a:bodyPr>
           <a:lstStyle/>
           <a:p>
-            <a:pPr indent="0" lvl="0" marL="0" rtl="0" algn="l">
-              <a:spcBef>
-                <a:spcPts val="0"/>
-              </a:spcBef>
-              <a:spcAft>
-                <a:spcPts val="0"/>
-              </a:spcAft>
-              <a:buNone/>
-            </a:pPr>
-            <a:r>
-              <a:t/>
-            </a:r>
-            <a:endParaRPr b="0" sz="2000">
+            <a:pPr marL="0" lvl="0" indent="0" algn="l" rtl="0">
+              <a:spcBef>
+                <a:spcPts val="0"/>
+              </a:spcBef>
+              <a:spcAft>
+                <a:spcPts val="0"/>
+              </a:spcAft>
+              <a:buNone/>
+            </a:pPr>
+            <a:endParaRPr sz="2000" b="0">
               <a:solidFill>
                 <a:schemeClr val="dk1"/>
               </a:solidFill>
@@ -9429,7 +9808,7 @@
             </a:endParaRPr>
           </a:p>
           <a:p>
-            <a:pPr indent="0" lvl="0" marL="0" rtl="0" algn="l">
+            <a:pPr marL="0" lvl="0" indent="0" algn="l" rtl="0">
               <a:spcBef>
                 <a:spcPts val="0"/>
               </a:spcBef>
@@ -9445,7 +9824,7 @@
             <a:endParaRPr/>
           </a:p>
           <a:p>
-            <a:pPr indent="0" lvl="0" marL="0" rtl="0" algn="l">
+            <a:pPr marL="0" lvl="0" indent="0" algn="l" rtl="0">
               <a:spcBef>
                 <a:spcPts val="0"/>
               </a:spcBef>
@@ -9469,9 +9848,11 @@
       <p:sp>
         <p:nvSpPr>
           <p:cNvPr id="167" name="Google Shape;167;p27"/>
-          <p:cNvSpPr txBox="1"/>
+          <p:cNvSpPr txBox="1">
+            <a:spLocks noGrp="1"/>
+          </p:cNvSpPr>
           <p:nvPr>
-            <p:ph idx="12" type="sldNum"/>
+            <p:ph type="sldNum" idx="12"/>
           </p:nvPr>
         </p:nvSpPr>
         <p:spPr>
@@ -9484,12 +9865,12 @@
           </a:prstGeom>
         </p:spPr>
         <p:txBody>
-          <a:bodyPr anchorCtr="0" anchor="t" bIns="91425" lIns="91425" spcFirstLastPara="1" rIns="91425" wrap="square" tIns="91425">
+          <a:bodyPr spcFirstLastPara="1" wrap="square" lIns="91425" tIns="91425" rIns="91425" bIns="91425" anchor="t" anchorCtr="0">
             <a:noAutofit/>
           </a:bodyPr>
           <a:lstStyle/>
           <a:p>
-            <a:pPr indent="0" lvl="0" marL="0" rtl="0" algn="r">
+            <a:pPr marL="0" lvl="0" indent="0" algn="r" rtl="0">
               <a:spcBef>
                 <a:spcPts val="0"/>
               </a:spcBef>
@@ -9500,7 +9881,7 @@
             </a:pPr>
             <a:fld id="{00000000-1234-1234-1234-123412341234}" type="slidenum">
               <a:rPr lang="en"/>
-              <a:t>‹#›</a:t>
+              <a:t>14</a:t>
             </a:fld>
             <a:endParaRPr/>
           </a:p>
@@ -9509,9 +9890,11 @@
       <p:sp>
         <p:nvSpPr>
           <p:cNvPr id="168" name="Google Shape;168;p27"/>
-          <p:cNvSpPr txBox="1"/>
+          <p:cNvSpPr txBox="1">
+            <a:spLocks noGrp="1"/>
+          </p:cNvSpPr>
           <p:nvPr>
-            <p:ph idx="4294967295" type="body"/>
+            <p:ph type="body" idx="4294967295"/>
           </p:nvPr>
         </p:nvSpPr>
         <p:spPr>
@@ -9524,12 +9907,12 @@
           </a:prstGeom>
         </p:spPr>
         <p:txBody>
-          <a:bodyPr anchorCtr="0" anchor="t" bIns="91425" lIns="91425" spcFirstLastPara="1" rIns="91425" wrap="square" tIns="91425">
+          <a:bodyPr spcFirstLastPara="1" wrap="square" lIns="91425" tIns="91425" rIns="91425" bIns="91425" anchor="t" anchorCtr="0">
             <a:noAutofit/>
           </a:bodyPr>
           <a:lstStyle/>
           <a:p>
-            <a:pPr indent="-355600" lvl="0" marL="457200" marR="0" rtl="0" algn="l">
+            <a:pPr marL="457200" marR="0" lvl="0" indent="-355600" algn="l" rtl="0">
               <a:lnSpc>
                 <a:spcPct val="100000"/>
               </a:lnSpc>
@@ -9549,7 +9932,7 @@
             <a:endParaRPr/>
           </a:p>
           <a:p>
-            <a:pPr indent="-355600" lvl="0" marL="457200" marR="0" rtl="0" algn="l">
+            <a:pPr marL="457200" marR="0" lvl="0" indent="-355600" algn="l" rtl="0">
               <a:lnSpc>
                 <a:spcPct val="100000"/>
               </a:lnSpc>
@@ -9569,7 +9952,7 @@
             <a:endParaRPr/>
           </a:p>
           <a:p>
-            <a:pPr indent="-355600" lvl="0" marL="457200" marR="0" rtl="0" algn="l">
+            <a:pPr marL="457200" marR="0" lvl="0" indent="-355600" algn="l" rtl="0">
               <a:lnSpc>
                 <a:spcPct val="100000"/>
               </a:lnSpc>
@@ -9589,7 +9972,7 @@
             <a:endParaRPr/>
           </a:p>
           <a:p>
-            <a:pPr indent="-355600" lvl="0" marL="457200" marR="0" rtl="0" algn="l">
+            <a:pPr marL="457200" marR="0" lvl="0" indent="-355600" algn="l" rtl="0">
               <a:lnSpc>
                 <a:spcPct val="100000"/>
               </a:lnSpc>
@@ -9607,13 +9990,13 @@
               <a:t>The decrease of </a:t>
             </a:r>
             <a:r>
-              <a:rPr b="1" lang="en"/>
+              <a:rPr lang="en" b="1"/>
               <a:t>2008</a:t>
             </a:r>
             <a:endParaRPr b="1"/>
           </a:p>
           <a:p>
-            <a:pPr indent="-355600" lvl="0" marL="457200" marR="0" rtl="0" algn="l">
+            <a:pPr marL="457200" marR="0" lvl="0" indent="-355600" algn="l" rtl="0">
               <a:lnSpc>
                 <a:spcPct val="100000"/>
               </a:lnSpc>
@@ -9643,18 +10026,19 @@
 </file>
 
 <file path=ppt/slides/slide15.xml><?xml version="1.0" encoding="utf-8"?>
-<p:sld xmlns:a="http://schemas.openxmlformats.org/drawingml/2006/main" xmlns:r="http://schemas.openxmlformats.org/officeDocument/2006/relationships" xmlns:mc="http://schemas.openxmlformats.org/markup-compatibility/2006" xmlns:mv="urn:schemas-microsoft-com:mac:vml" xmlns:p="http://schemas.openxmlformats.org/presentationml/2006/main" xmlns:c="http://schemas.openxmlformats.org/drawingml/2006/chart" xmlns:dgm="http://schemas.openxmlformats.org/drawingml/2006/diagram" xmlns:o="urn:schemas-microsoft-com:office:office" xmlns:v="urn:schemas-microsoft-com:vml" xmlns:pvml="urn:schemas-microsoft-com:office:powerpoint" xmlns:com="http://schemas.openxmlformats.org/drawingml/2006/compatibility" xmlns:p14="http://schemas.microsoft.com/office/powerpoint/2010/main" xmlns:p15="http://schemas.microsoft.com/office/powerpoint/2012/main">
+<p:sld xmlns:a="http://schemas.openxmlformats.org/drawingml/2006/main" xmlns:r="http://schemas.openxmlformats.org/officeDocument/2006/relationships" xmlns:p="http://schemas.openxmlformats.org/presentationml/2006/main">
   <p:cSld>
     <p:bg>
       <p:bgPr>
         <a:solidFill>
           <a:srgbClr val="673AB7"/>
         </a:solidFill>
+        <a:effectLst/>
       </p:bgPr>
     </p:bg>
     <p:spTree>
       <p:nvGrpSpPr>
-        <p:cNvPr id="172" name="Shape 172"/>
+        <p:cNvPr id="1" name="Shape 172"/>
         <p:cNvGrpSpPr/>
         <p:nvPr/>
       </p:nvGrpSpPr>
@@ -9669,9 +10053,11 @@
       <p:sp>
         <p:nvSpPr>
           <p:cNvPr id="173" name="Google Shape;173;p28"/>
-          <p:cNvSpPr txBox="1"/>
+          <p:cNvSpPr txBox="1">
+            <a:spLocks noGrp="1"/>
+          </p:cNvSpPr>
           <p:nvPr>
-            <p:ph idx="12" type="sldNum"/>
+            <p:ph type="sldNum" idx="12"/>
           </p:nvPr>
         </p:nvSpPr>
         <p:spPr>
@@ -9684,12 +10070,12 @@
           </a:prstGeom>
         </p:spPr>
         <p:txBody>
-          <a:bodyPr anchorCtr="0" anchor="t" bIns="91425" lIns="91425" spcFirstLastPara="1" rIns="91425" wrap="square" tIns="91425">
+          <a:bodyPr spcFirstLastPara="1" wrap="square" lIns="91425" tIns="91425" rIns="91425" bIns="91425" anchor="t" anchorCtr="0">
             <a:noAutofit/>
           </a:bodyPr>
           <a:lstStyle/>
           <a:p>
-            <a:pPr indent="0" lvl="0" marL="0" rtl="0" algn="r">
+            <a:pPr marL="0" lvl="0" indent="0" algn="r" rtl="0">
               <a:spcBef>
                 <a:spcPts val="0"/>
               </a:spcBef>
@@ -9700,7 +10086,7 @@
             </a:pPr>
             <a:fld id="{00000000-1234-1234-1234-123412341234}" type="slidenum">
               <a:rPr lang="en"/>
-              <a:t>‹#›</a:t>
+              <a:t>15</a:t>
             </a:fld>
             <a:endParaRPr/>
           </a:p>
@@ -9743,18 +10129,19 @@
 </file>
 
 <file path=ppt/slides/slide16.xml><?xml version="1.0" encoding="utf-8"?>
-<p:sld xmlns:a="http://schemas.openxmlformats.org/drawingml/2006/main" xmlns:r="http://schemas.openxmlformats.org/officeDocument/2006/relationships" xmlns:mc="http://schemas.openxmlformats.org/markup-compatibility/2006" xmlns:mv="urn:schemas-microsoft-com:mac:vml" xmlns:p="http://schemas.openxmlformats.org/presentationml/2006/main" xmlns:c="http://schemas.openxmlformats.org/drawingml/2006/chart" xmlns:dgm="http://schemas.openxmlformats.org/drawingml/2006/diagram" xmlns:o="urn:schemas-microsoft-com:office:office" xmlns:v="urn:schemas-microsoft-com:vml" xmlns:pvml="urn:schemas-microsoft-com:office:powerpoint" xmlns:com="http://schemas.openxmlformats.org/drawingml/2006/compatibility" xmlns:p14="http://schemas.microsoft.com/office/powerpoint/2010/main" xmlns:p15="http://schemas.microsoft.com/office/powerpoint/2012/main">
+<p:sld xmlns:a="http://schemas.openxmlformats.org/drawingml/2006/main" xmlns:r="http://schemas.openxmlformats.org/officeDocument/2006/relationships" xmlns:p="http://schemas.openxmlformats.org/presentationml/2006/main">
   <p:cSld>
     <p:bg>
       <p:bgPr>
         <a:solidFill>
           <a:srgbClr val="FFEB3B"/>
         </a:solidFill>
+        <a:effectLst/>
       </p:bgPr>
     </p:bg>
     <p:spTree>
       <p:nvGrpSpPr>
-        <p:cNvPr id="178" name="Shape 178"/>
+        <p:cNvPr id="1" name="Shape 178"/>
         <p:cNvGrpSpPr/>
         <p:nvPr/>
       </p:nvGrpSpPr>
@@ -9769,9 +10156,11 @@
       <p:sp>
         <p:nvSpPr>
           <p:cNvPr id="179" name="Google Shape;179;p29"/>
-          <p:cNvSpPr txBox="1"/>
+          <p:cNvSpPr txBox="1">
+            <a:spLocks noGrp="1"/>
+          </p:cNvSpPr>
           <p:nvPr>
-            <p:ph idx="4294967295" type="ctrTitle"/>
+            <p:ph type="ctrTitle" idx="4294967295"/>
           </p:nvPr>
         </p:nvSpPr>
         <p:spPr>
@@ -9784,12 +10173,12 @@
           </a:prstGeom>
         </p:spPr>
         <p:txBody>
-          <a:bodyPr anchorCtr="0" anchor="b" bIns="91425" lIns="91425" spcFirstLastPara="1" rIns="91425" wrap="square" tIns="91425">
+          <a:bodyPr spcFirstLastPara="1" wrap="square" lIns="91425" tIns="91425" rIns="91425" bIns="91425" anchor="b" anchorCtr="0">
             <a:noAutofit/>
           </a:bodyPr>
           <a:lstStyle/>
           <a:p>
-            <a:pPr indent="0" lvl="0" marL="0" rtl="0" algn="l">
+            <a:pPr marL="0" lvl="0" indent="0" algn="l" rtl="0">
               <a:spcBef>
                 <a:spcPts val="0"/>
               </a:spcBef>
@@ -9817,9 +10206,11 @@
       <p:sp>
         <p:nvSpPr>
           <p:cNvPr id="180" name="Google Shape;180;p29"/>
-          <p:cNvSpPr txBox="1"/>
+          <p:cNvSpPr txBox="1">
+            <a:spLocks noGrp="1"/>
+          </p:cNvSpPr>
           <p:nvPr>
-            <p:ph idx="12" type="sldNum"/>
+            <p:ph type="sldNum" idx="12"/>
           </p:nvPr>
         </p:nvSpPr>
         <p:spPr>
@@ -9832,12 +10223,12 @@
           </a:prstGeom>
         </p:spPr>
         <p:txBody>
-          <a:bodyPr anchorCtr="0" anchor="t" bIns="91425" lIns="91425" spcFirstLastPara="1" rIns="91425" wrap="square" tIns="91425">
+          <a:bodyPr spcFirstLastPara="1" wrap="square" lIns="91425" tIns="91425" rIns="91425" bIns="91425" anchor="t" anchorCtr="0">
             <a:noAutofit/>
           </a:bodyPr>
           <a:lstStyle/>
           <a:p>
-            <a:pPr indent="0" lvl="0" marL="0" rtl="0" algn="r">
+            <a:pPr marL="0" lvl="0" indent="0" algn="r" rtl="0">
               <a:spcBef>
                 <a:spcPts val="0"/>
               </a:spcBef>
@@ -9848,7 +10239,7 @@
             </a:pPr>
             <a:fld id="{00000000-1234-1234-1234-123412341234}" type="slidenum">
               <a:rPr lang="en"/>
-              <a:t>‹#›</a:t>
+              <a:t>16</a:t>
             </a:fld>
             <a:endParaRPr/>
           </a:p>
@@ -9857,9 +10248,11 @@
       <p:sp>
         <p:nvSpPr>
           <p:cNvPr id="181" name="Google Shape;181;p29"/>
-          <p:cNvSpPr txBox="1"/>
+          <p:cNvSpPr txBox="1">
+            <a:spLocks noGrp="1"/>
+          </p:cNvSpPr>
           <p:nvPr>
-            <p:ph idx="4294967295" type="body"/>
+            <p:ph type="body" idx="4294967295"/>
           </p:nvPr>
         </p:nvSpPr>
         <p:spPr>
@@ -9872,12 +10265,12 @@
           </a:prstGeom>
         </p:spPr>
         <p:txBody>
-          <a:bodyPr anchorCtr="0" anchor="t" bIns="91425" lIns="91425" spcFirstLastPara="1" rIns="91425" wrap="square" tIns="91425">
+          <a:bodyPr spcFirstLastPara="1" wrap="square" lIns="91425" tIns="91425" rIns="91425" bIns="91425" anchor="t" anchorCtr="0">
             <a:noAutofit/>
           </a:bodyPr>
           <a:lstStyle/>
           <a:p>
-            <a:pPr indent="0" lvl="0" marL="0" rtl="0" algn="l">
+            <a:pPr marL="0" lvl="0" indent="0" algn="l" rtl="0">
               <a:spcBef>
                 <a:spcPts val="600"/>
               </a:spcBef>
@@ -9886,13 +10279,10 @@
               </a:spcAft>
               <a:buNone/>
             </a:pPr>
-            <a:r>
-              <a:t/>
-            </a:r>
             <a:endParaRPr/>
           </a:p>
           <a:p>
-            <a:pPr indent="-342900" lvl="0" marL="457200" rtl="0" algn="l">
+            <a:pPr marL="457200" lvl="0" indent="-342900" algn="l" rtl="0">
               <a:spcBef>
                 <a:spcPts val="600"/>
               </a:spcBef>
@@ -9909,7 +10299,7 @@
             <a:endParaRPr sz="1800"/>
           </a:p>
           <a:p>
-            <a:pPr indent="-342900" lvl="0" marL="457200" rtl="0" algn="l">
+            <a:pPr marL="457200" lvl="0" indent="-342900" algn="l" rtl="0">
               <a:spcBef>
                 <a:spcPts val="0"/>
               </a:spcBef>
@@ -9926,7 +10316,7 @@
             <a:endParaRPr sz="1800"/>
           </a:p>
           <a:p>
-            <a:pPr indent="0" lvl="0" marL="0" rtl="0" algn="l">
+            <a:pPr marL="0" lvl="0" indent="0" algn="l" rtl="0">
               <a:spcBef>
                 <a:spcPts val="600"/>
               </a:spcBef>
@@ -9935,9 +10325,6 @@
               </a:spcAft>
               <a:buNone/>
             </a:pPr>
-            <a:r>
-              <a:t/>
-            </a:r>
             <a:endParaRPr sz="2100">
               <a:solidFill>
                 <a:srgbClr val="222222"/>
@@ -9952,7 +10339,7 @@
             </a:endParaRPr>
           </a:p>
           <a:p>
-            <a:pPr indent="0" lvl="0" marL="0" rtl="0" algn="l">
+            <a:pPr marL="0" lvl="0" indent="0" algn="l" rtl="0">
               <a:spcBef>
                 <a:spcPts val="600"/>
               </a:spcBef>
@@ -9961,9 +10348,6 @@
               </a:spcAft>
               <a:buNone/>
             </a:pPr>
-            <a:r>
-              <a:t/>
-            </a:r>
             <a:endParaRPr/>
           </a:p>
         </p:txBody>
@@ -9977,18 +10361,19 @@
 </file>
 
 <file path=ppt/slides/slide17.xml><?xml version="1.0" encoding="utf-8"?>
-<p:sld xmlns:a="http://schemas.openxmlformats.org/drawingml/2006/main" xmlns:r="http://schemas.openxmlformats.org/officeDocument/2006/relationships" xmlns:mc="http://schemas.openxmlformats.org/markup-compatibility/2006" xmlns:mv="urn:schemas-microsoft-com:mac:vml" xmlns:p="http://schemas.openxmlformats.org/presentationml/2006/main" xmlns:c="http://schemas.openxmlformats.org/drawingml/2006/chart" xmlns:dgm="http://schemas.openxmlformats.org/drawingml/2006/diagram" xmlns:o="urn:schemas-microsoft-com:office:office" xmlns:v="urn:schemas-microsoft-com:vml" xmlns:pvml="urn:schemas-microsoft-com:office:powerpoint" xmlns:com="http://schemas.openxmlformats.org/drawingml/2006/compatibility" xmlns:p14="http://schemas.microsoft.com/office/powerpoint/2010/main" xmlns:p15="http://schemas.microsoft.com/office/powerpoint/2012/main">
+<p:sld xmlns:a="http://schemas.openxmlformats.org/drawingml/2006/main" xmlns:r="http://schemas.openxmlformats.org/officeDocument/2006/relationships" xmlns:p="http://schemas.openxmlformats.org/presentationml/2006/main">
   <p:cSld>
     <p:bg>
       <p:bgPr>
         <a:solidFill>
           <a:srgbClr val="FFEB3B"/>
         </a:solidFill>
+        <a:effectLst/>
       </p:bgPr>
     </p:bg>
     <p:spTree>
       <p:nvGrpSpPr>
-        <p:cNvPr id="185" name="Shape 185"/>
+        <p:cNvPr id="1" name="Shape 185"/>
         <p:cNvGrpSpPr/>
         <p:nvPr/>
       </p:nvGrpSpPr>
@@ -10003,9 +10388,11 @@
       <p:sp>
         <p:nvSpPr>
           <p:cNvPr id="186" name="Google Shape;186;p30"/>
-          <p:cNvSpPr txBox="1"/>
+          <p:cNvSpPr txBox="1">
+            <a:spLocks noGrp="1"/>
+          </p:cNvSpPr>
           <p:nvPr>
-            <p:ph idx="4294967295" type="ctrTitle"/>
+            <p:ph type="ctrTitle" idx="4294967295"/>
           </p:nvPr>
         </p:nvSpPr>
         <p:spPr>
@@ -10018,12 +10405,12 @@
           </a:prstGeom>
         </p:spPr>
         <p:txBody>
-          <a:bodyPr anchorCtr="0" anchor="b" bIns="91425" lIns="91425" spcFirstLastPara="1" rIns="91425" wrap="square" tIns="91425">
+          <a:bodyPr spcFirstLastPara="1" wrap="square" lIns="91425" tIns="91425" rIns="91425" bIns="91425" anchor="b" anchorCtr="0">
             <a:noAutofit/>
           </a:bodyPr>
           <a:lstStyle/>
           <a:p>
-            <a:pPr indent="0" lvl="0" marL="0" rtl="0" algn="l">
+            <a:pPr marL="0" lvl="0" indent="0" algn="l" rtl="0">
               <a:spcBef>
                 <a:spcPts val="0"/>
               </a:spcBef>
@@ -10051,9 +10438,11 @@
       <p:sp>
         <p:nvSpPr>
           <p:cNvPr id="187" name="Google Shape;187;p30"/>
-          <p:cNvSpPr txBox="1"/>
+          <p:cNvSpPr txBox="1">
+            <a:spLocks noGrp="1"/>
+          </p:cNvSpPr>
           <p:nvPr>
-            <p:ph idx="12" type="sldNum"/>
+            <p:ph type="sldNum" idx="12"/>
           </p:nvPr>
         </p:nvSpPr>
         <p:spPr>
@@ -10066,12 +10455,12 @@
           </a:prstGeom>
         </p:spPr>
         <p:txBody>
-          <a:bodyPr anchorCtr="0" anchor="t" bIns="91425" lIns="91425" spcFirstLastPara="1" rIns="91425" wrap="square" tIns="91425">
+          <a:bodyPr spcFirstLastPara="1" wrap="square" lIns="91425" tIns="91425" rIns="91425" bIns="91425" anchor="t" anchorCtr="0">
             <a:noAutofit/>
           </a:bodyPr>
           <a:lstStyle/>
           <a:p>
-            <a:pPr indent="0" lvl="0" marL="0" rtl="0" algn="r">
+            <a:pPr marL="0" lvl="0" indent="0" algn="r" rtl="0">
               <a:spcBef>
                 <a:spcPts val="0"/>
               </a:spcBef>
@@ -10082,7 +10471,7 @@
             </a:pPr>
             <a:fld id="{00000000-1234-1234-1234-123412341234}" type="slidenum">
               <a:rPr lang="en"/>
-              <a:t>‹#›</a:t>
+              <a:t>17</a:t>
             </a:fld>
             <a:endParaRPr/>
           </a:p>
@@ -10091,9 +10480,11 @@
       <p:sp>
         <p:nvSpPr>
           <p:cNvPr id="188" name="Google Shape;188;p30"/>
-          <p:cNvSpPr txBox="1"/>
+          <p:cNvSpPr txBox="1">
+            <a:spLocks noGrp="1"/>
+          </p:cNvSpPr>
           <p:nvPr>
-            <p:ph idx="4294967295" type="body"/>
+            <p:ph type="body" idx="4294967295"/>
           </p:nvPr>
         </p:nvSpPr>
         <p:spPr>
@@ -10106,12 +10497,12 @@
           </a:prstGeom>
         </p:spPr>
         <p:txBody>
-          <a:bodyPr anchorCtr="0" anchor="t" bIns="91425" lIns="91425" spcFirstLastPara="1" rIns="91425" wrap="square" tIns="91425">
+          <a:bodyPr spcFirstLastPara="1" wrap="square" lIns="91425" tIns="91425" rIns="91425" bIns="91425" anchor="t" anchorCtr="0">
             <a:noAutofit/>
           </a:bodyPr>
           <a:lstStyle/>
           <a:p>
-            <a:pPr indent="0" lvl="0" marL="0" rtl="0" algn="l">
+            <a:pPr marL="0" lvl="0" indent="0" algn="l" rtl="0">
               <a:spcBef>
                 <a:spcPts val="600"/>
               </a:spcBef>
@@ -10120,13 +10511,10 @@
               </a:spcAft>
               <a:buNone/>
             </a:pPr>
-            <a:r>
-              <a:t/>
-            </a:r>
             <a:endParaRPr/>
           </a:p>
           <a:p>
-            <a:pPr indent="-342900" lvl="0" marL="457200" rtl="0" algn="l">
+            <a:pPr marL="457200" lvl="0" indent="-342900" algn="l" rtl="0">
               <a:spcBef>
                 <a:spcPts val="600"/>
               </a:spcBef>
@@ -10148,7 +10536,7 @@
             <a:endParaRPr sz="1800"/>
           </a:p>
           <a:p>
-            <a:pPr indent="-342900" lvl="0" marL="457200" rtl="0" algn="l">
+            <a:pPr marL="457200" lvl="0" indent="-342900" algn="l" rtl="0">
               <a:spcBef>
                 <a:spcPts val="0"/>
               </a:spcBef>
@@ -10170,7 +10558,7 @@
             <a:endParaRPr sz="1800"/>
           </a:p>
           <a:p>
-            <a:pPr indent="-342900" lvl="0" marL="457200" rtl="0" algn="l">
+            <a:pPr marL="457200" lvl="0" indent="-342900" algn="l" rtl="0">
               <a:spcBef>
                 <a:spcPts val="0"/>
               </a:spcBef>
@@ -10192,7 +10580,7 @@
             <a:endParaRPr sz="1800"/>
           </a:p>
           <a:p>
-            <a:pPr indent="-342900" lvl="0" marL="457200" rtl="0" algn="l">
+            <a:pPr marL="457200" lvl="0" indent="-342900" algn="l" rtl="0">
               <a:spcBef>
                 <a:spcPts val="0"/>
               </a:spcBef>
@@ -10214,7 +10602,7 @@
             <a:endParaRPr sz="1800"/>
           </a:p>
           <a:p>
-            <a:pPr indent="-342900" lvl="0" marL="457200" rtl="0" algn="l">
+            <a:pPr marL="457200" lvl="0" indent="-342900" algn="l" rtl="0">
               <a:spcBef>
                 <a:spcPts val="0"/>
               </a:spcBef>
@@ -10236,7 +10624,7 @@
             <a:endParaRPr sz="1800"/>
           </a:p>
           <a:p>
-            <a:pPr indent="0" lvl="0" marL="0" rtl="0" algn="l">
+            <a:pPr marL="0" lvl="0" indent="0" algn="l" rtl="0">
               <a:spcBef>
                 <a:spcPts val="600"/>
               </a:spcBef>
@@ -10245,13 +10633,10 @@
               </a:spcAft>
               <a:buNone/>
             </a:pPr>
-            <a:r>
-              <a:t/>
-            </a:r>
             <a:endParaRPr sz="1800"/>
           </a:p>
           <a:p>
-            <a:pPr indent="0" lvl="0" marL="0" rtl="0" algn="l">
+            <a:pPr marL="0" lvl="0" indent="0" algn="l" rtl="0">
               <a:spcBef>
                 <a:spcPts val="600"/>
               </a:spcBef>
@@ -10260,9 +10645,6 @@
               </a:spcAft>
               <a:buNone/>
             </a:pPr>
-            <a:r>
-              <a:t/>
-            </a:r>
             <a:endParaRPr sz="2100">
               <a:solidFill>
                 <a:srgbClr val="222222"/>
@@ -10277,7 +10659,7 @@
             </a:endParaRPr>
           </a:p>
           <a:p>
-            <a:pPr indent="0" lvl="0" marL="0" rtl="0" algn="l">
+            <a:pPr marL="0" lvl="0" indent="0" algn="l" rtl="0">
               <a:spcBef>
                 <a:spcPts val="600"/>
               </a:spcBef>
@@ -10286,9 +10668,6 @@
               </a:spcAft>
               <a:buNone/>
             </a:pPr>
-            <a:r>
-              <a:t/>
-            </a:r>
             <a:endParaRPr/>
           </a:p>
         </p:txBody>
@@ -10302,18 +10681,19 @@
 </file>
 
 <file path=ppt/slides/slide18.xml><?xml version="1.0" encoding="utf-8"?>
-<p:sld xmlns:a="http://schemas.openxmlformats.org/drawingml/2006/main" xmlns:r="http://schemas.openxmlformats.org/officeDocument/2006/relationships" xmlns:mc="http://schemas.openxmlformats.org/markup-compatibility/2006" xmlns:mv="urn:schemas-microsoft-com:mac:vml" xmlns:p="http://schemas.openxmlformats.org/presentationml/2006/main" xmlns:c="http://schemas.openxmlformats.org/drawingml/2006/chart" xmlns:dgm="http://schemas.openxmlformats.org/drawingml/2006/diagram" xmlns:o="urn:schemas-microsoft-com:office:office" xmlns:v="urn:schemas-microsoft-com:vml" xmlns:pvml="urn:schemas-microsoft-com:office:powerpoint" xmlns:com="http://schemas.openxmlformats.org/drawingml/2006/compatibility" xmlns:p14="http://schemas.microsoft.com/office/powerpoint/2010/main" xmlns:p15="http://schemas.microsoft.com/office/powerpoint/2012/main">
+<p:sld xmlns:a="http://schemas.openxmlformats.org/drawingml/2006/main" xmlns:r="http://schemas.openxmlformats.org/officeDocument/2006/relationships" xmlns:p="http://schemas.openxmlformats.org/presentationml/2006/main">
   <p:cSld>
     <p:bg>
       <p:bgPr>
         <a:solidFill>
           <a:srgbClr val="FF5722"/>
         </a:solidFill>
+        <a:effectLst/>
       </p:bgPr>
     </p:bg>
     <p:spTree>
       <p:nvGrpSpPr>
-        <p:cNvPr id="192" name="Shape 192"/>
+        <p:cNvPr id="1" name="Shape 192"/>
         <p:cNvGrpSpPr/>
         <p:nvPr/>
       </p:nvGrpSpPr>
@@ -10328,9 +10708,11 @@
       <p:sp>
         <p:nvSpPr>
           <p:cNvPr id="193" name="Google Shape;193;p31"/>
-          <p:cNvSpPr txBox="1"/>
+          <p:cNvSpPr txBox="1">
+            <a:spLocks noGrp="1"/>
+          </p:cNvSpPr>
           <p:nvPr>
-            <p:ph idx="4294967295" type="ctrTitle"/>
+            <p:ph type="ctrTitle" idx="4294967295"/>
           </p:nvPr>
         </p:nvSpPr>
         <p:spPr>
@@ -10343,12 +10725,12 @@
           </a:prstGeom>
         </p:spPr>
         <p:txBody>
-          <a:bodyPr anchorCtr="0" anchor="b" bIns="91425" lIns="91425" spcFirstLastPara="1" rIns="91425" wrap="square" tIns="91425">
+          <a:bodyPr spcFirstLastPara="1" wrap="square" lIns="91425" tIns="91425" rIns="91425" bIns="91425" anchor="b" anchorCtr="0">
             <a:noAutofit/>
           </a:bodyPr>
           <a:lstStyle/>
           <a:p>
-            <a:pPr indent="0" lvl="0" marL="0" rtl="0" algn="l">
+            <a:pPr marL="0" lvl="0" indent="0" algn="l" rtl="0">
               <a:spcBef>
                 <a:spcPts val="0"/>
               </a:spcBef>
@@ -10376,9 +10758,11 @@
       <p:sp>
         <p:nvSpPr>
           <p:cNvPr id="194" name="Google Shape;194;p31"/>
-          <p:cNvSpPr txBox="1"/>
+          <p:cNvSpPr txBox="1">
+            <a:spLocks noGrp="1"/>
+          </p:cNvSpPr>
           <p:nvPr>
-            <p:ph idx="4294967295" type="subTitle"/>
+            <p:ph type="subTitle" idx="4294967295"/>
           </p:nvPr>
         </p:nvSpPr>
         <p:spPr>
@@ -10391,12 +10775,12 @@
           </a:prstGeom>
         </p:spPr>
         <p:txBody>
-          <a:bodyPr anchorCtr="0" anchor="t" bIns="91425" lIns="91425" spcFirstLastPara="1" rIns="91425" wrap="square" tIns="91425">
+          <a:bodyPr spcFirstLastPara="1" wrap="square" lIns="91425" tIns="91425" rIns="91425" bIns="91425" anchor="t" anchorCtr="0">
             <a:noAutofit/>
           </a:bodyPr>
           <a:lstStyle/>
           <a:p>
-            <a:pPr indent="0" lvl="0" marL="0" rtl="0" algn="l">
+            <a:pPr marL="0" lvl="0" indent="0" algn="l" rtl="0">
               <a:spcBef>
                 <a:spcPts val="600"/>
               </a:spcBef>
@@ -10416,9 +10800,11 @@
       <p:sp>
         <p:nvSpPr>
           <p:cNvPr id="195" name="Google Shape;195;p31"/>
-          <p:cNvSpPr txBox="1"/>
+          <p:cNvSpPr txBox="1">
+            <a:spLocks noGrp="1"/>
+          </p:cNvSpPr>
           <p:nvPr>
-            <p:ph idx="12" type="sldNum"/>
+            <p:ph type="sldNum" idx="12"/>
           </p:nvPr>
         </p:nvSpPr>
         <p:spPr>
@@ -10431,12 +10817,12 @@
           </a:prstGeom>
         </p:spPr>
         <p:txBody>
-          <a:bodyPr anchorCtr="0" anchor="t" bIns="91425" lIns="91425" spcFirstLastPara="1" rIns="91425" wrap="square" tIns="91425">
+          <a:bodyPr spcFirstLastPara="1" wrap="square" lIns="91425" tIns="91425" rIns="91425" bIns="91425" anchor="t" anchorCtr="0">
             <a:noAutofit/>
           </a:bodyPr>
           <a:lstStyle/>
           <a:p>
-            <a:pPr indent="0" lvl="0" marL="0" rtl="0" algn="r">
+            <a:pPr marL="0" lvl="0" indent="0" algn="r" rtl="0">
               <a:spcBef>
                 <a:spcPts val="0"/>
               </a:spcBef>
@@ -10447,7 +10833,7 @@
             </a:pPr>
             <a:fld id="{00000000-1234-1234-1234-123412341234}" type="slidenum">
               <a:rPr lang="en"/>
-              <a:t>‹#›</a:t>
+              <a:t>18</a:t>
             </a:fld>
             <a:endParaRPr/>
           </a:p>
@@ -10462,18 +10848,19 @@
 </file>
 
 <file path=ppt/slides/slide2.xml><?xml version="1.0" encoding="utf-8"?>
-<p:sld xmlns:a="http://schemas.openxmlformats.org/drawingml/2006/main" xmlns:r="http://schemas.openxmlformats.org/officeDocument/2006/relationships" xmlns:mc="http://schemas.openxmlformats.org/markup-compatibility/2006" xmlns:mv="urn:schemas-microsoft-com:mac:vml" xmlns:p="http://schemas.openxmlformats.org/presentationml/2006/main" xmlns:c="http://schemas.openxmlformats.org/drawingml/2006/chart" xmlns:dgm="http://schemas.openxmlformats.org/drawingml/2006/diagram" xmlns:o="urn:schemas-microsoft-com:office:office" xmlns:v="urn:schemas-microsoft-com:vml" xmlns:pvml="urn:schemas-microsoft-com:office:powerpoint" xmlns:com="http://schemas.openxmlformats.org/drawingml/2006/compatibility" xmlns:p14="http://schemas.microsoft.com/office/powerpoint/2010/main" xmlns:p15="http://schemas.microsoft.com/office/powerpoint/2012/main">
+<p:sld xmlns:a="http://schemas.openxmlformats.org/drawingml/2006/main" xmlns:r="http://schemas.openxmlformats.org/officeDocument/2006/relationships" xmlns:p="http://schemas.openxmlformats.org/presentationml/2006/main">
   <p:cSld>
     <p:bg>
       <p:bgPr>
         <a:solidFill>
           <a:srgbClr val="FFEB3B"/>
         </a:solidFill>
+        <a:effectLst/>
       </p:bgPr>
     </p:bg>
     <p:spTree>
       <p:nvGrpSpPr>
-        <p:cNvPr id="81" name="Shape 81"/>
+        <p:cNvPr id="1" name="Shape 81"/>
         <p:cNvGrpSpPr/>
         <p:nvPr/>
       </p:nvGrpSpPr>
@@ -10488,9 +10875,11 @@
       <p:sp>
         <p:nvSpPr>
           <p:cNvPr id="82" name="Google Shape;82;p15"/>
-          <p:cNvSpPr txBox="1"/>
+          <p:cNvSpPr txBox="1">
+            <a:spLocks noGrp="1"/>
+          </p:cNvSpPr>
           <p:nvPr>
-            <p:ph idx="4294967295" type="ctrTitle"/>
+            <p:ph type="ctrTitle" idx="4294967295"/>
           </p:nvPr>
         </p:nvSpPr>
         <p:spPr>
@@ -10503,12 +10892,12 @@
           </a:prstGeom>
         </p:spPr>
         <p:txBody>
-          <a:bodyPr anchorCtr="0" anchor="b" bIns="91425" lIns="91425" spcFirstLastPara="1" rIns="91425" wrap="square" tIns="91425">
+          <a:bodyPr spcFirstLastPara="1" wrap="square" lIns="91425" tIns="91425" rIns="91425" bIns="91425" anchor="b" anchorCtr="0">
             <a:noAutofit/>
           </a:bodyPr>
           <a:lstStyle/>
           <a:p>
-            <a:pPr indent="0" lvl="0" marL="0" rtl="0" algn="l">
+            <a:pPr marL="0" lvl="0" indent="0" algn="l" rtl="0">
               <a:spcBef>
                 <a:spcPts val="0"/>
               </a:spcBef>
@@ -10536,9 +10925,11 @@
       <p:sp>
         <p:nvSpPr>
           <p:cNvPr id="83" name="Google Shape;83;p15"/>
-          <p:cNvSpPr txBox="1"/>
+          <p:cNvSpPr txBox="1">
+            <a:spLocks noGrp="1"/>
+          </p:cNvSpPr>
           <p:nvPr>
-            <p:ph idx="12" type="sldNum"/>
+            <p:ph type="sldNum" idx="12"/>
           </p:nvPr>
         </p:nvSpPr>
         <p:spPr>
@@ -10551,12 +10942,12 @@
           </a:prstGeom>
         </p:spPr>
         <p:txBody>
-          <a:bodyPr anchorCtr="0" anchor="t" bIns="91425" lIns="91425" spcFirstLastPara="1" rIns="91425" wrap="square" tIns="91425">
+          <a:bodyPr spcFirstLastPara="1" wrap="square" lIns="91425" tIns="91425" rIns="91425" bIns="91425" anchor="t" anchorCtr="0">
             <a:noAutofit/>
           </a:bodyPr>
           <a:lstStyle/>
           <a:p>
-            <a:pPr indent="0" lvl="0" marL="0" rtl="0" algn="r">
+            <a:pPr marL="0" lvl="0" indent="0" algn="r" rtl="0">
               <a:spcBef>
                 <a:spcPts val="0"/>
               </a:spcBef>
@@ -10567,7 +10958,7 @@
             </a:pPr>
             <a:fld id="{00000000-1234-1234-1234-123412341234}" type="slidenum">
               <a:rPr lang="en"/>
-              <a:t>‹#›</a:t>
+              <a:t>2</a:t>
             </a:fld>
             <a:endParaRPr/>
           </a:p>
@@ -10576,9 +10967,11 @@
       <p:sp>
         <p:nvSpPr>
           <p:cNvPr id="84" name="Google Shape;84;p15"/>
-          <p:cNvSpPr txBox="1"/>
+          <p:cNvSpPr txBox="1">
+            <a:spLocks noGrp="1"/>
+          </p:cNvSpPr>
           <p:nvPr>
-            <p:ph idx="4294967295" type="body"/>
+            <p:ph type="body" idx="4294967295"/>
           </p:nvPr>
         </p:nvSpPr>
         <p:spPr>
@@ -10591,12 +10984,12 @@
           </a:prstGeom>
         </p:spPr>
         <p:txBody>
-          <a:bodyPr anchorCtr="0" anchor="t" bIns="91425" lIns="91425" spcFirstLastPara="1" rIns="91425" wrap="square" tIns="91425">
+          <a:bodyPr spcFirstLastPara="1" wrap="square" lIns="91425" tIns="91425" rIns="91425" bIns="91425" anchor="t" anchorCtr="0">
             <a:noAutofit/>
           </a:bodyPr>
           <a:lstStyle/>
           <a:p>
-            <a:pPr indent="-342900" lvl="0" marL="457200" rtl="0" algn="l">
+            <a:pPr marL="457200" lvl="0" indent="-342900" algn="l" rtl="0">
               <a:spcBef>
                 <a:spcPts val="600"/>
               </a:spcBef>
@@ -10613,7 +11006,7 @@
             <a:endParaRPr sz="1800"/>
           </a:p>
           <a:p>
-            <a:pPr indent="-342900" lvl="0" marL="457200" rtl="0" algn="l">
+            <a:pPr marL="457200" lvl="0" indent="-342900" algn="l" rtl="0">
               <a:spcBef>
                 <a:spcPts val="0"/>
               </a:spcBef>
@@ -10630,7 +11023,7 @@
             <a:endParaRPr sz="1800"/>
           </a:p>
           <a:p>
-            <a:pPr indent="-342900" lvl="0" marL="457200" rtl="0" algn="l">
+            <a:pPr marL="457200" lvl="0" indent="-342900" algn="l" rtl="0">
               <a:spcBef>
                 <a:spcPts val="0"/>
               </a:spcBef>
@@ -10647,7 +11040,7 @@
             <a:endParaRPr sz="1800"/>
           </a:p>
           <a:p>
-            <a:pPr indent="-342900" lvl="0" marL="457200" marR="0" rtl="0" algn="l">
+            <a:pPr marL="457200" marR="0" lvl="0" indent="-342900" algn="l" rtl="0">
               <a:lnSpc>
                 <a:spcPct val="100000"/>
               </a:lnSpc>
@@ -10667,7 +11060,7 @@
             <a:endParaRPr sz="1800"/>
           </a:p>
           <a:p>
-            <a:pPr indent="-342900" lvl="0" marL="457200" marR="0" rtl="0" algn="l">
+            <a:pPr marL="457200" marR="0" lvl="0" indent="-342900" algn="l" rtl="0">
               <a:lnSpc>
                 <a:spcPct val="100000"/>
               </a:lnSpc>
@@ -10687,7 +11080,7 @@
             <a:endParaRPr sz="1800"/>
           </a:p>
           <a:p>
-            <a:pPr indent="-342900" lvl="0" marL="457200" rtl="0" algn="l">
+            <a:pPr marL="457200" lvl="0" indent="-342900" algn="l" rtl="0">
               <a:spcBef>
                 <a:spcPts val="0"/>
               </a:spcBef>
@@ -10704,7 +11097,7 @@
             <a:endParaRPr sz="1800"/>
           </a:p>
           <a:p>
-            <a:pPr indent="0" lvl="0" marL="0" rtl="0" algn="l">
+            <a:pPr marL="0" lvl="0" indent="0" algn="l" rtl="0">
               <a:spcBef>
                 <a:spcPts val="600"/>
               </a:spcBef>
@@ -10713,13 +11106,10 @@
               </a:spcAft>
               <a:buNone/>
             </a:pPr>
-            <a:r>
-              <a:t/>
-            </a:r>
             <a:endParaRPr/>
           </a:p>
           <a:p>
-            <a:pPr indent="0" lvl="0" marL="0" rtl="0" algn="l">
+            <a:pPr marL="0" lvl="0" indent="0" algn="l" rtl="0">
               <a:spcBef>
                 <a:spcPts val="600"/>
               </a:spcBef>
@@ -10728,9 +11118,6 @@
               </a:spcAft>
               <a:buNone/>
             </a:pPr>
-            <a:r>
-              <a:t/>
-            </a:r>
             <a:endParaRPr/>
           </a:p>
         </p:txBody>
@@ -10744,18 +11131,19 @@
 </file>
 
 <file path=ppt/slides/slide3.xml><?xml version="1.0" encoding="utf-8"?>
-<p:sld xmlns:a="http://schemas.openxmlformats.org/drawingml/2006/main" xmlns:r="http://schemas.openxmlformats.org/officeDocument/2006/relationships" xmlns:mc="http://schemas.openxmlformats.org/markup-compatibility/2006" xmlns:mv="urn:schemas-microsoft-com:mac:vml" xmlns:p="http://schemas.openxmlformats.org/presentationml/2006/main" xmlns:c="http://schemas.openxmlformats.org/drawingml/2006/chart" xmlns:dgm="http://schemas.openxmlformats.org/drawingml/2006/diagram" xmlns:o="urn:schemas-microsoft-com:office:office" xmlns:v="urn:schemas-microsoft-com:vml" xmlns:pvml="urn:schemas-microsoft-com:office:powerpoint" xmlns:com="http://schemas.openxmlformats.org/drawingml/2006/compatibility" xmlns:p14="http://schemas.microsoft.com/office/powerpoint/2010/main" xmlns:p15="http://schemas.microsoft.com/office/powerpoint/2012/main">
+<p:sld xmlns:a="http://schemas.openxmlformats.org/drawingml/2006/main" xmlns:r="http://schemas.openxmlformats.org/officeDocument/2006/relationships" xmlns:p="http://schemas.openxmlformats.org/presentationml/2006/main">
   <p:cSld>
     <p:bg>
       <p:bgPr>
         <a:solidFill>
           <a:srgbClr val="FF5722"/>
         </a:solidFill>
+        <a:effectLst/>
       </p:bgPr>
     </p:bg>
     <p:spTree>
       <p:nvGrpSpPr>
-        <p:cNvPr id="88" name="Shape 88"/>
+        <p:cNvPr id="1" name="Shape 88"/>
         <p:cNvGrpSpPr/>
         <p:nvPr/>
       </p:nvGrpSpPr>
@@ -10770,9 +11158,11 @@
       <p:sp>
         <p:nvSpPr>
           <p:cNvPr id="89" name="Google Shape;89;p16"/>
-          <p:cNvSpPr txBox="1"/>
+          <p:cNvSpPr txBox="1">
+            <a:spLocks noGrp="1"/>
+          </p:cNvSpPr>
           <p:nvPr>
-            <p:ph idx="1" type="body"/>
+            <p:ph type="body" idx="1"/>
           </p:nvPr>
         </p:nvSpPr>
         <p:spPr>
@@ -10785,12 +11175,12 @@
           </a:prstGeom>
         </p:spPr>
         <p:txBody>
-          <a:bodyPr anchorCtr="0" anchor="t" bIns="91425" lIns="91425" spcFirstLastPara="1" rIns="91425" wrap="square" tIns="91425">
+          <a:bodyPr spcFirstLastPara="1" wrap="square" lIns="91425" tIns="91425" rIns="91425" bIns="91425" anchor="t" anchorCtr="0">
             <a:noAutofit/>
           </a:bodyPr>
           <a:lstStyle/>
           <a:p>
-            <a:pPr indent="-342900" lvl="0" marL="457200" rtl="0" algn="l">
+            <a:pPr marL="457200" lvl="0" indent="-342900" algn="l" rtl="0">
               <a:spcBef>
                 <a:spcPts val="600"/>
               </a:spcBef>
@@ -10807,7 +11197,7 @@
             <a:endParaRPr sz="1800"/>
           </a:p>
           <a:p>
-            <a:pPr indent="-342900" lvl="0" marL="457200" rtl="0" algn="l">
+            <a:pPr marL="457200" lvl="0" indent="-342900" algn="l" rtl="0">
               <a:spcBef>
                 <a:spcPts val="0"/>
               </a:spcBef>
@@ -10824,7 +11214,7 @@
             <a:endParaRPr sz="1800"/>
           </a:p>
           <a:p>
-            <a:pPr indent="-342900" lvl="0" marL="457200" rtl="0" algn="l">
+            <a:pPr marL="457200" lvl="0" indent="-342900" algn="l" rtl="0">
               <a:spcBef>
                 <a:spcPts val="0"/>
               </a:spcBef>
@@ -10836,20 +11226,12 @@
             </a:pPr>
             <a:r>
               <a:rPr lang="en" sz="1800"/>
-              <a:t>Custom </a:t>
-            </a:r>
-            <a:r>
-              <a:rPr lang="en" sz="1800"/>
-              <a:t>Python </a:t>
-            </a:r>
-            <a:r>
-              <a:rPr lang="en" sz="1800"/>
-              <a:t>code</a:t>
+              <a:t>Custom Python code</a:t>
             </a:r>
             <a:endParaRPr sz="1800"/>
           </a:p>
           <a:p>
-            <a:pPr indent="-342900" lvl="0" marL="457200" rtl="0" algn="l">
+            <a:pPr marL="457200" lvl="0" indent="-342900" algn="l" rtl="0">
               <a:spcBef>
                 <a:spcPts val="0"/>
               </a:spcBef>
@@ -10870,9 +11252,11 @@
       <p:sp>
         <p:nvSpPr>
           <p:cNvPr id="90" name="Google Shape;90;p16"/>
-          <p:cNvSpPr txBox="1"/>
+          <p:cNvSpPr txBox="1">
+            <a:spLocks noGrp="1"/>
+          </p:cNvSpPr>
           <p:nvPr>
-            <p:ph idx="12" type="sldNum"/>
+            <p:ph type="sldNum" idx="12"/>
           </p:nvPr>
         </p:nvSpPr>
         <p:spPr>
@@ -10885,12 +11269,12 @@
           </a:prstGeom>
         </p:spPr>
         <p:txBody>
-          <a:bodyPr anchorCtr="0" anchor="t" bIns="91425" lIns="91425" spcFirstLastPara="1" rIns="91425" wrap="square" tIns="91425">
+          <a:bodyPr spcFirstLastPara="1" wrap="square" lIns="91425" tIns="91425" rIns="91425" bIns="91425" anchor="t" anchorCtr="0">
             <a:noAutofit/>
           </a:bodyPr>
           <a:lstStyle/>
           <a:p>
-            <a:pPr indent="0" lvl="0" marL="0" rtl="0" algn="r">
+            <a:pPr marL="0" lvl="0" indent="0" algn="r" rtl="0">
               <a:spcBef>
                 <a:spcPts val="0"/>
               </a:spcBef>
@@ -10901,7 +11285,7 @@
             </a:pPr>
             <a:fld id="{00000000-1234-1234-1234-123412341234}" type="slidenum">
               <a:rPr lang="en"/>
-              <a:t>‹#›</a:t>
+              <a:t>3</a:t>
             </a:fld>
             <a:endParaRPr/>
           </a:p>
@@ -10910,7 +11294,9 @@
       <p:sp>
         <p:nvSpPr>
           <p:cNvPr id="91" name="Google Shape;91;p16"/>
-          <p:cNvSpPr txBox="1"/>
+          <p:cNvSpPr txBox="1">
+            <a:spLocks noGrp="1"/>
+          </p:cNvSpPr>
           <p:nvPr>
             <p:ph type="title"/>
           </p:nvPr>
@@ -10925,12 +11311,12 @@
           </a:prstGeom>
         </p:spPr>
         <p:txBody>
-          <a:bodyPr anchorCtr="0" anchor="b" bIns="91425" lIns="91425" spcFirstLastPara="1" rIns="91425" wrap="square" tIns="91425">
+          <a:bodyPr spcFirstLastPara="1" wrap="square" lIns="91425" tIns="91425" rIns="91425" bIns="91425" anchor="b" anchorCtr="0">
             <a:noAutofit/>
           </a:bodyPr>
           <a:lstStyle/>
           <a:p>
-            <a:pPr indent="0" lvl="0" marL="0" rtl="0" algn="l">
+            <a:pPr marL="0" lvl="0" indent="0" algn="l" rtl="0">
               <a:spcBef>
                 <a:spcPts val="0"/>
               </a:spcBef>
@@ -10964,18 +11350,19 @@
 </file>
 
 <file path=ppt/slides/slide4.xml><?xml version="1.0" encoding="utf-8"?>
-<p:sld xmlns:a="http://schemas.openxmlformats.org/drawingml/2006/main" xmlns:r="http://schemas.openxmlformats.org/officeDocument/2006/relationships" xmlns:mc="http://schemas.openxmlformats.org/markup-compatibility/2006" xmlns:mv="urn:schemas-microsoft-com:mac:vml" xmlns:p="http://schemas.openxmlformats.org/presentationml/2006/main" xmlns:c="http://schemas.openxmlformats.org/drawingml/2006/chart" xmlns:dgm="http://schemas.openxmlformats.org/drawingml/2006/diagram" xmlns:o="urn:schemas-microsoft-com:office:office" xmlns:v="urn:schemas-microsoft-com:vml" xmlns:pvml="urn:schemas-microsoft-com:office:powerpoint" xmlns:com="http://schemas.openxmlformats.org/drawingml/2006/compatibility" xmlns:p14="http://schemas.microsoft.com/office/powerpoint/2010/main" xmlns:p15="http://schemas.microsoft.com/office/powerpoint/2012/main">
+<p:sld xmlns:a="http://schemas.openxmlformats.org/drawingml/2006/main" xmlns:r="http://schemas.openxmlformats.org/officeDocument/2006/relationships" xmlns:p="http://schemas.openxmlformats.org/presentationml/2006/main">
   <p:cSld>
     <p:bg>
       <p:bgPr>
         <a:solidFill>
           <a:srgbClr val="9C27B0"/>
         </a:solidFill>
+        <a:effectLst/>
       </p:bgPr>
     </p:bg>
     <p:spTree>
       <p:nvGrpSpPr>
-        <p:cNvPr id="95" name="Shape 95"/>
+        <p:cNvPr id="1" name="Shape 95"/>
         <p:cNvGrpSpPr/>
         <p:nvPr/>
       </p:nvGrpSpPr>
@@ -10990,7 +11377,9 @@
       <p:sp>
         <p:nvSpPr>
           <p:cNvPr id="96" name="Google Shape;96;p17"/>
-          <p:cNvSpPr txBox="1"/>
+          <p:cNvSpPr txBox="1">
+            <a:spLocks noGrp="1"/>
+          </p:cNvSpPr>
           <p:nvPr>
             <p:ph type="title"/>
           </p:nvPr>
@@ -11005,12 +11394,12 @@
           </a:prstGeom>
         </p:spPr>
         <p:txBody>
-          <a:bodyPr anchorCtr="0" anchor="b" bIns="91425" lIns="91425" spcFirstLastPara="1" rIns="91425" wrap="square" tIns="91425">
+          <a:bodyPr spcFirstLastPara="1" wrap="square" lIns="91425" tIns="91425" rIns="91425" bIns="91425" anchor="b" anchorCtr="0">
             <a:noAutofit/>
           </a:bodyPr>
           <a:lstStyle/>
           <a:p>
-            <a:pPr indent="0" lvl="0" marL="0" rtl="0" algn="l">
+            <a:pPr marL="0" lvl="0" indent="0" algn="l" rtl="0">
               <a:spcBef>
                 <a:spcPts val="0"/>
               </a:spcBef>
@@ -11050,9 +11439,11 @@
       <p:sp>
         <p:nvSpPr>
           <p:cNvPr id="97" name="Google Shape;97;p17"/>
-          <p:cNvSpPr txBox="1"/>
+          <p:cNvSpPr txBox="1">
+            <a:spLocks noGrp="1"/>
+          </p:cNvSpPr>
           <p:nvPr>
-            <p:ph idx="12" type="sldNum"/>
+            <p:ph type="sldNum" idx="12"/>
           </p:nvPr>
         </p:nvSpPr>
         <p:spPr>
@@ -11065,12 +11456,12 @@
           </a:prstGeom>
         </p:spPr>
         <p:txBody>
-          <a:bodyPr anchorCtr="0" anchor="t" bIns="91425" lIns="91425" spcFirstLastPara="1" rIns="91425" wrap="square" tIns="91425">
+          <a:bodyPr spcFirstLastPara="1" wrap="square" lIns="91425" tIns="91425" rIns="91425" bIns="91425" anchor="t" anchorCtr="0">
             <a:noAutofit/>
           </a:bodyPr>
           <a:lstStyle/>
           <a:p>
-            <a:pPr indent="0" lvl="0" marL="0" rtl="0" algn="r">
+            <a:pPr marL="0" lvl="0" indent="0" algn="r" rtl="0">
               <a:spcBef>
                 <a:spcPts val="0"/>
               </a:spcBef>
@@ -11081,7 +11472,7 @@
             </a:pPr>
             <a:fld id="{00000000-1234-1234-1234-123412341234}" type="slidenum">
               <a:rPr lang="en"/>
-              <a:t>‹#›</a:t>
+              <a:t>4</a:t>
             </a:fld>
             <a:endParaRPr/>
           </a:p>
@@ -11090,9 +11481,11 @@
       <p:sp>
         <p:nvSpPr>
           <p:cNvPr id="98" name="Google Shape;98;p17"/>
-          <p:cNvSpPr txBox="1"/>
+          <p:cNvSpPr txBox="1">
+            <a:spLocks noGrp="1"/>
+          </p:cNvSpPr>
           <p:nvPr>
-            <p:ph idx="1" type="body"/>
+            <p:ph type="body" idx="1"/>
           </p:nvPr>
         </p:nvSpPr>
         <p:spPr>
@@ -11105,12 +11498,12 @@
           </a:prstGeom>
         </p:spPr>
         <p:txBody>
-          <a:bodyPr anchorCtr="0" anchor="t" bIns="91425" lIns="91425" spcFirstLastPara="1" rIns="91425" wrap="square" tIns="91425">
+          <a:bodyPr spcFirstLastPara="1" wrap="square" lIns="91425" tIns="91425" rIns="91425" bIns="91425" anchor="t" anchorCtr="0">
             <a:noAutofit/>
           </a:bodyPr>
           <a:lstStyle/>
           <a:p>
-            <a:pPr indent="-342900" lvl="0" marL="457200" rtl="0" algn="l">
+            <a:pPr marL="457200" lvl="0" indent="-342900" algn="l" rtl="0">
               <a:spcBef>
                 <a:spcPts val="600"/>
               </a:spcBef>
@@ -11125,7 +11518,7 @@
               <a:t>From </a:t>
             </a:r>
             <a:r>
-              <a:rPr b="1" lang="en" sz="1800"/>
+              <a:rPr lang="en" sz="1800" b="1"/>
               <a:t>1905 </a:t>
             </a:r>
             <a:r>
@@ -11133,13 +11526,13 @@
               <a:t>to </a:t>
             </a:r>
             <a:r>
-              <a:rPr b="1" lang="en" sz="1800"/>
+              <a:rPr lang="en" sz="1800" b="1"/>
               <a:t>2016</a:t>
             </a:r>
-            <a:endParaRPr b="1" sz="1800"/>
-          </a:p>
-          <a:p>
-            <a:pPr indent="-342900" lvl="0" marL="457200" rtl="0" algn="l">
+            <a:endParaRPr sz="1800" b="1"/>
+          </a:p>
+          <a:p>
+            <a:pPr marL="457200" lvl="0" indent="-342900" algn="l" rtl="0">
               <a:spcBef>
                 <a:spcPts val="0"/>
               </a:spcBef>
@@ -11156,7 +11549,7 @@
             <a:endParaRPr sz="1800"/>
           </a:p>
           <a:p>
-            <a:pPr indent="-342900" lvl="0" marL="457200" rtl="0" algn="l">
+            <a:pPr marL="457200" lvl="0" indent="-342900" algn="l" rtl="0">
               <a:spcBef>
                 <a:spcPts val="0"/>
               </a:spcBef>
@@ -11167,7 +11560,7 @@
               <a:buChar char="▸"/>
             </a:pPr>
             <a:r>
-              <a:rPr b="1" lang="en" sz="1800"/>
+              <a:rPr lang="en" sz="1800" b="1"/>
               <a:t>Problem:</a:t>
             </a:r>
             <a:r>
@@ -11177,7 +11570,7 @@
             <a:endParaRPr sz="1800"/>
           </a:p>
           <a:p>
-            <a:pPr indent="-342900" lvl="0" marL="457200" rtl="0" algn="l">
+            <a:pPr marL="457200" lvl="0" indent="-342900" algn="l" rtl="0">
               <a:spcBef>
                 <a:spcPts val="0"/>
               </a:spcBef>
@@ -11188,7 +11581,7 @@
               <a:buChar char="▸"/>
             </a:pPr>
             <a:r>
-              <a:rPr b="1" lang="en" sz="1800"/>
+              <a:rPr lang="en" sz="1800" b="1"/>
               <a:t>Solution: </a:t>
             </a:r>
             <a:r>
@@ -11198,7 +11591,7 @@
             <a:endParaRPr sz="1800"/>
           </a:p>
           <a:p>
-            <a:pPr indent="-342900" lvl="0" marL="457200" rtl="0" algn="l">
+            <a:pPr marL="457200" lvl="0" indent="-342900" algn="l" rtl="0">
               <a:spcBef>
                 <a:spcPts val="0"/>
               </a:spcBef>
@@ -11225,18 +11618,19 @@
 </file>
 
 <file path=ppt/slides/slide5.xml><?xml version="1.0" encoding="utf-8"?>
-<p:sld xmlns:a="http://schemas.openxmlformats.org/drawingml/2006/main" xmlns:r="http://schemas.openxmlformats.org/officeDocument/2006/relationships" xmlns:mc="http://schemas.openxmlformats.org/markup-compatibility/2006" xmlns:mv="urn:schemas-microsoft-com:mac:vml" xmlns:p="http://schemas.openxmlformats.org/presentationml/2006/main" xmlns:c="http://schemas.openxmlformats.org/drawingml/2006/chart" xmlns:dgm="http://schemas.openxmlformats.org/drawingml/2006/diagram" xmlns:o="urn:schemas-microsoft-com:office:office" xmlns:v="urn:schemas-microsoft-com:vml" xmlns:pvml="urn:schemas-microsoft-com:office:powerpoint" xmlns:com="http://schemas.openxmlformats.org/drawingml/2006/compatibility" xmlns:p14="http://schemas.microsoft.com/office/powerpoint/2010/main" xmlns:p15="http://schemas.microsoft.com/office/powerpoint/2012/main">
+<p:sld xmlns:a="http://schemas.openxmlformats.org/drawingml/2006/main" xmlns:r="http://schemas.openxmlformats.org/officeDocument/2006/relationships" xmlns:p="http://schemas.openxmlformats.org/presentationml/2006/main">
   <p:cSld>
     <p:bg>
       <p:bgPr>
         <a:solidFill>
           <a:srgbClr val="9C27B0"/>
         </a:solidFill>
+        <a:effectLst/>
       </p:bgPr>
     </p:bg>
     <p:spTree>
       <p:nvGrpSpPr>
-        <p:cNvPr id="102" name="Shape 102"/>
+        <p:cNvPr id="1" name="Shape 102"/>
         <p:cNvGrpSpPr/>
         <p:nvPr/>
       </p:nvGrpSpPr>
@@ -11251,9 +11645,11 @@
       <p:sp>
         <p:nvSpPr>
           <p:cNvPr id="103" name="Google Shape;103;p18"/>
-          <p:cNvSpPr txBox="1"/>
+          <p:cNvSpPr txBox="1">
+            <a:spLocks noGrp="1"/>
+          </p:cNvSpPr>
           <p:nvPr>
-            <p:ph idx="12" type="sldNum"/>
+            <p:ph type="sldNum" idx="12"/>
           </p:nvPr>
         </p:nvSpPr>
         <p:spPr>
@@ -11266,12 +11662,12 @@
           </a:prstGeom>
         </p:spPr>
         <p:txBody>
-          <a:bodyPr anchorCtr="0" anchor="t" bIns="91425" lIns="91425" spcFirstLastPara="1" rIns="91425" wrap="square" tIns="91425">
+          <a:bodyPr spcFirstLastPara="1" wrap="square" lIns="91425" tIns="91425" rIns="91425" bIns="91425" anchor="t" anchorCtr="0">
             <a:noAutofit/>
           </a:bodyPr>
           <a:lstStyle/>
           <a:p>
-            <a:pPr indent="0" lvl="0" marL="0" rtl="0" algn="r">
+            <a:pPr marL="0" lvl="0" indent="0" algn="r" rtl="0">
               <a:spcBef>
                 <a:spcPts val="0"/>
               </a:spcBef>
@@ -11282,7 +11678,7 @@
             </a:pPr>
             <a:fld id="{00000000-1234-1234-1234-123412341234}" type="slidenum">
               <a:rPr lang="en"/>
-              <a:t>‹#›</a:t>
+              <a:t>5</a:t>
             </a:fld>
             <a:endParaRPr/>
           </a:p>
@@ -11325,18 +11721,19 @@
 </file>
 
 <file path=ppt/slides/slide6.xml><?xml version="1.0" encoding="utf-8"?>
-<p:sld xmlns:a="http://schemas.openxmlformats.org/drawingml/2006/main" xmlns:r="http://schemas.openxmlformats.org/officeDocument/2006/relationships" xmlns:mc="http://schemas.openxmlformats.org/markup-compatibility/2006" xmlns:mv="urn:schemas-microsoft-com:mac:vml" xmlns:p="http://schemas.openxmlformats.org/presentationml/2006/main" xmlns:c="http://schemas.openxmlformats.org/drawingml/2006/chart" xmlns:dgm="http://schemas.openxmlformats.org/drawingml/2006/diagram" xmlns:o="urn:schemas-microsoft-com:office:office" xmlns:v="urn:schemas-microsoft-com:vml" xmlns:pvml="urn:schemas-microsoft-com:office:powerpoint" xmlns:com="http://schemas.openxmlformats.org/drawingml/2006/compatibility" xmlns:p14="http://schemas.microsoft.com/office/powerpoint/2010/main" xmlns:p15="http://schemas.microsoft.com/office/powerpoint/2012/main">
+<p:sld xmlns:a="http://schemas.openxmlformats.org/drawingml/2006/main" xmlns:r="http://schemas.openxmlformats.org/officeDocument/2006/relationships" xmlns:p="http://schemas.openxmlformats.org/presentationml/2006/main">
   <p:cSld>
     <p:bg>
       <p:bgPr>
         <a:solidFill>
           <a:srgbClr val="E91E63"/>
         </a:solidFill>
+        <a:effectLst/>
       </p:bgPr>
     </p:bg>
     <p:spTree>
       <p:nvGrpSpPr>
-        <p:cNvPr id="108" name="Shape 108"/>
+        <p:cNvPr id="1" name="Shape 108"/>
         <p:cNvGrpSpPr/>
         <p:nvPr/>
       </p:nvGrpSpPr>
@@ -11351,7 +11748,9 @@
       <p:sp>
         <p:nvSpPr>
           <p:cNvPr id="109" name="Google Shape;109;p19"/>
-          <p:cNvSpPr txBox="1"/>
+          <p:cNvSpPr txBox="1">
+            <a:spLocks noGrp="1"/>
+          </p:cNvSpPr>
           <p:nvPr>
             <p:ph type="title"/>
           </p:nvPr>
@@ -11366,12 +11765,12 @@
           </a:prstGeom>
         </p:spPr>
         <p:txBody>
-          <a:bodyPr anchorCtr="0" anchor="b" bIns="91425" lIns="91425" spcFirstLastPara="1" rIns="91425" wrap="square" tIns="91425">
+          <a:bodyPr spcFirstLastPara="1" wrap="square" lIns="91425" tIns="91425" rIns="91425" bIns="91425" anchor="b" anchorCtr="0">
             <a:noAutofit/>
           </a:bodyPr>
           <a:lstStyle/>
           <a:p>
-            <a:pPr indent="0" lvl="0" marL="0" rtl="0" algn="l">
+            <a:pPr marL="0" lvl="0" indent="0" algn="l" rtl="0">
               <a:spcBef>
                 <a:spcPts val="0"/>
               </a:spcBef>
@@ -11387,7 +11786,7 @@
             <a:endParaRPr/>
           </a:p>
           <a:p>
-            <a:pPr indent="0" lvl="0" marL="0" rtl="0" algn="l">
+            <a:pPr marL="0" lvl="0" indent="0" algn="l" rtl="0">
               <a:spcBef>
                 <a:spcPts val="0"/>
               </a:spcBef>
@@ -11411,9 +11810,11 @@
       <p:sp>
         <p:nvSpPr>
           <p:cNvPr id="110" name="Google Shape;110;p19"/>
-          <p:cNvSpPr txBox="1"/>
+          <p:cNvSpPr txBox="1">
+            <a:spLocks noGrp="1"/>
+          </p:cNvSpPr>
           <p:nvPr>
-            <p:ph idx="12" type="sldNum"/>
+            <p:ph type="sldNum" idx="12"/>
           </p:nvPr>
         </p:nvSpPr>
         <p:spPr>
@@ -11426,12 +11827,12 @@
           </a:prstGeom>
         </p:spPr>
         <p:txBody>
-          <a:bodyPr anchorCtr="0" anchor="t" bIns="91425" lIns="91425" spcFirstLastPara="1" rIns="91425" wrap="square" tIns="91425">
+          <a:bodyPr spcFirstLastPara="1" wrap="square" lIns="91425" tIns="91425" rIns="91425" bIns="91425" anchor="t" anchorCtr="0">
             <a:noAutofit/>
           </a:bodyPr>
           <a:lstStyle/>
           <a:p>
-            <a:pPr indent="0" lvl="0" marL="0" rtl="0" algn="r">
+            <a:pPr marL="0" lvl="0" indent="0" algn="r" rtl="0">
               <a:spcBef>
                 <a:spcPts val="0"/>
               </a:spcBef>
@@ -11442,7 +11843,7 @@
             </a:pPr>
             <a:fld id="{00000000-1234-1234-1234-123412341234}" type="slidenum">
               <a:rPr lang="en"/>
-              <a:t>‹#›</a:t>
+              <a:t>6</a:t>
             </a:fld>
             <a:endParaRPr/>
           </a:p>
@@ -11451,9 +11852,11 @@
       <p:sp>
         <p:nvSpPr>
           <p:cNvPr id="111" name="Google Shape;111;p19"/>
-          <p:cNvSpPr txBox="1"/>
+          <p:cNvSpPr txBox="1">
+            <a:spLocks noGrp="1"/>
+          </p:cNvSpPr>
           <p:nvPr>
-            <p:ph idx="1" type="body"/>
+            <p:ph type="body" idx="1"/>
           </p:nvPr>
         </p:nvSpPr>
         <p:spPr>
@@ -11466,12 +11869,12 @@
           </a:prstGeom>
         </p:spPr>
         <p:txBody>
-          <a:bodyPr anchorCtr="0" anchor="t" bIns="91425" lIns="91425" spcFirstLastPara="1" rIns="91425" wrap="square" tIns="91425">
+          <a:bodyPr spcFirstLastPara="1" wrap="square" lIns="91425" tIns="91425" rIns="91425" bIns="91425" anchor="t" anchorCtr="0">
             <a:noAutofit/>
           </a:bodyPr>
           <a:lstStyle/>
           <a:p>
-            <a:pPr indent="-342900" lvl="0" marL="457200" rtl="0" algn="l">
+            <a:pPr marL="457200" lvl="0" indent="-342900" algn="l" rtl="0">
               <a:spcBef>
                 <a:spcPts val="600"/>
               </a:spcBef>
@@ -11488,7 +11891,7 @@
             <a:endParaRPr sz="1800"/>
           </a:p>
           <a:p>
-            <a:pPr indent="-342900" lvl="0" marL="457200" rtl="0" algn="l">
+            <a:pPr marL="457200" lvl="0" indent="-342900" algn="l" rtl="0">
               <a:spcBef>
                 <a:spcPts val="0"/>
               </a:spcBef>
@@ -11505,7 +11908,7 @@
             <a:endParaRPr sz="1800"/>
           </a:p>
           <a:p>
-            <a:pPr indent="-342900" lvl="0" marL="457200" rtl="0" algn="l">
+            <a:pPr marL="457200" lvl="0" indent="-342900" algn="l" rtl="0">
               <a:spcBef>
                 <a:spcPts val="0"/>
               </a:spcBef>
@@ -11522,7 +11925,7 @@
             <a:endParaRPr sz="1800"/>
           </a:p>
           <a:p>
-            <a:pPr indent="-342900" lvl="0" marL="457200" rtl="0" algn="l">
+            <a:pPr marL="457200" lvl="0" indent="-342900" algn="l" rtl="0">
               <a:spcBef>
                 <a:spcPts val="0"/>
               </a:spcBef>
@@ -11549,18 +11952,19 @@
 </file>
 
 <file path=ppt/slides/slide7.xml><?xml version="1.0" encoding="utf-8"?>
-<p:sld xmlns:a="http://schemas.openxmlformats.org/drawingml/2006/main" xmlns:r="http://schemas.openxmlformats.org/officeDocument/2006/relationships" xmlns:mc="http://schemas.openxmlformats.org/markup-compatibility/2006" xmlns:mv="urn:schemas-microsoft-com:mac:vml" xmlns:p="http://schemas.openxmlformats.org/presentationml/2006/main" xmlns:c="http://schemas.openxmlformats.org/drawingml/2006/chart" xmlns:dgm="http://schemas.openxmlformats.org/drawingml/2006/diagram" xmlns:o="urn:schemas-microsoft-com:office:office" xmlns:v="urn:schemas-microsoft-com:vml" xmlns:pvml="urn:schemas-microsoft-com:office:powerpoint" xmlns:com="http://schemas.openxmlformats.org/drawingml/2006/compatibility" xmlns:p14="http://schemas.microsoft.com/office/powerpoint/2010/main" xmlns:p15="http://schemas.microsoft.com/office/powerpoint/2012/main">
+<p:sld xmlns:a="http://schemas.openxmlformats.org/drawingml/2006/main" xmlns:r="http://schemas.openxmlformats.org/officeDocument/2006/relationships" xmlns:p="http://schemas.openxmlformats.org/presentationml/2006/main">
   <p:cSld>
     <p:bg>
       <p:bgPr>
         <a:solidFill>
           <a:srgbClr val="E91E63"/>
         </a:solidFill>
+        <a:effectLst/>
       </p:bgPr>
     </p:bg>
     <p:spTree>
       <p:nvGrpSpPr>
-        <p:cNvPr id="115" name="Shape 115"/>
+        <p:cNvPr id="1" name="Shape 115"/>
         <p:cNvGrpSpPr/>
         <p:nvPr/>
       </p:nvGrpSpPr>
@@ -11575,9 +11979,11 @@
       <p:sp>
         <p:nvSpPr>
           <p:cNvPr id="116" name="Google Shape;116;p20"/>
-          <p:cNvSpPr txBox="1"/>
+          <p:cNvSpPr txBox="1">
+            <a:spLocks noGrp="1"/>
+          </p:cNvSpPr>
           <p:nvPr>
-            <p:ph idx="12" type="sldNum"/>
+            <p:ph type="sldNum" idx="12"/>
           </p:nvPr>
         </p:nvSpPr>
         <p:spPr>
@@ -11590,12 +11996,12 @@
           </a:prstGeom>
         </p:spPr>
         <p:txBody>
-          <a:bodyPr anchorCtr="0" anchor="t" bIns="91425" lIns="91425" spcFirstLastPara="1" rIns="91425" wrap="square" tIns="91425">
+          <a:bodyPr spcFirstLastPara="1" wrap="square" lIns="91425" tIns="91425" rIns="91425" bIns="91425" anchor="t" anchorCtr="0">
             <a:noAutofit/>
           </a:bodyPr>
           <a:lstStyle/>
           <a:p>
-            <a:pPr indent="0" lvl="0" marL="0" rtl="0" algn="r">
+            <a:pPr marL="0" lvl="0" indent="0" algn="r" rtl="0">
               <a:spcBef>
                 <a:spcPts val="0"/>
               </a:spcBef>
@@ -11606,7 +12012,7 @@
             </a:pPr>
             <a:fld id="{00000000-1234-1234-1234-123412341234}" type="slidenum">
               <a:rPr lang="en"/>
-              <a:t>‹#›</a:t>
+              <a:t>7</a:t>
             </a:fld>
             <a:endParaRPr/>
           </a:p>
@@ -11649,11 +12055,11 @@
 </file>
 
 <file path=ppt/slides/slide8.xml><?xml version="1.0" encoding="utf-8"?>
-<p:sld xmlns:a="http://schemas.openxmlformats.org/drawingml/2006/main" xmlns:r="http://schemas.openxmlformats.org/officeDocument/2006/relationships" xmlns:mc="http://schemas.openxmlformats.org/markup-compatibility/2006" xmlns:mv="urn:schemas-microsoft-com:mac:vml" xmlns:p="http://schemas.openxmlformats.org/presentationml/2006/main" xmlns:c="http://schemas.openxmlformats.org/drawingml/2006/chart" xmlns:dgm="http://schemas.openxmlformats.org/drawingml/2006/diagram" xmlns:o="urn:schemas-microsoft-com:office:office" xmlns:v="urn:schemas-microsoft-com:vml" xmlns:pvml="urn:schemas-microsoft-com:office:powerpoint" xmlns:com="http://schemas.openxmlformats.org/drawingml/2006/compatibility" xmlns:p14="http://schemas.microsoft.com/office/powerpoint/2010/main" xmlns:p15="http://schemas.microsoft.com/office/powerpoint/2012/main">
+<p:sld xmlns:a="http://schemas.openxmlformats.org/drawingml/2006/main" xmlns:r="http://schemas.openxmlformats.org/officeDocument/2006/relationships" xmlns:p="http://schemas.openxmlformats.org/presentationml/2006/main">
   <p:cSld>
     <p:spTree>
       <p:nvGrpSpPr>
-        <p:cNvPr id="121" name="Shape 121"/>
+        <p:cNvPr id="1" name="Shape 121"/>
         <p:cNvGrpSpPr/>
         <p:nvPr/>
       </p:nvGrpSpPr>
@@ -11668,9 +12074,11 @@
       <p:sp>
         <p:nvSpPr>
           <p:cNvPr id="122" name="Google Shape;122;p21"/>
-          <p:cNvSpPr txBox="1"/>
+          <p:cNvSpPr txBox="1">
+            <a:spLocks noGrp="1"/>
+          </p:cNvSpPr>
           <p:nvPr>
-            <p:ph idx="12" type="sldNum"/>
+            <p:ph type="sldNum" idx="12"/>
           </p:nvPr>
         </p:nvSpPr>
         <p:spPr>
@@ -11683,12 +12091,12 @@
           </a:prstGeom>
         </p:spPr>
         <p:txBody>
-          <a:bodyPr anchorCtr="0" anchor="t" bIns="91425" lIns="91425" spcFirstLastPara="1" rIns="91425" wrap="square" tIns="91425">
+          <a:bodyPr spcFirstLastPara="1" wrap="square" lIns="91425" tIns="91425" rIns="91425" bIns="91425" anchor="t" anchorCtr="0">
             <a:noAutofit/>
           </a:bodyPr>
           <a:lstStyle/>
           <a:p>
-            <a:pPr indent="0" lvl="0" marL="0" rtl="0" algn="r">
+            <a:pPr marL="0" lvl="0" indent="0" algn="r" rtl="0">
               <a:spcBef>
                 <a:spcPts val="0"/>
               </a:spcBef>
@@ -11699,7 +12107,7 @@
             </a:pPr>
             <a:fld id="{00000000-1234-1234-1234-123412341234}" type="slidenum">
               <a:rPr lang="en"/>
-              <a:t>‹#›</a:t>
+              <a:t>8</a:t>
             </a:fld>
             <a:endParaRPr/>
           </a:p>
@@ -11708,7 +12116,9 @@
       <p:sp>
         <p:nvSpPr>
           <p:cNvPr id="123" name="Google Shape;123;p21"/>
-          <p:cNvSpPr txBox="1"/>
+          <p:cNvSpPr txBox="1">
+            <a:spLocks noGrp="1"/>
+          </p:cNvSpPr>
           <p:nvPr>
             <p:ph type="title"/>
           </p:nvPr>
@@ -11723,12 +12133,12 @@
           </a:prstGeom>
         </p:spPr>
         <p:txBody>
-          <a:bodyPr anchorCtr="0" anchor="b" bIns="91425" lIns="91425" spcFirstLastPara="1" rIns="91425" wrap="square" tIns="91425">
+          <a:bodyPr spcFirstLastPara="1" wrap="square" lIns="91425" tIns="91425" rIns="91425" bIns="91425" anchor="b" anchorCtr="0">
             <a:noAutofit/>
           </a:bodyPr>
           <a:lstStyle/>
           <a:p>
-            <a:pPr indent="0" lvl="0" marL="0" rtl="0" algn="l">
+            <a:pPr marL="0" lvl="0" indent="0" algn="l" rtl="0">
               <a:spcBef>
                 <a:spcPts val="0"/>
               </a:spcBef>
@@ -11744,7 +12154,7 @@
             <a:endParaRPr/>
           </a:p>
           <a:p>
-            <a:pPr indent="0" lvl="0" marL="0" rtl="0" algn="l">
+            <a:pPr marL="0" lvl="0" indent="0" algn="l" rtl="0">
               <a:spcBef>
                 <a:spcPts val="0"/>
               </a:spcBef>
@@ -11772,9 +12182,11 @@
       <p:sp>
         <p:nvSpPr>
           <p:cNvPr id="124" name="Google Shape;124;p21"/>
-          <p:cNvSpPr txBox="1"/>
+          <p:cNvSpPr txBox="1">
+            <a:spLocks noGrp="1"/>
+          </p:cNvSpPr>
           <p:nvPr>
-            <p:ph idx="1" type="body"/>
+            <p:ph type="body" idx="1"/>
           </p:nvPr>
         </p:nvSpPr>
         <p:spPr>
@@ -11787,12 +12199,12 @@
           </a:prstGeom>
         </p:spPr>
         <p:txBody>
-          <a:bodyPr anchorCtr="0" anchor="t" bIns="91425" lIns="91425" spcFirstLastPara="1" rIns="91425" wrap="square" tIns="91425">
+          <a:bodyPr spcFirstLastPara="1" wrap="square" lIns="91425" tIns="91425" rIns="91425" bIns="91425" anchor="t" anchorCtr="0">
             <a:noAutofit/>
           </a:bodyPr>
           <a:lstStyle/>
           <a:p>
-            <a:pPr indent="-342900" lvl="0" marL="457200" marR="0" rtl="0" algn="l">
+            <a:pPr marL="457200" marR="0" lvl="0" indent="-342900" algn="l" rtl="0">
               <a:lnSpc>
                 <a:spcPct val="100000"/>
               </a:lnSpc>
@@ -11806,13 +12218,13 @@
               <a:buChar char="▸"/>
             </a:pPr>
             <a:r>
-              <a:rPr b="1" lang="en" sz="1800"/>
+              <a:rPr lang="en" sz="1800" b="1"/>
               <a:t>Key question</a:t>
             </a:r>
-            <a:endParaRPr b="1" sz="1800"/>
-          </a:p>
-          <a:p>
-            <a:pPr indent="0" lvl="0" marL="457200" marR="0" rtl="0" algn="l">
+            <a:endParaRPr sz="1800" b="1"/>
+          </a:p>
+          <a:p>
+            <a:pPr marL="457200" marR="0" lvl="0" indent="0" algn="l" rtl="0">
               <a:lnSpc>
                 <a:spcPct val="100000"/>
               </a:lnSpc>
@@ -11831,7 +12243,7 @@
             <a:endParaRPr sz="1800"/>
           </a:p>
           <a:p>
-            <a:pPr indent="-342900" lvl="0" marL="457200" marR="0" rtl="0" algn="l">
+            <a:pPr marL="457200" marR="0" lvl="0" indent="-342900" algn="l" rtl="0">
               <a:lnSpc>
                 <a:spcPct val="100000"/>
               </a:lnSpc>
@@ -11845,13 +12257,13 @@
               <a:buChar char="▸"/>
             </a:pPr>
             <a:r>
-              <a:rPr b="1" lang="en" sz="1800"/>
+              <a:rPr lang="en" sz="1800" b="1"/>
               <a:t>In other words</a:t>
             </a:r>
-            <a:endParaRPr b="1" sz="1800"/>
-          </a:p>
-          <a:p>
-            <a:pPr indent="0" lvl="0" marL="457200" marR="0" rtl="0" algn="l">
+            <a:endParaRPr sz="1800" b="1"/>
+          </a:p>
+          <a:p>
+            <a:pPr marL="457200" marR="0" lvl="0" indent="0" algn="l" rtl="0">
               <a:lnSpc>
                 <a:spcPct val="100000"/>
               </a:lnSpc>
@@ -11880,11 +12292,11 @@
 </file>
 
 <file path=ppt/slides/slide9.xml><?xml version="1.0" encoding="utf-8"?>
-<p:sld xmlns:a="http://schemas.openxmlformats.org/drawingml/2006/main" xmlns:r="http://schemas.openxmlformats.org/officeDocument/2006/relationships" xmlns:mc="http://schemas.openxmlformats.org/markup-compatibility/2006" xmlns:mv="urn:schemas-microsoft-com:mac:vml" xmlns:p="http://schemas.openxmlformats.org/presentationml/2006/main" xmlns:c="http://schemas.openxmlformats.org/drawingml/2006/chart" xmlns:dgm="http://schemas.openxmlformats.org/drawingml/2006/diagram" xmlns:o="urn:schemas-microsoft-com:office:office" xmlns:v="urn:schemas-microsoft-com:vml" xmlns:pvml="urn:schemas-microsoft-com:office:powerpoint" xmlns:com="http://schemas.openxmlformats.org/drawingml/2006/compatibility" xmlns:p14="http://schemas.microsoft.com/office/powerpoint/2010/main" xmlns:p15="http://schemas.microsoft.com/office/powerpoint/2012/main">
+<p:sld xmlns:a="http://schemas.openxmlformats.org/drawingml/2006/main" xmlns:r="http://schemas.openxmlformats.org/officeDocument/2006/relationships" xmlns:p="http://schemas.openxmlformats.org/presentationml/2006/main">
   <p:cSld>
     <p:spTree>
       <p:nvGrpSpPr>
-        <p:cNvPr id="128" name="Shape 128"/>
+        <p:cNvPr id="1" name="Shape 128"/>
         <p:cNvGrpSpPr/>
         <p:nvPr/>
       </p:nvGrpSpPr>
@@ -11899,7 +12311,9 @@
       <p:sp>
         <p:nvSpPr>
           <p:cNvPr id="129" name="Google Shape;129;p22"/>
-          <p:cNvSpPr txBox="1"/>
+          <p:cNvSpPr txBox="1">
+            <a:spLocks noGrp="1"/>
+          </p:cNvSpPr>
           <p:nvPr>
             <p:ph type="title"/>
           </p:nvPr>
@@ -11914,12 +12328,12 @@
           </a:prstGeom>
         </p:spPr>
         <p:txBody>
-          <a:bodyPr anchorCtr="0" anchor="b" bIns="91425" lIns="91425" spcFirstLastPara="1" rIns="91425" wrap="square" tIns="91425">
+          <a:bodyPr spcFirstLastPara="1" wrap="square" lIns="91425" tIns="91425" rIns="91425" bIns="91425" anchor="b" anchorCtr="0">
             <a:noAutofit/>
           </a:bodyPr>
           <a:lstStyle/>
           <a:p>
-            <a:pPr indent="0" lvl="0" marL="0" rtl="0" algn="l">
+            <a:pPr marL="0" lvl="0" indent="0" algn="l" rtl="0">
               <a:spcBef>
                 <a:spcPts val="0"/>
               </a:spcBef>
@@ -11939,9 +12353,11 @@
       <p:sp>
         <p:nvSpPr>
           <p:cNvPr id="130" name="Google Shape;130;p22"/>
-          <p:cNvSpPr txBox="1"/>
+          <p:cNvSpPr txBox="1">
+            <a:spLocks noGrp="1"/>
+          </p:cNvSpPr>
           <p:nvPr>
-            <p:ph idx="1" type="body"/>
+            <p:ph type="body" idx="1"/>
           </p:nvPr>
         </p:nvSpPr>
         <p:spPr>
@@ -11954,12 +12370,12 @@
           </a:prstGeom>
         </p:spPr>
         <p:txBody>
-          <a:bodyPr anchorCtr="0" anchor="t" bIns="91425" lIns="91425" spcFirstLastPara="1" rIns="91425" wrap="square" tIns="91425">
+          <a:bodyPr spcFirstLastPara="1" wrap="square" lIns="91425" tIns="91425" rIns="91425" bIns="91425" anchor="t" anchorCtr="0">
             <a:noAutofit/>
           </a:bodyPr>
           <a:lstStyle/>
           <a:p>
-            <a:pPr indent="0" lvl="0" marL="0" rtl="0" algn="l">
+            <a:pPr marL="0" lvl="0" indent="0" algn="l" rtl="0">
               <a:spcBef>
                 <a:spcPts val="600"/>
               </a:spcBef>
@@ -11969,7 +12385,7 @@
               <a:buNone/>
             </a:pPr>
             <a:r>
-              <a:rPr b="1" lang="en" sz="1800">
+              <a:rPr lang="en" sz="1800" b="1">
                 <a:solidFill>
                   <a:srgbClr val="6AA84F"/>
                 </a:solidFill>
@@ -12002,7 +12418,7 @@
             <a:endParaRPr/>
           </a:p>
           <a:p>
-            <a:pPr indent="0" lvl="0" marL="0" rtl="0" algn="l">
+            <a:pPr marL="0" lvl="0" indent="0" algn="l" rtl="0">
               <a:spcBef>
                 <a:spcPts val="600"/>
               </a:spcBef>
@@ -12011,9 +12427,6 @@
               </a:spcAft>
               <a:buNone/>
             </a:pPr>
-            <a:r>
-              <a:t/>
-            </a:r>
             <a:endParaRPr/>
           </a:p>
         </p:txBody>
@@ -12021,9 +12434,11 @@
       <p:sp>
         <p:nvSpPr>
           <p:cNvPr id="131" name="Google Shape;131;p22"/>
-          <p:cNvSpPr txBox="1"/>
+          <p:cNvSpPr txBox="1">
+            <a:spLocks noGrp="1"/>
+          </p:cNvSpPr>
           <p:nvPr>
-            <p:ph idx="12" type="sldNum"/>
+            <p:ph type="sldNum" idx="12"/>
           </p:nvPr>
         </p:nvSpPr>
         <p:spPr>
@@ -12036,12 +12451,12 @@
           </a:prstGeom>
         </p:spPr>
         <p:txBody>
-          <a:bodyPr anchorCtr="0" anchor="t" bIns="91425" lIns="91425" spcFirstLastPara="1" rIns="91425" wrap="square" tIns="91425">
+          <a:bodyPr spcFirstLastPara="1" wrap="square" lIns="91425" tIns="91425" rIns="91425" bIns="91425" anchor="t" anchorCtr="0">
             <a:noAutofit/>
           </a:bodyPr>
           <a:lstStyle/>
           <a:p>
-            <a:pPr indent="0" lvl="0" marL="0" rtl="0" algn="r">
+            <a:pPr marL="0" lvl="0" indent="0" algn="r" rtl="0">
               <a:spcBef>
                 <a:spcPts val="0"/>
               </a:spcBef>
@@ -12052,7 +12467,7 @@
             </a:pPr>
             <a:fld id="{00000000-1234-1234-1234-123412341234}" type="slidenum">
               <a:rPr lang="en"/>
-              <a:t>‹#›</a:t>
+              <a:t>9</a:t>
             </a:fld>
             <a:endParaRPr/>
           </a:p>
@@ -12095,7 +12510,288 @@
 </file>
 
 <file path=ppt/theme/theme1.xml><?xml version="1.0" encoding="utf-8"?>
-<a:theme xmlns:a="http://schemas.openxmlformats.org/drawingml/2006/main" xmlns:r="http://schemas.openxmlformats.org/officeDocument/2006/relationships">
+<a:theme xmlns:a="http://schemas.openxmlformats.org/drawingml/2006/main" name="Arviragus template">
+  <a:themeElements>
+    <a:clrScheme name="Custom 347">
+      <a:dk1>
+        <a:srgbClr val="666666"/>
+      </a:dk1>
+      <a:lt1>
+        <a:srgbClr val="FFFFFF"/>
+      </a:lt1>
+      <a:dk2>
+        <a:srgbClr val="999999"/>
+      </a:dk2>
+      <a:lt2>
+        <a:srgbClr val="FFFFFF"/>
+      </a:lt2>
+      <a:accent1>
+        <a:srgbClr val="8BC34A"/>
+      </a:accent1>
+      <a:accent2>
+        <a:srgbClr val="00BCD4"/>
+      </a:accent2>
+      <a:accent3>
+        <a:srgbClr val="9C27B0"/>
+      </a:accent3>
+      <a:accent4>
+        <a:srgbClr val="E91E63"/>
+      </a:accent4>
+      <a:accent5>
+        <a:srgbClr val="FF9800"/>
+      </a:accent5>
+      <a:accent6>
+        <a:srgbClr val="FFEB3B"/>
+      </a:accent6>
+      <a:hlink>
+        <a:srgbClr val="2196F3"/>
+      </a:hlink>
+      <a:folHlink>
+        <a:srgbClr val="6611CC"/>
+      </a:folHlink>
+    </a:clrScheme>
+    <a:fontScheme name="Office">
+      <a:majorFont>
+        <a:latin typeface="Arial"/>
+        <a:ea typeface=""/>
+        <a:cs typeface=""/>
+        <a:font script="Jpan" typeface="ＭＳ Ｐゴシック"/>
+        <a:font script="Hang" typeface="맑은 고딕"/>
+        <a:font script="Hans" typeface="宋体"/>
+        <a:font script="Hant" typeface="新細明體"/>
+        <a:font script="Arab" typeface="Times New Roman"/>
+        <a:font script="Hebr" typeface="Times New Roman"/>
+        <a:font script="Thai" typeface="Angsana New"/>
+        <a:font script="Ethi" typeface="Nyala"/>
+        <a:font script="Beng" typeface="Vrinda"/>
+        <a:font script="Gujr" typeface="Shruti"/>
+        <a:font script="Khmr" typeface="MoolBoran"/>
+        <a:font script="Knda" typeface="Tunga"/>
+        <a:font script="Guru" typeface="Raavi"/>
+        <a:font script="Cans" typeface="Euphemia"/>
+        <a:font script="Cher" typeface="Plantagenet Cherokee"/>
+        <a:font script="Yiii" typeface="Microsoft Yi Baiti"/>
+        <a:font script="Tibt" typeface="Microsoft Himalaya"/>
+        <a:font script="Thaa" typeface="MV Boli"/>
+        <a:font script="Deva" typeface="Mangal"/>
+        <a:font script="Telu" typeface="Gautami"/>
+        <a:font script="Taml" typeface="Latha"/>
+        <a:font script="Syrc" typeface="Estrangelo Edessa"/>
+        <a:font script="Orya" typeface="Kalinga"/>
+        <a:font script="Mlym" typeface="Kartika"/>
+        <a:font script="Laoo" typeface="DokChampa"/>
+        <a:font script="Sinh" typeface="Iskoola Pota"/>
+        <a:font script="Mong" typeface="Mongolian Baiti"/>
+        <a:font script="Viet" typeface="Times New Roman"/>
+        <a:font script="Uigh" typeface="Microsoft Uighur"/>
+        <a:font script="Geor" typeface="Sylfaen"/>
+      </a:majorFont>
+      <a:minorFont>
+        <a:latin typeface="Arial"/>
+        <a:ea typeface=""/>
+        <a:cs typeface=""/>
+        <a:font script="Jpan" typeface="ＭＳ Ｐゴシック"/>
+        <a:font script="Hang" typeface="맑은 고딕"/>
+        <a:font script="Hans" typeface="宋体"/>
+        <a:font script="Hant" typeface="新細明體"/>
+        <a:font script="Arab" typeface="Arial"/>
+        <a:font script="Hebr" typeface="Arial"/>
+        <a:font script="Thai" typeface="Cordia New"/>
+        <a:font script="Ethi" typeface="Nyala"/>
+        <a:font script="Beng" typeface="Vrinda"/>
+        <a:font script="Gujr" typeface="Shruti"/>
+        <a:font script="Khmr" typeface="DaunPenh"/>
+        <a:font script="Knda" typeface="Tunga"/>
+        <a:font script="Guru" typeface="Raavi"/>
+        <a:font script="Cans" typeface="Euphemia"/>
+        <a:font script="Cher" typeface="Plantagenet Cherokee"/>
+        <a:font script="Yiii" typeface="Microsoft Yi Baiti"/>
+        <a:font script="Tibt" typeface="Microsoft Himalaya"/>
+        <a:font script="Thaa" typeface="MV Boli"/>
+        <a:font script="Deva" typeface="Mangal"/>
+        <a:font script="Telu" typeface="Gautami"/>
+        <a:font script="Taml" typeface="Latha"/>
+        <a:font script="Syrc" typeface="Estrangelo Edessa"/>
+        <a:font script="Orya" typeface="Kalinga"/>
+        <a:font script="Mlym" typeface="Kartika"/>
+        <a:font script="Laoo" typeface="DokChampa"/>
+        <a:font script="Sinh" typeface="Iskoola Pota"/>
+        <a:font script="Mong" typeface="Mongolian Baiti"/>
+        <a:font script="Viet" typeface="Arial"/>
+        <a:font script="Uigh" typeface="Microsoft Uighur"/>
+        <a:font script="Geor" typeface="Sylfaen"/>
+      </a:minorFont>
+    </a:fontScheme>
+    <a:fmtScheme name="Office">
+      <a:fillStyleLst>
+        <a:solidFill>
+          <a:schemeClr val="phClr"/>
+        </a:solidFill>
+        <a:gradFill rotWithShape="1">
+          <a:gsLst>
+            <a:gs pos="0">
+              <a:schemeClr val="phClr">
+                <a:tint val="50000"/>
+                <a:satMod val="300000"/>
+              </a:schemeClr>
+            </a:gs>
+            <a:gs pos="35000">
+              <a:schemeClr val="phClr">
+                <a:tint val="37000"/>
+                <a:satMod val="300000"/>
+              </a:schemeClr>
+            </a:gs>
+            <a:gs pos="100000">
+              <a:schemeClr val="phClr">
+                <a:tint val="15000"/>
+                <a:satMod val="350000"/>
+              </a:schemeClr>
+            </a:gs>
+          </a:gsLst>
+          <a:lin ang="16200000" scaled="1"/>
+        </a:gradFill>
+        <a:gradFill rotWithShape="1">
+          <a:gsLst>
+            <a:gs pos="0">
+              <a:schemeClr val="phClr">
+                <a:tint val="100000"/>
+                <a:shade val="100000"/>
+                <a:satMod val="130000"/>
+              </a:schemeClr>
+            </a:gs>
+            <a:gs pos="100000">
+              <a:schemeClr val="phClr">
+                <a:tint val="50000"/>
+                <a:shade val="100000"/>
+                <a:satMod val="350000"/>
+              </a:schemeClr>
+            </a:gs>
+          </a:gsLst>
+          <a:lin ang="16200000" scaled="0"/>
+        </a:gradFill>
+      </a:fillStyleLst>
+      <a:lnStyleLst>
+        <a:ln w="9525" cap="flat" cmpd="sng" algn="ctr">
+          <a:solidFill>
+            <a:schemeClr val="phClr">
+              <a:shade val="95000"/>
+              <a:satMod val="105000"/>
+            </a:schemeClr>
+          </a:solidFill>
+          <a:prstDash val="solid"/>
+        </a:ln>
+        <a:ln w="25400" cap="flat" cmpd="sng" algn="ctr">
+          <a:solidFill>
+            <a:schemeClr val="phClr"/>
+          </a:solidFill>
+          <a:prstDash val="solid"/>
+        </a:ln>
+        <a:ln w="38100" cap="flat" cmpd="sng" algn="ctr">
+          <a:solidFill>
+            <a:schemeClr val="phClr"/>
+          </a:solidFill>
+          <a:prstDash val="solid"/>
+        </a:ln>
+      </a:lnStyleLst>
+      <a:effectStyleLst>
+        <a:effectStyle>
+          <a:effectLst>
+            <a:outerShdw blurRad="40000" dist="20000" dir="5400000" rotWithShape="0">
+              <a:srgbClr val="000000">
+                <a:alpha val="38000"/>
+              </a:srgbClr>
+            </a:outerShdw>
+          </a:effectLst>
+        </a:effectStyle>
+        <a:effectStyle>
+          <a:effectLst>
+            <a:outerShdw blurRad="40000" dist="23000" dir="5400000" rotWithShape="0">
+              <a:srgbClr val="000000">
+                <a:alpha val="35000"/>
+              </a:srgbClr>
+            </a:outerShdw>
+          </a:effectLst>
+        </a:effectStyle>
+        <a:effectStyle>
+          <a:effectLst>
+            <a:outerShdw blurRad="40000" dist="23000" dir="5400000" rotWithShape="0">
+              <a:srgbClr val="000000">
+                <a:alpha val="35000"/>
+              </a:srgbClr>
+            </a:outerShdw>
+          </a:effectLst>
+          <a:scene3d>
+            <a:camera prst="orthographicFront">
+              <a:rot lat="0" lon="0" rev="0"/>
+            </a:camera>
+            <a:lightRig rig="threePt" dir="t">
+              <a:rot lat="0" lon="0" rev="1200000"/>
+            </a:lightRig>
+          </a:scene3d>
+          <a:sp3d>
+            <a:bevelT w="63500" h="25400"/>
+          </a:sp3d>
+        </a:effectStyle>
+      </a:effectStyleLst>
+      <a:bgFillStyleLst>
+        <a:solidFill>
+          <a:schemeClr val="phClr"/>
+        </a:solidFill>
+        <a:gradFill rotWithShape="1">
+          <a:gsLst>
+            <a:gs pos="0">
+              <a:schemeClr val="phClr">
+                <a:tint val="40000"/>
+                <a:satMod val="350000"/>
+              </a:schemeClr>
+            </a:gs>
+            <a:gs pos="40000">
+              <a:schemeClr val="phClr">
+                <a:tint val="45000"/>
+                <a:shade val="99000"/>
+                <a:satMod val="350000"/>
+              </a:schemeClr>
+            </a:gs>
+            <a:gs pos="100000">
+              <a:schemeClr val="phClr">
+                <a:shade val="20000"/>
+                <a:satMod val="255000"/>
+              </a:schemeClr>
+            </a:gs>
+          </a:gsLst>
+          <a:path path="circle">
+            <a:fillToRect l="50000" t="-80000" r="50000" b="180000"/>
+          </a:path>
+        </a:gradFill>
+        <a:gradFill rotWithShape="1">
+          <a:gsLst>
+            <a:gs pos="0">
+              <a:schemeClr val="phClr">
+                <a:tint val="80000"/>
+                <a:satMod val="300000"/>
+              </a:schemeClr>
+            </a:gs>
+            <a:gs pos="100000">
+              <a:schemeClr val="phClr">
+                <a:shade val="30000"/>
+                <a:satMod val="200000"/>
+              </a:schemeClr>
+            </a:gs>
+          </a:gsLst>
+          <a:path path="circle">
+            <a:fillToRect l="50000" t="50000" r="50000" b="50000"/>
+          </a:path>
+        </a:gradFill>
+      </a:bgFillStyleLst>
+    </a:fmtScheme>
+  </a:themeElements>
+  <a:objectDefaults/>
+  <a:extraClrSchemeLst/>
+</a:theme>
+</file>
+
+<file path=ppt/theme/theme2.xml><?xml version="1.0" encoding="utf-8"?>
+<a:theme xmlns:a="http://schemas.openxmlformats.org/drawingml/2006/main">
   <a:themeElements>
     <a:clrScheme name="Default">
       <a:dk1>
@@ -12370,284 +13066,7 @@
       </a:bgFillStyleLst>
     </a:fmtScheme>
   </a:themeElements>
-</a:theme>
-</file>
-
-<file path=ppt/theme/theme2.xml><?xml version="1.0" encoding="utf-8"?>
-<a:theme xmlns:a="http://schemas.openxmlformats.org/drawingml/2006/main" xmlns:r="http://schemas.openxmlformats.org/officeDocument/2006/relationships" name="Arviragus template">
-  <a:themeElements>
-    <a:clrScheme name="Custom 347">
-      <a:dk1>
-        <a:srgbClr val="666666"/>
-      </a:dk1>
-      <a:lt1>
-        <a:srgbClr val="FFFFFF"/>
-      </a:lt1>
-      <a:dk2>
-        <a:srgbClr val="999999"/>
-      </a:dk2>
-      <a:lt2>
-        <a:srgbClr val="FFFFFF"/>
-      </a:lt2>
-      <a:accent1>
-        <a:srgbClr val="8BC34A"/>
-      </a:accent1>
-      <a:accent2>
-        <a:srgbClr val="00BCD4"/>
-      </a:accent2>
-      <a:accent3>
-        <a:srgbClr val="9C27B0"/>
-      </a:accent3>
-      <a:accent4>
-        <a:srgbClr val="E91E63"/>
-      </a:accent4>
-      <a:accent5>
-        <a:srgbClr val="FF9800"/>
-      </a:accent5>
-      <a:accent6>
-        <a:srgbClr val="FFEB3B"/>
-      </a:accent6>
-      <a:hlink>
-        <a:srgbClr val="2196F3"/>
-      </a:hlink>
-      <a:folHlink>
-        <a:srgbClr val="6611CC"/>
-      </a:folHlink>
-    </a:clrScheme>
-    <a:fontScheme name="Office">
-      <a:majorFont>
-        <a:latin typeface="Arial"/>
-        <a:ea typeface=""/>
-        <a:cs typeface=""/>
-        <a:font script="Jpan" typeface="ＭＳ Ｐゴシック"/>
-        <a:font script="Hang" typeface="맑은 고딕"/>
-        <a:font script="Hans" typeface="宋体"/>
-        <a:font script="Hant" typeface="新細明體"/>
-        <a:font script="Arab" typeface="Times New Roman"/>
-        <a:font script="Hebr" typeface="Times New Roman"/>
-        <a:font script="Thai" typeface="Angsana New"/>
-        <a:font script="Ethi" typeface="Nyala"/>
-        <a:font script="Beng" typeface="Vrinda"/>
-        <a:font script="Gujr" typeface="Shruti"/>
-        <a:font script="Khmr" typeface="MoolBoran"/>
-        <a:font script="Knda" typeface="Tunga"/>
-        <a:font script="Guru" typeface="Raavi"/>
-        <a:font script="Cans" typeface="Euphemia"/>
-        <a:font script="Cher" typeface="Plantagenet Cherokee"/>
-        <a:font script="Yiii" typeface="Microsoft Yi Baiti"/>
-        <a:font script="Tibt" typeface="Microsoft Himalaya"/>
-        <a:font script="Thaa" typeface="MV Boli"/>
-        <a:font script="Deva" typeface="Mangal"/>
-        <a:font script="Telu" typeface="Gautami"/>
-        <a:font script="Taml" typeface="Latha"/>
-        <a:font script="Syrc" typeface="Estrangelo Edessa"/>
-        <a:font script="Orya" typeface="Kalinga"/>
-        <a:font script="Mlym" typeface="Kartika"/>
-        <a:font script="Laoo" typeface="DokChampa"/>
-        <a:font script="Sinh" typeface="Iskoola Pota"/>
-        <a:font script="Mong" typeface="Mongolian Baiti"/>
-        <a:font script="Viet" typeface="Times New Roman"/>
-        <a:font script="Uigh" typeface="Microsoft Uighur"/>
-        <a:font script="Geor" typeface="Sylfaen"/>
-      </a:majorFont>
-      <a:minorFont>
-        <a:latin typeface="Arial"/>
-        <a:ea typeface=""/>
-        <a:cs typeface=""/>
-        <a:font script="Jpan" typeface="ＭＳ Ｐゴシック"/>
-        <a:font script="Hang" typeface="맑은 고딕"/>
-        <a:font script="Hans" typeface="宋体"/>
-        <a:font script="Hant" typeface="新細明體"/>
-        <a:font script="Arab" typeface="Arial"/>
-        <a:font script="Hebr" typeface="Arial"/>
-        <a:font script="Thai" typeface="Cordia New"/>
-        <a:font script="Ethi" typeface="Nyala"/>
-        <a:font script="Beng" typeface="Vrinda"/>
-        <a:font script="Gujr" typeface="Shruti"/>
-        <a:font script="Khmr" typeface="DaunPenh"/>
-        <a:font script="Knda" typeface="Tunga"/>
-        <a:font script="Guru" typeface="Raavi"/>
-        <a:font script="Cans" typeface="Euphemia"/>
-        <a:font script="Cher" typeface="Plantagenet Cherokee"/>
-        <a:font script="Yiii" typeface="Microsoft Yi Baiti"/>
-        <a:font script="Tibt" typeface="Microsoft Himalaya"/>
-        <a:font script="Thaa" typeface="MV Boli"/>
-        <a:font script="Deva" typeface="Mangal"/>
-        <a:font script="Telu" typeface="Gautami"/>
-        <a:font script="Taml" typeface="Latha"/>
-        <a:font script="Syrc" typeface="Estrangelo Edessa"/>
-        <a:font script="Orya" typeface="Kalinga"/>
-        <a:font script="Mlym" typeface="Kartika"/>
-        <a:font script="Laoo" typeface="DokChampa"/>
-        <a:font script="Sinh" typeface="Iskoola Pota"/>
-        <a:font script="Mong" typeface="Mongolian Baiti"/>
-        <a:font script="Viet" typeface="Arial"/>
-        <a:font script="Uigh" typeface="Microsoft Uighur"/>
-        <a:font script="Geor" typeface="Sylfaen"/>
-      </a:minorFont>
-    </a:fontScheme>
-    <a:fmtScheme name="Office">
-      <a:fillStyleLst>
-        <a:solidFill>
-          <a:schemeClr val="phClr"/>
-        </a:solidFill>
-        <a:gradFill rotWithShape="1">
-          <a:gsLst>
-            <a:gs pos="0">
-              <a:schemeClr val="phClr">
-                <a:tint val="50000"/>
-                <a:satMod val="300000"/>
-              </a:schemeClr>
-            </a:gs>
-            <a:gs pos="35000">
-              <a:schemeClr val="phClr">
-                <a:tint val="37000"/>
-                <a:satMod val="300000"/>
-              </a:schemeClr>
-            </a:gs>
-            <a:gs pos="100000">
-              <a:schemeClr val="phClr">
-                <a:tint val="15000"/>
-                <a:satMod val="350000"/>
-              </a:schemeClr>
-            </a:gs>
-          </a:gsLst>
-          <a:lin ang="16200000" scaled="1"/>
-        </a:gradFill>
-        <a:gradFill rotWithShape="1">
-          <a:gsLst>
-            <a:gs pos="0">
-              <a:schemeClr val="phClr">
-                <a:tint val="100000"/>
-                <a:shade val="100000"/>
-                <a:satMod val="130000"/>
-              </a:schemeClr>
-            </a:gs>
-            <a:gs pos="100000">
-              <a:schemeClr val="phClr">
-                <a:tint val="50000"/>
-                <a:shade val="100000"/>
-                <a:satMod val="350000"/>
-              </a:schemeClr>
-            </a:gs>
-          </a:gsLst>
-          <a:lin ang="16200000" scaled="0"/>
-        </a:gradFill>
-      </a:fillStyleLst>
-      <a:lnStyleLst>
-        <a:ln w="9525" cap="flat" cmpd="sng" algn="ctr">
-          <a:solidFill>
-            <a:schemeClr val="phClr">
-              <a:shade val="95000"/>
-              <a:satMod val="105000"/>
-            </a:schemeClr>
-          </a:solidFill>
-          <a:prstDash val="solid"/>
-        </a:ln>
-        <a:ln w="25400" cap="flat" cmpd="sng" algn="ctr">
-          <a:solidFill>
-            <a:schemeClr val="phClr"/>
-          </a:solidFill>
-          <a:prstDash val="solid"/>
-        </a:ln>
-        <a:ln w="38100" cap="flat" cmpd="sng" algn="ctr">
-          <a:solidFill>
-            <a:schemeClr val="phClr"/>
-          </a:solidFill>
-          <a:prstDash val="solid"/>
-        </a:ln>
-      </a:lnStyleLst>
-      <a:effectStyleLst>
-        <a:effectStyle>
-          <a:effectLst>
-            <a:outerShdw blurRad="40000" dist="20000" dir="5400000" rotWithShape="0">
-              <a:srgbClr val="000000">
-                <a:alpha val="38000"/>
-              </a:srgbClr>
-            </a:outerShdw>
-          </a:effectLst>
-        </a:effectStyle>
-        <a:effectStyle>
-          <a:effectLst>
-            <a:outerShdw blurRad="40000" dist="23000" dir="5400000" rotWithShape="0">
-              <a:srgbClr val="000000">
-                <a:alpha val="35000"/>
-              </a:srgbClr>
-            </a:outerShdw>
-          </a:effectLst>
-        </a:effectStyle>
-        <a:effectStyle>
-          <a:effectLst>
-            <a:outerShdw blurRad="40000" dist="23000" dir="5400000" rotWithShape="0">
-              <a:srgbClr val="000000">
-                <a:alpha val="35000"/>
-              </a:srgbClr>
-            </a:outerShdw>
-          </a:effectLst>
-          <a:scene3d>
-            <a:camera prst="orthographicFront">
-              <a:rot lat="0" lon="0" rev="0"/>
-            </a:camera>
-            <a:lightRig rig="threePt" dir="t">
-              <a:rot lat="0" lon="0" rev="1200000"/>
-            </a:lightRig>
-          </a:scene3d>
-          <a:sp3d>
-            <a:bevelT w="63500" h="25400"/>
-          </a:sp3d>
-        </a:effectStyle>
-      </a:effectStyleLst>
-      <a:bgFillStyleLst>
-        <a:solidFill>
-          <a:schemeClr val="phClr"/>
-        </a:solidFill>
-        <a:gradFill rotWithShape="1">
-          <a:gsLst>
-            <a:gs pos="0">
-              <a:schemeClr val="phClr">
-                <a:tint val="40000"/>
-                <a:satMod val="350000"/>
-              </a:schemeClr>
-            </a:gs>
-            <a:gs pos="40000">
-              <a:schemeClr val="phClr">
-                <a:tint val="45000"/>
-                <a:shade val="99000"/>
-                <a:satMod val="350000"/>
-              </a:schemeClr>
-            </a:gs>
-            <a:gs pos="100000">
-              <a:schemeClr val="phClr">
-                <a:shade val="20000"/>
-                <a:satMod val="255000"/>
-              </a:schemeClr>
-            </a:gs>
-          </a:gsLst>
-          <a:path path="circle">
-            <a:fillToRect l="50000" t="-80000" r="50000" b="180000"/>
-          </a:path>
-        </a:gradFill>
-        <a:gradFill rotWithShape="1">
-          <a:gsLst>
-            <a:gs pos="0">
-              <a:schemeClr val="phClr">
-                <a:tint val="80000"/>
-                <a:satMod val="300000"/>
-              </a:schemeClr>
-            </a:gs>
-            <a:gs pos="100000">
-              <a:schemeClr val="phClr">
-                <a:shade val="30000"/>
-                <a:satMod val="200000"/>
-              </a:schemeClr>
-            </a:gs>
-          </a:gsLst>
-          <a:path path="circle">
-            <a:fillToRect l="50000" t="50000" r="50000" b="50000"/>
-          </a:path>
-        </a:gradFill>
-      </a:bgFillStyleLst>
-    </a:fmtScheme>
-  </a:themeElements>
+  <a:objectDefaults/>
+  <a:extraClrSchemeLst/>
 </a:theme>
 </file>